--- a/project3.pptx
+++ b/project3.pptx
@@ -6,11 +6,13 @@
   </p:sldMasterIdLst>
   <p:sldIdLst>
     <p:sldId id="256" r:id="rId2"/>
-    <p:sldId id="257" r:id="rId3"/>
-    <p:sldId id="258" r:id="rId4"/>
-    <p:sldId id="259" r:id="rId5"/>
-    <p:sldId id="260" r:id="rId6"/>
-    <p:sldId id="261" r:id="rId7"/>
+    <p:sldId id="262" r:id="rId3"/>
+    <p:sldId id="263" r:id="rId4"/>
+    <p:sldId id="257" r:id="rId5"/>
+    <p:sldId id="258" r:id="rId6"/>
+    <p:sldId id="259" r:id="rId7"/>
+    <p:sldId id="260" r:id="rId8"/>
+    <p:sldId id="261" r:id="rId9"/>
   </p:sldIdLst>
   <p:sldSz cx="12192000" cy="6858000"/>
   <p:notesSz cx="6858000" cy="9144000"/>
@@ -126,6 +128,3969 @@
 </p1510:revInfo>
 </file>
 
+<file path=ppt/charts/chart1.xml><?xml version="1.0" encoding="utf-8"?>
+<c:chartSpace xmlns:c="http://schemas.openxmlformats.org/drawingml/2006/chart" xmlns:a="http://schemas.openxmlformats.org/drawingml/2006/main" xmlns:r="http://schemas.openxmlformats.org/officeDocument/2006/relationships" xmlns:c16r2="http://schemas.microsoft.com/office/drawing/2015/06/chart">
+  <c:date1904 val="0"/>
+  <c:lang val="en-GB"/>
+  <c:roundedCorners val="0"/>
+  <mc:AlternateContent xmlns:mc="http://schemas.openxmlformats.org/markup-compatibility/2006">
+    <mc:Choice xmlns:c14="http://schemas.microsoft.com/office/drawing/2007/8/2/chart" Requires="c14">
+      <c14:style val="102"/>
+    </mc:Choice>
+    <mc:Fallback>
+      <c:style val="2"/>
+    </mc:Fallback>
+  </mc:AlternateContent>
+  <c:chart>
+    <c:title>
+      <c:tx>
+        <c:rich>
+          <a:bodyPr rot="0" spcFirstLastPara="1" vertOverflow="ellipsis" vert="horz" wrap="square" anchor="ctr" anchorCtr="1"/>
+          <a:lstStyle/>
+          <a:p>
+            <a:pPr>
+              <a:defRPr sz="1600" b="1" i="0" u="none" strike="noStrike" kern="1200" baseline="0">
+                <a:solidFill>
+                  <a:schemeClr val="tx2"/>
+                </a:solidFill>
+                <a:latin typeface="+mn-lt"/>
+                <a:ea typeface="+mn-ea"/>
+                <a:cs typeface="+mn-cs"/>
+              </a:defRPr>
+            </a:pPr>
+            <a:r>
+              <a:rPr lang="en-GB" sz="1600" b="1" i="0" u="none" strike="noStrike" baseline="0" dirty="0">
+                <a:latin typeface="Century Gothic" panose="020B0502020202020204" pitchFamily="34" charset="0"/>
+              </a:rPr>
+              <a:t>Monthly Average Orders from 2013 to 2017</a:t>
+            </a:r>
+            <a:endParaRPr lang="en-US" dirty="0">
+              <a:latin typeface="Century Gothic" panose="020B0502020202020204" pitchFamily="34" charset="0"/>
+            </a:endParaRPr>
+          </a:p>
+        </c:rich>
+      </c:tx>
+      <c:layout>
+        <c:manualLayout>
+          <c:xMode val="edge"/>
+          <c:yMode val="edge"/>
+          <c:x val="2.2417331070795743E-2"/>
+          <c:y val="1.9605557789697203E-2"/>
+        </c:manualLayout>
+      </c:layout>
+      <c:overlay val="0"/>
+      <c:spPr>
+        <a:noFill/>
+        <a:ln>
+          <a:noFill/>
+        </a:ln>
+        <a:effectLst/>
+      </c:spPr>
+      <c:txPr>
+        <a:bodyPr rot="0" spcFirstLastPara="1" vertOverflow="ellipsis" vert="horz" wrap="square" anchor="ctr" anchorCtr="1"/>
+        <a:lstStyle/>
+        <a:p>
+          <a:pPr>
+            <a:defRPr sz="1600" b="1" i="0" u="none" strike="noStrike" kern="1200" baseline="0">
+              <a:solidFill>
+                <a:schemeClr val="tx2"/>
+              </a:solidFill>
+              <a:latin typeface="+mn-lt"/>
+              <a:ea typeface="+mn-ea"/>
+              <a:cs typeface="+mn-cs"/>
+            </a:defRPr>
+          </a:pPr>
+          <a:endParaRPr lang="en-NG"/>
+        </a:p>
+      </c:txPr>
+    </c:title>
+    <c:autoTitleDeleted val="0"/>
+    <c:plotArea>
+      <c:layout/>
+      <c:barChart>
+        <c:barDir val="col"/>
+        <c:grouping val="clustered"/>
+        <c:varyColors val="0"/>
+        <c:ser>
+          <c:idx val="0"/>
+          <c:order val="0"/>
+          <c:tx>
+            <c:strRef>
+              <c:f>Sheet1!$B$1</c:f>
+              <c:strCache>
+                <c:ptCount val="1"/>
+                <c:pt idx="0">
+                  <c:v>avg_orders_per_month</c:v>
+                </c:pt>
+              </c:strCache>
+            </c:strRef>
+          </c:tx>
+          <c:spPr>
+            <a:gradFill rotWithShape="1">
+              <a:gsLst>
+                <a:gs pos="0">
+                  <a:schemeClr val="accent1">
+                    <a:satMod val="103000"/>
+                    <a:lumMod val="102000"/>
+                    <a:tint val="94000"/>
+                  </a:schemeClr>
+                </a:gs>
+                <a:gs pos="50000">
+                  <a:schemeClr val="accent1">
+                    <a:satMod val="110000"/>
+                    <a:lumMod val="100000"/>
+                    <a:shade val="100000"/>
+                  </a:schemeClr>
+                </a:gs>
+                <a:gs pos="100000">
+                  <a:schemeClr val="accent1">
+                    <a:lumMod val="99000"/>
+                    <a:satMod val="120000"/>
+                    <a:shade val="78000"/>
+                  </a:schemeClr>
+                </a:gs>
+              </a:gsLst>
+              <a:lin ang="5400000" scaled="0"/>
+            </a:gradFill>
+            <a:ln>
+              <a:noFill/>
+            </a:ln>
+            <a:effectLst/>
+          </c:spPr>
+          <c:invertIfNegative val="0"/>
+          <c:dLbls>
+            <c:spPr>
+              <a:noFill/>
+              <a:ln>
+                <a:noFill/>
+              </a:ln>
+              <a:effectLst/>
+            </c:spPr>
+            <c:txPr>
+              <a:bodyPr rot="0" spcFirstLastPara="1" vertOverflow="ellipsis" vert="horz" wrap="square" lIns="38100" tIns="19050" rIns="38100" bIns="19050" anchor="ctr" anchorCtr="1">
+                <a:spAutoFit/>
+              </a:bodyPr>
+              <a:lstStyle/>
+              <a:p>
+                <a:pPr>
+                  <a:defRPr sz="900" b="1" i="0" u="none" strike="noStrike" kern="1200" baseline="0">
+                    <a:solidFill>
+                      <a:schemeClr val="tx2"/>
+                    </a:solidFill>
+                    <a:latin typeface="+mn-lt"/>
+                    <a:ea typeface="+mn-ea"/>
+                    <a:cs typeface="+mn-cs"/>
+                  </a:defRPr>
+                </a:pPr>
+                <a:endParaRPr lang="en-NG"/>
+              </a:p>
+            </c:txPr>
+            <c:dLblPos val="outEnd"/>
+            <c:showLegendKey val="0"/>
+            <c:showVal val="1"/>
+            <c:showCatName val="0"/>
+            <c:showSerName val="0"/>
+            <c:showPercent val="0"/>
+            <c:showBubbleSize val="0"/>
+            <c:showLeaderLines val="0"/>
+            <c:extLst>
+              <c:ext xmlns:c15="http://schemas.microsoft.com/office/drawing/2012/chart" uri="{CE6537A1-D6FC-4f65-9D91-7224C49458BB}">
+                <c15:showLeaderLines val="1"/>
+                <c15:leaderLines>
+                  <c:spPr>
+                    <a:ln w="9525">
+                      <a:solidFill>
+                        <a:schemeClr val="tx2">
+                          <a:lumMod val="35000"/>
+                          <a:lumOff val="65000"/>
+                        </a:schemeClr>
+                      </a:solidFill>
+                    </a:ln>
+                    <a:effectLst/>
+                  </c:spPr>
+                </c15:leaderLines>
+              </c:ext>
+            </c:extLst>
+          </c:dLbls>
+          <c:cat>
+            <c:numRef>
+              <c:f>Sheet1!$A$2:$A$6</c:f>
+              <c:numCache>
+                <c:formatCode>@</c:formatCode>
+                <c:ptCount val="5"/>
+                <c:pt idx="0">
+                  <c:v>2013</c:v>
+                </c:pt>
+                <c:pt idx="1">
+                  <c:v>2014</c:v>
+                </c:pt>
+                <c:pt idx="2">
+                  <c:v>2015</c:v>
+                </c:pt>
+                <c:pt idx="3">
+                  <c:v>2016</c:v>
+                </c:pt>
+                <c:pt idx="4">
+                  <c:v>2017</c:v>
+                </c:pt>
+              </c:numCache>
+            </c:numRef>
+          </c:cat>
+          <c:val>
+            <c:numRef>
+              <c:f>Sheet1!$B$2:$B$6</c:f>
+              <c:numCache>
+                <c:formatCode>General</c:formatCode>
+                <c:ptCount val="5"/>
+                <c:pt idx="0">
+                  <c:v>90</c:v>
+                </c:pt>
+                <c:pt idx="1">
+                  <c:v>90</c:v>
+                </c:pt>
+                <c:pt idx="2">
+                  <c:v>150</c:v>
+                </c:pt>
+                <c:pt idx="3">
+                  <c:v>300</c:v>
+                </c:pt>
+                <c:pt idx="4">
+                  <c:v>360</c:v>
+                </c:pt>
+              </c:numCache>
+            </c:numRef>
+          </c:val>
+          <c:extLst>
+            <c:ext xmlns:c16="http://schemas.microsoft.com/office/drawing/2014/chart" uri="{C3380CC4-5D6E-409C-BE32-E72D297353CC}">
+              <c16:uniqueId val="{00000000-8D75-FC43-8F61-A46CF347D216}"/>
+            </c:ext>
+          </c:extLst>
+        </c:ser>
+        <c:dLbls>
+          <c:dLblPos val="outEnd"/>
+          <c:showLegendKey val="0"/>
+          <c:showVal val="1"/>
+          <c:showCatName val="0"/>
+          <c:showSerName val="0"/>
+          <c:showPercent val="0"/>
+          <c:showBubbleSize val="0"/>
+        </c:dLbls>
+        <c:gapWidth val="100"/>
+        <c:overlap val="-24"/>
+        <c:axId val="1033047615"/>
+        <c:axId val="1032888767"/>
+      </c:barChart>
+      <c:catAx>
+        <c:axId val="1033047615"/>
+        <c:scaling>
+          <c:orientation val="minMax"/>
+        </c:scaling>
+        <c:delete val="0"/>
+        <c:axPos val="b"/>
+        <c:numFmt formatCode="@" sourceLinked="1"/>
+        <c:majorTickMark val="none"/>
+        <c:minorTickMark val="none"/>
+        <c:tickLblPos val="nextTo"/>
+        <c:spPr>
+          <a:noFill/>
+          <a:ln w="9525" cap="flat" cmpd="sng" algn="ctr">
+            <a:solidFill>
+              <a:schemeClr val="tx2">
+                <a:lumMod val="15000"/>
+                <a:lumOff val="85000"/>
+              </a:schemeClr>
+            </a:solidFill>
+            <a:round/>
+          </a:ln>
+          <a:effectLst/>
+        </c:spPr>
+        <c:txPr>
+          <a:bodyPr rot="-60000000" spcFirstLastPara="1" vertOverflow="ellipsis" vert="horz" wrap="square" anchor="ctr" anchorCtr="1"/>
+          <a:lstStyle/>
+          <a:p>
+            <a:pPr>
+              <a:defRPr sz="900" b="0" i="0" u="none" strike="noStrike" kern="1200" baseline="0">
+                <a:solidFill>
+                  <a:schemeClr val="tx2"/>
+                </a:solidFill>
+                <a:latin typeface="+mn-lt"/>
+                <a:ea typeface="+mn-ea"/>
+                <a:cs typeface="+mn-cs"/>
+              </a:defRPr>
+            </a:pPr>
+            <a:endParaRPr lang="en-NG"/>
+          </a:p>
+        </c:txPr>
+        <c:crossAx val="1032888767"/>
+        <c:crosses val="autoZero"/>
+        <c:auto val="1"/>
+        <c:lblAlgn val="ctr"/>
+        <c:lblOffset val="100"/>
+        <c:noMultiLvlLbl val="0"/>
+      </c:catAx>
+      <c:valAx>
+        <c:axId val="1032888767"/>
+        <c:scaling>
+          <c:orientation val="minMax"/>
+        </c:scaling>
+        <c:delete val="1"/>
+        <c:axPos val="l"/>
+        <c:numFmt formatCode="General" sourceLinked="1"/>
+        <c:majorTickMark val="none"/>
+        <c:minorTickMark val="none"/>
+        <c:tickLblPos val="nextTo"/>
+        <c:crossAx val="1033047615"/>
+        <c:crosses val="autoZero"/>
+        <c:crossBetween val="between"/>
+      </c:valAx>
+      <c:spPr>
+        <a:noFill/>
+        <a:ln>
+          <a:noFill/>
+        </a:ln>
+        <a:effectLst/>
+      </c:spPr>
+    </c:plotArea>
+    <c:plotVisOnly val="1"/>
+    <c:dispBlanksAs val="gap"/>
+    <c:showDLblsOverMax val="0"/>
+  </c:chart>
+  <c:spPr>
+    <a:noFill/>
+    <a:ln>
+      <a:solidFill>
+        <a:schemeClr val="tx1">
+          <a:lumMod val="50000"/>
+          <a:lumOff val="50000"/>
+        </a:schemeClr>
+      </a:solidFill>
+    </a:ln>
+    <a:effectLst/>
+  </c:spPr>
+  <c:txPr>
+    <a:bodyPr/>
+    <a:lstStyle/>
+    <a:p>
+      <a:pPr>
+        <a:defRPr/>
+      </a:pPr>
+      <a:endParaRPr lang="en-NG"/>
+    </a:p>
+  </c:txPr>
+  <c:externalData r:id="rId3">
+    <c:autoUpdate val="0"/>
+  </c:externalData>
+</c:chartSpace>
+</file>
+
+<file path=ppt/charts/chart2.xml><?xml version="1.0" encoding="utf-8"?>
+<c:chartSpace xmlns:c="http://schemas.openxmlformats.org/drawingml/2006/chart" xmlns:a="http://schemas.openxmlformats.org/drawingml/2006/main" xmlns:r="http://schemas.openxmlformats.org/officeDocument/2006/relationships" xmlns:c16r2="http://schemas.microsoft.com/office/drawing/2015/06/chart">
+  <c:date1904 val="0"/>
+  <c:lang val="en-GB"/>
+  <c:roundedCorners val="0"/>
+  <mc:AlternateContent xmlns:mc="http://schemas.openxmlformats.org/markup-compatibility/2006">
+    <mc:Choice xmlns:c14="http://schemas.microsoft.com/office/drawing/2007/8/2/chart" Requires="c14">
+      <c14:style val="102"/>
+    </mc:Choice>
+    <mc:Fallback>
+      <c:style val="2"/>
+    </mc:Fallback>
+  </mc:AlternateContent>
+  <c:chart>
+    <c:title>
+      <c:tx>
+        <c:rich>
+          <a:bodyPr rot="0" spcFirstLastPara="1" vertOverflow="ellipsis" vert="horz" wrap="square" anchor="ctr" anchorCtr="1"/>
+          <a:lstStyle/>
+          <a:p>
+            <a:pPr>
+              <a:defRPr sz="1400" b="1" i="0" u="none" strike="noStrike" kern="1200" spc="0" baseline="0">
+                <a:solidFill>
+                  <a:schemeClr val="tx1">
+                    <a:lumMod val="65000"/>
+                    <a:lumOff val="35000"/>
+                  </a:schemeClr>
+                </a:solidFill>
+                <a:latin typeface="Century Gothic" panose="020B0502020202020204" pitchFamily="34" charset="0"/>
+                <a:ea typeface="+mn-ea"/>
+                <a:cs typeface="+mn-cs"/>
+              </a:defRPr>
+            </a:pPr>
+            <a:r>
+              <a:rPr lang="en-US" sz="1400" b="1" dirty="0">
+                <a:latin typeface="Century Gothic" panose="020B0502020202020204" pitchFamily="34" charset="0"/>
+              </a:rPr>
+              <a:t>Orders completed and web events per customer</a:t>
+            </a:r>
+          </a:p>
+        </c:rich>
+      </c:tx>
+      <c:layout>
+        <c:manualLayout>
+          <c:xMode val="edge"/>
+          <c:yMode val="edge"/>
+          <c:x val="3.4683551394616603E-2"/>
+          <c:y val="2.5909971576103797E-2"/>
+        </c:manualLayout>
+      </c:layout>
+      <c:overlay val="0"/>
+      <c:spPr>
+        <a:noFill/>
+        <a:ln>
+          <a:noFill/>
+        </a:ln>
+        <a:effectLst/>
+      </c:spPr>
+      <c:txPr>
+        <a:bodyPr rot="0" spcFirstLastPara="1" vertOverflow="ellipsis" vert="horz" wrap="square" anchor="ctr" anchorCtr="1"/>
+        <a:lstStyle/>
+        <a:p>
+          <a:pPr>
+            <a:defRPr sz="1400" b="1" i="0" u="none" strike="noStrike" kern="1200" spc="0" baseline="0">
+              <a:solidFill>
+                <a:schemeClr val="tx1">
+                  <a:lumMod val="65000"/>
+                  <a:lumOff val="35000"/>
+                </a:schemeClr>
+              </a:solidFill>
+              <a:latin typeface="Century Gothic" panose="020B0502020202020204" pitchFamily="34" charset="0"/>
+              <a:ea typeface="+mn-ea"/>
+              <a:cs typeface="+mn-cs"/>
+            </a:defRPr>
+          </a:pPr>
+          <a:endParaRPr lang="en-NG"/>
+        </a:p>
+      </c:txPr>
+    </c:title>
+    <c:autoTitleDeleted val="0"/>
+    <c:plotArea>
+      <c:layout/>
+      <c:scatterChart>
+        <c:scatterStyle val="lineMarker"/>
+        <c:varyColors val="0"/>
+        <c:ser>
+          <c:idx val="0"/>
+          <c:order val="0"/>
+          <c:tx>
+            <c:strRef>
+              <c:f>'data-export1'!$C$1</c:f>
+              <c:strCache>
+                <c:ptCount val="1"/>
+                <c:pt idx="0">
+                  <c:v>total_orders</c:v>
+                </c:pt>
+              </c:strCache>
+            </c:strRef>
+          </c:tx>
+          <c:spPr>
+            <a:ln w="25400" cap="rnd">
+              <a:noFill/>
+              <a:round/>
+            </a:ln>
+            <a:effectLst/>
+          </c:spPr>
+          <c:marker>
+            <c:symbol val="circle"/>
+            <c:size val="5"/>
+            <c:spPr>
+              <a:solidFill>
+                <a:schemeClr val="accent1"/>
+              </a:solidFill>
+              <a:ln w="9525">
+                <a:solidFill>
+                  <a:schemeClr val="accent1"/>
+                </a:solidFill>
+              </a:ln>
+              <a:effectLst/>
+            </c:spPr>
+          </c:marker>
+          <c:xVal>
+            <c:numRef>
+              <c:f>'data-export1'!$B$2:$B$352</c:f>
+              <c:numCache>
+                <c:formatCode>General</c:formatCode>
+                <c:ptCount val="351"/>
+                <c:pt idx="0">
+                  <c:v>13</c:v>
+                </c:pt>
+                <c:pt idx="1">
+                  <c:v>76</c:v>
+                </c:pt>
+                <c:pt idx="2">
+                  <c:v>59</c:v>
+                </c:pt>
+                <c:pt idx="3">
+                  <c:v>57</c:v>
+                </c:pt>
+                <c:pt idx="4">
+                  <c:v>77</c:v>
+                </c:pt>
+                <c:pt idx="5">
+                  <c:v>83</c:v>
+                </c:pt>
+                <c:pt idx="6">
+                  <c:v>77</c:v>
+                </c:pt>
+                <c:pt idx="7">
+                  <c:v>55</c:v>
+                </c:pt>
+                <c:pt idx="8">
+                  <c:v>86</c:v>
+                </c:pt>
+                <c:pt idx="9">
+                  <c:v>69</c:v>
+                </c:pt>
+                <c:pt idx="10">
+                  <c:v>65</c:v>
+                </c:pt>
+                <c:pt idx="11">
+                  <c:v>45</c:v>
+                </c:pt>
+                <c:pt idx="12">
+                  <c:v>78</c:v>
+                </c:pt>
+                <c:pt idx="13">
+                  <c:v>90</c:v>
+                </c:pt>
+                <c:pt idx="14">
+                  <c:v>89</c:v>
+                </c:pt>
+                <c:pt idx="15">
+                  <c:v>44</c:v>
+                </c:pt>
+                <c:pt idx="16">
+                  <c:v>91</c:v>
+                </c:pt>
+                <c:pt idx="17">
+                  <c:v>83</c:v>
+                </c:pt>
+                <c:pt idx="18">
+                  <c:v>75</c:v>
+                </c:pt>
+                <c:pt idx="19">
+                  <c:v>50</c:v>
+                </c:pt>
+                <c:pt idx="20">
+                  <c:v>93</c:v>
+                </c:pt>
+                <c:pt idx="21">
+                  <c:v>82</c:v>
+                </c:pt>
+                <c:pt idx="22">
+                  <c:v>64</c:v>
+                </c:pt>
+                <c:pt idx="23">
+                  <c:v>56</c:v>
+                </c:pt>
+                <c:pt idx="24">
+                  <c:v>53</c:v>
+                </c:pt>
+                <c:pt idx="25">
+                  <c:v>96</c:v>
+                </c:pt>
+                <c:pt idx="26">
+                  <c:v>76</c:v>
+                </c:pt>
+                <c:pt idx="27">
+                  <c:v>70</c:v>
+                </c:pt>
+                <c:pt idx="28">
+                  <c:v>64</c:v>
+                </c:pt>
+                <c:pt idx="29">
+                  <c:v>52</c:v>
+                </c:pt>
+                <c:pt idx="30">
+                  <c:v>40</c:v>
+                </c:pt>
+                <c:pt idx="31">
+                  <c:v>85</c:v>
+                </c:pt>
+                <c:pt idx="32">
+                  <c:v>79</c:v>
+                </c:pt>
+                <c:pt idx="33">
+                  <c:v>77</c:v>
+                </c:pt>
+                <c:pt idx="34">
+                  <c:v>73</c:v>
+                </c:pt>
+                <c:pt idx="35">
+                  <c:v>47</c:v>
+                </c:pt>
+                <c:pt idx="36">
+                  <c:v>94</c:v>
+                </c:pt>
+                <c:pt idx="37">
+                  <c:v>89</c:v>
+                </c:pt>
+                <c:pt idx="38">
+                  <c:v>83</c:v>
+                </c:pt>
+                <c:pt idx="39">
+                  <c:v>82</c:v>
+                </c:pt>
+                <c:pt idx="40">
+                  <c:v>46</c:v>
+                </c:pt>
+                <c:pt idx="41">
+                  <c:v>101</c:v>
+                </c:pt>
+                <c:pt idx="42">
+                  <c:v>80</c:v>
+                </c:pt>
+                <c:pt idx="43">
+                  <c:v>67</c:v>
+                </c:pt>
+                <c:pt idx="44">
+                  <c:v>54</c:v>
+                </c:pt>
+                <c:pt idx="45">
+                  <c:v>89</c:v>
+                </c:pt>
+                <c:pt idx="46">
+                  <c:v>62</c:v>
+                </c:pt>
+                <c:pt idx="47">
+                  <c:v>74</c:v>
+                </c:pt>
+                <c:pt idx="48">
+                  <c:v>45</c:v>
+                </c:pt>
+                <c:pt idx="49">
+                  <c:v>64</c:v>
+                </c:pt>
+                <c:pt idx="50">
+                  <c:v>55</c:v>
+                </c:pt>
+                <c:pt idx="51">
+                  <c:v>59</c:v>
+                </c:pt>
+                <c:pt idx="52">
+                  <c:v>48</c:v>
+                </c:pt>
+                <c:pt idx="53">
+                  <c:v>40</c:v>
+                </c:pt>
+                <c:pt idx="54">
+                  <c:v>29</c:v>
+                </c:pt>
+                <c:pt idx="55">
+                  <c:v>48</c:v>
+                </c:pt>
+                <c:pt idx="56">
+                  <c:v>39</c:v>
+                </c:pt>
+                <c:pt idx="57">
+                  <c:v>43</c:v>
+                </c:pt>
+                <c:pt idx="58">
+                  <c:v>79</c:v>
+                </c:pt>
+                <c:pt idx="59">
+                  <c:v>52</c:v>
+                </c:pt>
+                <c:pt idx="60">
+                  <c:v>44</c:v>
+                </c:pt>
+                <c:pt idx="61">
+                  <c:v>27</c:v>
+                </c:pt>
+                <c:pt idx="62">
+                  <c:v>46</c:v>
+                </c:pt>
+                <c:pt idx="63">
+                  <c:v>39</c:v>
+                </c:pt>
+                <c:pt idx="64">
+                  <c:v>56</c:v>
+                </c:pt>
+                <c:pt idx="65">
+                  <c:v>45</c:v>
+                </c:pt>
+                <c:pt idx="66">
+                  <c:v>31</c:v>
+                </c:pt>
+                <c:pt idx="67">
+                  <c:v>70</c:v>
+                </c:pt>
+                <c:pt idx="68">
+                  <c:v>63</c:v>
+                </c:pt>
+                <c:pt idx="69">
+                  <c:v>57</c:v>
+                </c:pt>
+                <c:pt idx="70">
+                  <c:v>44</c:v>
+                </c:pt>
+                <c:pt idx="71">
+                  <c:v>29</c:v>
+                </c:pt>
+                <c:pt idx="72">
+                  <c:v>41</c:v>
+                </c:pt>
+                <c:pt idx="73">
+                  <c:v>42</c:v>
+                </c:pt>
+                <c:pt idx="74">
+                  <c:v>35</c:v>
+                </c:pt>
+                <c:pt idx="75">
+                  <c:v>21</c:v>
+                </c:pt>
+                <c:pt idx="76">
+                  <c:v>36</c:v>
+                </c:pt>
+                <c:pt idx="77">
+                  <c:v>34</c:v>
+                </c:pt>
+                <c:pt idx="78">
+                  <c:v>22</c:v>
+                </c:pt>
+                <c:pt idx="79">
+                  <c:v>21</c:v>
+                </c:pt>
+                <c:pt idx="80">
+                  <c:v>57</c:v>
+                </c:pt>
+                <c:pt idx="81">
+                  <c:v>41</c:v>
+                </c:pt>
+                <c:pt idx="82">
+                  <c:v>36</c:v>
+                </c:pt>
+                <c:pt idx="83">
+                  <c:v>33</c:v>
+                </c:pt>
+                <c:pt idx="84">
+                  <c:v>26</c:v>
+                </c:pt>
+                <c:pt idx="85">
+                  <c:v>55</c:v>
+                </c:pt>
+                <c:pt idx="86">
+                  <c:v>39</c:v>
+                </c:pt>
+                <c:pt idx="87">
+                  <c:v>23</c:v>
+                </c:pt>
+                <c:pt idx="88">
+                  <c:v>68</c:v>
+                </c:pt>
+                <c:pt idx="89">
+                  <c:v>50</c:v>
+                </c:pt>
+                <c:pt idx="90">
+                  <c:v>46</c:v>
+                </c:pt>
+                <c:pt idx="91">
+                  <c:v>31</c:v>
+                </c:pt>
+                <c:pt idx="92">
+                  <c:v>29</c:v>
+                </c:pt>
+                <c:pt idx="93">
+                  <c:v>25</c:v>
+                </c:pt>
+                <c:pt idx="94">
+                  <c:v>21</c:v>
+                </c:pt>
+                <c:pt idx="95">
+                  <c:v>40</c:v>
+                </c:pt>
+                <c:pt idx="96">
+                  <c:v>34</c:v>
+                </c:pt>
+                <c:pt idx="97">
+                  <c:v>33</c:v>
+                </c:pt>
+                <c:pt idx="98">
+                  <c:v>32</c:v>
+                </c:pt>
+                <c:pt idx="99">
+                  <c:v>29</c:v>
+                </c:pt>
+                <c:pt idx="100">
+                  <c:v>28</c:v>
+                </c:pt>
+                <c:pt idx="101">
+                  <c:v>27</c:v>
+                </c:pt>
+                <c:pt idx="102">
+                  <c:v>65</c:v>
+                </c:pt>
+                <c:pt idx="103">
+                  <c:v>40</c:v>
+                </c:pt>
+                <c:pt idx="104">
+                  <c:v>39</c:v>
+                </c:pt>
+                <c:pt idx="105">
+                  <c:v>33</c:v>
+                </c:pt>
+                <c:pt idx="106">
+                  <c:v>27</c:v>
+                </c:pt>
+                <c:pt idx="107">
+                  <c:v>17</c:v>
+                </c:pt>
+                <c:pt idx="108">
+                  <c:v>16</c:v>
+                </c:pt>
+                <c:pt idx="109">
+                  <c:v>37</c:v>
+                </c:pt>
+                <c:pt idx="110">
+                  <c:v>36</c:v>
+                </c:pt>
+                <c:pt idx="111">
+                  <c:v>35</c:v>
+                </c:pt>
+                <c:pt idx="112">
+                  <c:v>30</c:v>
+                </c:pt>
+                <c:pt idx="113">
+                  <c:v>25</c:v>
+                </c:pt>
+                <c:pt idx="114">
+                  <c:v>22</c:v>
+                </c:pt>
+                <c:pt idx="115">
+                  <c:v>16</c:v>
+                </c:pt>
+                <c:pt idx="116">
+                  <c:v>31</c:v>
+                </c:pt>
+                <c:pt idx="117">
+                  <c:v>29</c:v>
+                </c:pt>
+                <c:pt idx="118">
+                  <c:v>38</c:v>
+                </c:pt>
+                <c:pt idx="119">
+                  <c:v>34</c:v>
+                </c:pt>
+                <c:pt idx="120">
+                  <c:v>26</c:v>
+                </c:pt>
+                <c:pt idx="121">
+                  <c:v>67</c:v>
+                </c:pt>
+                <c:pt idx="122">
+                  <c:v>34</c:v>
+                </c:pt>
+                <c:pt idx="123">
+                  <c:v>27</c:v>
+                </c:pt>
+                <c:pt idx="124">
+                  <c:v>22</c:v>
+                </c:pt>
+                <c:pt idx="125">
+                  <c:v>21</c:v>
+                </c:pt>
+                <c:pt idx="126">
+                  <c:v>21</c:v>
+                </c:pt>
+                <c:pt idx="127">
+                  <c:v>18</c:v>
+                </c:pt>
+                <c:pt idx="128">
+                  <c:v>36</c:v>
+                </c:pt>
+                <c:pt idx="129">
+                  <c:v>32</c:v>
+                </c:pt>
+                <c:pt idx="130">
+                  <c:v>25</c:v>
+                </c:pt>
+                <c:pt idx="131">
+                  <c:v>21</c:v>
+                </c:pt>
+                <c:pt idx="132">
+                  <c:v>15</c:v>
+                </c:pt>
+                <c:pt idx="133">
+                  <c:v>13</c:v>
+                </c:pt>
+                <c:pt idx="134">
+                  <c:v>13</c:v>
+                </c:pt>
+                <c:pt idx="135">
+                  <c:v>27</c:v>
+                </c:pt>
+                <c:pt idx="136">
+                  <c:v>25</c:v>
+                </c:pt>
+                <c:pt idx="137">
+                  <c:v>24</c:v>
+                </c:pt>
+                <c:pt idx="138">
+                  <c:v>20</c:v>
+                </c:pt>
+                <c:pt idx="139">
+                  <c:v>19</c:v>
+                </c:pt>
+                <c:pt idx="140">
+                  <c:v>24</c:v>
+                </c:pt>
+                <c:pt idx="141">
+                  <c:v>21</c:v>
+                </c:pt>
+                <c:pt idx="142">
+                  <c:v>20</c:v>
+                </c:pt>
+                <c:pt idx="143">
+                  <c:v>20</c:v>
+                </c:pt>
+                <c:pt idx="144">
+                  <c:v>23</c:v>
+                </c:pt>
+                <c:pt idx="145">
+                  <c:v>23</c:v>
+                </c:pt>
+                <c:pt idx="146">
+                  <c:v>22</c:v>
+                </c:pt>
+                <c:pt idx="147">
+                  <c:v>21</c:v>
+                </c:pt>
+                <c:pt idx="148">
+                  <c:v>18</c:v>
+                </c:pt>
+                <c:pt idx="149">
+                  <c:v>17</c:v>
+                </c:pt>
+                <c:pt idx="150">
+                  <c:v>12</c:v>
+                </c:pt>
+                <c:pt idx="151">
+                  <c:v>31</c:v>
+                </c:pt>
+                <c:pt idx="152">
+                  <c:v>27</c:v>
+                </c:pt>
+                <c:pt idx="153">
+                  <c:v>21</c:v>
+                </c:pt>
+                <c:pt idx="154">
+                  <c:v>17</c:v>
+                </c:pt>
+                <c:pt idx="155">
+                  <c:v>17</c:v>
+                </c:pt>
+                <c:pt idx="156">
+                  <c:v>15</c:v>
+                </c:pt>
+                <c:pt idx="157">
+                  <c:v>27</c:v>
+                </c:pt>
+                <c:pt idx="158">
+                  <c:v>26</c:v>
+                </c:pt>
+                <c:pt idx="159">
+                  <c:v>25</c:v>
+                </c:pt>
+                <c:pt idx="160">
+                  <c:v>20</c:v>
+                </c:pt>
+                <c:pt idx="161">
+                  <c:v>19</c:v>
+                </c:pt>
+                <c:pt idx="162">
+                  <c:v>10</c:v>
+                </c:pt>
+                <c:pt idx="163">
+                  <c:v>41</c:v>
+                </c:pt>
+                <c:pt idx="164">
+                  <c:v>37</c:v>
+                </c:pt>
+                <c:pt idx="165">
+                  <c:v>21</c:v>
+                </c:pt>
+                <c:pt idx="166">
+                  <c:v>17</c:v>
+                </c:pt>
+                <c:pt idx="167">
+                  <c:v>17</c:v>
+                </c:pt>
+                <c:pt idx="168">
+                  <c:v>16</c:v>
+                </c:pt>
+                <c:pt idx="169">
+                  <c:v>16</c:v>
+                </c:pt>
+                <c:pt idx="170">
+                  <c:v>14</c:v>
+                </c:pt>
+                <c:pt idx="171">
+                  <c:v>13</c:v>
+                </c:pt>
+                <c:pt idx="172">
+                  <c:v>10</c:v>
+                </c:pt>
+                <c:pt idx="173">
+                  <c:v>9</c:v>
+                </c:pt>
+                <c:pt idx="174">
+                  <c:v>28</c:v>
+                </c:pt>
+                <c:pt idx="175">
+                  <c:v>24</c:v>
+                </c:pt>
+                <c:pt idx="176">
+                  <c:v>23</c:v>
+                </c:pt>
+                <c:pt idx="177">
+                  <c:v>22</c:v>
+                </c:pt>
+                <c:pt idx="178">
+                  <c:v>19</c:v>
+                </c:pt>
+                <c:pt idx="179">
+                  <c:v>19</c:v>
+                </c:pt>
+                <c:pt idx="180">
+                  <c:v>17</c:v>
+                </c:pt>
+                <c:pt idx="181">
+                  <c:v>15</c:v>
+                </c:pt>
+                <c:pt idx="182">
+                  <c:v>15</c:v>
+                </c:pt>
+                <c:pt idx="183">
+                  <c:v>14</c:v>
+                </c:pt>
+                <c:pt idx="184">
+                  <c:v>12</c:v>
+                </c:pt>
+                <c:pt idx="185">
+                  <c:v>7</c:v>
+                </c:pt>
+                <c:pt idx="186">
+                  <c:v>34</c:v>
+                </c:pt>
+                <c:pt idx="187">
+                  <c:v>33</c:v>
+                </c:pt>
+                <c:pt idx="188">
+                  <c:v>24</c:v>
+                </c:pt>
+                <c:pt idx="189">
+                  <c:v>23</c:v>
+                </c:pt>
+                <c:pt idx="190">
+                  <c:v>18</c:v>
+                </c:pt>
+                <c:pt idx="191">
+                  <c:v>15</c:v>
+                </c:pt>
+                <c:pt idx="192">
+                  <c:v>12</c:v>
+                </c:pt>
+                <c:pt idx="193">
+                  <c:v>12</c:v>
+                </c:pt>
+                <c:pt idx="194">
+                  <c:v>12</c:v>
+                </c:pt>
+                <c:pt idx="195">
+                  <c:v>12</c:v>
+                </c:pt>
+                <c:pt idx="196">
+                  <c:v>10</c:v>
+                </c:pt>
+                <c:pt idx="197">
+                  <c:v>34</c:v>
+                </c:pt>
+                <c:pt idx="198">
+                  <c:v>22</c:v>
+                </c:pt>
+                <c:pt idx="199">
+                  <c:v>18</c:v>
+                </c:pt>
+                <c:pt idx="200">
+                  <c:v>17</c:v>
+                </c:pt>
+                <c:pt idx="201">
+                  <c:v>16</c:v>
+                </c:pt>
+                <c:pt idx="202">
+                  <c:v>13</c:v>
+                </c:pt>
+                <c:pt idx="203">
+                  <c:v>12</c:v>
+                </c:pt>
+                <c:pt idx="204">
+                  <c:v>12</c:v>
+                </c:pt>
+                <c:pt idx="205">
+                  <c:v>12</c:v>
+                </c:pt>
+                <c:pt idx="206">
+                  <c:v>11</c:v>
+                </c:pt>
+                <c:pt idx="207">
+                  <c:v>9</c:v>
+                </c:pt>
+                <c:pt idx="208">
+                  <c:v>8</c:v>
+                </c:pt>
+                <c:pt idx="209">
+                  <c:v>23</c:v>
+                </c:pt>
+                <c:pt idx="210">
+                  <c:v>20</c:v>
+                </c:pt>
+                <c:pt idx="211">
+                  <c:v>20</c:v>
+                </c:pt>
+                <c:pt idx="212">
+                  <c:v>19</c:v>
+                </c:pt>
+                <c:pt idx="213">
+                  <c:v>16</c:v>
+                </c:pt>
+                <c:pt idx="214">
+                  <c:v>15</c:v>
+                </c:pt>
+                <c:pt idx="215">
+                  <c:v>14</c:v>
+                </c:pt>
+                <c:pt idx="216">
+                  <c:v>13</c:v>
+                </c:pt>
+                <c:pt idx="217">
+                  <c:v>12</c:v>
+                </c:pt>
+                <c:pt idx="218">
+                  <c:v>12</c:v>
+                </c:pt>
+                <c:pt idx="219">
+                  <c:v>11</c:v>
+                </c:pt>
+                <c:pt idx="220">
+                  <c:v>10</c:v>
+                </c:pt>
+                <c:pt idx="221">
+                  <c:v>10</c:v>
+                </c:pt>
+                <c:pt idx="222">
+                  <c:v>9</c:v>
+                </c:pt>
+                <c:pt idx="223">
+                  <c:v>8</c:v>
+                </c:pt>
+                <c:pt idx="224">
+                  <c:v>20</c:v>
+                </c:pt>
+                <c:pt idx="225">
+                  <c:v>16</c:v>
+                </c:pt>
+                <c:pt idx="226">
+                  <c:v>13</c:v>
+                </c:pt>
+                <c:pt idx="227">
+                  <c:v>11</c:v>
+                </c:pt>
+                <c:pt idx="228">
+                  <c:v>11</c:v>
+                </c:pt>
+                <c:pt idx="229">
+                  <c:v>10</c:v>
+                </c:pt>
+                <c:pt idx="230">
+                  <c:v>7</c:v>
+                </c:pt>
+                <c:pt idx="231">
+                  <c:v>5</c:v>
+                </c:pt>
+                <c:pt idx="232">
+                  <c:v>19</c:v>
+                </c:pt>
+                <c:pt idx="233">
+                  <c:v>12</c:v>
+                </c:pt>
+                <c:pt idx="234">
+                  <c:v>12</c:v>
+                </c:pt>
+                <c:pt idx="235">
+                  <c:v>12</c:v>
+                </c:pt>
+                <c:pt idx="236">
+                  <c:v>12</c:v>
+                </c:pt>
+                <c:pt idx="237">
+                  <c:v>11</c:v>
+                </c:pt>
+                <c:pt idx="238">
+                  <c:v>10</c:v>
+                </c:pt>
+                <c:pt idx="239">
+                  <c:v>8</c:v>
+                </c:pt>
+                <c:pt idx="240">
+                  <c:v>8</c:v>
+                </c:pt>
+                <c:pt idx="241">
+                  <c:v>7</c:v>
+                </c:pt>
+                <c:pt idx="242">
+                  <c:v>6</c:v>
+                </c:pt>
+                <c:pt idx="243">
+                  <c:v>5</c:v>
+                </c:pt>
+                <c:pt idx="244">
+                  <c:v>33</c:v>
+                </c:pt>
+                <c:pt idx="245">
+                  <c:v>32</c:v>
+                </c:pt>
+                <c:pt idx="246">
+                  <c:v>10</c:v>
+                </c:pt>
+                <c:pt idx="247">
+                  <c:v>10</c:v>
+                </c:pt>
+                <c:pt idx="248">
+                  <c:v>9</c:v>
+                </c:pt>
+                <c:pt idx="249">
+                  <c:v>9</c:v>
+                </c:pt>
+                <c:pt idx="250">
+                  <c:v>9</c:v>
+                </c:pt>
+                <c:pt idx="251">
+                  <c:v>8</c:v>
+                </c:pt>
+                <c:pt idx="252">
+                  <c:v>8</c:v>
+                </c:pt>
+                <c:pt idx="253">
+                  <c:v>8</c:v>
+                </c:pt>
+                <c:pt idx="254">
+                  <c:v>8</c:v>
+                </c:pt>
+                <c:pt idx="255">
+                  <c:v>7</c:v>
+                </c:pt>
+                <c:pt idx="256">
+                  <c:v>7</c:v>
+                </c:pt>
+                <c:pt idx="257">
+                  <c:v>7</c:v>
+                </c:pt>
+                <c:pt idx="258">
+                  <c:v>6</c:v>
+                </c:pt>
+                <c:pt idx="259">
+                  <c:v>5</c:v>
+                </c:pt>
+                <c:pt idx="260">
+                  <c:v>9</c:v>
+                </c:pt>
+                <c:pt idx="261">
+                  <c:v>8</c:v>
+                </c:pt>
+                <c:pt idx="262">
+                  <c:v>8</c:v>
+                </c:pt>
+                <c:pt idx="263">
+                  <c:v>8</c:v>
+                </c:pt>
+                <c:pt idx="264">
+                  <c:v>8</c:v>
+                </c:pt>
+                <c:pt idx="265">
+                  <c:v>7</c:v>
+                </c:pt>
+                <c:pt idx="266">
+                  <c:v>7</c:v>
+                </c:pt>
+                <c:pt idx="267">
+                  <c:v>6</c:v>
+                </c:pt>
+                <c:pt idx="268">
+                  <c:v>6</c:v>
+                </c:pt>
+                <c:pt idx="269">
+                  <c:v>5</c:v>
+                </c:pt>
+                <c:pt idx="270">
+                  <c:v>5</c:v>
+                </c:pt>
+                <c:pt idx="271">
+                  <c:v>5</c:v>
+                </c:pt>
+                <c:pt idx="272">
+                  <c:v>4</c:v>
+                </c:pt>
+                <c:pt idx="273">
+                  <c:v>4</c:v>
+                </c:pt>
+                <c:pt idx="274">
+                  <c:v>15</c:v>
+                </c:pt>
+                <c:pt idx="275">
+                  <c:v>14</c:v>
+                </c:pt>
+                <c:pt idx="276">
+                  <c:v>11</c:v>
+                </c:pt>
+                <c:pt idx="277">
+                  <c:v>11</c:v>
+                </c:pt>
+                <c:pt idx="278">
+                  <c:v>11</c:v>
+                </c:pt>
+                <c:pt idx="279">
+                  <c:v>10</c:v>
+                </c:pt>
+                <c:pt idx="280">
+                  <c:v>10</c:v>
+                </c:pt>
+                <c:pt idx="281">
+                  <c:v>8</c:v>
+                </c:pt>
+                <c:pt idx="282">
+                  <c:v>8</c:v>
+                </c:pt>
+                <c:pt idx="283">
+                  <c:v>6</c:v>
+                </c:pt>
+                <c:pt idx="284">
+                  <c:v>6</c:v>
+                </c:pt>
+                <c:pt idx="285">
+                  <c:v>5</c:v>
+                </c:pt>
+                <c:pt idx="286">
+                  <c:v>5</c:v>
+                </c:pt>
+                <c:pt idx="287">
+                  <c:v>5</c:v>
+                </c:pt>
+                <c:pt idx="288">
+                  <c:v>5</c:v>
+                </c:pt>
+                <c:pt idx="289">
+                  <c:v>5</c:v>
+                </c:pt>
+                <c:pt idx="290">
+                  <c:v>5</c:v>
+                </c:pt>
+                <c:pt idx="291">
+                  <c:v>4</c:v>
+                </c:pt>
+                <c:pt idx="292">
+                  <c:v>4</c:v>
+                </c:pt>
+                <c:pt idx="293">
+                  <c:v>4</c:v>
+                </c:pt>
+                <c:pt idx="294">
+                  <c:v>4</c:v>
+                </c:pt>
+                <c:pt idx="295">
+                  <c:v>3</c:v>
+                </c:pt>
+                <c:pt idx="296">
+                  <c:v>3</c:v>
+                </c:pt>
+                <c:pt idx="297">
+                  <c:v>3</c:v>
+                </c:pt>
+                <c:pt idx="298">
+                  <c:v>34</c:v>
+                </c:pt>
+                <c:pt idx="299">
+                  <c:v>26</c:v>
+                </c:pt>
+                <c:pt idx="300">
+                  <c:v>8</c:v>
+                </c:pt>
+                <c:pt idx="301">
+                  <c:v>6</c:v>
+                </c:pt>
+                <c:pt idx="302">
+                  <c:v>5</c:v>
+                </c:pt>
+                <c:pt idx="303">
+                  <c:v>5</c:v>
+                </c:pt>
+                <c:pt idx="304">
+                  <c:v>4</c:v>
+                </c:pt>
+                <c:pt idx="305">
+                  <c:v>4</c:v>
+                </c:pt>
+                <c:pt idx="306">
+                  <c:v>4</c:v>
+                </c:pt>
+                <c:pt idx="307">
+                  <c:v>3</c:v>
+                </c:pt>
+                <c:pt idx="308">
+                  <c:v>14</c:v>
+                </c:pt>
+                <c:pt idx="309">
+                  <c:v>6</c:v>
+                </c:pt>
+                <c:pt idx="310">
+                  <c:v>5</c:v>
+                </c:pt>
+                <c:pt idx="311">
+                  <c:v>5</c:v>
+                </c:pt>
+                <c:pt idx="312">
+                  <c:v>4</c:v>
+                </c:pt>
+                <c:pt idx="313">
+                  <c:v>4</c:v>
+                </c:pt>
+                <c:pt idx="314">
+                  <c:v>4</c:v>
+                </c:pt>
+                <c:pt idx="315">
+                  <c:v>3</c:v>
+                </c:pt>
+                <c:pt idx="316">
+                  <c:v>3</c:v>
+                </c:pt>
+                <c:pt idx="317">
+                  <c:v>3</c:v>
+                </c:pt>
+                <c:pt idx="318">
+                  <c:v>2</c:v>
+                </c:pt>
+                <c:pt idx="319">
+                  <c:v>2</c:v>
+                </c:pt>
+                <c:pt idx="320">
+                  <c:v>2</c:v>
+                </c:pt>
+                <c:pt idx="321">
+                  <c:v>2</c:v>
+                </c:pt>
+                <c:pt idx="322">
+                  <c:v>2</c:v>
+                </c:pt>
+                <c:pt idx="323">
+                  <c:v>2</c:v>
+                </c:pt>
+                <c:pt idx="324">
+                  <c:v>2</c:v>
+                </c:pt>
+                <c:pt idx="325">
+                  <c:v>2</c:v>
+                </c:pt>
+                <c:pt idx="326">
+                  <c:v>2</c:v>
+                </c:pt>
+                <c:pt idx="327">
+                  <c:v>2</c:v>
+                </c:pt>
+                <c:pt idx="328">
+                  <c:v>2</c:v>
+                </c:pt>
+                <c:pt idx="329">
+                  <c:v>2</c:v>
+                </c:pt>
+                <c:pt idx="330">
+                  <c:v>2</c:v>
+                </c:pt>
+                <c:pt idx="331">
+                  <c:v>2</c:v>
+                </c:pt>
+                <c:pt idx="332">
+                  <c:v>2</c:v>
+                </c:pt>
+                <c:pt idx="333">
+                  <c:v>20</c:v>
+                </c:pt>
+                <c:pt idx="334">
+                  <c:v>8</c:v>
+                </c:pt>
+                <c:pt idx="335">
+                  <c:v>8</c:v>
+                </c:pt>
+                <c:pt idx="336">
+                  <c:v>3</c:v>
+                </c:pt>
+                <c:pt idx="337">
+                  <c:v>3</c:v>
+                </c:pt>
+                <c:pt idx="338">
+                  <c:v>3</c:v>
+                </c:pt>
+                <c:pt idx="339">
+                  <c:v>3</c:v>
+                </c:pt>
+                <c:pt idx="340">
+                  <c:v>3</c:v>
+                </c:pt>
+                <c:pt idx="341">
+                  <c:v>2</c:v>
+                </c:pt>
+                <c:pt idx="342">
+                  <c:v>2</c:v>
+                </c:pt>
+                <c:pt idx="343">
+                  <c:v>2</c:v>
+                </c:pt>
+                <c:pt idx="344">
+                  <c:v>2</c:v>
+                </c:pt>
+                <c:pt idx="345">
+                  <c:v>2</c:v>
+                </c:pt>
+                <c:pt idx="346">
+                  <c:v>2</c:v>
+                </c:pt>
+                <c:pt idx="347">
+                  <c:v>2</c:v>
+                </c:pt>
+                <c:pt idx="348">
+                  <c:v>2</c:v>
+                </c:pt>
+                <c:pt idx="349">
+                  <c:v>2</c:v>
+                </c:pt>
+                <c:pt idx="350">
+                  <c:v>2</c:v>
+                </c:pt>
+              </c:numCache>
+            </c:numRef>
+          </c:xVal>
+          <c:yVal>
+            <c:numRef>
+              <c:f>'data-export1'!$C$2:$C$352</c:f>
+              <c:numCache>
+                <c:formatCode>General</c:formatCode>
+                <c:ptCount val="351"/>
+                <c:pt idx="0">
+                  <c:v>0</c:v>
+                </c:pt>
+                <c:pt idx="1">
+                  <c:v>71</c:v>
+                </c:pt>
+                <c:pt idx="2">
+                  <c:v>68</c:v>
+                </c:pt>
+                <c:pt idx="3">
+                  <c:v>68</c:v>
+                </c:pt>
+                <c:pt idx="4">
+                  <c:v>67</c:v>
+                </c:pt>
+                <c:pt idx="5">
+                  <c:v>66</c:v>
+                </c:pt>
+                <c:pt idx="6">
+                  <c:v>66</c:v>
+                </c:pt>
+                <c:pt idx="7">
+                  <c:v>66</c:v>
+                </c:pt>
+                <c:pt idx="8">
+                  <c:v>65</c:v>
+                </c:pt>
+                <c:pt idx="9">
+                  <c:v>65</c:v>
+                </c:pt>
+                <c:pt idx="10">
+                  <c:v>65</c:v>
+                </c:pt>
+                <c:pt idx="11">
+                  <c:v>65</c:v>
+                </c:pt>
+                <c:pt idx="12">
+                  <c:v>63</c:v>
+                </c:pt>
+                <c:pt idx="13">
+                  <c:v>62</c:v>
+                </c:pt>
+                <c:pt idx="14">
+                  <c:v>62</c:v>
+                </c:pt>
+                <c:pt idx="15">
+                  <c:v>62</c:v>
+                </c:pt>
+                <c:pt idx="16">
+                  <c:v>61</c:v>
+                </c:pt>
+                <c:pt idx="17">
+                  <c:v>61</c:v>
+                </c:pt>
+                <c:pt idx="18">
+                  <c:v>61</c:v>
+                </c:pt>
+                <c:pt idx="19">
+                  <c:v>61</c:v>
+                </c:pt>
+                <c:pt idx="20">
+                  <c:v>60</c:v>
+                </c:pt>
+                <c:pt idx="21">
+                  <c:v>60</c:v>
+                </c:pt>
+                <c:pt idx="22">
+                  <c:v>60</c:v>
+                </c:pt>
+                <c:pt idx="23">
+                  <c:v>60</c:v>
+                </c:pt>
+                <c:pt idx="24">
+                  <c:v>59</c:v>
+                </c:pt>
+                <c:pt idx="25">
+                  <c:v>58</c:v>
+                </c:pt>
+                <c:pt idx="26">
+                  <c:v>58</c:v>
+                </c:pt>
+                <c:pt idx="27">
+                  <c:v>58</c:v>
+                </c:pt>
+                <c:pt idx="28">
+                  <c:v>58</c:v>
+                </c:pt>
+                <c:pt idx="29">
+                  <c:v>58</c:v>
+                </c:pt>
+                <c:pt idx="30">
+                  <c:v>58</c:v>
+                </c:pt>
+                <c:pt idx="31">
+                  <c:v>57</c:v>
+                </c:pt>
+                <c:pt idx="32">
+                  <c:v>57</c:v>
+                </c:pt>
+                <c:pt idx="33">
+                  <c:v>57</c:v>
+                </c:pt>
+                <c:pt idx="34">
+                  <c:v>57</c:v>
+                </c:pt>
+                <c:pt idx="35">
+                  <c:v>57</c:v>
+                </c:pt>
+                <c:pt idx="36">
+                  <c:v>56</c:v>
+                </c:pt>
+                <c:pt idx="37">
+                  <c:v>56</c:v>
+                </c:pt>
+                <c:pt idx="38">
+                  <c:v>56</c:v>
+                </c:pt>
+                <c:pt idx="39">
+                  <c:v>55</c:v>
+                </c:pt>
+                <c:pt idx="40">
+                  <c:v>55</c:v>
+                </c:pt>
+                <c:pt idx="41">
+                  <c:v>53</c:v>
+                </c:pt>
+                <c:pt idx="42">
+                  <c:v>51</c:v>
+                </c:pt>
+                <c:pt idx="43">
+                  <c:v>51</c:v>
+                </c:pt>
+                <c:pt idx="44">
+                  <c:v>51</c:v>
+                </c:pt>
+                <c:pt idx="45">
+                  <c:v>50</c:v>
+                </c:pt>
+                <c:pt idx="46">
+                  <c:v>50</c:v>
+                </c:pt>
+                <c:pt idx="47">
+                  <c:v>49</c:v>
+                </c:pt>
+                <c:pt idx="48">
+                  <c:v>49</c:v>
+                </c:pt>
+                <c:pt idx="49">
+                  <c:v>46</c:v>
+                </c:pt>
+                <c:pt idx="50">
+                  <c:v>46</c:v>
+                </c:pt>
+                <c:pt idx="51">
+                  <c:v>43</c:v>
+                </c:pt>
+                <c:pt idx="52">
+                  <c:v>43</c:v>
+                </c:pt>
+                <c:pt idx="53">
+                  <c:v>43</c:v>
+                </c:pt>
+                <c:pt idx="54">
+                  <c:v>43</c:v>
+                </c:pt>
+                <c:pt idx="55">
+                  <c:v>42</c:v>
+                </c:pt>
+                <c:pt idx="56">
+                  <c:v>42</c:v>
+                </c:pt>
+                <c:pt idx="57">
+                  <c:v>41</c:v>
+                </c:pt>
+                <c:pt idx="58">
+                  <c:v>40</c:v>
+                </c:pt>
+                <c:pt idx="59">
+                  <c:v>40</c:v>
+                </c:pt>
+                <c:pt idx="60">
+                  <c:v>40</c:v>
+                </c:pt>
+                <c:pt idx="61">
+                  <c:v>40</c:v>
+                </c:pt>
+                <c:pt idx="62">
+                  <c:v>39</c:v>
+                </c:pt>
+                <c:pt idx="63">
+                  <c:v>38</c:v>
+                </c:pt>
+                <c:pt idx="64">
+                  <c:v>37</c:v>
+                </c:pt>
+                <c:pt idx="65">
+                  <c:v>37</c:v>
+                </c:pt>
+                <c:pt idx="66">
+                  <c:v>37</c:v>
+                </c:pt>
+                <c:pt idx="67">
+                  <c:v>36</c:v>
+                </c:pt>
+                <c:pt idx="68">
+                  <c:v>35</c:v>
+                </c:pt>
+                <c:pt idx="69">
+                  <c:v>35</c:v>
+                </c:pt>
+                <c:pt idx="70">
+                  <c:v>35</c:v>
+                </c:pt>
+                <c:pt idx="71">
+                  <c:v>33</c:v>
+                </c:pt>
+                <c:pt idx="72">
+                  <c:v>32</c:v>
+                </c:pt>
+                <c:pt idx="73">
+                  <c:v>31</c:v>
+                </c:pt>
+                <c:pt idx="74">
+                  <c:v>31</c:v>
+                </c:pt>
+                <c:pt idx="75">
+                  <c:v>31</c:v>
+                </c:pt>
+                <c:pt idx="76">
+                  <c:v>30</c:v>
+                </c:pt>
+                <c:pt idx="77">
+                  <c:v>30</c:v>
+                </c:pt>
+                <c:pt idx="78">
+                  <c:v>30</c:v>
+                </c:pt>
+                <c:pt idx="79">
+                  <c:v>30</c:v>
+                </c:pt>
+                <c:pt idx="80">
+                  <c:v>29</c:v>
+                </c:pt>
+                <c:pt idx="81">
+                  <c:v>29</c:v>
+                </c:pt>
+                <c:pt idx="82">
+                  <c:v>29</c:v>
+                </c:pt>
+                <c:pt idx="83">
+                  <c:v>29</c:v>
+                </c:pt>
+                <c:pt idx="84">
+                  <c:v>29</c:v>
+                </c:pt>
+                <c:pt idx="85">
+                  <c:v>28</c:v>
+                </c:pt>
+                <c:pt idx="86">
+                  <c:v>28</c:v>
+                </c:pt>
+                <c:pt idx="87">
+                  <c:v>28</c:v>
+                </c:pt>
+                <c:pt idx="88">
+                  <c:v>27</c:v>
+                </c:pt>
+                <c:pt idx="89">
+                  <c:v>27</c:v>
+                </c:pt>
+                <c:pt idx="90">
+                  <c:v>27</c:v>
+                </c:pt>
+                <c:pt idx="91">
+                  <c:v>27</c:v>
+                </c:pt>
+                <c:pt idx="92">
+                  <c:v>27</c:v>
+                </c:pt>
+                <c:pt idx="93">
+                  <c:v>27</c:v>
+                </c:pt>
+                <c:pt idx="94">
+                  <c:v>27</c:v>
+                </c:pt>
+                <c:pt idx="95">
+                  <c:v>25</c:v>
+                </c:pt>
+                <c:pt idx="96">
+                  <c:v>25</c:v>
+                </c:pt>
+                <c:pt idx="97">
+                  <c:v>25</c:v>
+                </c:pt>
+                <c:pt idx="98">
+                  <c:v>25</c:v>
+                </c:pt>
+                <c:pt idx="99">
+                  <c:v>25</c:v>
+                </c:pt>
+                <c:pt idx="100">
+                  <c:v>25</c:v>
+                </c:pt>
+                <c:pt idx="101">
+                  <c:v>25</c:v>
+                </c:pt>
+                <c:pt idx="102">
+                  <c:v>24</c:v>
+                </c:pt>
+                <c:pt idx="103">
+                  <c:v>24</c:v>
+                </c:pt>
+                <c:pt idx="104">
+                  <c:v>24</c:v>
+                </c:pt>
+                <c:pt idx="105">
+                  <c:v>24</c:v>
+                </c:pt>
+                <c:pt idx="106">
+                  <c:v>24</c:v>
+                </c:pt>
+                <c:pt idx="107">
+                  <c:v>24</c:v>
+                </c:pt>
+                <c:pt idx="108">
+                  <c:v>24</c:v>
+                </c:pt>
+                <c:pt idx="109">
+                  <c:v>23</c:v>
+                </c:pt>
+                <c:pt idx="110">
+                  <c:v>23</c:v>
+                </c:pt>
+                <c:pt idx="111">
+                  <c:v>23</c:v>
+                </c:pt>
+                <c:pt idx="112">
+                  <c:v>23</c:v>
+                </c:pt>
+                <c:pt idx="113">
+                  <c:v>23</c:v>
+                </c:pt>
+                <c:pt idx="114">
+                  <c:v>23</c:v>
+                </c:pt>
+                <c:pt idx="115">
+                  <c:v>23</c:v>
+                </c:pt>
+                <c:pt idx="116">
+                  <c:v>22</c:v>
+                </c:pt>
+                <c:pt idx="117">
+                  <c:v>22</c:v>
+                </c:pt>
+                <c:pt idx="118">
+                  <c:v>21</c:v>
+                </c:pt>
+                <c:pt idx="119">
+                  <c:v>21</c:v>
+                </c:pt>
+                <c:pt idx="120">
+                  <c:v>21</c:v>
+                </c:pt>
+                <c:pt idx="121">
+                  <c:v>20</c:v>
+                </c:pt>
+                <c:pt idx="122">
+                  <c:v>20</c:v>
+                </c:pt>
+                <c:pt idx="123">
+                  <c:v>20</c:v>
+                </c:pt>
+                <c:pt idx="124">
+                  <c:v>20</c:v>
+                </c:pt>
+                <c:pt idx="125">
+                  <c:v>20</c:v>
+                </c:pt>
+                <c:pt idx="126">
+                  <c:v>20</c:v>
+                </c:pt>
+                <c:pt idx="127">
+                  <c:v>20</c:v>
+                </c:pt>
+                <c:pt idx="128">
+                  <c:v>19</c:v>
+                </c:pt>
+                <c:pt idx="129">
+                  <c:v>19</c:v>
+                </c:pt>
+                <c:pt idx="130">
+                  <c:v>19</c:v>
+                </c:pt>
+                <c:pt idx="131">
+                  <c:v>19</c:v>
+                </c:pt>
+                <c:pt idx="132">
+                  <c:v>19</c:v>
+                </c:pt>
+                <c:pt idx="133">
+                  <c:v>19</c:v>
+                </c:pt>
+                <c:pt idx="134">
+                  <c:v>19</c:v>
+                </c:pt>
+                <c:pt idx="135">
+                  <c:v>18</c:v>
+                </c:pt>
+                <c:pt idx="136">
+                  <c:v>18</c:v>
+                </c:pt>
+                <c:pt idx="137">
+                  <c:v>18</c:v>
+                </c:pt>
+                <c:pt idx="138">
+                  <c:v>18</c:v>
+                </c:pt>
+                <c:pt idx="139">
+                  <c:v>18</c:v>
+                </c:pt>
+                <c:pt idx="140">
+                  <c:v>17</c:v>
+                </c:pt>
+                <c:pt idx="141">
+                  <c:v>17</c:v>
+                </c:pt>
+                <c:pt idx="142">
+                  <c:v>17</c:v>
+                </c:pt>
+                <c:pt idx="143">
+                  <c:v>17</c:v>
+                </c:pt>
+                <c:pt idx="144">
+                  <c:v>16</c:v>
+                </c:pt>
+                <c:pt idx="145">
+                  <c:v>16</c:v>
+                </c:pt>
+                <c:pt idx="146">
+                  <c:v>16</c:v>
+                </c:pt>
+                <c:pt idx="147">
+                  <c:v>16</c:v>
+                </c:pt>
+                <c:pt idx="148">
+                  <c:v>16</c:v>
+                </c:pt>
+                <c:pt idx="149">
+                  <c:v>16</c:v>
+                </c:pt>
+                <c:pt idx="150">
+                  <c:v>16</c:v>
+                </c:pt>
+                <c:pt idx="151">
+                  <c:v>15</c:v>
+                </c:pt>
+                <c:pt idx="152">
+                  <c:v>15</c:v>
+                </c:pt>
+                <c:pt idx="153">
+                  <c:v>15</c:v>
+                </c:pt>
+                <c:pt idx="154">
+                  <c:v>15</c:v>
+                </c:pt>
+                <c:pt idx="155">
+                  <c:v>15</c:v>
+                </c:pt>
+                <c:pt idx="156">
+                  <c:v>15</c:v>
+                </c:pt>
+                <c:pt idx="157">
+                  <c:v>14</c:v>
+                </c:pt>
+                <c:pt idx="158">
+                  <c:v>14</c:v>
+                </c:pt>
+                <c:pt idx="159">
+                  <c:v>14</c:v>
+                </c:pt>
+                <c:pt idx="160">
+                  <c:v>14</c:v>
+                </c:pt>
+                <c:pt idx="161">
+                  <c:v>14</c:v>
+                </c:pt>
+                <c:pt idx="162">
+                  <c:v>14</c:v>
+                </c:pt>
+                <c:pt idx="163">
+                  <c:v>13</c:v>
+                </c:pt>
+                <c:pt idx="164">
+                  <c:v>13</c:v>
+                </c:pt>
+                <c:pt idx="165">
+                  <c:v>13</c:v>
+                </c:pt>
+                <c:pt idx="166">
+                  <c:v>13</c:v>
+                </c:pt>
+                <c:pt idx="167">
+                  <c:v>13</c:v>
+                </c:pt>
+                <c:pt idx="168">
+                  <c:v>13</c:v>
+                </c:pt>
+                <c:pt idx="169">
+                  <c:v>13</c:v>
+                </c:pt>
+                <c:pt idx="170">
+                  <c:v>13</c:v>
+                </c:pt>
+                <c:pt idx="171">
+                  <c:v>13</c:v>
+                </c:pt>
+                <c:pt idx="172">
+                  <c:v>13</c:v>
+                </c:pt>
+                <c:pt idx="173">
+                  <c:v>13</c:v>
+                </c:pt>
+                <c:pt idx="174">
+                  <c:v>12</c:v>
+                </c:pt>
+                <c:pt idx="175">
+                  <c:v>12</c:v>
+                </c:pt>
+                <c:pt idx="176">
+                  <c:v>12</c:v>
+                </c:pt>
+                <c:pt idx="177">
+                  <c:v>12</c:v>
+                </c:pt>
+                <c:pt idx="178">
+                  <c:v>12</c:v>
+                </c:pt>
+                <c:pt idx="179">
+                  <c:v>12</c:v>
+                </c:pt>
+                <c:pt idx="180">
+                  <c:v>12</c:v>
+                </c:pt>
+                <c:pt idx="181">
+                  <c:v>12</c:v>
+                </c:pt>
+                <c:pt idx="182">
+                  <c:v>12</c:v>
+                </c:pt>
+                <c:pt idx="183">
+                  <c:v>12</c:v>
+                </c:pt>
+                <c:pt idx="184">
+                  <c:v>12</c:v>
+                </c:pt>
+                <c:pt idx="185">
+                  <c:v>12</c:v>
+                </c:pt>
+                <c:pt idx="186">
+                  <c:v>11</c:v>
+                </c:pt>
+                <c:pt idx="187">
+                  <c:v>11</c:v>
+                </c:pt>
+                <c:pt idx="188">
+                  <c:v>11</c:v>
+                </c:pt>
+                <c:pt idx="189">
+                  <c:v>11</c:v>
+                </c:pt>
+                <c:pt idx="190">
+                  <c:v>11</c:v>
+                </c:pt>
+                <c:pt idx="191">
+                  <c:v>11</c:v>
+                </c:pt>
+                <c:pt idx="192">
+                  <c:v>11</c:v>
+                </c:pt>
+                <c:pt idx="193">
+                  <c:v>11</c:v>
+                </c:pt>
+                <c:pt idx="194">
+                  <c:v>11</c:v>
+                </c:pt>
+                <c:pt idx="195">
+                  <c:v>11</c:v>
+                </c:pt>
+                <c:pt idx="196">
+                  <c:v>11</c:v>
+                </c:pt>
+                <c:pt idx="197">
+                  <c:v>10</c:v>
+                </c:pt>
+                <c:pt idx="198">
+                  <c:v>10</c:v>
+                </c:pt>
+                <c:pt idx="199">
+                  <c:v>10</c:v>
+                </c:pt>
+                <c:pt idx="200">
+                  <c:v>10</c:v>
+                </c:pt>
+                <c:pt idx="201">
+                  <c:v>10</c:v>
+                </c:pt>
+                <c:pt idx="202">
+                  <c:v>10</c:v>
+                </c:pt>
+                <c:pt idx="203">
+                  <c:v>10</c:v>
+                </c:pt>
+                <c:pt idx="204">
+                  <c:v>10</c:v>
+                </c:pt>
+                <c:pt idx="205">
+                  <c:v>10</c:v>
+                </c:pt>
+                <c:pt idx="206">
+                  <c:v>10</c:v>
+                </c:pt>
+                <c:pt idx="207">
+                  <c:v>10</c:v>
+                </c:pt>
+                <c:pt idx="208">
+                  <c:v>10</c:v>
+                </c:pt>
+                <c:pt idx="209">
+                  <c:v>9</c:v>
+                </c:pt>
+                <c:pt idx="210">
+                  <c:v>9</c:v>
+                </c:pt>
+                <c:pt idx="211">
+                  <c:v>9</c:v>
+                </c:pt>
+                <c:pt idx="212">
+                  <c:v>9</c:v>
+                </c:pt>
+                <c:pt idx="213">
+                  <c:v>9</c:v>
+                </c:pt>
+                <c:pt idx="214">
+                  <c:v>9</c:v>
+                </c:pt>
+                <c:pt idx="215">
+                  <c:v>9</c:v>
+                </c:pt>
+                <c:pt idx="216">
+                  <c:v>9</c:v>
+                </c:pt>
+                <c:pt idx="217">
+                  <c:v>9</c:v>
+                </c:pt>
+                <c:pt idx="218">
+                  <c:v>9</c:v>
+                </c:pt>
+                <c:pt idx="219">
+                  <c:v>9</c:v>
+                </c:pt>
+                <c:pt idx="220">
+                  <c:v>9</c:v>
+                </c:pt>
+                <c:pt idx="221">
+                  <c:v>9</c:v>
+                </c:pt>
+                <c:pt idx="222">
+                  <c:v>9</c:v>
+                </c:pt>
+                <c:pt idx="223">
+                  <c:v>9</c:v>
+                </c:pt>
+                <c:pt idx="224">
+                  <c:v>8</c:v>
+                </c:pt>
+                <c:pt idx="225">
+                  <c:v>8</c:v>
+                </c:pt>
+                <c:pt idx="226">
+                  <c:v>8</c:v>
+                </c:pt>
+                <c:pt idx="227">
+                  <c:v>8</c:v>
+                </c:pt>
+                <c:pt idx="228">
+                  <c:v>8</c:v>
+                </c:pt>
+                <c:pt idx="229">
+                  <c:v>8</c:v>
+                </c:pt>
+                <c:pt idx="230">
+                  <c:v>8</c:v>
+                </c:pt>
+                <c:pt idx="231">
+                  <c:v>8</c:v>
+                </c:pt>
+                <c:pt idx="232">
+                  <c:v>7</c:v>
+                </c:pt>
+                <c:pt idx="233">
+                  <c:v>7</c:v>
+                </c:pt>
+                <c:pt idx="234">
+                  <c:v>7</c:v>
+                </c:pt>
+                <c:pt idx="235">
+                  <c:v>7</c:v>
+                </c:pt>
+                <c:pt idx="236">
+                  <c:v>7</c:v>
+                </c:pt>
+                <c:pt idx="237">
+                  <c:v>7</c:v>
+                </c:pt>
+                <c:pt idx="238">
+                  <c:v>7</c:v>
+                </c:pt>
+                <c:pt idx="239">
+                  <c:v>7</c:v>
+                </c:pt>
+                <c:pt idx="240">
+                  <c:v>7</c:v>
+                </c:pt>
+                <c:pt idx="241">
+                  <c:v>7</c:v>
+                </c:pt>
+                <c:pt idx="242">
+                  <c:v>7</c:v>
+                </c:pt>
+                <c:pt idx="243">
+                  <c:v>7</c:v>
+                </c:pt>
+                <c:pt idx="244">
+                  <c:v>6</c:v>
+                </c:pt>
+                <c:pt idx="245">
+                  <c:v>6</c:v>
+                </c:pt>
+                <c:pt idx="246">
+                  <c:v>6</c:v>
+                </c:pt>
+                <c:pt idx="247">
+                  <c:v>6</c:v>
+                </c:pt>
+                <c:pt idx="248">
+                  <c:v>6</c:v>
+                </c:pt>
+                <c:pt idx="249">
+                  <c:v>6</c:v>
+                </c:pt>
+                <c:pt idx="250">
+                  <c:v>6</c:v>
+                </c:pt>
+                <c:pt idx="251">
+                  <c:v>6</c:v>
+                </c:pt>
+                <c:pt idx="252">
+                  <c:v>6</c:v>
+                </c:pt>
+                <c:pt idx="253">
+                  <c:v>6</c:v>
+                </c:pt>
+                <c:pt idx="254">
+                  <c:v>6</c:v>
+                </c:pt>
+                <c:pt idx="255">
+                  <c:v>6</c:v>
+                </c:pt>
+                <c:pt idx="256">
+                  <c:v>6</c:v>
+                </c:pt>
+                <c:pt idx="257">
+                  <c:v>6</c:v>
+                </c:pt>
+                <c:pt idx="258">
+                  <c:v>6</c:v>
+                </c:pt>
+                <c:pt idx="259">
+                  <c:v>6</c:v>
+                </c:pt>
+                <c:pt idx="260">
+                  <c:v>5</c:v>
+                </c:pt>
+                <c:pt idx="261">
+                  <c:v>5</c:v>
+                </c:pt>
+                <c:pt idx="262">
+                  <c:v>5</c:v>
+                </c:pt>
+                <c:pt idx="263">
+                  <c:v>5</c:v>
+                </c:pt>
+                <c:pt idx="264">
+                  <c:v>5</c:v>
+                </c:pt>
+                <c:pt idx="265">
+                  <c:v>5</c:v>
+                </c:pt>
+                <c:pt idx="266">
+                  <c:v>5</c:v>
+                </c:pt>
+                <c:pt idx="267">
+                  <c:v>5</c:v>
+                </c:pt>
+                <c:pt idx="268">
+                  <c:v>5</c:v>
+                </c:pt>
+                <c:pt idx="269">
+                  <c:v>5</c:v>
+                </c:pt>
+                <c:pt idx="270">
+                  <c:v>5</c:v>
+                </c:pt>
+                <c:pt idx="271">
+                  <c:v>5</c:v>
+                </c:pt>
+                <c:pt idx="272">
+                  <c:v>5</c:v>
+                </c:pt>
+                <c:pt idx="273">
+                  <c:v>5</c:v>
+                </c:pt>
+                <c:pt idx="274">
+                  <c:v>4</c:v>
+                </c:pt>
+                <c:pt idx="275">
+                  <c:v>4</c:v>
+                </c:pt>
+                <c:pt idx="276">
+                  <c:v>4</c:v>
+                </c:pt>
+                <c:pt idx="277">
+                  <c:v>4</c:v>
+                </c:pt>
+                <c:pt idx="278">
+                  <c:v>4</c:v>
+                </c:pt>
+                <c:pt idx="279">
+                  <c:v>4</c:v>
+                </c:pt>
+                <c:pt idx="280">
+                  <c:v>4</c:v>
+                </c:pt>
+                <c:pt idx="281">
+                  <c:v>4</c:v>
+                </c:pt>
+                <c:pt idx="282">
+                  <c:v>4</c:v>
+                </c:pt>
+                <c:pt idx="283">
+                  <c:v>4</c:v>
+                </c:pt>
+                <c:pt idx="284">
+                  <c:v>4</c:v>
+                </c:pt>
+                <c:pt idx="285">
+                  <c:v>4</c:v>
+                </c:pt>
+                <c:pt idx="286">
+                  <c:v>4</c:v>
+                </c:pt>
+                <c:pt idx="287">
+                  <c:v>4</c:v>
+                </c:pt>
+                <c:pt idx="288">
+                  <c:v>4</c:v>
+                </c:pt>
+                <c:pt idx="289">
+                  <c:v>4</c:v>
+                </c:pt>
+                <c:pt idx="290">
+                  <c:v>4</c:v>
+                </c:pt>
+                <c:pt idx="291">
+                  <c:v>4</c:v>
+                </c:pt>
+                <c:pt idx="292">
+                  <c:v>4</c:v>
+                </c:pt>
+                <c:pt idx="293">
+                  <c:v>4</c:v>
+                </c:pt>
+                <c:pt idx="294">
+                  <c:v>4</c:v>
+                </c:pt>
+                <c:pt idx="295">
+                  <c:v>4</c:v>
+                </c:pt>
+                <c:pt idx="296">
+                  <c:v>4</c:v>
+                </c:pt>
+                <c:pt idx="297">
+                  <c:v>4</c:v>
+                </c:pt>
+                <c:pt idx="298">
+                  <c:v>3</c:v>
+                </c:pt>
+                <c:pt idx="299">
+                  <c:v>3</c:v>
+                </c:pt>
+                <c:pt idx="300">
+                  <c:v>3</c:v>
+                </c:pt>
+                <c:pt idx="301">
+                  <c:v>3</c:v>
+                </c:pt>
+                <c:pt idx="302">
+                  <c:v>3</c:v>
+                </c:pt>
+                <c:pt idx="303">
+                  <c:v>3</c:v>
+                </c:pt>
+                <c:pt idx="304">
+                  <c:v>3</c:v>
+                </c:pt>
+                <c:pt idx="305">
+                  <c:v>3</c:v>
+                </c:pt>
+                <c:pt idx="306">
+                  <c:v>3</c:v>
+                </c:pt>
+                <c:pt idx="307">
+                  <c:v>3</c:v>
+                </c:pt>
+                <c:pt idx="308">
+                  <c:v>2</c:v>
+                </c:pt>
+                <c:pt idx="309">
+                  <c:v>2</c:v>
+                </c:pt>
+                <c:pt idx="310">
+                  <c:v>2</c:v>
+                </c:pt>
+                <c:pt idx="311">
+                  <c:v>2</c:v>
+                </c:pt>
+                <c:pt idx="312">
+                  <c:v>2</c:v>
+                </c:pt>
+                <c:pt idx="313">
+                  <c:v>2</c:v>
+                </c:pt>
+                <c:pt idx="314">
+                  <c:v>2</c:v>
+                </c:pt>
+                <c:pt idx="315">
+                  <c:v>2</c:v>
+                </c:pt>
+                <c:pt idx="316">
+                  <c:v>2</c:v>
+                </c:pt>
+                <c:pt idx="317">
+                  <c:v>2</c:v>
+                </c:pt>
+                <c:pt idx="318">
+                  <c:v>2</c:v>
+                </c:pt>
+                <c:pt idx="319">
+                  <c:v>2</c:v>
+                </c:pt>
+                <c:pt idx="320">
+                  <c:v>2</c:v>
+                </c:pt>
+                <c:pt idx="321">
+                  <c:v>2</c:v>
+                </c:pt>
+                <c:pt idx="322">
+                  <c:v>2</c:v>
+                </c:pt>
+                <c:pt idx="323">
+                  <c:v>2</c:v>
+                </c:pt>
+                <c:pt idx="324">
+                  <c:v>2</c:v>
+                </c:pt>
+                <c:pt idx="325">
+                  <c:v>2</c:v>
+                </c:pt>
+                <c:pt idx="326">
+                  <c:v>2</c:v>
+                </c:pt>
+                <c:pt idx="327">
+                  <c:v>2</c:v>
+                </c:pt>
+                <c:pt idx="328">
+                  <c:v>2</c:v>
+                </c:pt>
+                <c:pt idx="329">
+                  <c:v>2</c:v>
+                </c:pt>
+                <c:pt idx="330">
+                  <c:v>2</c:v>
+                </c:pt>
+                <c:pt idx="331">
+                  <c:v>2</c:v>
+                </c:pt>
+                <c:pt idx="332">
+                  <c:v>2</c:v>
+                </c:pt>
+                <c:pt idx="333">
+                  <c:v>1</c:v>
+                </c:pt>
+                <c:pt idx="334">
+                  <c:v>1</c:v>
+                </c:pt>
+                <c:pt idx="335">
+                  <c:v>1</c:v>
+                </c:pt>
+                <c:pt idx="336">
+                  <c:v>1</c:v>
+                </c:pt>
+                <c:pt idx="337">
+                  <c:v>1</c:v>
+                </c:pt>
+                <c:pt idx="338">
+                  <c:v>1</c:v>
+                </c:pt>
+                <c:pt idx="339">
+                  <c:v>1</c:v>
+                </c:pt>
+                <c:pt idx="340">
+                  <c:v>1</c:v>
+                </c:pt>
+                <c:pt idx="341">
+                  <c:v>1</c:v>
+                </c:pt>
+                <c:pt idx="342">
+                  <c:v>1</c:v>
+                </c:pt>
+                <c:pt idx="343">
+                  <c:v>1</c:v>
+                </c:pt>
+                <c:pt idx="344">
+                  <c:v>1</c:v>
+                </c:pt>
+                <c:pt idx="345">
+                  <c:v>1</c:v>
+                </c:pt>
+                <c:pt idx="346">
+                  <c:v>1</c:v>
+                </c:pt>
+                <c:pt idx="347">
+                  <c:v>1</c:v>
+                </c:pt>
+                <c:pt idx="348">
+                  <c:v>1</c:v>
+                </c:pt>
+                <c:pt idx="349">
+                  <c:v>1</c:v>
+                </c:pt>
+                <c:pt idx="350">
+                  <c:v>1</c:v>
+                </c:pt>
+              </c:numCache>
+            </c:numRef>
+          </c:yVal>
+          <c:smooth val="0"/>
+          <c:extLst>
+            <c:ext xmlns:c16="http://schemas.microsoft.com/office/drawing/2014/chart" uri="{C3380CC4-5D6E-409C-BE32-E72D297353CC}">
+              <c16:uniqueId val="{00000000-956D-1C4C-9D10-5DB41247A49D}"/>
+            </c:ext>
+          </c:extLst>
+        </c:ser>
+        <c:dLbls>
+          <c:showLegendKey val="0"/>
+          <c:showVal val="0"/>
+          <c:showCatName val="0"/>
+          <c:showSerName val="0"/>
+          <c:showPercent val="0"/>
+          <c:showBubbleSize val="0"/>
+        </c:dLbls>
+        <c:axId val="592255888"/>
+        <c:axId val="582904224"/>
+      </c:scatterChart>
+      <c:valAx>
+        <c:axId val="592255888"/>
+        <c:scaling>
+          <c:orientation val="minMax"/>
+        </c:scaling>
+        <c:delete val="0"/>
+        <c:axPos val="b"/>
+        <c:majorGridlines>
+          <c:spPr>
+            <a:ln w="9525" cap="flat" cmpd="sng" algn="ctr">
+              <a:solidFill>
+                <a:schemeClr val="tx1">
+                  <a:lumMod val="15000"/>
+                  <a:lumOff val="85000"/>
+                </a:schemeClr>
+              </a:solidFill>
+              <a:round/>
+            </a:ln>
+            <a:effectLst/>
+          </c:spPr>
+        </c:majorGridlines>
+        <c:title>
+          <c:tx>
+            <c:rich>
+              <a:bodyPr rot="0" spcFirstLastPara="1" vertOverflow="ellipsis" vert="horz" wrap="square" anchor="ctr" anchorCtr="1"/>
+              <a:lstStyle/>
+              <a:p>
+                <a:pPr>
+                  <a:defRPr sz="1200" b="1" i="0" u="none" strike="noStrike" kern="1200" baseline="0">
+                    <a:solidFill>
+                      <a:schemeClr val="tx1">
+                        <a:lumMod val="65000"/>
+                        <a:lumOff val="35000"/>
+                      </a:schemeClr>
+                    </a:solidFill>
+                    <a:latin typeface="Century Gothic" panose="020B0502020202020204" pitchFamily="34" charset="0"/>
+                    <a:ea typeface="+mn-ea"/>
+                    <a:cs typeface="+mn-cs"/>
+                  </a:defRPr>
+                </a:pPr>
+                <a:r>
+                  <a:rPr lang="en-GB" sz="1200" b="1">
+                    <a:latin typeface="Century Gothic" panose="020B0502020202020204" pitchFamily="34" charset="0"/>
+                  </a:rPr>
+                  <a:t>Total web events per customer</a:t>
+                </a:r>
+              </a:p>
+            </c:rich>
+          </c:tx>
+          <c:overlay val="0"/>
+          <c:spPr>
+            <a:noFill/>
+            <a:ln>
+              <a:noFill/>
+            </a:ln>
+            <a:effectLst/>
+          </c:spPr>
+          <c:txPr>
+            <a:bodyPr rot="0" spcFirstLastPara="1" vertOverflow="ellipsis" vert="horz" wrap="square" anchor="ctr" anchorCtr="1"/>
+            <a:lstStyle/>
+            <a:p>
+              <a:pPr>
+                <a:defRPr sz="1200" b="1" i="0" u="none" strike="noStrike" kern="1200" baseline="0">
+                  <a:solidFill>
+                    <a:schemeClr val="tx1">
+                      <a:lumMod val="65000"/>
+                      <a:lumOff val="35000"/>
+                    </a:schemeClr>
+                  </a:solidFill>
+                  <a:latin typeface="Century Gothic" panose="020B0502020202020204" pitchFamily="34" charset="0"/>
+                  <a:ea typeface="+mn-ea"/>
+                  <a:cs typeface="+mn-cs"/>
+                </a:defRPr>
+              </a:pPr>
+              <a:endParaRPr lang="en-NG"/>
+            </a:p>
+          </c:txPr>
+        </c:title>
+        <c:numFmt formatCode="General" sourceLinked="1"/>
+        <c:majorTickMark val="none"/>
+        <c:minorTickMark val="none"/>
+        <c:tickLblPos val="nextTo"/>
+        <c:spPr>
+          <a:noFill/>
+          <a:ln w="9525" cap="flat" cmpd="sng" algn="ctr">
+            <a:solidFill>
+              <a:schemeClr val="tx1">
+                <a:lumMod val="25000"/>
+                <a:lumOff val="75000"/>
+              </a:schemeClr>
+            </a:solidFill>
+            <a:round/>
+          </a:ln>
+          <a:effectLst/>
+        </c:spPr>
+        <c:txPr>
+          <a:bodyPr rot="-60000000" spcFirstLastPara="1" vertOverflow="ellipsis" vert="horz" wrap="square" anchor="ctr" anchorCtr="1"/>
+          <a:lstStyle/>
+          <a:p>
+            <a:pPr>
+              <a:defRPr sz="1197" b="0" i="0" u="none" strike="noStrike" kern="1200" baseline="0">
+                <a:solidFill>
+                  <a:schemeClr val="tx1">
+                    <a:lumMod val="65000"/>
+                    <a:lumOff val="35000"/>
+                  </a:schemeClr>
+                </a:solidFill>
+                <a:latin typeface="+mn-lt"/>
+                <a:ea typeface="+mn-ea"/>
+                <a:cs typeface="+mn-cs"/>
+              </a:defRPr>
+            </a:pPr>
+            <a:endParaRPr lang="en-NG"/>
+          </a:p>
+        </c:txPr>
+        <c:crossAx val="582904224"/>
+        <c:crosses val="autoZero"/>
+        <c:crossBetween val="midCat"/>
+      </c:valAx>
+      <c:valAx>
+        <c:axId val="582904224"/>
+        <c:scaling>
+          <c:orientation val="minMax"/>
+        </c:scaling>
+        <c:delete val="0"/>
+        <c:axPos val="l"/>
+        <c:majorGridlines>
+          <c:spPr>
+            <a:ln w="9525" cap="flat" cmpd="sng" algn="ctr">
+              <a:solidFill>
+                <a:schemeClr val="tx1">
+                  <a:lumMod val="15000"/>
+                  <a:lumOff val="85000"/>
+                </a:schemeClr>
+              </a:solidFill>
+              <a:round/>
+            </a:ln>
+            <a:effectLst/>
+          </c:spPr>
+        </c:majorGridlines>
+        <c:title>
+          <c:tx>
+            <c:rich>
+              <a:bodyPr rot="-5400000" spcFirstLastPara="1" vertOverflow="ellipsis" vert="horz" wrap="square" anchor="ctr" anchorCtr="1"/>
+              <a:lstStyle/>
+              <a:p>
+                <a:pPr>
+                  <a:defRPr sz="1100" b="1" i="0" u="none" strike="noStrike" kern="1200" baseline="0">
+                    <a:solidFill>
+                      <a:schemeClr val="tx1">
+                        <a:lumMod val="65000"/>
+                        <a:lumOff val="35000"/>
+                      </a:schemeClr>
+                    </a:solidFill>
+                    <a:latin typeface="Century Gothic" panose="020B0502020202020204" pitchFamily="34" charset="0"/>
+                    <a:ea typeface="+mn-ea"/>
+                    <a:cs typeface="+mn-cs"/>
+                  </a:defRPr>
+                </a:pPr>
+                <a:r>
+                  <a:rPr lang="en-GB" sz="1100" b="1">
+                    <a:latin typeface="Century Gothic" panose="020B0502020202020204" pitchFamily="34" charset="0"/>
+                  </a:rPr>
+                  <a:t>Total Orders completed</a:t>
+                </a:r>
+              </a:p>
+            </c:rich>
+          </c:tx>
+          <c:overlay val="0"/>
+          <c:spPr>
+            <a:noFill/>
+            <a:ln>
+              <a:noFill/>
+            </a:ln>
+            <a:effectLst/>
+          </c:spPr>
+          <c:txPr>
+            <a:bodyPr rot="-5400000" spcFirstLastPara="1" vertOverflow="ellipsis" vert="horz" wrap="square" anchor="ctr" anchorCtr="1"/>
+            <a:lstStyle/>
+            <a:p>
+              <a:pPr>
+                <a:defRPr sz="1100" b="1" i="0" u="none" strike="noStrike" kern="1200" baseline="0">
+                  <a:solidFill>
+                    <a:schemeClr val="tx1">
+                      <a:lumMod val="65000"/>
+                      <a:lumOff val="35000"/>
+                    </a:schemeClr>
+                  </a:solidFill>
+                  <a:latin typeface="Century Gothic" panose="020B0502020202020204" pitchFamily="34" charset="0"/>
+                  <a:ea typeface="+mn-ea"/>
+                  <a:cs typeface="+mn-cs"/>
+                </a:defRPr>
+              </a:pPr>
+              <a:endParaRPr lang="en-NG"/>
+            </a:p>
+          </c:txPr>
+        </c:title>
+        <c:numFmt formatCode="General" sourceLinked="1"/>
+        <c:majorTickMark val="none"/>
+        <c:minorTickMark val="none"/>
+        <c:tickLblPos val="nextTo"/>
+        <c:spPr>
+          <a:noFill/>
+          <a:ln w="9525" cap="flat" cmpd="sng" algn="ctr">
+            <a:solidFill>
+              <a:schemeClr val="tx1">
+                <a:lumMod val="25000"/>
+                <a:lumOff val="75000"/>
+              </a:schemeClr>
+            </a:solidFill>
+            <a:round/>
+          </a:ln>
+          <a:effectLst/>
+        </c:spPr>
+        <c:txPr>
+          <a:bodyPr rot="-60000000" spcFirstLastPara="1" vertOverflow="ellipsis" vert="horz" wrap="square" anchor="ctr" anchorCtr="1"/>
+          <a:lstStyle/>
+          <a:p>
+            <a:pPr>
+              <a:defRPr sz="1197" b="0" i="0" u="none" strike="noStrike" kern="1200" baseline="0">
+                <a:solidFill>
+                  <a:schemeClr val="tx1">
+                    <a:lumMod val="65000"/>
+                    <a:lumOff val="35000"/>
+                  </a:schemeClr>
+                </a:solidFill>
+                <a:latin typeface="+mn-lt"/>
+                <a:ea typeface="+mn-ea"/>
+                <a:cs typeface="+mn-cs"/>
+              </a:defRPr>
+            </a:pPr>
+            <a:endParaRPr lang="en-NG"/>
+          </a:p>
+        </c:txPr>
+        <c:crossAx val="592255888"/>
+        <c:crosses val="autoZero"/>
+        <c:crossBetween val="midCat"/>
+      </c:valAx>
+      <c:spPr>
+        <a:noFill/>
+        <a:ln>
+          <a:noFill/>
+        </a:ln>
+        <a:effectLst/>
+      </c:spPr>
+    </c:plotArea>
+    <c:plotVisOnly val="1"/>
+    <c:dispBlanksAs val="gap"/>
+    <c:extLst>
+      <c:ext xmlns:c16r3="http://schemas.microsoft.com/office/drawing/2017/03/chart" uri="{56B9EC1D-385E-4148-901F-78D8002777C0}">
+        <c16r3:dataDisplayOptions16>
+          <c16r3:dispNaAsBlank val="1"/>
+        </c16r3:dataDisplayOptions16>
+      </c:ext>
+    </c:extLst>
+    <c:showDLblsOverMax val="0"/>
+  </c:chart>
+  <c:spPr>
+    <a:noFill/>
+    <a:ln>
+      <a:noFill/>
+    </a:ln>
+    <a:effectLst/>
+  </c:spPr>
+  <c:txPr>
+    <a:bodyPr/>
+    <a:lstStyle/>
+    <a:p>
+      <a:pPr>
+        <a:defRPr/>
+      </a:pPr>
+      <a:endParaRPr lang="en-NG"/>
+    </a:p>
+  </c:txPr>
+  <c:externalData r:id="rId3">
+    <c:autoUpdate val="0"/>
+  </c:externalData>
+</c:chartSpace>
+</file>
+
+<file path=ppt/charts/colors1.xml><?xml version="1.0" encoding="utf-8"?>
+<cs:colorStyle xmlns:cs="http://schemas.microsoft.com/office/drawing/2012/chartStyle" xmlns:a="http://schemas.openxmlformats.org/drawingml/2006/main" meth="cycle" id="10">
+  <a:schemeClr val="accent1"/>
+  <a:schemeClr val="accent2"/>
+  <a:schemeClr val="accent3"/>
+  <a:schemeClr val="accent4"/>
+  <a:schemeClr val="accent5"/>
+  <a:schemeClr val="accent6"/>
+  <cs:variation/>
+  <cs:variation>
+    <a:lumMod val="60000"/>
+  </cs:variation>
+  <cs:variation>
+    <a:lumMod val="80000"/>
+    <a:lumOff val="20000"/>
+  </cs:variation>
+  <cs:variation>
+    <a:lumMod val="80000"/>
+  </cs:variation>
+  <cs:variation>
+    <a:lumMod val="60000"/>
+    <a:lumOff val="40000"/>
+  </cs:variation>
+  <cs:variation>
+    <a:lumMod val="50000"/>
+  </cs:variation>
+  <cs:variation>
+    <a:lumMod val="70000"/>
+    <a:lumOff val="30000"/>
+  </cs:variation>
+  <cs:variation>
+    <a:lumMod val="70000"/>
+  </cs:variation>
+  <cs:variation>
+    <a:lumMod val="50000"/>
+    <a:lumOff val="50000"/>
+  </cs:variation>
+</cs:colorStyle>
+</file>
+
+<file path=ppt/charts/colors2.xml><?xml version="1.0" encoding="utf-8"?>
+<cs:colorStyle xmlns:cs="http://schemas.microsoft.com/office/drawing/2012/chartStyle" xmlns:a="http://schemas.openxmlformats.org/drawingml/2006/main" meth="cycle" id="10">
+  <a:schemeClr val="accent1"/>
+  <a:schemeClr val="accent2"/>
+  <a:schemeClr val="accent3"/>
+  <a:schemeClr val="accent4"/>
+  <a:schemeClr val="accent5"/>
+  <a:schemeClr val="accent6"/>
+  <cs:variation/>
+  <cs:variation>
+    <a:lumMod val="60000"/>
+  </cs:variation>
+  <cs:variation>
+    <a:lumMod val="80000"/>
+    <a:lumOff val="20000"/>
+  </cs:variation>
+  <cs:variation>
+    <a:lumMod val="80000"/>
+  </cs:variation>
+  <cs:variation>
+    <a:lumMod val="60000"/>
+    <a:lumOff val="40000"/>
+  </cs:variation>
+  <cs:variation>
+    <a:lumMod val="50000"/>
+  </cs:variation>
+  <cs:variation>
+    <a:lumMod val="70000"/>
+    <a:lumOff val="30000"/>
+  </cs:variation>
+  <cs:variation>
+    <a:lumMod val="70000"/>
+  </cs:variation>
+  <cs:variation>
+    <a:lumMod val="50000"/>
+    <a:lumOff val="50000"/>
+  </cs:variation>
+</cs:colorStyle>
+</file>
+
+<file path=ppt/charts/style1.xml><?xml version="1.0" encoding="utf-8"?>
+<cs:chartStyle xmlns:cs="http://schemas.microsoft.com/office/drawing/2012/chartStyle" xmlns:a="http://schemas.openxmlformats.org/drawingml/2006/main" id="207">
+  <cs:axisTitle>
+    <cs:lnRef idx="0"/>
+    <cs:fillRef idx="0"/>
+    <cs:effectRef idx="0"/>
+    <cs:fontRef idx="minor">
+      <a:schemeClr val="tx2"/>
+    </cs:fontRef>
+    <cs:defRPr sz="900" b="1" kern="1200"/>
+  </cs:axisTitle>
+  <cs:categoryAxis>
+    <cs:lnRef idx="0"/>
+    <cs:fillRef idx="0"/>
+    <cs:effectRef idx="0"/>
+    <cs:fontRef idx="minor">
+      <a:schemeClr val="tx2"/>
+    </cs:fontRef>
+    <cs:spPr>
+      <a:ln w="9525" cap="flat" cmpd="sng" algn="ctr">
+        <a:solidFill>
+          <a:schemeClr val="tx2">
+            <a:lumMod val="15000"/>
+            <a:lumOff val="85000"/>
+          </a:schemeClr>
+        </a:solidFill>
+        <a:round/>
+      </a:ln>
+    </cs:spPr>
+    <cs:defRPr sz="900" kern="1200"/>
+  </cs:categoryAxis>
+  <cs:chartArea mods="allowNoFillOverride allowNoLineOverride">
+    <cs:lnRef idx="0"/>
+    <cs:fillRef idx="0"/>
+    <cs:effectRef idx="0"/>
+    <cs:fontRef idx="minor">
+      <a:schemeClr val="tx2"/>
+    </cs:fontRef>
+    <cs:spPr>
+      <a:solidFill>
+        <a:schemeClr val="bg1"/>
+      </a:solidFill>
+      <a:ln w="9525" cap="flat" cmpd="sng" algn="ctr">
+        <a:solidFill>
+          <a:schemeClr val="tx2">
+            <a:lumMod val="15000"/>
+            <a:lumOff val="85000"/>
+          </a:schemeClr>
+        </a:solidFill>
+        <a:round/>
+      </a:ln>
+    </cs:spPr>
+    <cs:defRPr sz="900" kern="1200"/>
+  </cs:chartArea>
+  <cs:dataLabel>
+    <cs:lnRef idx="0"/>
+    <cs:fillRef idx="0"/>
+    <cs:effectRef idx="0"/>
+    <cs:fontRef idx="minor">
+      <a:schemeClr val="tx2"/>
+    </cs:fontRef>
+    <cs:defRPr sz="900" kern="1200"/>
+  </cs:dataLabel>
+  <cs:dataLabelCallout>
+    <cs:lnRef idx="0"/>
+    <cs:fillRef idx="0"/>
+    <cs:effectRef idx="0"/>
+    <cs:fontRef idx="minor">
+      <a:schemeClr val="dk2">
+        <a:lumMod val="75000"/>
+      </a:schemeClr>
+    </cs:fontRef>
+    <cs:spPr>
+      <a:solidFill>
+        <a:schemeClr val="lt1"/>
+      </a:solidFill>
+      <a:ln>
+        <a:solidFill>
+          <a:schemeClr val="dk1">
+            <a:lumMod val="25000"/>
+            <a:lumOff val="75000"/>
+          </a:schemeClr>
+        </a:solidFill>
+      </a:ln>
+    </cs:spPr>
+    <cs:defRPr sz="900" kern="1200"/>
+    <cs:bodyPr rot="0" spcFirstLastPara="1" vertOverflow="clip" horzOverflow="clip" vert="horz" wrap="square" lIns="36576" tIns="18288" rIns="36576" bIns="18288" anchor="ctr" anchorCtr="1">
+      <a:spAutoFit/>
+    </cs:bodyPr>
+  </cs:dataLabelCallout>
+  <cs:dataPoint>
+    <cs:lnRef idx="0"/>
+    <cs:fillRef idx="3">
+      <cs:styleClr val="auto"/>
+    </cs:fillRef>
+    <cs:effectRef idx="2"/>
+    <cs:fontRef idx="minor">
+      <a:schemeClr val="tx2"/>
+    </cs:fontRef>
+  </cs:dataPoint>
+  <cs:dataPoint3D>
+    <cs:lnRef idx="0"/>
+    <cs:fillRef idx="3">
+      <cs:styleClr val="auto"/>
+    </cs:fillRef>
+    <cs:effectRef idx="2"/>
+    <cs:fontRef idx="minor">
+      <a:schemeClr val="tx2"/>
+    </cs:fontRef>
+  </cs:dataPoint3D>
+  <cs:dataPointLine>
+    <cs:lnRef idx="0">
+      <cs:styleClr val="auto"/>
+    </cs:lnRef>
+    <cs:fillRef idx="3"/>
+    <cs:effectRef idx="2"/>
+    <cs:fontRef idx="minor">
+      <a:schemeClr val="tx2"/>
+    </cs:fontRef>
+    <cs:spPr>
+      <a:ln w="31750" cap="rnd">
+        <a:solidFill>
+          <a:schemeClr val="phClr"/>
+        </a:solidFill>
+        <a:round/>
+      </a:ln>
+    </cs:spPr>
+  </cs:dataPointLine>
+  <cs:dataPointMarker>
+    <cs:lnRef idx="0"/>
+    <cs:fillRef idx="3">
+      <cs:styleClr val="auto"/>
+    </cs:fillRef>
+    <cs:effectRef idx="2"/>
+    <cs:fontRef idx="minor">
+      <a:schemeClr val="tx2"/>
+    </cs:fontRef>
+    <cs:spPr>
+      <a:ln w="12700">
+        <a:solidFill>
+          <a:schemeClr val="lt2"/>
+        </a:solidFill>
+        <a:round/>
+      </a:ln>
+    </cs:spPr>
+  </cs:dataPointMarker>
+  <cs:dataPointMarkerLayout symbol="circle" size="6"/>
+  <cs:dataPointWireframe>
+    <cs:lnRef idx="0">
+      <cs:styleClr val="auto"/>
+    </cs:lnRef>
+    <cs:fillRef idx="3"/>
+    <cs:effectRef idx="2"/>
+    <cs:fontRef idx="minor">
+      <a:schemeClr val="tx2"/>
+    </cs:fontRef>
+    <cs:spPr>
+      <a:ln w="9525" cap="rnd">
+        <a:solidFill>
+          <a:schemeClr val="phClr"/>
+        </a:solidFill>
+        <a:round/>
+      </a:ln>
+    </cs:spPr>
+  </cs:dataPointWireframe>
+  <cs:dataTable>
+    <cs:lnRef idx="0"/>
+    <cs:fillRef idx="0"/>
+    <cs:effectRef idx="0"/>
+    <cs:fontRef idx="minor">
+      <a:schemeClr val="tx2"/>
+    </cs:fontRef>
+    <cs:spPr>
+      <a:ln w="9525">
+        <a:solidFill>
+          <a:schemeClr val="tx2">
+            <a:lumMod val="15000"/>
+            <a:lumOff val="85000"/>
+          </a:schemeClr>
+        </a:solidFill>
+      </a:ln>
+    </cs:spPr>
+    <cs:defRPr sz="900" kern="1200"/>
+  </cs:dataTable>
+  <cs:downBar>
+    <cs:lnRef idx="0"/>
+    <cs:fillRef idx="0"/>
+    <cs:effectRef idx="0"/>
+    <cs:fontRef idx="minor">
+      <a:schemeClr val="dk1"/>
+    </cs:fontRef>
+    <cs:spPr>
+      <a:solidFill>
+        <a:schemeClr val="dk1">
+          <a:lumMod val="65000"/>
+          <a:lumOff val="35000"/>
+        </a:schemeClr>
+      </a:solidFill>
+      <a:ln w="9525">
+        <a:solidFill>
+          <a:schemeClr val="tx1">
+            <a:lumMod val="65000"/>
+            <a:lumOff val="35000"/>
+          </a:schemeClr>
+        </a:solidFill>
+      </a:ln>
+    </cs:spPr>
+  </cs:downBar>
+  <cs:dropLine>
+    <cs:lnRef idx="0"/>
+    <cs:fillRef idx="0"/>
+    <cs:effectRef idx="0"/>
+    <cs:fontRef idx="minor">
+      <a:schemeClr val="tx2"/>
+    </cs:fontRef>
+    <cs:spPr>
+      <a:ln w="9525">
+        <a:solidFill>
+          <a:schemeClr val="tx2">
+            <a:lumMod val="60000"/>
+            <a:lumOff val="40000"/>
+          </a:schemeClr>
+        </a:solidFill>
+        <a:prstDash val="dash"/>
+      </a:ln>
+    </cs:spPr>
+  </cs:dropLine>
+  <cs:errorBar>
+    <cs:lnRef idx="0"/>
+    <cs:fillRef idx="0"/>
+    <cs:effectRef idx="0"/>
+    <cs:fontRef idx="minor">
+      <a:schemeClr val="tx2"/>
+    </cs:fontRef>
+    <cs:spPr>
+      <a:ln w="9525">
+        <a:solidFill>
+          <a:schemeClr val="tx2">
+            <a:lumMod val="75000"/>
+            <a:lumOff val="25000"/>
+          </a:schemeClr>
+        </a:solidFill>
+        <a:round/>
+      </a:ln>
+    </cs:spPr>
+  </cs:errorBar>
+  <cs:floor>
+    <cs:lnRef idx="0"/>
+    <cs:fillRef idx="0"/>
+    <cs:effectRef idx="0"/>
+    <cs:fontRef idx="minor">
+      <a:schemeClr val="tx2"/>
+    </cs:fontRef>
+  </cs:floor>
+  <cs:gridlineMajor>
+    <cs:lnRef idx="0"/>
+    <cs:fillRef idx="0"/>
+    <cs:effectRef idx="0"/>
+    <cs:fontRef idx="minor">
+      <a:schemeClr val="tx2"/>
+    </cs:fontRef>
+    <cs:spPr>
+      <a:ln w="9525" cap="flat" cmpd="sng" algn="ctr">
+        <a:solidFill>
+          <a:schemeClr val="tx2">
+            <a:lumMod val="15000"/>
+            <a:lumOff val="85000"/>
+          </a:schemeClr>
+        </a:solidFill>
+        <a:round/>
+      </a:ln>
+    </cs:spPr>
+  </cs:gridlineMajor>
+  <cs:gridlineMinor>
+    <cs:lnRef idx="0"/>
+    <cs:fillRef idx="0"/>
+    <cs:effectRef idx="0"/>
+    <cs:fontRef idx="minor">
+      <a:schemeClr val="tx2"/>
+    </cs:fontRef>
+    <cs:spPr>
+      <a:ln>
+        <a:solidFill>
+          <a:schemeClr val="tx2">
+            <a:lumMod val="5000"/>
+            <a:lumOff val="95000"/>
+          </a:schemeClr>
+        </a:solidFill>
+      </a:ln>
+    </cs:spPr>
+  </cs:gridlineMinor>
+  <cs:hiLoLine>
+    <cs:lnRef idx="0"/>
+    <cs:fillRef idx="0"/>
+    <cs:effectRef idx="0"/>
+    <cs:fontRef idx="minor">
+      <a:schemeClr val="tx2"/>
+    </cs:fontRef>
+    <cs:spPr>
+      <a:ln w="9525">
+        <a:solidFill>
+          <a:schemeClr val="tx2">
+            <a:lumMod val="60000"/>
+            <a:lumOff val="40000"/>
+          </a:schemeClr>
+        </a:solidFill>
+        <a:prstDash val="dash"/>
+      </a:ln>
+    </cs:spPr>
+  </cs:hiLoLine>
+  <cs:leaderLine>
+    <cs:lnRef idx="0"/>
+    <cs:fillRef idx="0"/>
+    <cs:effectRef idx="0"/>
+    <cs:fontRef idx="minor">
+      <a:schemeClr val="tx2"/>
+    </cs:fontRef>
+    <cs:spPr>
+      <a:ln w="9525">
+        <a:solidFill>
+          <a:schemeClr val="tx2">
+            <a:lumMod val="35000"/>
+            <a:lumOff val="65000"/>
+          </a:schemeClr>
+        </a:solidFill>
+      </a:ln>
+    </cs:spPr>
+  </cs:leaderLine>
+  <cs:legend>
+    <cs:lnRef idx="0"/>
+    <cs:fillRef idx="0"/>
+    <cs:effectRef idx="0"/>
+    <cs:fontRef idx="minor">
+      <a:schemeClr val="tx2"/>
+    </cs:fontRef>
+    <cs:defRPr sz="900" kern="1200"/>
+  </cs:legend>
+  <cs:plotArea>
+    <cs:lnRef idx="0"/>
+    <cs:fillRef idx="0"/>
+    <cs:effectRef idx="0"/>
+    <cs:fontRef idx="minor">
+      <a:schemeClr val="tx2"/>
+    </cs:fontRef>
+  </cs:plotArea>
+  <cs:plotArea3D>
+    <cs:lnRef idx="0"/>
+    <cs:fillRef idx="0"/>
+    <cs:effectRef idx="0"/>
+    <cs:fontRef idx="minor">
+      <a:schemeClr val="tx2"/>
+    </cs:fontRef>
+  </cs:plotArea3D>
+  <cs:seriesAxis>
+    <cs:lnRef idx="0"/>
+    <cs:fillRef idx="0"/>
+    <cs:effectRef idx="0"/>
+    <cs:fontRef idx="minor">
+      <a:schemeClr val="tx2"/>
+    </cs:fontRef>
+    <cs:spPr>
+      <a:ln w="9525" cap="flat" cmpd="sng" algn="ctr">
+        <a:solidFill>
+          <a:schemeClr val="tx2">
+            <a:lumMod val="15000"/>
+            <a:lumOff val="85000"/>
+          </a:schemeClr>
+        </a:solidFill>
+        <a:round/>
+      </a:ln>
+    </cs:spPr>
+    <cs:defRPr sz="900" kern="1200"/>
+  </cs:seriesAxis>
+  <cs:seriesLine>
+    <cs:lnRef idx="0"/>
+    <cs:fillRef idx="0"/>
+    <cs:effectRef idx="0"/>
+    <cs:fontRef idx="minor">
+      <a:schemeClr val="tx2"/>
+    </cs:fontRef>
+    <cs:spPr>
+      <a:ln w="9525">
+        <a:solidFill>
+          <a:schemeClr val="tx2">
+            <a:lumMod val="60000"/>
+            <a:lumOff val="40000"/>
+          </a:schemeClr>
+        </a:solidFill>
+        <a:prstDash val="dash"/>
+      </a:ln>
+    </cs:spPr>
+  </cs:seriesLine>
+  <cs:title>
+    <cs:lnRef idx="0"/>
+    <cs:fillRef idx="0"/>
+    <cs:effectRef idx="0"/>
+    <cs:fontRef idx="minor">
+      <a:schemeClr val="tx2"/>
+    </cs:fontRef>
+    <cs:defRPr sz="1600" b="1" kern="1200"/>
+  </cs:title>
+  <cs:trendline>
+    <cs:lnRef idx="0">
+      <cs:styleClr val="auto"/>
+    </cs:lnRef>
+    <cs:fillRef idx="0"/>
+    <cs:effectRef idx="0"/>
+    <cs:fontRef idx="minor">
+      <a:schemeClr val="tx2"/>
+    </cs:fontRef>
+    <cs:spPr>
+      <a:ln w="19050" cap="rnd">
+        <a:solidFill>
+          <a:schemeClr val="phClr"/>
+        </a:solidFill>
+        <a:prstDash val="sysDash"/>
+      </a:ln>
+    </cs:spPr>
+  </cs:trendline>
+  <cs:trendlineLabel>
+    <cs:lnRef idx="0"/>
+    <cs:fillRef idx="0"/>
+    <cs:effectRef idx="0"/>
+    <cs:fontRef idx="minor">
+      <a:schemeClr val="tx2"/>
+    </cs:fontRef>
+    <cs:defRPr sz="900" kern="1200"/>
+  </cs:trendlineLabel>
+  <cs:upBar>
+    <cs:lnRef idx="0"/>
+    <cs:fillRef idx="0"/>
+    <cs:effectRef idx="0"/>
+    <cs:fontRef idx="minor">
+      <a:schemeClr val="tx2"/>
+    </cs:fontRef>
+    <cs:spPr>
+      <a:solidFill>
+        <a:schemeClr val="lt1"/>
+      </a:solidFill>
+      <a:ln w="9525">
+        <a:solidFill>
+          <a:schemeClr val="tx1">
+            <a:lumMod val="15000"/>
+            <a:lumOff val="85000"/>
+          </a:schemeClr>
+        </a:solidFill>
+      </a:ln>
+    </cs:spPr>
+  </cs:upBar>
+  <cs:valueAxis>
+    <cs:lnRef idx="0"/>
+    <cs:fillRef idx="0"/>
+    <cs:effectRef idx="0"/>
+    <cs:fontRef idx="minor">
+      <a:schemeClr val="tx2"/>
+    </cs:fontRef>
+    <cs:defRPr sz="900" kern="1200"/>
+  </cs:valueAxis>
+  <cs:wall>
+    <cs:lnRef idx="0"/>
+    <cs:fillRef idx="0"/>
+    <cs:effectRef idx="0"/>
+    <cs:fontRef idx="minor">
+      <a:schemeClr val="tx2"/>
+    </cs:fontRef>
+  </cs:wall>
+</cs:chartStyle>
+</file>
+
+<file path=ppt/charts/style2.xml><?xml version="1.0" encoding="utf-8"?>
+<cs:chartStyle xmlns:cs="http://schemas.microsoft.com/office/drawing/2012/chartStyle" xmlns:a="http://schemas.openxmlformats.org/drawingml/2006/main" id="240">
+  <cs:axisTitle>
+    <cs:lnRef idx="0"/>
+    <cs:fillRef idx="0"/>
+    <cs:effectRef idx="0"/>
+    <cs:fontRef idx="minor">
+      <a:schemeClr val="tx1">
+        <a:lumMod val="65000"/>
+        <a:lumOff val="35000"/>
+      </a:schemeClr>
+    </cs:fontRef>
+    <cs:defRPr sz="1330" kern="1200"/>
+  </cs:axisTitle>
+  <cs:categoryAxis>
+    <cs:lnRef idx="0"/>
+    <cs:fillRef idx="0"/>
+    <cs:effectRef idx="0"/>
+    <cs:fontRef idx="minor">
+      <a:schemeClr val="tx1">
+        <a:lumMod val="65000"/>
+        <a:lumOff val="35000"/>
+      </a:schemeClr>
+    </cs:fontRef>
+    <cs:spPr>
+      <a:ln w="9525" cap="flat" cmpd="sng" algn="ctr">
+        <a:solidFill>
+          <a:schemeClr val="tx1">
+            <a:lumMod val="25000"/>
+            <a:lumOff val="75000"/>
+          </a:schemeClr>
+        </a:solidFill>
+        <a:round/>
+      </a:ln>
+    </cs:spPr>
+    <cs:defRPr sz="1197" kern="1200"/>
+  </cs:categoryAxis>
+  <cs:chartArea mods="allowNoFillOverride allowNoLineOverride">
+    <cs:lnRef idx="0"/>
+    <cs:fillRef idx="0"/>
+    <cs:effectRef idx="0"/>
+    <cs:fontRef idx="minor">
+      <a:schemeClr val="tx1"/>
+    </cs:fontRef>
+    <cs:spPr>
+      <a:solidFill>
+        <a:schemeClr val="bg1"/>
+      </a:solidFill>
+      <a:ln w="9525" cap="flat" cmpd="sng" algn="ctr">
+        <a:solidFill>
+          <a:schemeClr val="tx1">
+            <a:lumMod val="15000"/>
+            <a:lumOff val="85000"/>
+          </a:schemeClr>
+        </a:solidFill>
+        <a:round/>
+      </a:ln>
+    </cs:spPr>
+    <cs:defRPr sz="1330" kern="1200"/>
+  </cs:chartArea>
+  <cs:dataLabel>
+    <cs:lnRef idx="0"/>
+    <cs:fillRef idx="0"/>
+    <cs:effectRef idx="0"/>
+    <cs:fontRef idx="minor">
+      <a:schemeClr val="tx1">
+        <a:lumMod val="75000"/>
+        <a:lumOff val="25000"/>
+      </a:schemeClr>
+    </cs:fontRef>
+    <cs:defRPr sz="1197" kern="1200"/>
+  </cs:dataLabel>
+  <cs:dataLabelCallout>
+    <cs:lnRef idx="0"/>
+    <cs:fillRef idx="0"/>
+    <cs:effectRef idx="0"/>
+    <cs:fontRef idx="minor">
+      <a:schemeClr val="dk1">
+        <a:lumMod val="65000"/>
+        <a:lumOff val="35000"/>
+      </a:schemeClr>
+    </cs:fontRef>
+    <cs:spPr>
+      <a:solidFill>
+        <a:schemeClr val="lt1"/>
+      </a:solidFill>
+      <a:ln>
+        <a:solidFill>
+          <a:schemeClr val="dk1">
+            <a:lumMod val="25000"/>
+            <a:lumOff val="75000"/>
+          </a:schemeClr>
+        </a:solidFill>
+      </a:ln>
+    </cs:spPr>
+    <cs:defRPr sz="1197" kern="1200"/>
+    <cs:bodyPr rot="0" spcFirstLastPara="1" vertOverflow="clip" horzOverflow="clip" vert="horz" wrap="square" lIns="36576" tIns="18288" rIns="36576" bIns="18288" anchor="ctr" anchorCtr="1">
+      <a:spAutoFit/>
+    </cs:bodyPr>
+  </cs:dataLabelCallout>
+  <cs:dataPoint>
+    <cs:lnRef idx="0"/>
+    <cs:fillRef idx="1">
+      <cs:styleClr val="auto"/>
+    </cs:fillRef>
+    <cs:effectRef idx="0"/>
+    <cs:fontRef idx="minor">
+      <a:schemeClr val="tx1"/>
+    </cs:fontRef>
+  </cs:dataPoint>
+  <cs:dataPoint3D>
+    <cs:lnRef idx="0"/>
+    <cs:fillRef idx="1">
+      <cs:styleClr val="auto"/>
+    </cs:fillRef>
+    <cs:effectRef idx="0"/>
+    <cs:fontRef idx="minor">
+      <a:schemeClr val="tx1"/>
+    </cs:fontRef>
+  </cs:dataPoint3D>
+  <cs:dataPointLine>
+    <cs:lnRef idx="0">
+      <cs:styleClr val="auto"/>
+    </cs:lnRef>
+    <cs:fillRef idx="1"/>
+    <cs:effectRef idx="0"/>
+    <cs:fontRef idx="minor">
+      <a:schemeClr val="tx1"/>
+    </cs:fontRef>
+    <cs:spPr>
+      <a:ln w="19050" cap="rnd">
+        <a:solidFill>
+          <a:schemeClr val="phClr"/>
+        </a:solidFill>
+        <a:round/>
+      </a:ln>
+    </cs:spPr>
+  </cs:dataPointLine>
+  <cs:dataPointMarker>
+    <cs:lnRef idx="0">
+      <cs:styleClr val="auto"/>
+    </cs:lnRef>
+    <cs:fillRef idx="1">
+      <cs:styleClr val="auto"/>
+    </cs:fillRef>
+    <cs:effectRef idx="0"/>
+    <cs:fontRef idx="minor">
+      <a:schemeClr val="tx1"/>
+    </cs:fontRef>
+    <cs:spPr>
+      <a:ln w="9525">
+        <a:solidFill>
+          <a:schemeClr val="phClr"/>
+        </a:solidFill>
+      </a:ln>
+    </cs:spPr>
+  </cs:dataPointMarker>
+  <cs:dataPointMarkerLayout symbol="circle" size="5"/>
+  <cs:dataPointWireframe>
+    <cs:lnRef idx="0">
+      <cs:styleClr val="auto"/>
+    </cs:lnRef>
+    <cs:fillRef idx="0"/>
+    <cs:effectRef idx="0"/>
+    <cs:fontRef idx="minor">
+      <a:schemeClr val="dk1"/>
+    </cs:fontRef>
+    <cs:spPr>
+      <a:ln w="9525" cap="rnd">
+        <a:solidFill>
+          <a:schemeClr val="phClr"/>
+        </a:solidFill>
+        <a:round/>
+      </a:ln>
+    </cs:spPr>
+  </cs:dataPointWireframe>
+  <cs:dataTable>
+    <cs:lnRef idx="0"/>
+    <cs:fillRef idx="0"/>
+    <cs:effectRef idx="0"/>
+    <cs:fontRef idx="minor">
+      <a:schemeClr val="tx1">
+        <a:lumMod val="65000"/>
+        <a:lumOff val="35000"/>
+      </a:schemeClr>
+    </cs:fontRef>
+    <cs:spPr>
+      <a:noFill/>
+      <a:ln w="9525" cap="flat" cmpd="sng" algn="ctr">
+        <a:solidFill>
+          <a:schemeClr val="tx1">
+            <a:lumMod val="15000"/>
+            <a:lumOff val="85000"/>
+          </a:schemeClr>
+        </a:solidFill>
+        <a:round/>
+      </a:ln>
+    </cs:spPr>
+    <cs:defRPr sz="1197" kern="1200"/>
+  </cs:dataTable>
+  <cs:downBar>
+    <cs:lnRef idx="0"/>
+    <cs:fillRef idx="0"/>
+    <cs:effectRef idx="0"/>
+    <cs:fontRef idx="minor">
+      <a:schemeClr val="tx1"/>
+    </cs:fontRef>
+    <cs:spPr>
+      <a:solidFill>
+        <a:schemeClr val="dk1">
+          <a:lumMod val="75000"/>
+          <a:lumOff val="25000"/>
+        </a:schemeClr>
+      </a:solidFill>
+      <a:ln w="9525" cap="flat" cmpd="sng" algn="ctr">
+        <a:solidFill>
+          <a:schemeClr val="tx1">
+            <a:lumMod val="65000"/>
+            <a:lumOff val="35000"/>
+          </a:schemeClr>
+        </a:solidFill>
+        <a:round/>
+      </a:ln>
+    </cs:spPr>
+  </cs:downBar>
+  <cs:dropLine>
+    <cs:lnRef idx="0"/>
+    <cs:fillRef idx="0"/>
+    <cs:effectRef idx="0"/>
+    <cs:fontRef idx="minor">
+      <a:schemeClr val="tx1"/>
+    </cs:fontRef>
+    <cs:spPr>
+      <a:ln w="9525" cap="flat" cmpd="sng" algn="ctr">
+        <a:solidFill>
+          <a:schemeClr val="tx1">
+            <a:lumMod val="35000"/>
+            <a:lumOff val="65000"/>
+          </a:schemeClr>
+        </a:solidFill>
+        <a:round/>
+      </a:ln>
+    </cs:spPr>
+  </cs:dropLine>
+  <cs:errorBar>
+    <cs:lnRef idx="0"/>
+    <cs:fillRef idx="0"/>
+    <cs:effectRef idx="0"/>
+    <cs:fontRef idx="minor">
+      <a:schemeClr val="tx1"/>
+    </cs:fontRef>
+    <cs:spPr>
+      <a:ln w="9525" cap="flat" cmpd="sng" algn="ctr">
+        <a:solidFill>
+          <a:schemeClr val="tx1">
+            <a:lumMod val="65000"/>
+            <a:lumOff val="35000"/>
+          </a:schemeClr>
+        </a:solidFill>
+        <a:round/>
+      </a:ln>
+    </cs:spPr>
+  </cs:errorBar>
+  <cs:floor>
+    <cs:lnRef idx="0"/>
+    <cs:fillRef idx="0"/>
+    <cs:effectRef idx="0"/>
+    <cs:fontRef idx="minor">
+      <a:schemeClr val="tx1"/>
+    </cs:fontRef>
+    <cs:spPr>
+      <a:noFill/>
+      <a:ln>
+        <a:noFill/>
+      </a:ln>
+    </cs:spPr>
+  </cs:floor>
+  <cs:gridlineMajor>
+    <cs:lnRef idx="0"/>
+    <cs:fillRef idx="0"/>
+    <cs:effectRef idx="0"/>
+    <cs:fontRef idx="minor">
+      <a:schemeClr val="tx1"/>
+    </cs:fontRef>
+    <cs:spPr>
+      <a:ln w="9525" cap="flat" cmpd="sng" algn="ctr">
+        <a:solidFill>
+          <a:schemeClr val="tx1">
+            <a:lumMod val="15000"/>
+            <a:lumOff val="85000"/>
+          </a:schemeClr>
+        </a:solidFill>
+        <a:round/>
+      </a:ln>
+    </cs:spPr>
+  </cs:gridlineMajor>
+  <cs:gridlineMinor>
+    <cs:lnRef idx="0"/>
+    <cs:fillRef idx="0"/>
+    <cs:effectRef idx="0"/>
+    <cs:fontRef idx="minor">
+      <a:schemeClr val="tx1"/>
+    </cs:fontRef>
+    <cs:spPr>
+      <a:ln w="9525" cap="flat" cmpd="sng" algn="ctr">
+        <a:solidFill>
+          <a:schemeClr val="tx1">
+            <a:lumMod val="5000"/>
+            <a:lumOff val="95000"/>
+          </a:schemeClr>
+        </a:solidFill>
+        <a:round/>
+      </a:ln>
+    </cs:spPr>
+  </cs:gridlineMinor>
+  <cs:hiLoLine>
+    <cs:lnRef idx="0"/>
+    <cs:fillRef idx="0"/>
+    <cs:effectRef idx="0"/>
+    <cs:fontRef idx="minor">
+      <a:schemeClr val="tx1"/>
+    </cs:fontRef>
+    <cs:spPr>
+      <a:ln w="9525" cap="flat" cmpd="sng" algn="ctr">
+        <a:solidFill>
+          <a:schemeClr val="tx1">
+            <a:lumMod val="50000"/>
+            <a:lumOff val="50000"/>
+          </a:schemeClr>
+        </a:solidFill>
+        <a:round/>
+      </a:ln>
+    </cs:spPr>
+  </cs:hiLoLine>
+  <cs:leaderLine>
+    <cs:lnRef idx="0"/>
+    <cs:fillRef idx="0"/>
+    <cs:effectRef idx="0"/>
+    <cs:fontRef idx="minor">
+      <a:schemeClr val="tx1"/>
+    </cs:fontRef>
+    <cs:spPr>
+      <a:ln w="9525" cap="flat" cmpd="sng" algn="ctr">
+        <a:solidFill>
+          <a:schemeClr val="tx1">
+            <a:lumMod val="35000"/>
+            <a:lumOff val="65000"/>
+          </a:schemeClr>
+        </a:solidFill>
+        <a:round/>
+      </a:ln>
+    </cs:spPr>
+  </cs:leaderLine>
+  <cs:legend>
+    <cs:lnRef idx="0"/>
+    <cs:fillRef idx="0"/>
+    <cs:effectRef idx="0"/>
+    <cs:fontRef idx="minor">
+      <a:schemeClr val="tx1">
+        <a:lumMod val="65000"/>
+        <a:lumOff val="35000"/>
+      </a:schemeClr>
+    </cs:fontRef>
+    <cs:defRPr sz="1197" kern="1200"/>
+  </cs:legend>
+  <cs:plotArea mods="allowNoFillOverride allowNoLineOverride">
+    <cs:lnRef idx="0"/>
+    <cs:fillRef idx="0"/>
+    <cs:effectRef idx="0"/>
+    <cs:fontRef idx="minor">
+      <a:schemeClr val="tx1"/>
+    </cs:fontRef>
+  </cs:plotArea>
+  <cs:plotArea3D mods="allowNoFillOverride allowNoLineOverride">
+    <cs:lnRef idx="0"/>
+    <cs:fillRef idx="0"/>
+    <cs:effectRef idx="0"/>
+    <cs:fontRef idx="minor">
+      <a:schemeClr val="tx1"/>
+    </cs:fontRef>
+  </cs:plotArea3D>
+  <cs:seriesAxis>
+    <cs:lnRef idx="0"/>
+    <cs:fillRef idx="0"/>
+    <cs:effectRef idx="0"/>
+    <cs:fontRef idx="minor">
+      <a:schemeClr val="tx1">
+        <a:lumMod val="65000"/>
+        <a:lumOff val="35000"/>
+      </a:schemeClr>
+    </cs:fontRef>
+    <cs:defRPr sz="1197" kern="1200"/>
+  </cs:seriesAxis>
+  <cs:seriesLine>
+    <cs:lnRef idx="0"/>
+    <cs:fillRef idx="0"/>
+    <cs:effectRef idx="0"/>
+    <cs:fontRef idx="minor">
+      <a:schemeClr val="tx1"/>
+    </cs:fontRef>
+    <cs:spPr>
+      <a:ln w="9525" cap="flat" cmpd="sng" algn="ctr">
+        <a:solidFill>
+          <a:schemeClr val="tx1">
+            <a:lumMod val="35000"/>
+            <a:lumOff val="65000"/>
+          </a:schemeClr>
+        </a:solidFill>
+        <a:round/>
+      </a:ln>
+    </cs:spPr>
+  </cs:seriesLine>
+  <cs:title>
+    <cs:lnRef idx="0"/>
+    <cs:fillRef idx="0"/>
+    <cs:effectRef idx="0"/>
+    <cs:fontRef idx="minor">
+      <a:schemeClr val="tx1">
+        <a:lumMod val="65000"/>
+        <a:lumOff val="35000"/>
+      </a:schemeClr>
+    </cs:fontRef>
+    <cs:defRPr sz="1862" b="0" kern="1200" spc="0" baseline="0"/>
+  </cs:title>
+  <cs:trendline>
+    <cs:lnRef idx="0">
+      <cs:styleClr val="auto"/>
+    </cs:lnRef>
+    <cs:fillRef idx="0"/>
+    <cs:effectRef idx="0"/>
+    <cs:fontRef idx="minor">
+      <a:schemeClr val="tx1"/>
+    </cs:fontRef>
+    <cs:spPr>
+      <a:ln w="19050" cap="rnd">
+        <a:solidFill>
+          <a:schemeClr val="phClr"/>
+        </a:solidFill>
+        <a:prstDash val="sysDot"/>
+      </a:ln>
+    </cs:spPr>
+  </cs:trendline>
+  <cs:trendlineLabel>
+    <cs:lnRef idx="0"/>
+    <cs:fillRef idx="0"/>
+    <cs:effectRef idx="0"/>
+    <cs:fontRef idx="minor">
+      <a:schemeClr val="tx1">
+        <a:lumMod val="65000"/>
+        <a:lumOff val="35000"/>
+      </a:schemeClr>
+    </cs:fontRef>
+    <cs:defRPr sz="1197" kern="1200"/>
+  </cs:trendlineLabel>
+  <cs:upBar>
+    <cs:lnRef idx="0"/>
+    <cs:fillRef idx="0"/>
+    <cs:effectRef idx="0"/>
+    <cs:fontRef idx="minor">
+      <a:schemeClr val="tx1"/>
+    </cs:fontRef>
+    <cs:spPr>
+      <a:solidFill>
+        <a:schemeClr val="lt1"/>
+      </a:solidFill>
+      <a:ln w="9525" cap="flat" cmpd="sng" algn="ctr">
+        <a:solidFill>
+          <a:schemeClr val="tx1">
+            <a:lumMod val="65000"/>
+            <a:lumOff val="35000"/>
+          </a:schemeClr>
+        </a:solidFill>
+        <a:round/>
+      </a:ln>
+    </cs:spPr>
+  </cs:upBar>
+  <cs:valueAxis>
+    <cs:lnRef idx="0"/>
+    <cs:fillRef idx="0"/>
+    <cs:effectRef idx="0"/>
+    <cs:fontRef idx="minor">
+      <a:schemeClr val="tx1">
+        <a:lumMod val="65000"/>
+        <a:lumOff val="35000"/>
+      </a:schemeClr>
+    </cs:fontRef>
+    <cs:spPr>
+      <a:ln w="9525" cap="flat" cmpd="sng" algn="ctr">
+        <a:solidFill>
+          <a:schemeClr val="tx1">
+            <a:lumMod val="25000"/>
+            <a:lumOff val="75000"/>
+          </a:schemeClr>
+        </a:solidFill>
+        <a:round/>
+      </a:ln>
+    </cs:spPr>
+    <cs:defRPr sz="1197" kern="1200"/>
+  </cs:valueAxis>
+  <cs:wall>
+    <cs:lnRef idx="0"/>
+    <cs:fillRef idx="0"/>
+    <cs:effectRef idx="0"/>
+    <cs:fontRef idx="minor">
+      <a:schemeClr val="tx1"/>
+    </cs:fontRef>
+    <cs:spPr>
+      <a:noFill/>
+      <a:ln>
+        <a:noFill/>
+      </a:ln>
+    </cs:spPr>
+  </cs:wall>
+</cs:chartStyle>
+</file>
+
 <file path=ppt/slideLayouts/slideLayout1.xml><?xml version="1.0" encoding="utf-8"?>
 <p:sldLayout xmlns:a="http://schemas.openxmlformats.org/drawingml/2006/main" xmlns:r="http://schemas.openxmlformats.org/officeDocument/2006/relationships" xmlns:p="http://schemas.openxmlformats.org/presentationml/2006/main" type="title" preserve="1">
   <p:cSld name="Title Slide">
@@ -255,7 +4220,7 @@
           <a:p>
             <a:fld id="{4767B314-B9F7-4C43-B86B-0CCAED4A0117}" type="datetimeFigureOut">
               <a:rPr lang="en-US" smtClean="0"/>
-              <a:t>9/5/2024</a:t>
+              <a:t>9/6/24</a:t>
             </a:fld>
             <a:endParaRPr lang="en-US"/>
           </a:p>
@@ -423,7 +4388,7 @@
           <a:p>
             <a:fld id="{4767B314-B9F7-4C43-B86B-0CCAED4A0117}" type="datetimeFigureOut">
               <a:rPr lang="en-US" smtClean="0"/>
-              <a:t>9/5/2024</a:t>
+              <a:t>9/6/24</a:t>
             </a:fld>
             <a:endParaRPr lang="en-US"/>
           </a:p>
@@ -601,7 +4566,7 @@
           <a:p>
             <a:fld id="{4767B314-B9F7-4C43-B86B-0CCAED4A0117}" type="datetimeFigureOut">
               <a:rPr lang="en-US" smtClean="0"/>
-              <a:t>9/5/2024</a:t>
+              <a:t>9/6/24</a:t>
             </a:fld>
             <a:endParaRPr lang="en-US"/>
           </a:p>
@@ -769,7 +4734,7 @@
           <a:p>
             <a:fld id="{4767B314-B9F7-4C43-B86B-0CCAED4A0117}" type="datetimeFigureOut">
               <a:rPr lang="en-US" smtClean="0"/>
-              <a:t>9/5/2024</a:t>
+              <a:t>9/6/24</a:t>
             </a:fld>
             <a:endParaRPr lang="en-US"/>
           </a:p>
@@ -1014,7 +4979,7 @@
           <a:p>
             <a:fld id="{4767B314-B9F7-4C43-B86B-0CCAED4A0117}" type="datetimeFigureOut">
               <a:rPr lang="en-US" smtClean="0"/>
-              <a:t>9/5/2024</a:t>
+              <a:t>9/6/24</a:t>
             </a:fld>
             <a:endParaRPr lang="en-US"/>
           </a:p>
@@ -1243,7 +5208,7 @@
           <a:p>
             <a:fld id="{4767B314-B9F7-4C43-B86B-0CCAED4A0117}" type="datetimeFigureOut">
               <a:rPr lang="en-US" smtClean="0"/>
-              <a:t>9/5/2024</a:t>
+              <a:t>9/6/24</a:t>
             </a:fld>
             <a:endParaRPr lang="en-US"/>
           </a:p>
@@ -1607,7 +5572,7 @@
           <a:p>
             <a:fld id="{4767B314-B9F7-4C43-B86B-0CCAED4A0117}" type="datetimeFigureOut">
               <a:rPr lang="en-US" smtClean="0"/>
-              <a:t>9/5/2024</a:t>
+              <a:t>9/6/24</a:t>
             </a:fld>
             <a:endParaRPr lang="en-US"/>
           </a:p>
@@ -1724,7 +5689,7 @@
           <a:p>
             <a:fld id="{4767B314-B9F7-4C43-B86B-0CCAED4A0117}" type="datetimeFigureOut">
               <a:rPr lang="en-US" smtClean="0"/>
-              <a:t>9/5/2024</a:t>
+              <a:t>9/6/24</a:t>
             </a:fld>
             <a:endParaRPr lang="en-US"/>
           </a:p>
@@ -1819,7 +5784,7 @@
           <a:p>
             <a:fld id="{4767B314-B9F7-4C43-B86B-0CCAED4A0117}" type="datetimeFigureOut">
               <a:rPr lang="en-US" smtClean="0"/>
-              <a:t>9/5/2024</a:t>
+              <a:t>9/6/24</a:t>
             </a:fld>
             <a:endParaRPr lang="en-US"/>
           </a:p>
@@ -2094,7 +6059,7 @@
           <a:p>
             <a:fld id="{4767B314-B9F7-4C43-B86B-0CCAED4A0117}" type="datetimeFigureOut">
               <a:rPr lang="en-US" smtClean="0"/>
-              <a:t>9/5/2024</a:t>
+              <a:t>9/6/24</a:t>
             </a:fld>
             <a:endParaRPr lang="en-US"/>
           </a:p>
@@ -2346,7 +6311,7 @@
           <a:p>
             <a:fld id="{4767B314-B9F7-4C43-B86B-0CCAED4A0117}" type="datetimeFigureOut">
               <a:rPr lang="en-US" smtClean="0"/>
-              <a:t>9/5/2024</a:t>
+              <a:t>9/6/24</a:t>
             </a:fld>
             <a:endParaRPr lang="en-US"/>
           </a:p>
@@ -2557,7 +6522,7 @@
           <a:p>
             <a:fld id="{4767B314-B9F7-4C43-B86B-0CCAED4A0117}" type="datetimeFigureOut">
               <a:rPr lang="en-US" smtClean="0"/>
-              <a:t>9/5/2024</a:t>
+              <a:t>9/6/24</a:t>
             </a:fld>
             <a:endParaRPr lang="en-US"/>
           </a:p>
@@ -3293,6 +7258,369 @@
 <file path=ppt/slides/slide2.xml><?xml version="1.0" encoding="utf-8"?>
 <p:sld xmlns:a="http://schemas.openxmlformats.org/drawingml/2006/main" xmlns:r="http://schemas.openxmlformats.org/officeDocument/2006/relationships" xmlns:p="http://schemas.openxmlformats.org/presentationml/2006/main">
   <p:cSld>
+    <p:spTree>
+      <p:nvGrpSpPr>
+        <p:cNvPr id="1" name=""/>
+        <p:cNvGrpSpPr/>
+        <p:nvPr/>
+      </p:nvGrpSpPr>
+      <p:grpSpPr>
+        <a:xfrm>
+          <a:off x="0" y="0"/>
+          <a:ext cx="0" cy="0"/>
+          <a:chOff x="0" y="0"/>
+          <a:chExt cx="0" cy="0"/>
+        </a:xfrm>
+      </p:grpSpPr>
+      <p:sp>
+        <p:nvSpPr>
+          <p:cNvPr id="2" name="Title 1">
+            <a:extLst>
+              <a:ext uri="{FF2B5EF4-FFF2-40B4-BE49-F238E27FC236}">
+                <a16:creationId xmlns:a16="http://schemas.microsoft.com/office/drawing/2014/main" id="{B2100E75-73D2-FB09-00FC-4D7E137028BA}"/>
+              </a:ext>
+            </a:extLst>
+          </p:cNvPr>
+          <p:cNvSpPr>
+            <a:spLocks noGrp="1"/>
+          </p:cNvSpPr>
+          <p:nvPr>
+            <p:ph type="title"/>
+          </p:nvPr>
+        </p:nvSpPr>
+        <p:spPr>
+          <a:xfrm>
+            <a:off x="272143" y="190954"/>
+            <a:ext cx="10657114" cy="1213303"/>
+          </a:xfrm>
+        </p:spPr>
+        <p:txBody>
+          <a:bodyPr>
+            <a:normAutofit/>
+          </a:bodyPr>
+          <a:lstStyle/>
+          <a:p>
+            <a:r>
+              <a:rPr lang="en-GB" sz="2800" b="1" dirty="0">
+                <a:latin typeface="Century Gothic" panose="020B0502020202020204" pitchFamily="34" charset="0"/>
+              </a:rPr>
+              <a:t>Between 2013 and 2017, the average number of orders per month quadrupled, growing from 90 to 360. </a:t>
+            </a:r>
+            <a:endParaRPr lang="en-NG" sz="2800" b="1" dirty="0">
+              <a:latin typeface="Century Gothic" panose="020B0502020202020204" pitchFamily="34" charset="0"/>
+            </a:endParaRPr>
+          </a:p>
+        </p:txBody>
+      </p:sp>
+      <p:cxnSp>
+        <p:nvCxnSpPr>
+          <p:cNvPr id="5" name="Straight Connector 4">
+            <a:extLst>
+              <a:ext uri="{FF2B5EF4-FFF2-40B4-BE49-F238E27FC236}">
+                <a16:creationId xmlns:a16="http://schemas.microsoft.com/office/drawing/2014/main" id="{DE812377-65EE-1BDA-BD4C-6BB5EEBE0F97}"/>
+              </a:ext>
+            </a:extLst>
+          </p:cNvPr>
+          <p:cNvCxnSpPr/>
+          <p:nvPr/>
+        </p:nvCxnSpPr>
+        <p:spPr>
+          <a:xfrm>
+            <a:off x="272143" y="1404257"/>
+            <a:ext cx="10472057" cy="0"/>
+          </a:xfrm>
+          <a:prstGeom prst="line">
+            <a:avLst/>
+          </a:prstGeom>
+        </p:spPr>
+        <p:style>
+          <a:lnRef idx="2">
+            <a:schemeClr val="dk1"/>
+          </a:lnRef>
+          <a:fillRef idx="0">
+            <a:schemeClr val="dk1"/>
+          </a:fillRef>
+          <a:effectRef idx="1">
+            <a:schemeClr val="dk1"/>
+          </a:effectRef>
+          <a:fontRef idx="minor">
+            <a:schemeClr val="tx1"/>
+          </a:fontRef>
+        </p:style>
+      </p:cxnSp>
+      <p:graphicFrame>
+        <p:nvGraphicFramePr>
+          <p:cNvPr id="6" name="Chart 5">
+            <a:extLst>
+              <a:ext uri="{FF2B5EF4-FFF2-40B4-BE49-F238E27FC236}">
+                <a16:creationId xmlns:a16="http://schemas.microsoft.com/office/drawing/2014/main" id="{70EC8FD6-0072-E335-CB8B-3C2E02531EAF}"/>
+              </a:ext>
+            </a:extLst>
+          </p:cNvPr>
+          <p:cNvGraphicFramePr>
+            <a:graphicFrameLocks/>
+          </p:cNvGraphicFramePr>
+          <p:nvPr>
+            <p:extLst>
+              <p:ext uri="{D42A27DB-BD31-4B8C-83A1-F6EECF244321}">
+                <p14:modId xmlns:p14="http://schemas.microsoft.com/office/powerpoint/2010/main" val="502005455"/>
+              </p:ext>
+            </p:extLst>
+          </p:nvPr>
+        </p:nvGraphicFramePr>
+        <p:xfrm>
+          <a:off x="272143" y="1937204"/>
+          <a:ext cx="7282089" cy="3886653"/>
+        </p:xfrm>
+        <a:graphic>
+          <a:graphicData uri="http://schemas.openxmlformats.org/drawingml/2006/chart">
+            <c:chart xmlns:c="http://schemas.openxmlformats.org/drawingml/2006/chart" xmlns:r="http://schemas.openxmlformats.org/officeDocument/2006/relationships" r:id="rId2"/>
+          </a:graphicData>
+        </a:graphic>
+      </p:graphicFrame>
+      <p:sp>
+        <p:nvSpPr>
+          <p:cNvPr id="7" name="TextBox 6">
+            <a:extLst>
+              <a:ext uri="{FF2B5EF4-FFF2-40B4-BE49-F238E27FC236}">
+                <a16:creationId xmlns:a16="http://schemas.microsoft.com/office/drawing/2014/main" id="{1A4B530D-8FD8-FED8-5ECF-A7201314B485}"/>
+              </a:ext>
+            </a:extLst>
+          </p:cNvPr>
+          <p:cNvSpPr txBox="1"/>
+          <p:nvPr/>
+        </p:nvSpPr>
+        <p:spPr>
+          <a:xfrm>
+            <a:off x="8360229" y="1937203"/>
+            <a:ext cx="3408984" cy="2339102"/>
+          </a:xfrm>
+          <a:prstGeom prst="rect">
+            <a:avLst/>
+          </a:prstGeom>
+          <a:noFill/>
+        </p:spPr>
+        <p:txBody>
+          <a:bodyPr wrap="square" rtlCol="0">
+            <a:spAutoFit/>
+          </a:bodyPr>
+          <a:lstStyle/>
+          <a:p>
+            <a:r>
+              <a:rPr lang="en-NG" b="1" i="1" dirty="0"/>
+              <a:t>Additional context</a:t>
+            </a:r>
+          </a:p>
+          <a:p>
+            <a:pPr marL="285750" indent="-285750" algn="just">
+              <a:buFont typeface="Arial" panose="020B0604020202020204" pitchFamily="34" charset="0"/>
+              <a:buChar char="•"/>
+            </a:pPr>
+            <a:r>
+              <a:rPr lang="en-GB" sz="1600" i="1" dirty="0"/>
+              <a:t>Although 2017 records only cover two days, 25 orders were made during that period. In contrast, 2013 saw 90 orders completed over 26 days. This reflects a significant increase in order activity, showing much higher demand in a shorter time frame by 2017.</a:t>
+            </a:r>
+            <a:endParaRPr lang="en-NG" sz="1600" i="1" dirty="0"/>
+          </a:p>
+        </p:txBody>
+      </p:sp>
+    </p:spTree>
+    <p:extLst>
+      <p:ext uri="{BB962C8B-B14F-4D97-AF65-F5344CB8AC3E}">
+        <p14:creationId xmlns:p14="http://schemas.microsoft.com/office/powerpoint/2010/main" val="3801076910"/>
+      </p:ext>
+    </p:extLst>
+  </p:cSld>
+  <p:clrMapOvr>
+    <a:masterClrMapping/>
+  </p:clrMapOvr>
+</p:sld>
+</file>
+
+<file path=ppt/slides/slide3.xml><?xml version="1.0" encoding="utf-8"?>
+<p:sld xmlns:a="http://schemas.openxmlformats.org/drawingml/2006/main" xmlns:r="http://schemas.openxmlformats.org/officeDocument/2006/relationships" xmlns:p="http://schemas.openxmlformats.org/presentationml/2006/main">
+  <p:cSld>
+    <p:spTree>
+      <p:nvGrpSpPr>
+        <p:cNvPr id="1" name=""/>
+        <p:cNvGrpSpPr/>
+        <p:nvPr/>
+      </p:nvGrpSpPr>
+      <p:grpSpPr>
+        <a:xfrm>
+          <a:off x="0" y="0"/>
+          <a:ext cx="0" cy="0"/>
+          <a:chOff x="0" y="0"/>
+          <a:chExt cx="0" cy="0"/>
+        </a:xfrm>
+      </p:grpSpPr>
+      <p:sp>
+        <p:nvSpPr>
+          <p:cNvPr id="2" name="Title 1">
+            <a:extLst>
+              <a:ext uri="{FF2B5EF4-FFF2-40B4-BE49-F238E27FC236}">
+                <a16:creationId xmlns:a16="http://schemas.microsoft.com/office/drawing/2014/main" id="{B2100E75-73D2-FB09-00FC-4D7E137028BA}"/>
+              </a:ext>
+            </a:extLst>
+          </p:cNvPr>
+          <p:cNvSpPr>
+            <a:spLocks noGrp="1"/>
+          </p:cNvSpPr>
+          <p:nvPr>
+            <p:ph type="title"/>
+          </p:nvPr>
+        </p:nvSpPr>
+        <p:spPr>
+          <a:xfrm>
+            <a:off x="272143" y="190954"/>
+            <a:ext cx="10657114" cy="1213303"/>
+          </a:xfrm>
+        </p:spPr>
+        <p:txBody>
+          <a:bodyPr>
+            <a:normAutofit/>
+          </a:bodyPr>
+          <a:lstStyle/>
+          <a:p>
+            <a:r>
+              <a:rPr lang="en-GB" sz="2800" b="1" dirty="0">
+                <a:latin typeface="Century Gothic" panose="020B0502020202020204" pitchFamily="34" charset="0"/>
+              </a:rPr>
+              <a:t>As web engagement increases, the number of orders placed rises in a closely related pattern</a:t>
+            </a:r>
+            <a:endParaRPr lang="en-NG" sz="2800" b="1" dirty="0">
+              <a:latin typeface="Century Gothic" panose="020B0502020202020204" pitchFamily="34" charset="0"/>
+            </a:endParaRPr>
+          </a:p>
+        </p:txBody>
+      </p:sp>
+      <p:cxnSp>
+        <p:nvCxnSpPr>
+          <p:cNvPr id="5" name="Straight Connector 4">
+            <a:extLst>
+              <a:ext uri="{FF2B5EF4-FFF2-40B4-BE49-F238E27FC236}">
+                <a16:creationId xmlns:a16="http://schemas.microsoft.com/office/drawing/2014/main" id="{DE812377-65EE-1BDA-BD4C-6BB5EEBE0F97}"/>
+              </a:ext>
+            </a:extLst>
+          </p:cNvPr>
+          <p:cNvCxnSpPr/>
+          <p:nvPr/>
+        </p:nvCxnSpPr>
+        <p:spPr>
+          <a:xfrm>
+            <a:off x="272143" y="1404257"/>
+            <a:ext cx="10472057" cy="0"/>
+          </a:xfrm>
+          <a:prstGeom prst="line">
+            <a:avLst/>
+          </a:prstGeom>
+        </p:spPr>
+        <p:style>
+          <a:lnRef idx="2">
+            <a:schemeClr val="dk1"/>
+          </a:lnRef>
+          <a:fillRef idx="0">
+            <a:schemeClr val="dk1"/>
+          </a:fillRef>
+          <a:effectRef idx="1">
+            <a:schemeClr val="dk1"/>
+          </a:effectRef>
+          <a:fontRef idx="minor">
+            <a:schemeClr val="tx1"/>
+          </a:fontRef>
+        </p:style>
+      </p:cxnSp>
+      <p:sp>
+        <p:nvSpPr>
+          <p:cNvPr id="7" name="TextBox 6">
+            <a:extLst>
+              <a:ext uri="{FF2B5EF4-FFF2-40B4-BE49-F238E27FC236}">
+                <a16:creationId xmlns:a16="http://schemas.microsoft.com/office/drawing/2014/main" id="{1A4B530D-8FD8-FED8-5ECF-A7201314B485}"/>
+              </a:ext>
+            </a:extLst>
+          </p:cNvPr>
+          <p:cNvSpPr txBox="1"/>
+          <p:nvPr/>
+        </p:nvSpPr>
+        <p:spPr>
+          <a:xfrm>
+            <a:off x="8360229" y="1937203"/>
+            <a:ext cx="3408984" cy="2339102"/>
+          </a:xfrm>
+          <a:prstGeom prst="rect">
+            <a:avLst/>
+          </a:prstGeom>
+          <a:noFill/>
+        </p:spPr>
+        <p:txBody>
+          <a:bodyPr wrap="square" rtlCol="0">
+            <a:spAutoFit/>
+          </a:bodyPr>
+          <a:lstStyle/>
+          <a:p>
+            <a:r>
+              <a:rPr lang="en-NG" b="1" i="1" dirty="0">
+                <a:latin typeface="Century Gothic" panose="020B0502020202020204" pitchFamily="34" charset="0"/>
+              </a:rPr>
+              <a:t>Additional context</a:t>
+            </a:r>
+          </a:p>
+          <a:p>
+            <a:pPr algn="just"/>
+            <a:r>
+              <a:rPr lang="en-GB" sz="1600" i="1" dirty="0"/>
+              <a:t>This indicates that higher activity on the website—such as browsing or adding items to a cart—directly influences the number of purchases made. Improving web user experience or increasing traffic could, therefore, have a significant impact on boosting sales.</a:t>
+            </a:r>
+            <a:endParaRPr lang="en-NG" sz="1600" i="1" dirty="0"/>
+          </a:p>
+        </p:txBody>
+      </p:sp>
+      <p:graphicFrame>
+        <p:nvGraphicFramePr>
+          <p:cNvPr id="3" name="Chart 2">
+            <a:extLst>
+              <a:ext uri="{FF2B5EF4-FFF2-40B4-BE49-F238E27FC236}">
+                <a16:creationId xmlns:a16="http://schemas.microsoft.com/office/drawing/2014/main" id="{55213A78-303E-7636-D281-79F314794A7A}"/>
+              </a:ext>
+            </a:extLst>
+          </p:cNvPr>
+          <p:cNvGraphicFramePr>
+            <a:graphicFrameLocks/>
+          </p:cNvGraphicFramePr>
+          <p:nvPr>
+            <p:extLst>
+              <p:ext uri="{D42A27DB-BD31-4B8C-83A1-F6EECF244321}">
+                <p14:modId xmlns:p14="http://schemas.microsoft.com/office/powerpoint/2010/main" val="2727773125"/>
+              </p:ext>
+            </p:extLst>
+          </p:nvPr>
+        </p:nvGraphicFramePr>
+        <p:xfrm>
+          <a:off x="457201" y="1817919"/>
+          <a:ext cx="7783286" cy="4411429"/>
+        </p:xfrm>
+        <a:graphic>
+          <a:graphicData uri="http://schemas.openxmlformats.org/drawingml/2006/chart">
+            <c:chart xmlns:c="http://schemas.openxmlformats.org/drawingml/2006/chart" xmlns:r="http://schemas.openxmlformats.org/officeDocument/2006/relationships" r:id="rId2"/>
+          </a:graphicData>
+        </a:graphic>
+      </p:graphicFrame>
+    </p:spTree>
+    <p:extLst>
+      <p:ext uri="{BB962C8B-B14F-4D97-AF65-F5344CB8AC3E}">
+        <p14:creationId xmlns:p14="http://schemas.microsoft.com/office/powerpoint/2010/main" val="2688743844"/>
+      </p:ext>
+    </p:extLst>
+  </p:cSld>
+  <p:clrMapOvr>
+    <a:masterClrMapping/>
+  </p:clrMapOvr>
+</p:sld>
+</file>
+
+<file path=ppt/slides/slide4.xml><?xml version="1.0" encoding="utf-8"?>
+<p:sld xmlns:a="http://schemas.openxmlformats.org/drawingml/2006/main" xmlns:r="http://schemas.openxmlformats.org/officeDocument/2006/relationships" xmlns:p="http://schemas.openxmlformats.org/presentationml/2006/main">
+  <p:cSld>
     <p:bg>
       <p:bgPr>
         <a:solidFill>
@@ -3789,7 +8117,7 @@
 </p:sld>
 </file>
 
-<file path=ppt/slides/slide3.xml><?xml version="1.0" encoding="utf-8"?>
+<file path=ppt/slides/slide5.xml><?xml version="1.0" encoding="utf-8"?>
 <p:sld xmlns:a="http://schemas.openxmlformats.org/drawingml/2006/main" xmlns:r="http://schemas.openxmlformats.org/officeDocument/2006/relationships" xmlns:p="http://schemas.openxmlformats.org/presentationml/2006/main">
   <p:cSld>
     <p:bg>
@@ -4990,7 +9318,7 @@
 </p:sld>
 </file>
 
-<file path=ppt/slides/slide4.xml><?xml version="1.0" encoding="utf-8"?>
+<file path=ppt/slides/slide6.xml><?xml version="1.0" encoding="utf-8"?>
 <p:sld xmlns:a="http://schemas.openxmlformats.org/drawingml/2006/main" xmlns:r="http://schemas.openxmlformats.org/officeDocument/2006/relationships" xmlns:p="http://schemas.openxmlformats.org/presentationml/2006/main">
   <p:cSld>
     <p:bg>
@@ -5546,7 +9874,7 @@
 </p:sld>
 </file>
 
-<file path=ppt/slides/slide5.xml><?xml version="1.0" encoding="utf-8"?>
+<file path=ppt/slides/slide7.xml><?xml version="1.0" encoding="utf-8"?>
 <p:sld xmlns:a="http://schemas.openxmlformats.org/drawingml/2006/main" xmlns:r="http://schemas.openxmlformats.org/officeDocument/2006/relationships" xmlns:p="http://schemas.openxmlformats.org/presentationml/2006/main">
   <p:cSld>
     <p:bg>
@@ -6359,7 +10687,7 @@
 </p:sld>
 </file>
 
-<file path=ppt/slides/slide6.xml><?xml version="1.0" encoding="utf-8"?>
+<file path=ppt/slides/slide8.xml><?xml version="1.0" encoding="utf-8"?>
 <p:sld xmlns:a="http://schemas.openxmlformats.org/drawingml/2006/main" xmlns:r="http://schemas.openxmlformats.org/officeDocument/2006/relationships" xmlns:p="http://schemas.openxmlformats.org/presentationml/2006/main">
   <p:cSld>
     <p:bg>

--- a/project3.pptx
+++ b/project3.pptx
@@ -8,11 +8,8 @@
     <p:sldId id="256" r:id="rId2"/>
     <p:sldId id="262" r:id="rId3"/>
     <p:sldId id="263" r:id="rId4"/>
-    <p:sldId id="257" r:id="rId5"/>
-    <p:sldId id="258" r:id="rId6"/>
-    <p:sldId id="259" r:id="rId7"/>
-    <p:sldId id="260" r:id="rId8"/>
-    <p:sldId id="261" r:id="rId9"/>
+    <p:sldId id="264" r:id="rId5"/>
+    <p:sldId id="265" r:id="rId6"/>
   </p:sldIdLst>
   <p:sldSz cx="12192000" cy="6858000"/>
   <p:notesSz cx="6858000" cy="9144000"/>
@@ -159,12 +156,12 @@
               </a:defRPr>
             </a:pPr>
             <a:r>
-              <a:rPr lang="en-GB" sz="1600" b="1" i="0" u="none" strike="noStrike" baseline="0" dirty="0">
+              <a:rPr lang="en-GB" sz="1200" b="1" i="0" u="none" strike="noStrike" baseline="0" dirty="0">
                 <a:latin typeface="Century Gothic" panose="020B0502020202020204" pitchFamily="34" charset="0"/>
               </a:rPr>
               <a:t>Monthly Average Orders from 2013 to 2017</a:t>
             </a:r>
-            <a:endParaRPr lang="en-US" dirty="0">
+            <a:endParaRPr lang="en-US" sz="1200" dirty="0">
               <a:latin typeface="Century Gothic" panose="020B0502020202020204" pitchFamily="34" charset="0"/>
             </a:endParaRPr>
           </a:p>
@@ -174,7 +171,7 @@
         <c:manualLayout>
           <c:xMode val="edge"/>
           <c:yMode val="edge"/>
-          <c:x val="2.2417331070795743E-2"/>
+          <c:x val="1.4892704552223967E-3"/>
           <c:y val="1.9605557789697203E-2"/>
         </c:manualLayout>
       </c:layout>
@@ -517,7 +514,7 @@
               </a:defRPr>
             </a:pPr>
             <a:r>
-              <a:rPr lang="en-US" sz="1400" b="1" dirty="0">
+              <a:rPr lang="en-US" sz="1200" b="1" dirty="0">
                 <a:latin typeface="Century Gothic" panose="020B0502020202020204" pitchFamily="34" charset="0"/>
               </a:rPr>
               <a:t>Orders completed and web events per customer</a:t>
@@ -529,7 +526,7 @@
         <c:manualLayout>
           <c:xMode val="edge"/>
           <c:yMode val="edge"/>
-          <c:x val="3.4683551394616603E-2"/>
+          <c:x val="1.6734834104772712E-2"/>
           <c:y val="2.5909971576103797E-2"/>
         </c:manualLayout>
       </c:layout>
@@ -3026,6 +3023,492 @@
 </c:chartSpace>
 </file>
 
+<file path=ppt/charts/chart3.xml><?xml version="1.0" encoding="utf-8"?>
+<c:chartSpace xmlns:c="http://schemas.openxmlformats.org/drawingml/2006/chart" xmlns:a="http://schemas.openxmlformats.org/drawingml/2006/main" xmlns:r="http://schemas.openxmlformats.org/officeDocument/2006/relationships" xmlns:c16r2="http://schemas.microsoft.com/office/drawing/2015/06/chart">
+  <c:date1904 val="0"/>
+  <c:lang val="en-GB"/>
+  <c:roundedCorners val="0"/>
+  <mc:AlternateContent xmlns:mc="http://schemas.openxmlformats.org/markup-compatibility/2006">
+    <mc:Choice xmlns:c14="http://schemas.microsoft.com/office/drawing/2007/8/2/chart" Requires="c14">
+      <c14:style val="102"/>
+    </mc:Choice>
+    <mc:Fallback>
+      <c:style val="2"/>
+    </mc:Fallback>
+  </mc:AlternateContent>
+  <c:chart>
+    <c:title>
+      <c:tx>
+        <c:rich>
+          <a:bodyPr rot="0" spcFirstLastPara="1" vertOverflow="ellipsis" vert="horz" wrap="square" anchor="ctr" anchorCtr="1"/>
+          <a:lstStyle/>
+          <a:p>
+            <a:pPr>
+              <a:defRPr sz="1400" b="0" i="0" u="none" strike="noStrike" kern="1200" spc="0" baseline="0">
+                <a:solidFill>
+                  <a:schemeClr val="tx1">
+                    <a:lumMod val="65000"/>
+                    <a:lumOff val="35000"/>
+                  </a:schemeClr>
+                </a:solidFill>
+                <a:latin typeface="+mn-lt"/>
+                <a:ea typeface="+mn-ea"/>
+                <a:cs typeface="+mn-cs"/>
+              </a:defRPr>
+            </a:pPr>
+            <a:r>
+              <a:rPr lang="en-GB" sz="1400" b="1" i="0" u="none" strike="noStrike" baseline="0" dirty="0">
+                <a:latin typeface="Century Gothic" panose="020B0502020202020204" pitchFamily="34" charset="0"/>
+              </a:rPr>
+              <a:t>3-Year Average Monthly Sales Trend</a:t>
+            </a:r>
+            <a:endParaRPr lang="en-US" b="1" dirty="0">
+              <a:latin typeface="Century Gothic" panose="020B0502020202020204" pitchFamily="34" charset="0"/>
+            </a:endParaRPr>
+          </a:p>
+        </c:rich>
+      </c:tx>
+      <c:layout>
+        <c:manualLayout>
+          <c:xMode val="edge"/>
+          <c:yMode val="edge"/>
+          <c:x val="3.6708446337320726E-2"/>
+          <c:y val="1.6851729768138334E-2"/>
+        </c:manualLayout>
+      </c:layout>
+      <c:overlay val="0"/>
+      <c:spPr>
+        <a:noFill/>
+        <a:ln>
+          <a:noFill/>
+        </a:ln>
+        <a:effectLst/>
+      </c:spPr>
+      <c:txPr>
+        <a:bodyPr rot="0" spcFirstLastPara="1" vertOverflow="ellipsis" vert="horz" wrap="square" anchor="ctr" anchorCtr="1"/>
+        <a:lstStyle/>
+        <a:p>
+          <a:pPr>
+            <a:defRPr sz="1400" b="0" i="0" u="none" strike="noStrike" kern="1200" spc="0" baseline="0">
+              <a:solidFill>
+                <a:schemeClr val="tx1">
+                  <a:lumMod val="65000"/>
+                  <a:lumOff val="35000"/>
+                </a:schemeClr>
+              </a:solidFill>
+              <a:latin typeface="+mn-lt"/>
+              <a:ea typeface="+mn-ea"/>
+              <a:cs typeface="+mn-cs"/>
+            </a:defRPr>
+          </a:pPr>
+          <a:endParaRPr lang="en-NG"/>
+        </a:p>
+      </c:txPr>
+    </c:title>
+    <c:autoTitleDeleted val="0"/>
+    <c:plotArea>
+      <c:layout/>
+      <c:scatterChart>
+        <c:scatterStyle val="lineMarker"/>
+        <c:varyColors val="0"/>
+        <c:ser>
+          <c:idx val="0"/>
+          <c:order val="0"/>
+          <c:tx>
+            <c:strRef>
+              <c:f>Sheet1!$F$27</c:f>
+              <c:strCache>
+                <c:ptCount val="1"/>
+              </c:strCache>
+            </c:strRef>
+          </c:tx>
+          <c:spPr>
+            <a:ln w="19050" cap="rnd">
+              <a:solidFill>
+                <a:schemeClr val="accent1"/>
+              </a:solidFill>
+              <a:round/>
+            </a:ln>
+            <a:effectLst/>
+          </c:spPr>
+          <c:marker>
+            <c:symbol val="circle"/>
+            <c:size val="5"/>
+            <c:spPr>
+              <a:solidFill>
+                <a:schemeClr val="accent1"/>
+              </a:solidFill>
+              <a:ln w="9525">
+                <a:solidFill>
+                  <a:schemeClr val="accent1"/>
+                </a:solidFill>
+              </a:ln>
+              <a:effectLst/>
+            </c:spPr>
+          </c:marker>
+          <c:xVal>
+            <c:numRef>
+              <c:f>Sheet1!$B$28:$B$39</c:f>
+              <c:numCache>
+                <c:formatCode>@</c:formatCode>
+                <c:ptCount val="12"/>
+                <c:pt idx="0">
+                  <c:v>1</c:v>
+                </c:pt>
+                <c:pt idx="1">
+                  <c:v>2</c:v>
+                </c:pt>
+                <c:pt idx="2">
+                  <c:v>3</c:v>
+                </c:pt>
+                <c:pt idx="3">
+                  <c:v>4</c:v>
+                </c:pt>
+                <c:pt idx="4">
+                  <c:v>5</c:v>
+                </c:pt>
+                <c:pt idx="5">
+                  <c:v>6</c:v>
+                </c:pt>
+                <c:pt idx="6">
+                  <c:v>7</c:v>
+                </c:pt>
+                <c:pt idx="7">
+                  <c:v>8</c:v>
+                </c:pt>
+                <c:pt idx="8">
+                  <c:v>9</c:v>
+                </c:pt>
+                <c:pt idx="9">
+                  <c:v>10</c:v>
+                </c:pt>
+                <c:pt idx="10">
+                  <c:v>11</c:v>
+                </c:pt>
+                <c:pt idx="11">
+                  <c:v>12</c:v>
+                </c:pt>
+              </c:numCache>
+            </c:numRef>
+          </c:xVal>
+          <c:yVal>
+            <c:numRef>
+              <c:f>Sheet1!$F$28:$F$39</c:f>
+              <c:numCache>
+                <c:formatCode>_(* #,##0.00_);_(* \(#,##0.00\);_(* "-"??_);_(@_)</c:formatCode>
+                <c:ptCount val="12"/>
+                <c:pt idx="0">
+                  <c:v>144.33333333333334</c:v>
+                </c:pt>
+                <c:pt idx="1">
+                  <c:v>136.33333333333334</c:v>
+                </c:pt>
+                <c:pt idx="2">
+                  <c:v>160.66666666666666</c:v>
+                </c:pt>
+                <c:pt idx="3">
+                  <c:v>157.33333333333334</c:v>
+                </c:pt>
+                <c:pt idx="4">
+                  <c:v>172.66666666666666</c:v>
+                </c:pt>
+                <c:pt idx="5">
+                  <c:v>175.66666666666666</c:v>
+                </c:pt>
+                <c:pt idx="6">
+                  <c:v>190.33333333333334</c:v>
+                </c:pt>
+                <c:pt idx="7">
+                  <c:v>201</c:v>
+                </c:pt>
+                <c:pt idx="8">
+                  <c:v>200.66666666666666</c:v>
+                </c:pt>
+                <c:pt idx="9">
+                  <c:v>225</c:v>
+                </c:pt>
+                <c:pt idx="10">
+                  <c:v>237.66666666666666</c:v>
+                </c:pt>
+                <c:pt idx="11">
+                  <c:v>261</c:v>
+                </c:pt>
+              </c:numCache>
+            </c:numRef>
+          </c:yVal>
+          <c:smooth val="0"/>
+          <c:extLst>
+            <c:ext xmlns:c16="http://schemas.microsoft.com/office/drawing/2014/chart" uri="{C3380CC4-5D6E-409C-BE32-E72D297353CC}">
+              <c16:uniqueId val="{00000000-05FA-0E41-BA9F-EC9E2FABEF16}"/>
+            </c:ext>
+          </c:extLst>
+        </c:ser>
+        <c:dLbls>
+          <c:showLegendKey val="0"/>
+          <c:showVal val="0"/>
+          <c:showCatName val="0"/>
+          <c:showSerName val="0"/>
+          <c:showPercent val="0"/>
+          <c:showBubbleSize val="0"/>
+        </c:dLbls>
+        <c:axId val="1974453440"/>
+        <c:axId val="1973679008"/>
+      </c:scatterChart>
+      <c:valAx>
+        <c:axId val="1974453440"/>
+        <c:scaling>
+          <c:orientation val="minMax"/>
+          <c:max val="12"/>
+        </c:scaling>
+        <c:delete val="0"/>
+        <c:axPos val="b"/>
+        <c:title>
+          <c:tx>
+            <c:rich>
+              <a:bodyPr rot="0" spcFirstLastPara="1" vertOverflow="ellipsis" vert="horz" wrap="square" anchor="ctr" anchorCtr="1"/>
+              <a:lstStyle/>
+              <a:p>
+                <a:pPr>
+                  <a:defRPr sz="1000" b="1" i="0" u="none" strike="noStrike" kern="1200" baseline="0">
+                    <a:solidFill>
+                      <a:schemeClr val="tx1">
+                        <a:lumMod val="65000"/>
+                        <a:lumOff val="35000"/>
+                      </a:schemeClr>
+                    </a:solidFill>
+                    <a:latin typeface="Century Gothic" panose="020B0502020202020204" pitchFamily="34" charset="0"/>
+                    <a:ea typeface="+mn-ea"/>
+                    <a:cs typeface="+mn-cs"/>
+                  </a:defRPr>
+                </a:pPr>
+                <a:r>
+                  <a:rPr lang="en-GB" sz="1000" b="1" dirty="0">
+                    <a:latin typeface="Century Gothic" panose="020B0502020202020204" pitchFamily="34" charset="0"/>
+                  </a:rPr>
+                  <a:t>Month number</a:t>
+                </a:r>
+              </a:p>
+            </c:rich>
+          </c:tx>
+          <c:overlay val="0"/>
+          <c:spPr>
+            <a:noFill/>
+            <a:ln>
+              <a:noFill/>
+            </a:ln>
+            <a:effectLst/>
+          </c:spPr>
+          <c:txPr>
+            <a:bodyPr rot="0" spcFirstLastPara="1" vertOverflow="ellipsis" vert="horz" wrap="square" anchor="ctr" anchorCtr="1"/>
+            <a:lstStyle/>
+            <a:p>
+              <a:pPr>
+                <a:defRPr sz="1000" b="1" i="0" u="none" strike="noStrike" kern="1200" baseline="0">
+                  <a:solidFill>
+                    <a:schemeClr val="tx1">
+                      <a:lumMod val="65000"/>
+                      <a:lumOff val="35000"/>
+                    </a:schemeClr>
+                  </a:solidFill>
+                  <a:latin typeface="Century Gothic" panose="020B0502020202020204" pitchFamily="34" charset="0"/>
+                  <a:ea typeface="+mn-ea"/>
+                  <a:cs typeface="+mn-cs"/>
+                </a:defRPr>
+              </a:pPr>
+              <a:endParaRPr lang="en-NG"/>
+            </a:p>
+          </c:txPr>
+        </c:title>
+        <c:numFmt formatCode="@" sourceLinked="1"/>
+        <c:majorTickMark val="none"/>
+        <c:minorTickMark val="none"/>
+        <c:tickLblPos val="nextTo"/>
+        <c:spPr>
+          <a:noFill/>
+          <a:ln w="9525" cap="flat" cmpd="sng" algn="ctr">
+            <a:solidFill>
+              <a:schemeClr val="tx1">
+                <a:lumMod val="25000"/>
+                <a:lumOff val="75000"/>
+              </a:schemeClr>
+            </a:solidFill>
+            <a:round/>
+          </a:ln>
+          <a:effectLst/>
+        </c:spPr>
+        <c:txPr>
+          <a:bodyPr rot="-60000000" spcFirstLastPara="1" vertOverflow="ellipsis" vert="horz" wrap="square" anchor="ctr" anchorCtr="1"/>
+          <a:lstStyle/>
+          <a:p>
+            <a:pPr>
+              <a:defRPr sz="900" b="0" i="0" u="none" strike="noStrike" kern="1200" baseline="0">
+                <a:solidFill>
+                  <a:schemeClr val="tx1">
+                    <a:lumMod val="65000"/>
+                    <a:lumOff val="35000"/>
+                  </a:schemeClr>
+                </a:solidFill>
+                <a:latin typeface="+mn-lt"/>
+                <a:ea typeface="+mn-ea"/>
+                <a:cs typeface="+mn-cs"/>
+              </a:defRPr>
+            </a:pPr>
+            <a:endParaRPr lang="en-NG"/>
+          </a:p>
+        </c:txPr>
+        <c:crossAx val="1973679008"/>
+        <c:crosses val="autoZero"/>
+        <c:crossBetween val="midCat"/>
+      </c:valAx>
+      <c:valAx>
+        <c:axId val="1973679008"/>
+        <c:scaling>
+          <c:orientation val="minMax"/>
+        </c:scaling>
+        <c:delete val="0"/>
+        <c:axPos val="l"/>
+        <c:title>
+          <c:tx>
+            <c:rich>
+              <a:bodyPr rot="-5400000" spcFirstLastPara="1" vertOverflow="ellipsis" vert="horz" wrap="square" anchor="ctr" anchorCtr="1"/>
+              <a:lstStyle/>
+              <a:p>
+                <a:pPr>
+                  <a:defRPr sz="900" b="1" i="0" u="none" strike="noStrike" kern="1200" baseline="0">
+                    <a:solidFill>
+                      <a:schemeClr val="tx1">
+                        <a:lumMod val="65000"/>
+                        <a:lumOff val="35000"/>
+                      </a:schemeClr>
+                    </a:solidFill>
+                    <a:latin typeface="Century Gothic" panose="020B0502020202020204" pitchFamily="34" charset="0"/>
+                    <a:ea typeface="+mn-ea"/>
+                    <a:cs typeface="+mn-cs"/>
+                  </a:defRPr>
+                </a:pPr>
+                <a:r>
+                  <a:rPr lang="en-GB" sz="900" b="1" dirty="0">
+                    <a:latin typeface="Century Gothic" panose="020B0502020202020204" pitchFamily="34" charset="0"/>
+                  </a:rPr>
+                  <a:t>3-year</a:t>
+                </a:r>
+                <a:r>
+                  <a:rPr lang="en-GB" sz="900" b="1" baseline="0" dirty="0">
+                    <a:latin typeface="Century Gothic" panose="020B0502020202020204" pitchFamily="34" charset="0"/>
+                  </a:rPr>
+                  <a:t> average sales per month</a:t>
+                </a:r>
+                <a:endParaRPr lang="en-GB" sz="900" b="1" dirty="0">
+                  <a:latin typeface="Century Gothic" panose="020B0502020202020204" pitchFamily="34" charset="0"/>
+                </a:endParaRPr>
+              </a:p>
+            </c:rich>
+          </c:tx>
+          <c:overlay val="0"/>
+          <c:spPr>
+            <a:noFill/>
+            <a:ln>
+              <a:noFill/>
+            </a:ln>
+            <a:effectLst/>
+          </c:spPr>
+          <c:txPr>
+            <a:bodyPr rot="-5400000" spcFirstLastPara="1" vertOverflow="ellipsis" vert="horz" wrap="square" anchor="ctr" anchorCtr="1"/>
+            <a:lstStyle/>
+            <a:p>
+              <a:pPr>
+                <a:defRPr sz="900" b="1" i="0" u="none" strike="noStrike" kern="1200" baseline="0">
+                  <a:solidFill>
+                    <a:schemeClr val="tx1">
+                      <a:lumMod val="65000"/>
+                      <a:lumOff val="35000"/>
+                    </a:schemeClr>
+                  </a:solidFill>
+                  <a:latin typeface="Century Gothic" panose="020B0502020202020204" pitchFamily="34" charset="0"/>
+                  <a:ea typeface="+mn-ea"/>
+                  <a:cs typeface="+mn-cs"/>
+                </a:defRPr>
+              </a:pPr>
+              <a:endParaRPr lang="en-NG"/>
+            </a:p>
+          </c:txPr>
+        </c:title>
+        <c:numFmt formatCode="_(* #,##0.00_);_(* \(#,##0.00\);_(* &quot;-&quot;??_);_(@_)" sourceLinked="1"/>
+        <c:majorTickMark val="none"/>
+        <c:minorTickMark val="none"/>
+        <c:tickLblPos val="nextTo"/>
+        <c:spPr>
+          <a:noFill/>
+          <a:ln w="9525" cap="flat" cmpd="sng" algn="ctr">
+            <a:solidFill>
+              <a:schemeClr val="tx1">
+                <a:lumMod val="25000"/>
+                <a:lumOff val="75000"/>
+              </a:schemeClr>
+            </a:solidFill>
+            <a:round/>
+          </a:ln>
+          <a:effectLst/>
+        </c:spPr>
+        <c:txPr>
+          <a:bodyPr rot="-60000000" spcFirstLastPara="1" vertOverflow="ellipsis" vert="horz" wrap="square" anchor="ctr" anchorCtr="1"/>
+          <a:lstStyle/>
+          <a:p>
+            <a:pPr>
+              <a:defRPr sz="900" b="0" i="0" u="none" strike="noStrike" kern="1200" baseline="0">
+                <a:solidFill>
+                  <a:schemeClr val="tx1">
+                    <a:lumMod val="65000"/>
+                    <a:lumOff val="35000"/>
+                  </a:schemeClr>
+                </a:solidFill>
+                <a:latin typeface="+mn-lt"/>
+                <a:ea typeface="+mn-ea"/>
+                <a:cs typeface="+mn-cs"/>
+              </a:defRPr>
+            </a:pPr>
+            <a:endParaRPr lang="en-NG"/>
+          </a:p>
+        </c:txPr>
+        <c:crossAx val="1974453440"/>
+        <c:crosses val="autoZero"/>
+        <c:crossBetween val="midCat"/>
+      </c:valAx>
+      <c:spPr>
+        <a:noFill/>
+        <a:ln>
+          <a:noFill/>
+        </a:ln>
+        <a:effectLst/>
+      </c:spPr>
+    </c:plotArea>
+    <c:plotVisOnly val="1"/>
+    <c:dispBlanksAs val="gap"/>
+    <c:showDLblsOverMax val="0"/>
+  </c:chart>
+  <c:spPr>
+    <a:noFill/>
+    <a:ln>
+      <a:noFill/>
+    </a:ln>
+    <a:effectLst/>
+  </c:spPr>
+  <c:txPr>
+    <a:bodyPr/>
+    <a:lstStyle/>
+    <a:p>
+      <a:pPr>
+        <a:defRPr/>
+      </a:pPr>
+      <a:endParaRPr lang="en-NG"/>
+    </a:p>
+  </c:txPr>
+  <c:externalData r:id="rId3">
+    <c:autoUpdate val="0"/>
+  </c:externalData>
+</c:chartSpace>
+</file>
+
 <file path=ppt/charts/colors1.xml><?xml version="1.0" encoding="utf-8"?>
 <cs:colorStyle xmlns:cs="http://schemas.microsoft.com/office/drawing/2012/chartStyle" xmlns:a="http://schemas.openxmlformats.org/drawingml/2006/main" meth="cycle" id="10">
   <a:schemeClr val="accent1"/>
@@ -3067,6 +3550,46 @@
 </file>
 
 <file path=ppt/charts/colors2.xml><?xml version="1.0" encoding="utf-8"?>
+<cs:colorStyle xmlns:cs="http://schemas.microsoft.com/office/drawing/2012/chartStyle" xmlns:a="http://schemas.openxmlformats.org/drawingml/2006/main" meth="cycle" id="10">
+  <a:schemeClr val="accent1"/>
+  <a:schemeClr val="accent2"/>
+  <a:schemeClr val="accent3"/>
+  <a:schemeClr val="accent4"/>
+  <a:schemeClr val="accent5"/>
+  <a:schemeClr val="accent6"/>
+  <cs:variation/>
+  <cs:variation>
+    <a:lumMod val="60000"/>
+  </cs:variation>
+  <cs:variation>
+    <a:lumMod val="80000"/>
+    <a:lumOff val="20000"/>
+  </cs:variation>
+  <cs:variation>
+    <a:lumMod val="80000"/>
+  </cs:variation>
+  <cs:variation>
+    <a:lumMod val="60000"/>
+    <a:lumOff val="40000"/>
+  </cs:variation>
+  <cs:variation>
+    <a:lumMod val="50000"/>
+  </cs:variation>
+  <cs:variation>
+    <a:lumMod val="70000"/>
+    <a:lumOff val="30000"/>
+  </cs:variation>
+  <cs:variation>
+    <a:lumMod val="70000"/>
+  </cs:variation>
+  <cs:variation>
+    <a:lumMod val="50000"/>
+    <a:lumOff val="50000"/>
+  </cs:variation>
+</cs:colorStyle>
+</file>
+
+<file path=ppt/charts/colors3.xml><?xml version="1.0" encoding="utf-8"?>
 <cs:colorStyle xmlns:cs="http://schemas.microsoft.com/office/drawing/2012/chartStyle" xmlns:a="http://schemas.openxmlformats.org/drawingml/2006/main" meth="cycle" id="10">
   <a:schemeClr val="accent1"/>
   <a:schemeClr val="accent2"/>
@@ -4091,6 +4614,522 @@
 </cs:chartStyle>
 </file>
 
+<file path=ppt/charts/style3.xml><?xml version="1.0" encoding="utf-8"?>
+<cs:chartStyle xmlns:cs="http://schemas.microsoft.com/office/drawing/2012/chartStyle" xmlns:a="http://schemas.openxmlformats.org/drawingml/2006/main" id="240">
+  <cs:axisTitle>
+    <cs:lnRef idx="0"/>
+    <cs:fillRef idx="0"/>
+    <cs:effectRef idx="0"/>
+    <cs:fontRef idx="minor">
+      <a:schemeClr val="tx1">
+        <a:lumMod val="65000"/>
+        <a:lumOff val="35000"/>
+      </a:schemeClr>
+    </cs:fontRef>
+    <cs:defRPr sz="1000" kern="1200"/>
+  </cs:axisTitle>
+  <cs:categoryAxis>
+    <cs:lnRef idx="0"/>
+    <cs:fillRef idx="0"/>
+    <cs:effectRef idx="0"/>
+    <cs:fontRef idx="minor">
+      <a:schemeClr val="tx1">
+        <a:lumMod val="65000"/>
+        <a:lumOff val="35000"/>
+      </a:schemeClr>
+    </cs:fontRef>
+    <cs:spPr>
+      <a:ln w="9525" cap="flat" cmpd="sng" algn="ctr">
+        <a:solidFill>
+          <a:schemeClr val="tx1">
+            <a:lumMod val="25000"/>
+            <a:lumOff val="75000"/>
+          </a:schemeClr>
+        </a:solidFill>
+        <a:round/>
+      </a:ln>
+    </cs:spPr>
+    <cs:defRPr sz="900" kern="1200"/>
+  </cs:categoryAxis>
+  <cs:chartArea mods="allowNoFillOverride allowNoLineOverride">
+    <cs:lnRef idx="0"/>
+    <cs:fillRef idx="0"/>
+    <cs:effectRef idx="0"/>
+    <cs:fontRef idx="minor">
+      <a:schemeClr val="tx1"/>
+    </cs:fontRef>
+    <cs:spPr>
+      <a:solidFill>
+        <a:schemeClr val="bg1"/>
+      </a:solidFill>
+      <a:ln w="9525" cap="flat" cmpd="sng" algn="ctr">
+        <a:solidFill>
+          <a:schemeClr val="tx1">
+            <a:lumMod val="15000"/>
+            <a:lumOff val="85000"/>
+          </a:schemeClr>
+        </a:solidFill>
+        <a:round/>
+      </a:ln>
+    </cs:spPr>
+    <cs:defRPr sz="1000" kern="1200"/>
+  </cs:chartArea>
+  <cs:dataLabel>
+    <cs:lnRef idx="0"/>
+    <cs:fillRef idx="0"/>
+    <cs:effectRef idx="0"/>
+    <cs:fontRef idx="minor">
+      <a:schemeClr val="tx1">
+        <a:lumMod val="75000"/>
+        <a:lumOff val="25000"/>
+      </a:schemeClr>
+    </cs:fontRef>
+    <cs:defRPr sz="900" kern="1200"/>
+  </cs:dataLabel>
+  <cs:dataLabelCallout>
+    <cs:lnRef idx="0"/>
+    <cs:fillRef idx="0"/>
+    <cs:effectRef idx="0"/>
+    <cs:fontRef idx="minor">
+      <a:schemeClr val="dk1">
+        <a:lumMod val="65000"/>
+        <a:lumOff val="35000"/>
+      </a:schemeClr>
+    </cs:fontRef>
+    <cs:spPr>
+      <a:solidFill>
+        <a:schemeClr val="lt1"/>
+      </a:solidFill>
+      <a:ln>
+        <a:solidFill>
+          <a:schemeClr val="dk1">
+            <a:lumMod val="25000"/>
+            <a:lumOff val="75000"/>
+          </a:schemeClr>
+        </a:solidFill>
+      </a:ln>
+    </cs:spPr>
+    <cs:defRPr sz="900" kern="1200"/>
+    <cs:bodyPr rot="0" spcFirstLastPara="1" vertOverflow="clip" horzOverflow="clip" vert="horz" wrap="square" lIns="36576" tIns="18288" rIns="36576" bIns="18288" anchor="ctr" anchorCtr="1">
+      <a:spAutoFit/>
+    </cs:bodyPr>
+  </cs:dataLabelCallout>
+  <cs:dataPoint>
+    <cs:lnRef idx="0"/>
+    <cs:fillRef idx="1">
+      <cs:styleClr val="auto"/>
+    </cs:fillRef>
+    <cs:effectRef idx="0"/>
+    <cs:fontRef idx="minor">
+      <a:schemeClr val="tx1"/>
+    </cs:fontRef>
+  </cs:dataPoint>
+  <cs:dataPoint3D>
+    <cs:lnRef idx="0"/>
+    <cs:fillRef idx="1">
+      <cs:styleClr val="auto"/>
+    </cs:fillRef>
+    <cs:effectRef idx="0"/>
+    <cs:fontRef idx="minor">
+      <a:schemeClr val="tx1"/>
+    </cs:fontRef>
+  </cs:dataPoint3D>
+  <cs:dataPointLine>
+    <cs:lnRef idx="0">
+      <cs:styleClr val="auto"/>
+    </cs:lnRef>
+    <cs:fillRef idx="1"/>
+    <cs:effectRef idx="0"/>
+    <cs:fontRef idx="minor">
+      <a:schemeClr val="tx1"/>
+    </cs:fontRef>
+    <cs:spPr>
+      <a:ln w="19050" cap="rnd">
+        <a:solidFill>
+          <a:schemeClr val="phClr"/>
+        </a:solidFill>
+        <a:round/>
+      </a:ln>
+    </cs:spPr>
+  </cs:dataPointLine>
+  <cs:dataPointMarker>
+    <cs:lnRef idx="0">
+      <cs:styleClr val="auto"/>
+    </cs:lnRef>
+    <cs:fillRef idx="1">
+      <cs:styleClr val="auto"/>
+    </cs:fillRef>
+    <cs:effectRef idx="0"/>
+    <cs:fontRef idx="minor">
+      <a:schemeClr val="tx1"/>
+    </cs:fontRef>
+    <cs:spPr>
+      <a:ln w="9525">
+        <a:solidFill>
+          <a:schemeClr val="phClr"/>
+        </a:solidFill>
+      </a:ln>
+    </cs:spPr>
+  </cs:dataPointMarker>
+  <cs:dataPointMarkerLayout symbol="circle" size="5"/>
+  <cs:dataPointWireframe>
+    <cs:lnRef idx="0">
+      <cs:styleClr val="auto"/>
+    </cs:lnRef>
+    <cs:fillRef idx="0"/>
+    <cs:effectRef idx="0"/>
+    <cs:fontRef idx="minor">
+      <a:schemeClr val="dk1"/>
+    </cs:fontRef>
+    <cs:spPr>
+      <a:ln w="9525" cap="rnd">
+        <a:solidFill>
+          <a:schemeClr val="phClr"/>
+        </a:solidFill>
+        <a:round/>
+      </a:ln>
+    </cs:spPr>
+  </cs:dataPointWireframe>
+  <cs:dataTable>
+    <cs:lnRef idx="0"/>
+    <cs:fillRef idx="0"/>
+    <cs:effectRef idx="0"/>
+    <cs:fontRef idx="minor">
+      <a:schemeClr val="tx1">
+        <a:lumMod val="65000"/>
+        <a:lumOff val="35000"/>
+      </a:schemeClr>
+    </cs:fontRef>
+    <cs:spPr>
+      <a:noFill/>
+      <a:ln w="9525" cap="flat" cmpd="sng" algn="ctr">
+        <a:solidFill>
+          <a:schemeClr val="tx1">
+            <a:lumMod val="15000"/>
+            <a:lumOff val="85000"/>
+          </a:schemeClr>
+        </a:solidFill>
+        <a:round/>
+      </a:ln>
+    </cs:spPr>
+    <cs:defRPr sz="900" kern="1200"/>
+  </cs:dataTable>
+  <cs:downBar>
+    <cs:lnRef idx="0"/>
+    <cs:fillRef idx="0"/>
+    <cs:effectRef idx="0"/>
+    <cs:fontRef idx="minor">
+      <a:schemeClr val="tx1"/>
+    </cs:fontRef>
+    <cs:spPr>
+      <a:solidFill>
+        <a:schemeClr val="dk1">
+          <a:lumMod val="75000"/>
+          <a:lumOff val="25000"/>
+        </a:schemeClr>
+      </a:solidFill>
+      <a:ln w="9525" cap="flat" cmpd="sng" algn="ctr">
+        <a:solidFill>
+          <a:schemeClr val="tx1">
+            <a:lumMod val="65000"/>
+            <a:lumOff val="35000"/>
+          </a:schemeClr>
+        </a:solidFill>
+        <a:round/>
+      </a:ln>
+    </cs:spPr>
+  </cs:downBar>
+  <cs:dropLine>
+    <cs:lnRef idx="0"/>
+    <cs:fillRef idx="0"/>
+    <cs:effectRef idx="0"/>
+    <cs:fontRef idx="minor">
+      <a:schemeClr val="tx1"/>
+    </cs:fontRef>
+    <cs:spPr>
+      <a:ln w="9525" cap="flat" cmpd="sng" algn="ctr">
+        <a:solidFill>
+          <a:schemeClr val="tx1">
+            <a:lumMod val="35000"/>
+            <a:lumOff val="65000"/>
+          </a:schemeClr>
+        </a:solidFill>
+        <a:round/>
+      </a:ln>
+    </cs:spPr>
+  </cs:dropLine>
+  <cs:errorBar>
+    <cs:lnRef idx="0"/>
+    <cs:fillRef idx="0"/>
+    <cs:effectRef idx="0"/>
+    <cs:fontRef idx="minor">
+      <a:schemeClr val="tx1"/>
+    </cs:fontRef>
+    <cs:spPr>
+      <a:ln w="9525" cap="flat" cmpd="sng" algn="ctr">
+        <a:solidFill>
+          <a:schemeClr val="tx1">
+            <a:lumMod val="65000"/>
+            <a:lumOff val="35000"/>
+          </a:schemeClr>
+        </a:solidFill>
+        <a:round/>
+      </a:ln>
+    </cs:spPr>
+  </cs:errorBar>
+  <cs:floor>
+    <cs:lnRef idx="0"/>
+    <cs:fillRef idx="0"/>
+    <cs:effectRef idx="0"/>
+    <cs:fontRef idx="minor">
+      <a:schemeClr val="tx1"/>
+    </cs:fontRef>
+    <cs:spPr>
+      <a:noFill/>
+      <a:ln>
+        <a:noFill/>
+      </a:ln>
+    </cs:spPr>
+  </cs:floor>
+  <cs:gridlineMajor>
+    <cs:lnRef idx="0"/>
+    <cs:fillRef idx="0"/>
+    <cs:effectRef idx="0"/>
+    <cs:fontRef idx="minor">
+      <a:schemeClr val="tx1"/>
+    </cs:fontRef>
+    <cs:spPr>
+      <a:ln w="9525" cap="flat" cmpd="sng" algn="ctr">
+        <a:solidFill>
+          <a:schemeClr val="tx1">
+            <a:lumMod val="15000"/>
+            <a:lumOff val="85000"/>
+          </a:schemeClr>
+        </a:solidFill>
+        <a:round/>
+      </a:ln>
+    </cs:spPr>
+  </cs:gridlineMajor>
+  <cs:gridlineMinor>
+    <cs:lnRef idx="0"/>
+    <cs:fillRef idx="0"/>
+    <cs:effectRef idx="0"/>
+    <cs:fontRef idx="minor">
+      <a:schemeClr val="tx1"/>
+    </cs:fontRef>
+    <cs:spPr>
+      <a:ln w="9525" cap="flat" cmpd="sng" algn="ctr">
+        <a:solidFill>
+          <a:schemeClr val="tx1">
+            <a:lumMod val="5000"/>
+            <a:lumOff val="95000"/>
+          </a:schemeClr>
+        </a:solidFill>
+        <a:round/>
+      </a:ln>
+    </cs:spPr>
+  </cs:gridlineMinor>
+  <cs:hiLoLine>
+    <cs:lnRef idx="0"/>
+    <cs:fillRef idx="0"/>
+    <cs:effectRef idx="0"/>
+    <cs:fontRef idx="minor">
+      <a:schemeClr val="tx1"/>
+    </cs:fontRef>
+    <cs:spPr>
+      <a:ln w="9525" cap="flat" cmpd="sng" algn="ctr">
+        <a:solidFill>
+          <a:schemeClr val="tx1">
+            <a:lumMod val="50000"/>
+            <a:lumOff val="50000"/>
+          </a:schemeClr>
+        </a:solidFill>
+        <a:round/>
+      </a:ln>
+    </cs:spPr>
+  </cs:hiLoLine>
+  <cs:leaderLine>
+    <cs:lnRef idx="0"/>
+    <cs:fillRef idx="0"/>
+    <cs:effectRef idx="0"/>
+    <cs:fontRef idx="minor">
+      <a:schemeClr val="tx1"/>
+    </cs:fontRef>
+    <cs:spPr>
+      <a:ln w="9525" cap="flat" cmpd="sng" algn="ctr">
+        <a:solidFill>
+          <a:schemeClr val="tx1">
+            <a:lumMod val="35000"/>
+            <a:lumOff val="65000"/>
+          </a:schemeClr>
+        </a:solidFill>
+        <a:round/>
+      </a:ln>
+    </cs:spPr>
+  </cs:leaderLine>
+  <cs:legend>
+    <cs:lnRef idx="0"/>
+    <cs:fillRef idx="0"/>
+    <cs:effectRef idx="0"/>
+    <cs:fontRef idx="minor">
+      <a:schemeClr val="tx1">
+        <a:lumMod val="65000"/>
+        <a:lumOff val="35000"/>
+      </a:schemeClr>
+    </cs:fontRef>
+    <cs:defRPr sz="900" kern="1200"/>
+  </cs:legend>
+  <cs:plotArea mods="allowNoFillOverride allowNoLineOverride">
+    <cs:lnRef idx="0"/>
+    <cs:fillRef idx="0"/>
+    <cs:effectRef idx="0"/>
+    <cs:fontRef idx="minor">
+      <a:schemeClr val="tx1"/>
+    </cs:fontRef>
+  </cs:plotArea>
+  <cs:plotArea3D mods="allowNoFillOverride allowNoLineOverride">
+    <cs:lnRef idx="0"/>
+    <cs:fillRef idx="0"/>
+    <cs:effectRef idx="0"/>
+    <cs:fontRef idx="minor">
+      <a:schemeClr val="tx1"/>
+    </cs:fontRef>
+  </cs:plotArea3D>
+  <cs:seriesAxis>
+    <cs:lnRef idx="0"/>
+    <cs:fillRef idx="0"/>
+    <cs:effectRef idx="0"/>
+    <cs:fontRef idx="minor">
+      <a:schemeClr val="tx1">
+        <a:lumMod val="65000"/>
+        <a:lumOff val="35000"/>
+      </a:schemeClr>
+    </cs:fontRef>
+    <cs:defRPr sz="900" kern="1200"/>
+  </cs:seriesAxis>
+  <cs:seriesLine>
+    <cs:lnRef idx="0"/>
+    <cs:fillRef idx="0"/>
+    <cs:effectRef idx="0"/>
+    <cs:fontRef idx="minor">
+      <a:schemeClr val="tx1"/>
+    </cs:fontRef>
+    <cs:spPr>
+      <a:ln w="9525" cap="flat" cmpd="sng" algn="ctr">
+        <a:solidFill>
+          <a:schemeClr val="tx1">
+            <a:lumMod val="35000"/>
+            <a:lumOff val="65000"/>
+          </a:schemeClr>
+        </a:solidFill>
+        <a:round/>
+      </a:ln>
+    </cs:spPr>
+  </cs:seriesLine>
+  <cs:title>
+    <cs:lnRef idx="0"/>
+    <cs:fillRef idx="0"/>
+    <cs:effectRef idx="0"/>
+    <cs:fontRef idx="minor">
+      <a:schemeClr val="tx1">
+        <a:lumMod val="65000"/>
+        <a:lumOff val="35000"/>
+      </a:schemeClr>
+    </cs:fontRef>
+    <cs:defRPr sz="1400" b="0" kern="1200" spc="0" baseline="0"/>
+  </cs:title>
+  <cs:trendline>
+    <cs:lnRef idx="0">
+      <cs:styleClr val="auto"/>
+    </cs:lnRef>
+    <cs:fillRef idx="0"/>
+    <cs:effectRef idx="0"/>
+    <cs:fontRef idx="minor">
+      <a:schemeClr val="tx1"/>
+    </cs:fontRef>
+    <cs:spPr>
+      <a:ln w="19050" cap="rnd">
+        <a:solidFill>
+          <a:schemeClr val="phClr"/>
+        </a:solidFill>
+        <a:prstDash val="sysDot"/>
+      </a:ln>
+    </cs:spPr>
+  </cs:trendline>
+  <cs:trendlineLabel>
+    <cs:lnRef idx="0"/>
+    <cs:fillRef idx="0"/>
+    <cs:effectRef idx="0"/>
+    <cs:fontRef idx="minor">
+      <a:schemeClr val="tx1">
+        <a:lumMod val="65000"/>
+        <a:lumOff val="35000"/>
+      </a:schemeClr>
+    </cs:fontRef>
+    <cs:defRPr sz="900" kern="1200"/>
+  </cs:trendlineLabel>
+  <cs:upBar>
+    <cs:lnRef idx="0"/>
+    <cs:fillRef idx="0"/>
+    <cs:effectRef idx="0"/>
+    <cs:fontRef idx="minor">
+      <a:schemeClr val="tx1"/>
+    </cs:fontRef>
+    <cs:spPr>
+      <a:solidFill>
+        <a:schemeClr val="lt1"/>
+      </a:solidFill>
+      <a:ln w="9525" cap="flat" cmpd="sng" algn="ctr">
+        <a:solidFill>
+          <a:schemeClr val="tx1">
+            <a:lumMod val="65000"/>
+            <a:lumOff val="35000"/>
+          </a:schemeClr>
+        </a:solidFill>
+        <a:round/>
+      </a:ln>
+    </cs:spPr>
+  </cs:upBar>
+  <cs:valueAxis>
+    <cs:lnRef idx="0"/>
+    <cs:fillRef idx="0"/>
+    <cs:effectRef idx="0"/>
+    <cs:fontRef idx="minor">
+      <a:schemeClr val="tx1">
+        <a:lumMod val="65000"/>
+        <a:lumOff val="35000"/>
+      </a:schemeClr>
+    </cs:fontRef>
+    <cs:spPr>
+      <a:ln w="9525" cap="flat" cmpd="sng" algn="ctr">
+        <a:solidFill>
+          <a:schemeClr val="tx1">
+            <a:lumMod val="25000"/>
+            <a:lumOff val="75000"/>
+          </a:schemeClr>
+        </a:solidFill>
+        <a:round/>
+      </a:ln>
+    </cs:spPr>
+    <cs:defRPr sz="900" kern="1200"/>
+  </cs:valueAxis>
+  <cs:wall>
+    <cs:lnRef idx="0"/>
+    <cs:fillRef idx="0"/>
+    <cs:effectRef idx="0"/>
+    <cs:fontRef idx="minor">
+      <a:schemeClr val="tx1"/>
+    </cs:fontRef>
+    <cs:spPr>
+      <a:noFill/>
+      <a:ln>
+        <a:noFill/>
+      </a:ln>
+    </cs:spPr>
+  </cs:wall>
+</cs:chartStyle>
+</file>
+
 <file path=ppt/slideLayouts/slideLayout1.xml><?xml version="1.0" encoding="utf-8"?>
 <p:sldLayout xmlns:a="http://schemas.openxmlformats.org/drawingml/2006/main" xmlns:r="http://schemas.openxmlformats.org/officeDocument/2006/relationships" xmlns:p="http://schemas.openxmlformats.org/presentationml/2006/main" type="title" preserve="1">
   <p:cSld name="Title Slide">
@@ -7363,7 +8402,7 @@
           <p:nvPr>
             <p:extLst>
               <p:ext uri="{D42A27DB-BD31-4B8C-83A1-F6EECF244321}">
-                <p14:modId xmlns:p14="http://schemas.microsoft.com/office/powerpoint/2010/main" val="502005455"/>
+                <p14:modId xmlns:p14="http://schemas.microsoft.com/office/powerpoint/2010/main" val="3633180240"/>
               </p:ext>
             </p:extLst>
           </p:nvPr>
@@ -7590,7 +8629,7 @@
           <p:nvPr>
             <p:extLst>
               <p:ext uri="{D42A27DB-BD31-4B8C-83A1-F6EECF244321}">
-                <p14:modId xmlns:p14="http://schemas.microsoft.com/office/powerpoint/2010/main" val="2727773125"/>
+                <p14:modId xmlns:p14="http://schemas.microsoft.com/office/powerpoint/2010/main" val="4221928606"/>
               </p:ext>
             </p:extLst>
           </p:nvPr>
@@ -7621,1714 +8660,6 @@
 <file path=ppt/slides/slide4.xml><?xml version="1.0" encoding="utf-8"?>
 <p:sld xmlns:a="http://schemas.openxmlformats.org/drawingml/2006/main" xmlns:r="http://schemas.openxmlformats.org/officeDocument/2006/relationships" xmlns:p="http://schemas.openxmlformats.org/presentationml/2006/main">
   <p:cSld>
-    <p:bg>
-      <p:bgPr>
-        <a:solidFill>
-          <a:schemeClr val="bg1"/>
-        </a:solidFill>
-        <a:effectLst/>
-      </p:bgPr>
-    </p:bg>
-    <p:spTree>
-      <p:nvGrpSpPr>
-        <p:cNvPr id="1" name=""/>
-        <p:cNvGrpSpPr/>
-        <p:nvPr/>
-      </p:nvGrpSpPr>
-      <p:grpSpPr>
-        <a:xfrm>
-          <a:off x="0" y="0"/>
-          <a:ext cx="0" cy="0"/>
-          <a:chOff x="0" y="0"/>
-          <a:chExt cx="0" cy="0"/>
-        </a:xfrm>
-      </p:grpSpPr>
-      <p:sp useBgFill="1">
-        <p:nvSpPr>
-          <p:cNvPr id="7" name="Rectangle 6">
-            <a:extLst>
-              <a:ext uri="{FF2B5EF4-FFF2-40B4-BE49-F238E27FC236}">
-                <a16:creationId xmlns:a16="http://schemas.microsoft.com/office/drawing/2014/main" id="{907EF6B7-1338-4443-8C46-6A318D952DFD}"/>
-              </a:ext>
-              <a:ext uri="{C183D7F6-B498-43B3-948B-1728B52AA6E4}">
-                <adec:decorative xmlns:adec="http://schemas.microsoft.com/office/drawing/2017/decorative" val="1"/>
-              </a:ext>
-            </a:extLst>
-          </p:cNvPr>
-          <p:cNvSpPr>
-            <a:spLocks noGrp="1" noRot="1" noChangeAspect="1" noMove="1" noResize="1" noEditPoints="1" noAdjustHandles="1" noChangeArrowheads="1" noChangeShapeType="1" noTextEdit="1"/>
-          </p:cNvSpPr>
-          <p:nvPr>
-            <p:extLst>
-              <p:ext uri="{386F3935-93C4-4BCD-93E2-E3B085C9AB24}">
-                <p16:designElem xmlns:p16="http://schemas.microsoft.com/office/powerpoint/2015/main" val="1"/>
-              </p:ext>
-            </p:extLst>
-          </p:nvPr>
-        </p:nvSpPr>
-        <p:spPr>
-          <a:xfrm>
-            <a:off x="3048" y="0"/>
-            <a:ext cx="12188952" cy="6858000"/>
-          </a:xfrm>
-          <a:prstGeom prst="rect">
-            <a:avLst/>
-          </a:prstGeom>
-          <a:ln>
-            <a:noFill/>
-          </a:ln>
-        </p:spPr>
-        <p:style>
-          <a:lnRef idx="2">
-            <a:schemeClr val="accent1">
-              <a:shade val="50000"/>
-            </a:schemeClr>
-          </a:lnRef>
-          <a:fillRef idx="1">
-            <a:schemeClr val="accent1"/>
-          </a:fillRef>
-          <a:effectRef idx="0">
-            <a:schemeClr val="accent1"/>
-          </a:effectRef>
-          <a:fontRef idx="minor">
-            <a:schemeClr val="lt1"/>
-          </a:fontRef>
-        </p:style>
-        <p:txBody>
-          <a:bodyPr rtlCol="0" anchor="ctr"/>
-          <a:lstStyle/>
-          <a:p>
-            <a:pPr algn="ctr"/>
-            <a:endParaRPr lang="en-US"/>
-          </a:p>
-        </p:txBody>
-      </p:sp>
-      <p:sp>
-        <p:nvSpPr>
-          <p:cNvPr id="9" name="Freeform: Shape 8">
-            <a:extLst>
-              <a:ext uri="{FF2B5EF4-FFF2-40B4-BE49-F238E27FC236}">
-                <a16:creationId xmlns:a16="http://schemas.microsoft.com/office/drawing/2014/main" id="{DAAE4CDD-124C-4DCF-9584-B6033B545DD5}"/>
-              </a:ext>
-              <a:ext uri="{C183D7F6-B498-43B3-948B-1728B52AA6E4}">
-                <adec:decorative xmlns:adec="http://schemas.microsoft.com/office/drawing/2017/decorative" val="1"/>
-              </a:ext>
-            </a:extLst>
-          </p:cNvPr>
-          <p:cNvSpPr>
-            <a:spLocks noGrp="1" noRot="1" noChangeAspect="1" noMove="1" noResize="1" noEditPoints="1" noAdjustHandles="1" noChangeArrowheads="1" noChangeShapeType="1" noTextEdit="1"/>
-          </p:cNvSpPr>
-          <p:nvPr>
-            <p:extLst>
-              <p:ext uri="{386F3935-93C4-4BCD-93E2-E3B085C9AB24}">
-                <p16:designElem xmlns:p16="http://schemas.microsoft.com/office/powerpoint/2015/main" val="1"/>
-              </p:ext>
-            </p:extLst>
-          </p:nvPr>
-        </p:nvSpPr>
-        <p:spPr>
-          <a:xfrm>
-            <a:off x="1" y="0"/>
-            <a:ext cx="4167271" cy="6858000"/>
-          </a:xfrm>
-          <a:custGeom>
-            <a:avLst/>
-            <a:gdLst>
-              <a:gd name="connsiteX0" fmla="*/ 0 w 4167271"/>
-              <a:gd name="connsiteY0" fmla="*/ 0 h 6858000"/>
-              <a:gd name="connsiteX1" fmla="*/ 2259550 w 4167271"/>
-              <a:gd name="connsiteY1" fmla="*/ 0 h 6858000"/>
-              <a:gd name="connsiteX2" fmla="*/ 2387803 w 4167271"/>
-              <a:gd name="connsiteY2" fmla="*/ 82222 h 6858000"/>
-              <a:gd name="connsiteX3" fmla="*/ 4167271 w 4167271"/>
-              <a:gd name="connsiteY3" fmla="*/ 3429000 h 6858000"/>
-              <a:gd name="connsiteX4" fmla="*/ 2387803 w 4167271"/>
-              <a:gd name="connsiteY4" fmla="*/ 6775779 h 6858000"/>
-              <a:gd name="connsiteX5" fmla="*/ 2259550 w 4167271"/>
-              <a:gd name="connsiteY5" fmla="*/ 6858000 h 6858000"/>
-              <a:gd name="connsiteX6" fmla="*/ 0 w 4167271"/>
-              <a:gd name="connsiteY6" fmla="*/ 6858000 h 6858000"/>
-            </a:gdLst>
-            <a:ahLst/>
-            <a:cxnLst>
-              <a:cxn ang="0">
-                <a:pos x="connsiteX0" y="connsiteY0"/>
-              </a:cxn>
-              <a:cxn ang="0">
-                <a:pos x="connsiteX1" y="connsiteY1"/>
-              </a:cxn>
-              <a:cxn ang="0">
-                <a:pos x="connsiteX2" y="connsiteY2"/>
-              </a:cxn>
-              <a:cxn ang="0">
-                <a:pos x="connsiteX3" y="connsiteY3"/>
-              </a:cxn>
-              <a:cxn ang="0">
-                <a:pos x="connsiteX4" y="connsiteY4"/>
-              </a:cxn>
-              <a:cxn ang="0">
-                <a:pos x="connsiteX5" y="connsiteY5"/>
-              </a:cxn>
-              <a:cxn ang="0">
-                <a:pos x="connsiteX6" y="connsiteY6"/>
-              </a:cxn>
-            </a:cxnLst>
-            <a:rect l="l" t="t" r="r" b="b"/>
-            <a:pathLst>
-              <a:path w="4167271" h="6858000">
-                <a:moveTo>
-                  <a:pt x="0" y="0"/>
-                </a:moveTo>
-                <a:lnTo>
-                  <a:pt x="2259550" y="0"/>
-                </a:lnTo>
-                <a:lnTo>
-                  <a:pt x="2387803" y="82222"/>
-                </a:lnTo>
-                <a:cubicBezTo>
-                  <a:pt x="3461407" y="807534"/>
-                  <a:pt x="4167271" y="2035835"/>
-                  <a:pt x="4167271" y="3429000"/>
-                </a:cubicBezTo>
-                <a:cubicBezTo>
-                  <a:pt x="4167271" y="4822165"/>
-                  <a:pt x="3461407" y="6050467"/>
-                  <a:pt x="2387803" y="6775779"/>
-                </a:cubicBezTo>
-                <a:lnTo>
-                  <a:pt x="2259550" y="6858000"/>
-                </a:lnTo>
-                <a:lnTo>
-                  <a:pt x="0" y="6858000"/>
-                </a:lnTo>
-                <a:close/>
-              </a:path>
-            </a:pathLst>
-          </a:custGeom>
-          <a:solidFill>
-            <a:schemeClr val="accent2"/>
-          </a:solidFill>
-          <a:ln>
-            <a:noFill/>
-          </a:ln>
-        </p:spPr>
-        <p:style>
-          <a:lnRef idx="2">
-            <a:schemeClr val="accent1">
-              <a:shade val="50000"/>
-            </a:schemeClr>
-          </a:lnRef>
-          <a:fillRef idx="1">
-            <a:schemeClr val="accent1"/>
-          </a:fillRef>
-          <a:effectRef idx="0">
-            <a:schemeClr val="accent1"/>
-          </a:effectRef>
-          <a:fontRef idx="minor">
-            <a:schemeClr val="lt1"/>
-          </a:fontRef>
-        </p:style>
-        <p:txBody>
-          <a:bodyPr rtlCol="0" anchor="ctr"/>
-          <a:lstStyle/>
-          <a:p>
-            <a:pPr algn="ctr"/>
-            <a:endParaRPr lang="en-US"/>
-          </a:p>
-        </p:txBody>
-      </p:sp>
-      <p:sp>
-        <p:nvSpPr>
-          <p:cNvPr id="11" name="Arc 10">
-            <a:extLst>
-              <a:ext uri="{FF2B5EF4-FFF2-40B4-BE49-F238E27FC236}">
-                <a16:creationId xmlns:a16="http://schemas.microsoft.com/office/drawing/2014/main" id="{081E4A58-353D-44AE-B2FC-2A74E2E400F7}"/>
-              </a:ext>
-              <a:ext uri="{C183D7F6-B498-43B3-948B-1728B52AA6E4}">
-                <adec:decorative xmlns:adec="http://schemas.microsoft.com/office/drawing/2017/decorative" val="1"/>
-              </a:ext>
-            </a:extLst>
-          </p:cNvPr>
-          <p:cNvSpPr>
-            <a:spLocks noGrp="1" noRot="1" noChangeAspect="1" noMove="1" noResize="1" noEditPoints="1" noAdjustHandles="1" noChangeArrowheads="1" noChangeShapeType="1" noTextEdit="1"/>
-          </p:cNvSpPr>
-          <p:nvPr>
-            <p:extLst>
-              <p:ext uri="{386F3935-93C4-4BCD-93E2-E3B085C9AB24}">
-                <p16:designElem xmlns:p16="http://schemas.microsoft.com/office/powerpoint/2015/main" val="1"/>
-              </p:ext>
-            </p:extLst>
-          </p:nvPr>
-        </p:nvSpPr>
-        <p:spPr>
-          <a:xfrm flipV="1">
-            <a:off x="7550402" y="2455479"/>
-            <a:ext cx="4083433" cy="4083433"/>
-          </a:xfrm>
-          <a:prstGeom prst="arc">
-            <a:avLst/>
-          </a:prstGeom>
-          <a:ln w="127000" cap="rnd">
-            <a:solidFill>
-              <a:schemeClr val="accent4"/>
-            </a:solidFill>
-            <a:prstDash val="dash"/>
-          </a:ln>
-        </p:spPr>
-        <p:style>
-          <a:lnRef idx="1">
-            <a:schemeClr val="accent1"/>
-          </a:lnRef>
-          <a:fillRef idx="0">
-            <a:schemeClr val="accent1"/>
-          </a:fillRef>
-          <a:effectRef idx="0">
-            <a:schemeClr val="accent1"/>
-          </a:effectRef>
-          <a:fontRef idx="minor">
-            <a:schemeClr val="tx1"/>
-          </a:fontRef>
-        </p:style>
-        <p:txBody>
-          <a:bodyPr rtlCol="0" anchor="ctr"/>
-          <a:lstStyle/>
-          <a:p>
-            <a:pPr algn="ctr"/>
-            <a:endParaRPr lang="en-US" dirty="0"/>
-          </a:p>
-        </p:txBody>
-      </p:sp>
-      <p:sp>
-        <p:nvSpPr>
-          <p:cNvPr id="2" name="Rectangle 1"/>
-          <p:cNvSpPr/>
-          <p:nvPr/>
-        </p:nvSpPr>
-        <p:spPr>
-          <a:xfrm>
-            <a:off x="4447308" y="591344"/>
-            <a:ext cx="6906491" cy="5585619"/>
-          </a:xfrm>
-          <a:prstGeom prst="rect">
-            <a:avLst/>
-          </a:prstGeom>
-        </p:spPr>
-        <p:txBody>
-          <a:bodyPr vert="horz" lIns="91440" tIns="45720" rIns="91440" bIns="45720" rtlCol="0" anchor="ctr">
-            <a:normAutofit/>
-          </a:bodyPr>
-          <a:lstStyle/>
-          <a:p>
-            <a:pPr indent="-228600">
-              <a:lnSpc>
-                <a:spcPct val="90000"/>
-              </a:lnSpc>
-              <a:spcAft>
-                <a:spcPts val="600"/>
-              </a:spcAft>
-              <a:buFont typeface="Arial" panose="020B0604020202020204" pitchFamily="34" charset="0"/>
-              <a:buChar char="•"/>
-            </a:pPr>
-            <a:r>
-              <a:rPr lang="en-US" b="1" dirty="0"/>
-              <a:t>Introduction</a:t>
-            </a:r>
-            <a:endParaRPr lang="en-US"/>
-          </a:p>
-          <a:p>
-            <a:pPr indent="-228600">
-              <a:lnSpc>
-                <a:spcPct val="90000"/>
-              </a:lnSpc>
-              <a:spcAft>
-                <a:spcPts val="600"/>
-              </a:spcAft>
-              <a:buFont typeface="Arial" panose="020B0604020202020204" pitchFamily="34" charset="0"/>
-              <a:buChar char="•"/>
-            </a:pPr>
-            <a:r>
-              <a:rPr lang="en-US" b="1" dirty="0"/>
-              <a:t>Objective:</a:t>
-            </a:r>
-            <a:r>
-              <a:rPr lang="en-US" dirty="0"/>
-              <a:t> This analysis aims to provide insights into the Posey database by exploring key data points and visualizing trends.</a:t>
-            </a:r>
-            <a:endParaRPr lang="en-US"/>
-          </a:p>
-          <a:p>
-            <a:pPr indent="-228600">
-              <a:lnSpc>
-                <a:spcPct val="90000"/>
-              </a:lnSpc>
-              <a:spcAft>
-                <a:spcPts val="600"/>
-              </a:spcAft>
-              <a:buFont typeface="Arial" panose="020B0604020202020204" pitchFamily="34" charset="0"/>
-              <a:buChar char="•"/>
-            </a:pPr>
-            <a:r>
-              <a:rPr lang="en-US" b="1" dirty="0"/>
-              <a:t>Tables Analyzed:</a:t>
-            </a:r>
-            <a:endParaRPr lang="en-US"/>
-          </a:p>
-          <a:p>
-            <a:pPr indent="-228600">
-              <a:lnSpc>
-                <a:spcPct val="90000"/>
-              </a:lnSpc>
-              <a:spcAft>
-                <a:spcPts val="600"/>
-              </a:spcAft>
-              <a:buFont typeface="Arial" panose="020B0604020202020204" pitchFamily="34" charset="0"/>
-              <a:buChar char="•"/>
-            </a:pPr>
-            <a:r>
-              <a:rPr lang="en-US" b="1" dirty="0"/>
-              <a:t>Orders Table:</a:t>
-            </a:r>
-            <a:r>
-              <a:rPr lang="en-US" dirty="0"/>
-              <a:t> This table appears to be a record of orders, with each row representing a single order. The columns include the order ID, account ID, date and time the order occurred, quantities of different types of products (standard, gloss, poster), and the total amount spent in USD.</a:t>
-            </a:r>
-            <a:endParaRPr lang="en-US"/>
-          </a:p>
-          <a:p>
-            <a:pPr indent="-228600">
-              <a:lnSpc>
-                <a:spcPct val="90000"/>
-              </a:lnSpc>
-              <a:spcAft>
-                <a:spcPts val="600"/>
-              </a:spcAft>
-              <a:buFont typeface="Arial" panose="020B0604020202020204" pitchFamily="34" charset="0"/>
-              <a:buChar char="•"/>
-            </a:pPr>
-            <a:r>
-              <a:rPr lang="en-US" b="1" dirty="0"/>
-              <a:t>Accounts Table:</a:t>
-            </a:r>
-            <a:r>
-              <a:rPr lang="en-US" dirty="0"/>
-              <a:t> This table contains information about 351 accounts, including their id, name, website, location (latitude and longitude), primary point of contact, and sales representative id.</a:t>
-            </a:r>
-            <a:endParaRPr lang="en-US"/>
-          </a:p>
-          <a:p>
-            <a:pPr indent="-228600">
-              <a:lnSpc>
-                <a:spcPct val="90000"/>
-              </a:lnSpc>
-              <a:spcAft>
-                <a:spcPts val="600"/>
-              </a:spcAft>
-              <a:buFont typeface="Arial" panose="020B0604020202020204" pitchFamily="34" charset="0"/>
-              <a:buChar char="•"/>
-            </a:pPr>
-            <a:r>
-              <a:rPr lang="en-US" b="1" dirty="0"/>
-              <a:t>Sales Reps Table</a:t>
-            </a:r>
-            <a:r>
-              <a:rPr lang="en-US" dirty="0"/>
-              <a:t>: This table has 50 rows and 3 columns. The columns are: id, name, </a:t>
-            </a:r>
-            <a:r>
-              <a:rPr lang="en-US"/>
-              <a:t>region_id</a:t>
-            </a:r>
-            <a:r>
-              <a:rPr lang="en-US" dirty="0"/>
-              <a:t>. The data types are: int64, object, int64</a:t>
-            </a:r>
-            <a:endParaRPr lang="en-US"/>
-          </a:p>
-          <a:p>
-            <a:pPr indent="-228600">
-              <a:lnSpc>
-                <a:spcPct val="90000"/>
-              </a:lnSpc>
-              <a:spcAft>
-                <a:spcPts val="600"/>
-              </a:spcAft>
-              <a:buFont typeface="Arial" panose="020B0604020202020204" pitchFamily="34" charset="0"/>
-              <a:buChar char="•"/>
-            </a:pPr>
-            <a:r>
-              <a:rPr lang="en-US" b="1" dirty="0"/>
-              <a:t>Region Table </a:t>
-            </a:r>
-            <a:r>
-              <a:rPr lang="en-US" dirty="0"/>
-              <a:t>:The table contains information about different regions. It has 2 columns and 4 rows. The columns are: id, name</a:t>
-            </a:r>
-            <a:endParaRPr lang="en-US"/>
-          </a:p>
-          <a:p>
-            <a:pPr indent="-228600">
-              <a:lnSpc>
-                <a:spcPct val="90000"/>
-              </a:lnSpc>
-              <a:spcAft>
-                <a:spcPts val="600"/>
-              </a:spcAft>
-              <a:buFont typeface="Arial" panose="020B0604020202020204" pitchFamily="34" charset="0"/>
-              <a:buChar char="•"/>
-            </a:pPr>
-            <a:r>
-              <a:rPr lang="en-US" b="1" dirty="0"/>
-              <a:t>Web event Table</a:t>
-            </a:r>
-            <a:r>
-              <a:rPr lang="en-US" dirty="0"/>
-              <a:t>: This table contains 9073 rows and 4 columns. The columns are: id, </a:t>
-            </a:r>
-            <a:r>
-              <a:rPr lang="en-US"/>
-              <a:t>account_id</a:t>
-            </a:r>
-            <a:r>
-              <a:rPr lang="en-US" dirty="0"/>
-              <a:t>, </a:t>
-            </a:r>
-            <a:r>
-              <a:rPr lang="en-US"/>
-              <a:t>occurred_at</a:t>
-            </a:r>
-            <a:r>
-              <a:rPr lang="en-US" dirty="0"/>
-              <a:t>, channel. The data types are: int64, int64, object, object.</a:t>
-            </a:r>
-            <a:endParaRPr lang="en-US"/>
-          </a:p>
-        </p:txBody>
-      </p:sp>
-    </p:spTree>
-    <p:extLst>
-      <p:ext uri="{BB962C8B-B14F-4D97-AF65-F5344CB8AC3E}">
-        <p14:creationId xmlns:p14="http://schemas.microsoft.com/office/powerpoint/2010/main" val="426242499"/>
-      </p:ext>
-    </p:extLst>
-  </p:cSld>
-  <p:clrMapOvr>
-    <a:masterClrMapping/>
-  </p:clrMapOvr>
-</p:sld>
-</file>
-
-<file path=ppt/slides/slide5.xml><?xml version="1.0" encoding="utf-8"?>
-<p:sld xmlns:a="http://schemas.openxmlformats.org/drawingml/2006/main" xmlns:r="http://schemas.openxmlformats.org/officeDocument/2006/relationships" xmlns:p="http://schemas.openxmlformats.org/presentationml/2006/main">
-  <p:cSld>
-    <p:bg>
-      <p:bgPr>
-        <a:solidFill>
-          <a:schemeClr val="bg1"/>
-        </a:solidFill>
-        <a:effectLst/>
-      </p:bgPr>
-    </p:bg>
-    <p:spTree>
-      <p:nvGrpSpPr>
-        <p:cNvPr id="1" name=""/>
-        <p:cNvGrpSpPr/>
-        <p:nvPr/>
-      </p:nvGrpSpPr>
-      <p:grpSpPr>
-        <a:xfrm>
-          <a:off x="0" y="0"/>
-          <a:ext cx="0" cy="0"/>
-          <a:chOff x="0" y="0"/>
-          <a:chExt cx="0" cy="0"/>
-        </a:xfrm>
-      </p:grpSpPr>
-      <p:sp useBgFill="1">
-        <p:nvSpPr>
-          <p:cNvPr id="25" name="Rectangle 24">
-            <a:extLst>
-              <a:ext uri="{FF2B5EF4-FFF2-40B4-BE49-F238E27FC236}">
-                <a16:creationId xmlns:a16="http://schemas.microsoft.com/office/drawing/2014/main" id="{A8384FB5-9ADC-4DDC-881B-597D56F5B15D}"/>
-              </a:ext>
-              <a:ext uri="{C183D7F6-B498-43B3-948B-1728B52AA6E4}">
-                <adec:decorative xmlns:adec="http://schemas.microsoft.com/office/drawing/2017/decorative" val="1"/>
-              </a:ext>
-            </a:extLst>
-          </p:cNvPr>
-          <p:cNvSpPr>
-            <a:spLocks noGrp="1" noRot="1" noChangeAspect="1" noMove="1" noResize="1" noEditPoints="1" noAdjustHandles="1" noChangeArrowheads="1" noChangeShapeType="1" noTextEdit="1"/>
-          </p:cNvSpPr>
-          <p:nvPr>
-            <p:extLst>
-              <p:ext uri="{386F3935-93C4-4BCD-93E2-E3B085C9AB24}">
-                <p16:designElem xmlns:p16="http://schemas.microsoft.com/office/powerpoint/2015/main" val="1"/>
-              </p:ext>
-            </p:extLst>
-          </p:nvPr>
-        </p:nvSpPr>
-        <p:spPr>
-          <a:xfrm>
-            <a:off x="0" y="0"/>
-            <a:ext cx="12192000" cy="6858000"/>
-          </a:xfrm>
-          <a:prstGeom prst="rect">
-            <a:avLst/>
-          </a:prstGeom>
-          <a:ln w="12700" cap="flat" cmpd="sng" algn="ctr">
-            <a:noFill/>
-            <a:prstDash val="solid"/>
-            <a:miter lim="800000"/>
-          </a:ln>
-          <a:effectLst/>
-          <a:extLst>
-            <a:ext uri="{91240B29-F687-4F45-9708-019B960494DF}">
-              <a14:hiddenLine xmlns:a14="http://schemas.microsoft.com/office/drawing/2010/main" w="12700" cap="flat" cmpd="sng" algn="ctr">
-                <a:solidFill>
-                  <a:schemeClr val="accent1">
-                    <a:shade val="50000"/>
-                  </a:schemeClr>
-                </a:solidFill>
-                <a:prstDash val="solid"/>
-                <a:miter lim="800000"/>
-              </a14:hiddenLine>
-            </a:ext>
-          </a:extLst>
-        </p:spPr>
-        <p:style>
-          <a:lnRef idx="2">
-            <a:schemeClr val="accent1">
-              <a:shade val="50000"/>
-            </a:schemeClr>
-          </a:lnRef>
-          <a:fillRef idx="1">
-            <a:schemeClr val="accent1"/>
-          </a:fillRef>
-          <a:effectRef idx="0">
-            <a:schemeClr val="accent1"/>
-          </a:effectRef>
-          <a:fontRef idx="minor">
-            <a:schemeClr val="lt1"/>
-          </a:fontRef>
-        </p:style>
-        <p:txBody>
-          <a:bodyPr rtlCol="0" anchor="ctr"/>
-          <a:lstStyle/>
-          <a:p>
-            <a:pPr algn="ctr"/>
-            <a:endParaRPr lang="en-US"/>
-          </a:p>
-        </p:txBody>
-      </p:sp>
-      <p:sp>
-        <p:nvSpPr>
-          <p:cNvPr id="26" name="Rectangle 25">
-            <a:extLst>
-              <a:ext uri="{FF2B5EF4-FFF2-40B4-BE49-F238E27FC236}">
-                <a16:creationId xmlns:a16="http://schemas.microsoft.com/office/drawing/2014/main" id="{91E5A9A7-95C6-4F4F-B00E-C82E07FE62EF}"/>
-              </a:ext>
-              <a:ext uri="{C183D7F6-B498-43B3-948B-1728B52AA6E4}">
-                <adec:decorative xmlns:adec="http://schemas.microsoft.com/office/drawing/2017/decorative" val="1"/>
-              </a:ext>
-            </a:extLst>
-          </p:cNvPr>
-          <p:cNvSpPr>
-            <a:spLocks noGrp="1" noRot="1" noChangeAspect="1" noMove="1" noResize="1" noEditPoints="1" noAdjustHandles="1" noChangeArrowheads="1" noChangeShapeType="1" noTextEdit="1"/>
-          </p:cNvSpPr>
-          <p:nvPr>
-            <p:extLst>
-              <p:ext uri="{386F3935-93C4-4BCD-93E2-E3B085C9AB24}">
-                <p16:designElem xmlns:p16="http://schemas.microsoft.com/office/powerpoint/2015/main" val="1"/>
-              </p:ext>
-            </p:extLst>
-          </p:nvPr>
-        </p:nvSpPr>
-        <p:spPr>
-          <a:xfrm rot="5400000" flipH="1">
-            <a:off x="-1417539" y="1417538"/>
-            <a:ext cx="6875818" cy="4040744"/>
-          </a:xfrm>
-          <a:prstGeom prst="rect">
-            <a:avLst/>
-          </a:prstGeom>
-          <a:gradFill>
-            <a:gsLst>
-              <a:gs pos="0">
-                <a:srgbClr val="000000"/>
-              </a:gs>
-              <a:gs pos="100000">
-                <a:schemeClr val="accent1">
-                  <a:lumMod val="75000"/>
-                </a:schemeClr>
-              </a:gs>
-            </a:gsLst>
-            <a:lin ang="18600000" scaled="0"/>
-          </a:gradFill>
-          <a:ln>
-            <a:noFill/>
-          </a:ln>
-        </p:spPr>
-        <p:style>
-          <a:lnRef idx="2">
-            <a:schemeClr val="accent1">
-              <a:shade val="50000"/>
-            </a:schemeClr>
-          </a:lnRef>
-          <a:fillRef idx="1">
-            <a:schemeClr val="accent1"/>
-          </a:fillRef>
-          <a:effectRef idx="0">
-            <a:schemeClr val="accent1"/>
-          </a:effectRef>
-          <a:fontRef idx="minor">
-            <a:schemeClr val="lt1"/>
-          </a:fontRef>
-        </p:style>
-        <p:txBody>
-          <a:bodyPr rtlCol="0" anchor="ctr"/>
-          <a:lstStyle/>
-          <a:p>
-            <a:pPr algn="ctr"/>
-            <a:endParaRPr lang="en-US" dirty="0"/>
-          </a:p>
-        </p:txBody>
-      </p:sp>
-      <p:sp>
-        <p:nvSpPr>
-          <p:cNvPr id="27" name="Rectangle 26">
-            <a:extLst>
-              <a:ext uri="{FF2B5EF4-FFF2-40B4-BE49-F238E27FC236}">
-                <a16:creationId xmlns:a16="http://schemas.microsoft.com/office/drawing/2014/main" id="{D07DD2DE-F619-49DD-B5E7-03A290FF4ED1}"/>
-              </a:ext>
-              <a:ext uri="{C183D7F6-B498-43B3-948B-1728B52AA6E4}">
-                <adec:decorative xmlns:adec="http://schemas.microsoft.com/office/drawing/2017/decorative" val="1"/>
-              </a:ext>
-            </a:extLst>
-          </p:cNvPr>
-          <p:cNvSpPr>
-            <a:spLocks noGrp="1" noRot="1" noChangeAspect="1" noMove="1" noResize="1" noEditPoints="1" noAdjustHandles="1" noChangeArrowheads="1" noChangeShapeType="1" noTextEdit="1"/>
-          </p:cNvSpPr>
-          <p:nvPr>
-            <p:extLst>
-              <p:ext uri="{386F3935-93C4-4BCD-93E2-E3B085C9AB24}">
-                <p16:designElem xmlns:p16="http://schemas.microsoft.com/office/powerpoint/2015/main" val="1"/>
-              </p:ext>
-            </p:extLst>
-          </p:nvPr>
-        </p:nvSpPr>
-        <p:spPr>
-          <a:xfrm rot="16200000">
-            <a:off x="-158495" y="2660473"/>
-            <a:ext cx="4355594" cy="4038603"/>
-          </a:xfrm>
-          <a:prstGeom prst="rect">
-            <a:avLst/>
-          </a:prstGeom>
-          <a:gradFill>
-            <a:gsLst>
-              <a:gs pos="0">
-                <a:schemeClr val="accent1">
-                  <a:alpha val="50000"/>
-                </a:schemeClr>
-              </a:gs>
-              <a:gs pos="100000">
-                <a:schemeClr val="accent1">
-                  <a:lumMod val="50000"/>
-                  <a:alpha val="0"/>
-                </a:schemeClr>
-              </a:gs>
-            </a:gsLst>
-            <a:lin ang="11400000" scaled="0"/>
-          </a:gradFill>
-          <a:ln>
-            <a:noFill/>
-          </a:ln>
-        </p:spPr>
-        <p:style>
-          <a:lnRef idx="2">
-            <a:schemeClr val="accent1">
-              <a:shade val="50000"/>
-            </a:schemeClr>
-          </a:lnRef>
-          <a:fillRef idx="1">
-            <a:schemeClr val="accent1"/>
-          </a:fillRef>
-          <a:effectRef idx="0">
-            <a:schemeClr val="accent1"/>
-          </a:effectRef>
-          <a:fontRef idx="minor">
-            <a:schemeClr val="lt1"/>
-          </a:fontRef>
-        </p:style>
-        <p:txBody>
-          <a:bodyPr rtlCol="0" anchor="ctr"/>
-          <a:lstStyle/>
-          <a:p>
-            <a:pPr algn="ctr"/>
-            <a:endParaRPr lang="en-US"/>
-          </a:p>
-        </p:txBody>
-      </p:sp>
-      <p:sp>
-        <p:nvSpPr>
-          <p:cNvPr id="28" name="Rectangle 27">
-            <a:extLst>
-              <a:ext uri="{FF2B5EF4-FFF2-40B4-BE49-F238E27FC236}">
-                <a16:creationId xmlns:a16="http://schemas.microsoft.com/office/drawing/2014/main" id="{85149191-5F60-4A28-AAFF-039F96B0F3EC}"/>
-              </a:ext>
-              <a:ext uri="{C183D7F6-B498-43B3-948B-1728B52AA6E4}">
-                <adec:decorative xmlns:adec="http://schemas.microsoft.com/office/drawing/2017/decorative" val="1"/>
-              </a:ext>
-            </a:extLst>
-          </p:cNvPr>
-          <p:cNvSpPr>
-            <a:spLocks noGrp="1" noRot="1" noChangeAspect="1" noMove="1" noResize="1" noEditPoints="1" noAdjustHandles="1" noChangeArrowheads="1" noChangeShapeType="1" noTextEdit="1"/>
-          </p:cNvSpPr>
-          <p:nvPr>
-            <p:extLst>
-              <p:ext uri="{386F3935-93C4-4BCD-93E2-E3B085C9AB24}">
-                <p16:designElem xmlns:p16="http://schemas.microsoft.com/office/powerpoint/2015/main" val="1"/>
-              </p:ext>
-            </p:extLst>
-          </p:nvPr>
-        </p:nvSpPr>
-        <p:spPr>
-          <a:xfrm rot="16200000" flipH="1">
-            <a:off x="-1180882" y="1638085"/>
-            <a:ext cx="6857572" cy="3581401"/>
-          </a:xfrm>
-          <a:prstGeom prst="rect">
-            <a:avLst/>
-          </a:prstGeom>
-          <a:gradFill>
-            <a:gsLst>
-              <a:gs pos="0">
-                <a:srgbClr val="000000">
-                  <a:alpha val="59000"/>
-                </a:srgbClr>
-              </a:gs>
-              <a:gs pos="69000">
-                <a:schemeClr val="accent1">
-                  <a:alpha val="0"/>
-                </a:schemeClr>
-              </a:gs>
-            </a:gsLst>
-            <a:lin ang="13200000" scaled="0"/>
-          </a:gradFill>
-          <a:ln>
-            <a:noFill/>
-          </a:ln>
-        </p:spPr>
-        <p:style>
-          <a:lnRef idx="2">
-            <a:schemeClr val="accent1">
-              <a:shade val="50000"/>
-            </a:schemeClr>
-          </a:lnRef>
-          <a:fillRef idx="1">
-            <a:schemeClr val="accent1"/>
-          </a:fillRef>
-          <a:effectRef idx="0">
-            <a:schemeClr val="accent1"/>
-          </a:effectRef>
-          <a:fontRef idx="minor">
-            <a:schemeClr val="lt1"/>
-          </a:fontRef>
-        </p:style>
-        <p:txBody>
-          <a:bodyPr rtlCol="0" anchor="ctr"/>
-          <a:lstStyle/>
-          <a:p>
-            <a:pPr algn="ctr"/>
-            <a:endParaRPr lang="en-US" dirty="0"/>
-          </a:p>
-        </p:txBody>
-      </p:sp>
-      <p:sp>
-        <p:nvSpPr>
-          <p:cNvPr id="29" name="Freeform: Shape 28">
-            <a:extLst>
-              <a:ext uri="{FF2B5EF4-FFF2-40B4-BE49-F238E27FC236}">
-                <a16:creationId xmlns:a16="http://schemas.microsoft.com/office/drawing/2014/main" id="{F8260ED5-17F7-4158-B241-D51DD4CF1B7E}"/>
-              </a:ext>
-              <a:ext uri="{C183D7F6-B498-43B3-948B-1728B52AA6E4}">
-                <adec:decorative xmlns:adec="http://schemas.microsoft.com/office/drawing/2017/decorative" val="1"/>
-              </a:ext>
-            </a:extLst>
-          </p:cNvPr>
-          <p:cNvSpPr>
-            <a:spLocks noGrp="1" noRot="1" noChangeAspect="1" noMove="1" noResize="1" noEditPoints="1" noAdjustHandles="1" noChangeArrowheads="1" noChangeShapeType="1" noTextEdit="1"/>
-          </p:cNvSpPr>
-          <p:nvPr>
-            <p:extLst>
-              <p:ext uri="{386F3935-93C4-4BCD-93E2-E3B085C9AB24}">
-                <p16:designElem xmlns:p16="http://schemas.microsoft.com/office/powerpoint/2015/main" val="1"/>
-              </p:ext>
-            </p:extLst>
-          </p:nvPr>
-        </p:nvSpPr>
-        <p:spPr>
-          <a:xfrm rot="6097846">
-            <a:off x="-747355" y="1201312"/>
-            <a:ext cx="4808302" cy="4088666"/>
-          </a:xfrm>
-          <a:custGeom>
-            <a:avLst/>
-            <a:gdLst>
-              <a:gd name="connsiteX0" fmla="*/ 48844 w 4808302"/>
-              <a:gd name="connsiteY0" fmla="*/ 2888671 h 4088666"/>
-              <a:gd name="connsiteX1" fmla="*/ 0 w 4808302"/>
-              <a:gd name="connsiteY1" fmla="*/ 2404151 h 4088666"/>
-              <a:gd name="connsiteX2" fmla="*/ 2404151 w 4808302"/>
-              <a:gd name="connsiteY2" fmla="*/ 0 h 4088666"/>
-              <a:gd name="connsiteX3" fmla="*/ 4808302 w 4808302"/>
-              <a:gd name="connsiteY3" fmla="*/ 2404151 h 4088666"/>
-              <a:gd name="connsiteX4" fmla="*/ 4700216 w 4808302"/>
-              <a:gd name="connsiteY4" fmla="*/ 3119072 h 4088666"/>
-              <a:gd name="connsiteX5" fmla="*/ 4643143 w 4808302"/>
-              <a:gd name="connsiteY5" fmla="*/ 3275009 h 4088666"/>
-              <a:gd name="connsiteX6" fmla="*/ 690093 w 4808302"/>
-              <a:gd name="connsiteY6" fmla="*/ 4088666 h 4088666"/>
-              <a:gd name="connsiteX7" fmla="*/ 548991 w 4808302"/>
-              <a:gd name="connsiteY7" fmla="*/ 3933414 h 4088666"/>
-              <a:gd name="connsiteX8" fmla="*/ 48844 w 4808302"/>
-              <a:gd name="connsiteY8" fmla="*/ 2888671 h 4088666"/>
-            </a:gdLst>
-            <a:ahLst/>
-            <a:cxnLst>
-              <a:cxn ang="0">
-                <a:pos x="connsiteX0" y="connsiteY0"/>
-              </a:cxn>
-              <a:cxn ang="0">
-                <a:pos x="connsiteX1" y="connsiteY1"/>
-              </a:cxn>
-              <a:cxn ang="0">
-                <a:pos x="connsiteX2" y="connsiteY2"/>
-              </a:cxn>
-              <a:cxn ang="0">
-                <a:pos x="connsiteX3" y="connsiteY3"/>
-              </a:cxn>
-              <a:cxn ang="0">
-                <a:pos x="connsiteX4" y="connsiteY4"/>
-              </a:cxn>
-              <a:cxn ang="0">
-                <a:pos x="connsiteX5" y="connsiteY5"/>
-              </a:cxn>
-              <a:cxn ang="0">
-                <a:pos x="connsiteX6" y="connsiteY6"/>
-              </a:cxn>
-              <a:cxn ang="0">
-                <a:pos x="connsiteX7" y="connsiteY7"/>
-              </a:cxn>
-              <a:cxn ang="0">
-                <a:pos x="connsiteX8" y="connsiteY8"/>
-              </a:cxn>
-            </a:cxnLst>
-            <a:rect l="l" t="t" r="r" b="b"/>
-            <a:pathLst>
-              <a:path w="4808302" h="4088666">
-                <a:moveTo>
-                  <a:pt x="48844" y="2888671"/>
-                </a:moveTo>
-                <a:cubicBezTo>
-                  <a:pt x="16818" y="2732167"/>
-                  <a:pt x="0" y="2570123"/>
-                  <a:pt x="0" y="2404151"/>
-                </a:cubicBezTo>
-                <a:cubicBezTo>
-                  <a:pt x="0" y="1076375"/>
-                  <a:pt x="1076375" y="0"/>
-                  <a:pt x="2404151" y="0"/>
-                </a:cubicBezTo>
-                <a:cubicBezTo>
-                  <a:pt x="3731927" y="0"/>
-                  <a:pt x="4808302" y="1076375"/>
-                  <a:pt x="4808302" y="2404151"/>
-                </a:cubicBezTo>
-                <a:cubicBezTo>
-                  <a:pt x="4808302" y="2653109"/>
-                  <a:pt x="4770461" y="2893229"/>
-                  <a:pt x="4700216" y="3119072"/>
-                </a:cubicBezTo>
-                <a:lnTo>
-                  <a:pt x="4643143" y="3275009"/>
-                </a:lnTo>
-                <a:lnTo>
-                  <a:pt x="690093" y="4088666"/>
-                </a:lnTo>
-                <a:lnTo>
-                  <a:pt x="548991" y="3933414"/>
-                </a:lnTo>
-                <a:cubicBezTo>
-                  <a:pt x="304015" y="3636572"/>
-                  <a:pt x="128908" y="3279932"/>
-                  <a:pt x="48844" y="2888671"/>
-                </a:cubicBezTo>
-                <a:close/>
-              </a:path>
-            </a:pathLst>
-          </a:custGeom>
-          <a:gradFill>
-            <a:gsLst>
-              <a:gs pos="39000">
-                <a:schemeClr val="accent1">
-                  <a:lumMod val="60000"/>
-                  <a:lumOff val="40000"/>
-                  <a:alpha val="0"/>
-                </a:schemeClr>
-              </a:gs>
-              <a:gs pos="100000">
-                <a:schemeClr val="accent1">
-                  <a:lumMod val="75000"/>
-                  <a:alpha val="26000"/>
-                </a:schemeClr>
-              </a:gs>
-            </a:gsLst>
-            <a:lin ang="18600000" scaled="0"/>
-          </a:gradFill>
-          <a:ln>
-            <a:noFill/>
-          </a:ln>
-        </p:spPr>
-        <p:style>
-          <a:lnRef idx="2">
-            <a:schemeClr val="accent1">
-              <a:shade val="50000"/>
-            </a:schemeClr>
-          </a:lnRef>
-          <a:fillRef idx="1">
-            <a:schemeClr val="accent1"/>
-          </a:fillRef>
-          <a:effectRef idx="0">
-            <a:schemeClr val="accent1"/>
-          </a:effectRef>
-          <a:fontRef idx="minor">
-            <a:schemeClr val="lt1"/>
-          </a:fontRef>
-        </p:style>
-        <p:txBody>
-          <a:bodyPr wrap="square" rtlCol="0" anchor="ctr">
-            <a:noAutofit/>
-          </a:bodyPr>
-          <a:lstStyle/>
-          <a:p>
-            <a:pPr algn="ctr"/>
-            <a:endParaRPr lang="en-US" dirty="0"/>
-          </a:p>
-        </p:txBody>
-      </p:sp>
-      <p:sp>
-        <p:nvSpPr>
-          <p:cNvPr id="4" name="Rectangle 1"/>
-          <p:cNvSpPr>
-            <a:spLocks noGrp="1" noChangeArrowheads="1"/>
-          </p:cNvSpPr>
-          <p:nvPr>
-            <p:ph type="title"/>
-          </p:nvPr>
-        </p:nvSpPr>
-        <p:spPr bwMode="auto">
-          <a:xfrm>
-            <a:off x="660041" y="1214352"/>
-            <a:ext cx="2880828" cy="4222094"/>
-          </a:xfrm>
-          <a:prstGeom prst="rect">
-            <a:avLst/>
-          </a:prstGeom>
-          <a:extLst>
-            <a:ext uri="{91240B29-F687-4F45-9708-019B960494DF}">
-              <a14:hiddenLine xmlns:a14="http://schemas.microsoft.com/office/drawing/2010/main" w="9525">
-                <a:solidFill>
-                  <a:schemeClr val="tx1"/>
-                </a:solidFill>
-                <a:miter lim="800000"/>
-                <a:headEnd/>
-                <a:tailEnd/>
-              </a14:hiddenLine>
-            </a:ext>
-            <a:ext uri="{AF507438-7753-43E0-B8FC-AC1667EBCBE1}">
-              <a14:hiddenEffects xmlns:a14="http://schemas.microsoft.com/office/drawing/2010/main">
-                <a:effectLst>
-                  <a:outerShdw dist="35921" dir="2700000" algn="ctr" rotWithShape="0">
-                    <a:schemeClr val="bg2"/>
-                  </a:outerShdw>
-                </a:effectLst>
-              </a14:hiddenEffects>
-            </a:ext>
-          </a:extLst>
-        </p:spPr>
-        <p:txBody>
-          <a:bodyPr vert="horz" lIns="91440" tIns="45720" rIns="91440" bIns="45720" numCol="1" rtlCol="0" anchor="t" anchorCtr="0" compatLnSpc="1">
-            <a:prstTxWarp prst="textNoShape">
-              <a:avLst/>
-            </a:prstTxWarp>
-            <a:normAutofit fontScale="90000"/>
-          </a:bodyPr>
-          <a:lstStyle>
-            <a:lvl1pPr eaLnBrk="0" fontAlgn="base" hangingPunct="0">
-              <a:spcBef>
-                <a:spcPct val="0"/>
-              </a:spcBef>
-              <a:spcAft>
-                <a:spcPct val="0"/>
-              </a:spcAft>
-              <a:defRPr>
-                <a:solidFill>
-                  <a:schemeClr val="tx1"/>
-                </a:solidFill>
-                <a:latin typeface="Arial" panose="020B0604020202020204" pitchFamily="34" charset="0"/>
-              </a:defRPr>
-            </a:lvl1pPr>
-            <a:lvl2pPr eaLnBrk="0" fontAlgn="base" hangingPunct="0">
-              <a:spcBef>
-                <a:spcPct val="0"/>
-              </a:spcBef>
-              <a:spcAft>
-                <a:spcPct val="0"/>
-              </a:spcAft>
-              <a:defRPr>
-                <a:solidFill>
-                  <a:schemeClr val="tx1"/>
-                </a:solidFill>
-                <a:latin typeface="Arial" panose="020B0604020202020204" pitchFamily="34" charset="0"/>
-              </a:defRPr>
-            </a:lvl2pPr>
-            <a:lvl3pPr eaLnBrk="0" fontAlgn="base" hangingPunct="0">
-              <a:spcBef>
-                <a:spcPct val="0"/>
-              </a:spcBef>
-              <a:spcAft>
-                <a:spcPct val="0"/>
-              </a:spcAft>
-              <a:defRPr>
-                <a:solidFill>
-                  <a:schemeClr val="tx1"/>
-                </a:solidFill>
-                <a:latin typeface="Arial" panose="020B0604020202020204" pitchFamily="34" charset="0"/>
-              </a:defRPr>
-            </a:lvl3pPr>
-            <a:lvl4pPr eaLnBrk="0" fontAlgn="base" hangingPunct="0">
-              <a:spcBef>
-                <a:spcPct val="0"/>
-              </a:spcBef>
-              <a:spcAft>
-                <a:spcPct val="0"/>
-              </a:spcAft>
-              <a:defRPr>
-                <a:solidFill>
-                  <a:schemeClr val="tx1"/>
-                </a:solidFill>
-                <a:latin typeface="Arial" panose="020B0604020202020204" pitchFamily="34" charset="0"/>
-              </a:defRPr>
-            </a:lvl4pPr>
-            <a:lvl5pPr eaLnBrk="0" fontAlgn="base" hangingPunct="0">
-              <a:spcBef>
-                <a:spcPct val="0"/>
-              </a:spcBef>
-              <a:spcAft>
-                <a:spcPct val="0"/>
-              </a:spcAft>
-              <a:defRPr>
-                <a:solidFill>
-                  <a:schemeClr val="tx1"/>
-                </a:solidFill>
-                <a:latin typeface="Arial" panose="020B0604020202020204" pitchFamily="34" charset="0"/>
-              </a:defRPr>
-            </a:lvl5pPr>
-            <a:lvl6pPr eaLnBrk="0" fontAlgn="base" hangingPunct="0">
-              <a:spcBef>
-                <a:spcPct val="0"/>
-              </a:spcBef>
-              <a:spcAft>
-                <a:spcPct val="0"/>
-              </a:spcAft>
-              <a:defRPr>
-                <a:solidFill>
-                  <a:schemeClr val="tx1"/>
-                </a:solidFill>
-                <a:latin typeface="Arial" panose="020B0604020202020204" pitchFamily="34" charset="0"/>
-              </a:defRPr>
-            </a:lvl6pPr>
-            <a:lvl7pPr eaLnBrk="0" fontAlgn="base" hangingPunct="0">
-              <a:spcBef>
-                <a:spcPct val="0"/>
-              </a:spcBef>
-              <a:spcAft>
-                <a:spcPct val="0"/>
-              </a:spcAft>
-              <a:defRPr>
-                <a:solidFill>
-                  <a:schemeClr val="tx1"/>
-                </a:solidFill>
-                <a:latin typeface="Arial" panose="020B0604020202020204" pitchFamily="34" charset="0"/>
-              </a:defRPr>
-            </a:lvl7pPr>
-            <a:lvl8pPr eaLnBrk="0" fontAlgn="base" hangingPunct="0">
-              <a:spcBef>
-                <a:spcPct val="0"/>
-              </a:spcBef>
-              <a:spcAft>
-                <a:spcPct val="0"/>
-              </a:spcAft>
-              <a:defRPr>
-                <a:solidFill>
-                  <a:schemeClr val="tx1"/>
-                </a:solidFill>
-                <a:latin typeface="Arial" panose="020B0604020202020204" pitchFamily="34" charset="0"/>
-              </a:defRPr>
-            </a:lvl8pPr>
-            <a:lvl9pPr eaLnBrk="0" fontAlgn="base" hangingPunct="0">
-              <a:spcBef>
-                <a:spcPct val="0"/>
-              </a:spcBef>
-              <a:spcAft>
-                <a:spcPct val="0"/>
-              </a:spcAft>
-              <a:defRPr>
-                <a:solidFill>
-                  <a:schemeClr val="tx1"/>
-                </a:solidFill>
-                <a:latin typeface="Arial" panose="020B0604020202020204" pitchFamily="34" charset="0"/>
-              </a:defRPr>
-            </a:lvl9pPr>
-          </a:lstStyle>
-          <a:p>
-            <a:pPr marL="0" marR="0" lvl="0" indent="0" eaLnBrk="1" fontAlgn="base" hangingPunct="1">
-              <a:spcAft>
-                <a:spcPct val="0"/>
-              </a:spcAft>
-              <a:buClrTx/>
-              <a:buSzTx/>
-              <a:tabLst/>
-            </a:pPr>
-            <a:r>
-              <a:rPr kumimoji="0" lang="en-US" sz="1000" b="0" i="0" u="none" strike="noStrike" kern="1200" cap="none" normalizeH="0" baseline="0" dirty="0">
-                <a:ln>
-                  <a:noFill/>
-                </a:ln>
-                <a:solidFill>
-                  <a:srgbClr val="FFFFFF"/>
-                </a:solidFill>
-                <a:effectLst/>
-                <a:latin typeface="+mj-lt"/>
-                <a:ea typeface="+mj-ea"/>
-                <a:cs typeface="+mj-cs"/>
-              </a:rPr>
-              <a:t>The ch</a:t>
-            </a:r>
-            <a:r>
-              <a:rPr kumimoji="0" lang="en-US" sz="1050" b="0" i="0" u="none" strike="noStrike" kern="1200" cap="none" normalizeH="0" baseline="0" dirty="0">
-                <a:ln>
-                  <a:noFill/>
-                </a:ln>
-                <a:solidFill>
-                  <a:srgbClr val="FFFFFF"/>
-                </a:solidFill>
-                <a:effectLst/>
-                <a:latin typeface="+mj-lt"/>
-                <a:ea typeface="+mj-ea"/>
-                <a:cs typeface="+mj-cs"/>
-              </a:rPr>
-              <a:t>art shows the total amount in USD by website.</a:t>
-            </a:r>
-            <a:endParaRPr lang="en-US" sz="1050" b="0" i="0" u="none" strike="noStrike" kern="1200" cap="none" normalizeH="0" baseline="0">
-              <a:ln>
-                <a:noFill/>
-              </a:ln>
-              <a:solidFill>
-                <a:srgbClr val="FFFFFF"/>
-              </a:solidFill>
-              <a:effectLst/>
-              <a:latin typeface="+mj-lt"/>
-              <a:ea typeface="Calibri Light"/>
-              <a:cs typeface="Calibri Light"/>
-            </a:endParaRPr>
-          </a:p>
-          <a:p>
-            <a:pPr marL="0" marR="0" lvl="0" indent="0" eaLnBrk="1" fontAlgn="base" hangingPunct="1">
-              <a:spcAft>
-                <a:spcPct val="0"/>
-              </a:spcAft>
-              <a:buClrTx/>
-              <a:buSzTx/>
-              <a:tabLst/>
-            </a:pPr>
-            <a:r>
-              <a:rPr kumimoji="0" lang="en-US" sz="1050" b="1" i="0" u="none" strike="noStrike" kern="1200" cap="none" normalizeH="0" baseline="0" dirty="0">
-                <a:ln>
-                  <a:noFill/>
-                </a:ln>
-                <a:solidFill>
-                  <a:srgbClr val="FFFFFF"/>
-                </a:solidFill>
-                <a:effectLst/>
-                <a:latin typeface="+mj-lt"/>
-                <a:ea typeface="+mj-ea"/>
-                <a:cs typeface="+mj-cs"/>
-              </a:rPr>
-              <a:t>Key Trends and Patterns:</a:t>
-            </a:r>
-            <a:endParaRPr lang="en-US" sz="1050" b="0" i="0" u="none" strike="noStrike" kern="1200" cap="none" normalizeH="0" baseline="0" dirty="0">
-              <a:ln>
-                <a:noFill/>
-              </a:ln>
-              <a:solidFill>
-                <a:srgbClr val="FFFFFF"/>
-              </a:solidFill>
-              <a:effectLst/>
-              <a:latin typeface="+mj-lt"/>
-              <a:ea typeface="Calibri Light"/>
-              <a:cs typeface="Calibri Light"/>
-            </a:endParaRPr>
-          </a:p>
-          <a:p>
-            <a:pPr marL="0" marR="0" lvl="0" indent="0" eaLnBrk="1" fontAlgn="base" hangingPunct="1">
-              <a:spcAft>
-                <a:spcPct val="0"/>
-              </a:spcAft>
-              <a:buClrTx/>
-              <a:buSzTx/>
-              <a:tabLst/>
-            </a:pPr>
-            <a:r>
-              <a:rPr kumimoji="0" lang="en-US" sz="1050" b="0" i="0" u="none" strike="noStrike" kern="1200" cap="none" normalizeH="0" baseline="0" dirty="0">
-                <a:ln>
-                  <a:noFill/>
-                </a:ln>
-                <a:solidFill>
-                  <a:srgbClr val="FFFFFF"/>
-                </a:solidFill>
-                <a:effectLst/>
-                <a:latin typeface="+mj-lt"/>
-                <a:ea typeface="+mj-ea"/>
-                <a:cs typeface="+mj-cs"/>
-              </a:rPr>
-              <a:t>The total amount in USD is generally low for most websites, with most websites having less than 10,000𝑖𝑛𝑡𝑜𝑡𝑎𝑙𝑎𝑚𝑜𝑢𝑛𝑡.&gt;∗𝑇ℎ𝑒𝑟𝑒𝑖𝑠𝑜𝑛𝑒𝑜𝑢𝑡𝑙𝑖𝑒𝑟,𝑤ℎ𝑖𝑐ℎ𝑖𝑠"𝑤𝑤𝑤.ℎ𝑜𝑛𝑒𝑦𝑤𝑒𝑙𝑙.𝑐𝑜𝑚,"𝑤𝑖𝑡ℎ𝑎𝑡𝑜𝑡𝑎𝑙𝑎𝑚𝑜𝑢𝑛𝑡𝑜𝑓𝑜𝑣𝑒𝑟10,000intotalamount.&gt;∗Thereisoneoutlier,whichis"www.honeywell.com,"withatotalamountofover70,000.</a:t>
-            </a:r>
-            <a:endParaRPr lang="en-US" sz="1050" b="0" i="0" u="none" strike="noStrike" kern="1200" cap="none" normalizeH="0" baseline="0">
-              <a:ln>
-                <a:noFill/>
-              </a:ln>
-              <a:solidFill>
-                <a:srgbClr val="FFFFFF"/>
-              </a:solidFill>
-              <a:effectLst/>
-              <a:latin typeface="+mj-lt"/>
-              <a:ea typeface="Calibri Light"/>
-              <a:cs typeface="Calibri Light"/>
-            </a:endParaRPr>
-          </a:p>
-          <a:p>
-            <a:pPr marL="0" marR="0" lvl="0" indent="0" eaLnBrk="1" fontAlgn="base" hangingPunct="1">
-              <a:spcAft>
-                <a:spcPct val="0"/>
-              </a:spcAft>
-              <a:buClrTx/>
-              <a:buSzTx/>
-              <a:tabLst/>
-            </a:pPr>
-            <a:r>
-              <a:rPr kumimoji="0" lang="en-US" sz="1050" b="1" i="0" u="none" strike="noStrike" kern="1200" cap="none" normalizeH="0" baseline="0" dirty="0">
-                <a:ln>
-                  <a:noFill/>
-                </a:ln>
-                <a:solidFill>
-                  <a:srgbClr val="FFFFFF"/>
-                </a:solidFill>
-                <a:effectLst/>
-                <a:latin typeface="+mj-lt"/>
-                <a:ea typeface="+mj-ea"/>
-                <a:cs typeface="+mj-cs"/>
-              </a:rPr>
-              <a:t>Notable Performance Differences:</a:t>
-            </a:r>
-            <a:endParaRPr lang="en-US" sz="1050" b="0" i="0" u="none" strike="noStrike" kern="1200" cap="none" normalizeH="0" baseline="0" dirty="0">
-              <a:ln>
-                <a:noFill/>
-              </a:ln>
-              <a:solidFill>
-                <a:srgbClr val="FFFFFF"/>
-              </a:solidFill>
-              <a:effectLst/>
-              <a:latin typeface="+mj-lt"/>
-              <a:ea typeface="Calibri Light"/>
-              <a:cs typeface="Calibri Light"/>
-            </a:endParaRPr>
-          </a:p>
-          <a:p>
-            <a:pPr marL="0" marR="0" lvl="0" indent="0" eaLnBrk="1" fontAlgn="base" hangingPunct="1">
-              <a:spcAft>
-                <a:spcPct val="0"/>
-              </a:spcAft>
-              <a:buClrTx/>
-              <a:buSzTx/>
-              <a:tabLst/>
-            </a:pPr>
-            <a:r>
-              <a:rPr kumimoji="0" lang="en-US" sz="1050" b="0" i="0" u="none" strike="noStrike" kern="1200" cap="none" normalizeH="0" baseline="0" dirty="0">
-                <a:ln>
-                  <a:noFill/>
-                </a:ln>
-                <a:solidFill>
-                  <a:srgbClr val="FFFFFF"/>
-                </a:solidFill>
-                <a:effectLst/>
-                <a:latin typeface="+mj-lt"/>
-                <a:ea typeface="+mj-ea"/>
-                <a:cs typeface="+mj-cs"/>
-              </a:rPr>
-              <a:t>"</a:t>
-            </a:r>
-            <a:r>
-              <a:rPr kumimoji="0" lang="en-US" sz="1050" b="0" i="0" u="sng" strike="noStrike" kern="1200" cap="none" normalizeH="0" baseline="0" dirty="0">
-                <a:ln>
-                  <a:noFill/>
-                </a:ln>
-                <a:solidFill>
-                  <a:srgbClr val="FFFFFF"/>
-                </a:solidFill>
-                <a:effectLst/>
-                <a:latin typeface="+mj-lt"/>
-                <a:ea typeface="+mj-ea"/>
-                <a:cs typeface="+mj-cs"/>
-              </a:rPr>
-              <a:t>www.honeywell.com"</a:t>
-            </a:r>
-            <a:r>
-              <a:rPr kumimoji="0" lang="en-US" sz="1050" b="0" i="0" u="none" strike="noStrike" kern="1200" cap="none" normalizeH="0" baseline="0" dirty="0">
-                <a:ln>
-                  <a:noFill/>
-                </a:ln>
-                <a:solidFill>
-                  <a:srgbClr val="FFFFFF"/>
-                </a:solidFill>
-                <a:effectLst/>
-                <a:latin typeface="+mj-lt"/>
-                <a:ea typeface="+mj-ea"/>
-                <a:cs typeface="+mj-cs"/>
-              </a:rPr>
-              <a:t> significantly outperforms all other websites in terms of total amount.</a:t>
-            </a:r>
-            <a:endParaRPr lang="en-US" sz="1050" b="0" i="0" u="none" strike="noStrike" kern="1200" cap="none" normalizeH="0" baseline="0">
-              <a:ln>
-                <a:noFill/>
-              </a:ln>
-              <a:solidFill>
-                <a:srgbClr val="FFFFFF"/>
-              </a:solidFill>
-              <a:effectLst/>
-              <a:latin typeface="+mj-lt"/>
-              <a:ea typeface="Calibri Light"/>
-              <a:cs typeface="Calibri Light"/>
-            </a:endParaRPr>
-          </a:p>
-          <a:p>
-            <a:pPr marL="0" marR="0" lvl="0" indent="0" eaLnBrk="1" fontAlgn="base" hangingPunct="1">
-              <a:spcAft>
-                <a:spcPct val="0"/>
-              </a:spcAft>
-              <a:buClrTx/>
-              <a:buSzTx/>
-              <a:tabLst/>
-            </a:pPr>
-            <a:r>
-              <a:rPr kumimoji="0" lang="en-US" sz="1050" b="1" i="0" u="none" strike="noStrike" kern="1200" cap="none" normalizeH="0" baseline="0" dirty="0">
-                <a:ln>
-                  <a:noFill/>
-                </a:ln>
-                <a:solidFill>
-                  <a:srgbClr val="FFFFFF"/>
-                </a:solidFill>
-                <a:effectLst/>
-                <a:latin typeface="+mj-lt"/>
-                <a:ea typeface="+mj-ea"/>
-                <a:cs typeface="+mj-cs"/>
-              </a:rPr>
-              <a:t>Actionable Insights:</a:t>
-            </a:r>
-            <a:endParaRPr lang="en-US" sz="1050" b="0" i="0" u="none" strike="noStrike" kern="1200" cap="none" normalizeH="0" baseline="0" dirty="0">
-              <a:ln>
-                <a:noFill/>
-              </a:ln>
-              <a:solidFill>
-                <a:srgbClr val="FFFFFF"/>
-              </a:solidFill>
-              <a:effectLst/>
-              <a:latin typeface="+mj-lt"/>
-              <a:ea typeface="Calibri Light"/>
-              <a:cs typeface="Calibri Light"/>
-            </a:endParaRPr>
-          </a:p>
-          <a:p>
-            <a:pPr marL="0" marR="0" lvl="0" indent="0" eaLnBrk="1" fontAlgn="base" hangingPunct="1">
-              <a:spcAft>
-                <a:spcPct val="0"/>
-              </a:spcAft>
-              <a:buClrTx/>
-              <a:buSzTx/>
-              <a:tabLst/>
-            </a:pPr>
-            <a:r>
-              <a:rPr kumimoji="0" lang="en-US" sz="1050" b="1" i="0" u="none" strike="noStrike" kern="1200" cap="none" normalizeH="0" baseline="0" dirty="0">
-                <a:ln>
-                  <a:noFill/>
-                </a:ln>
-                <a:solidFill>
-                  <a:srgbClr val="FFFFFF"/>
-                </a:solidFill>
-                <a:effectLst/>
-                <a:latin typeface="+mj-lt"/>
-                <a:ea typeface="+mj-ea"/>
-                <a:cs typeface="+mj-cs"/>
-              </a:rPr>
-              <a:t>Focus on Improving Performance of "</a:t>
-            </a:r>
-            <a:r>
-              <a:rPr kumimoji="0" lang="en-US" sz="1050" b="1" i="0" u="sng" strike="noStrike" kern="1200" cap="none" normalizeH="0" baseline="0" dirty="0">
-                <a:ln>
-                  <a:noFill/>
-                </a:ln>
-                <a:solidFill>
-                  <a:srgbClr val="FFFFFF"/>
-                </a:solidFill>
-                <a:effectLst/>
-                <a:latin typeface="+mj-lt"/>
-                <a:ea typeface="+mj-ea"/>
-                <a:cs typeface="+mj-cs"/>
-              </a:rPr>
-              <a:t>www.honeywell.com"</a:t>
-            </a:r>
-            <a:r>
-              <a:rPr kumimoji="0" lang="en-US" sz="1050" b="1" i="0" u="none" strike="noStrike" kern="1200" cap="none" normalizeH="0" baseline="0" dirty="0">
-                <a:ln>
-                  <a:noFill/>
-                </a:ln>
-                <a:solidFill>
-                  <a:srgbClr val="FFFFFF"/>
-                </a:solidFill>
-                <a:effectLst/>
-                <a:latin typeface="+mj-lt"/>
-                <a:ea typeface="+mj-ea"/>
-                <a:cs typeface="+mj-cs"/>
-              </a:rPr>
-              <a:t>:</a:t>
-            </a:r>
-            <a:r>
-              <a:rPr kumimoji="0" lang="en-US" sz="1050" b="0" i="0" u="none" strike="noStrike" kern="1200" cap="none" normalizeH="0" baseline="0" dirty="0">
-                <a:ln>
-                  <a:noFill/>
-                </a:ln>
-                <a:solidFill>
-                  <a:srgbClr val="FFFFFF"/>
-                </a:solidFill>
-                <a:effectLst/>
-                <a:latin typeface="+mj-lt"/>
-                <a:ea typeface="+mj-ea"/>
-                <a:cs typeface="+mj-cs"/>
-              </a:rPr>
-              <a:t> The website "</a:t>
-            </a:r>
-            <a:r>
-              <a:rPr kumimoji="0" lang="en-US" sz="1050" b="0" i="0" u="sng" strike="noStrike" kern="1200" cap="none" normalizeH="0" baseline="0" dirty="0">
-                <a:ln>
-                  <a:noFill/>
-                </a:ln>
-                <a:solidFill>
-                  <a:srgbClr val="FFFFFF"/>
-                </a:solidFill>
-                <a:effectLst/>
-                <a:latin typeface="+mj-lt"/>
-                <a:ea typeface="+mj-ea"/>
-                <a:cs typeface="+mj-cs"/>
-              </a:rPr>
-              <a:t>www.honeywell.com"</a:t>
-            </a:r>
-            <a:r>
-              <a:rPr kumimoji="0" lang="en-US" sz="1050" b="0" i="0" u="none" strike="noStrike" kern="1200" cap="none" normalizeH="0" baseline="0" dirty="0">
-                <a:ln>
-                  <a:noFill/>
-                </a:ln>
-                <a:solidFill>
-                  <a:srgbClr val="FFFFFF"/>
-                </a:solidFill>
-                <a:effectLst/>
-                <a:latin typeface="+mj-lt"/>
-                <a:ea typeface="+mj-ea"/>
-                <a:cs typeface="+mj-cs"/>
-              </a:rPr>
-              <a:t> is a clear outlier and has the highest total amount. It's important to understand why this website is performing so well and try to replicate its success on other websites. This could involve analyzing the website's content, marketing strategies, and user experience.</a:t>
-            </a:r>
-            <a:endParaRPr lang="en-US" sz="1050" b="0" i="0" u="none" strike="noStrike" kern="1200" cap="none" normalizeH="0" baseline="0">
-              <a:ln>
-                <a:noFill/>
-              </a:ln>
-              <a:solidFill>
-                <a:srgbClr val="FFFFFF"/>
-              </a:solidFill>
-              <a:effectLst/>
-              <a:latin typeface="+mj-lt"/>
-              <a:ea typeface="Calibri Light"/>
-              <a:cs typeface="Calibri Light"/>
-            </a:endParaRPr>
-          </a:p>
-          <a:p>
-            <a:pPr marL="0" marR="0" lvl="0" indent="0" eaLnBrk="1" fontAlgn="base" hangingPunct="1">
-              <a:spcAft>
-                <a:spcPct val="0"/>
-              </a:spcAft>
-              <a:buClrTx/>
-              <a:buSzTx/>
-              <a:tabLst/>
-            </a:pPr>
-            <a:r>
-              <a:rPr kumimoji="0" lang="en-US" sz="1050" b="1" i="0" u="none" strike="noStrike" kern="1200" cap="none" normalizeH="0" baseline="0" dirty="0">
-                <a:ln>
-                  <a:noFill/>
-                </a:ln>
-                <a:solidFill>
-                  <a:srgbClr val="FFFFFF"/>
-                </a:solidFill>
-                <a:effectLst/>
-                <a:latin typeface="+mj-lt"/>
-                <a:ea typeface="+mj-ea"/>
-                <a:cs typeface="+mj-cs"/>
-              </a:rPr>
-              <a:t>Investigate Other Underperforming Websites:</a:t>
-            </a:r>
-            <a:r>
-              <a:rPr kumimoji="0" lang="en-US" sz="1050" b="0" i="0" u="none" strike="noStrike" kern="1200" cap="none" normalizeH="0" baseline="0" dirty="0">
-                <a:ln>
-                  <a:noFill/>
-                </a:ln>
-                <a:solidFill>
-                  <a:srgbClr val="FFFFFF"/>
-                </a:solidFill>
-                <a:effectLst/>
-                <a:latin typeface="+mj-lt"/>
-                <a:ea typeface="+mj-ea"/>
-                <a:cs typeface="+mj-cs"/>
-              </a:rPr>
-              <a:t> While most websites have low total amounts, there are still some websites that are underperforming. It's worth investigating these websites to understand why they are not generating as much revenue as they could be. This could involve analyzing their website traffic, conversion rates, and customer engagement.</a:t>
-            </a:r>
-            <a:endParaRPr lang="en-US" sz="1050" b="0" i="0" u="none" strike="noStrike" kern="1200" cap="none" normalizeH="0" baseline="0">
-              <a:ln>
-                <a:noFill/>
-              </a:ln>
-              <a:solidFill>
-                <a:srgbClr val="FFFFFF"/>
-              </a:solidFill>
-              <a:effectLst/>
-              <a:latin typeface="+mj-lt"/>
-              <a:ea typeface="Calibri Light"/>
-              <a:cs typeface="Calibri Light"/>
-            </a:endParaRPr>
-          </a:p>
-          <a:p>
-            <a:pPr marL="0" marR="0" lvl="0" indent="0" eaLnBrk="1" fontAlgn="base" hangingPunct="1">
-              <a:spcAft>
-                <a:spcPct val="0"/>
-              </a:spcAft>
-              <a:buClrTx/>
-              <a:buSzTx/>
-              <a:tabLst/>
-            </a:pPr>
-            <a:r>
-              <a:rPr kumimoji="0" lang="en-US" sz="1050" b="1" i="0" u="none" strike="noStrike" kern="1200" cap="none" normalizeH="0" baseline="0" dirty="0">
-                <a:ln>
-                  <a:noFill/>
-                </a:ln>
-                <a:solidFill>
-                  <a:srgbClr val="FFFFFF"/>
-                </a:solidFill>
-                <a:effectLst/>
-                <a:latin typeface="+mj-lt"/>
-                <a:ea typeface="+mj-ea"/>
-                <a:cs typeface="+mj-cs"/>
-              </a:rPr>
-              <a:t>Overall, the chart suggests that there is a significant opportunity to improve the performance of most websites in terms of total amount.</a:t>
-            </a:r>
-            <a:r>
-              <a:rPr kumimoji="0" lang="en-US" sz="1050" b="0" i="0" u="none" strike="noStrike" kern="1200" cap="none" normalizeH="0" baseline="0" dirty="0">
-                <a:ln>
-                  <a:noFill/>
-                </a:ln>
-                <a:solidFill>
-                  <a:srgbClr val="FFFFFF"/>
-                </a:solidFill>
-                <a:effectLst/>
-                <a:latin typeface="+mj-lt"/>
-                <a:ea typeface="+mj-ea"/>
-                <a:cs typeface="+mj-cs"/>
-              </a:rPr>
-              <a:t> The analysis above provides actionable insights to improve the website performance.</a:t>
-            </a:r>
-            <a:endParaRPr lang="en-US" sz="1050" b="0" i="0" u="none" strike="noStrike" kern="1200" cap="none" normalizeH="0" baseline="0" dirty="0">
-              <a:ln>
-                <a:noFill/>
-              </a:ln>
-              <a:solidFill>
-                <a:srgbClr val="FFFFFF"/>
-              </a:solidFill>
-              <a:effectLst/>
-              <a:latin typeface="+mj-lt"/>
-              <a:ea typeface="Calibri Light"/>
-              <a:cs typeface="Calibri Light"/>
-            </a:endParaRPr>
-          </a:p>
-        </p:txBody>
-      </p:sp>
-      <p:pic>
-        <p:nvPicPr>
-          <p:cNvPr id="3" name="Picture 2"/>
-          <p:cNvPicPr>
-            <a:picLocks noChangeAspect="1"/>
-          </p:cNvPicPr>
-          <p:nvPr/>
-        </p:nvPicPr>
-        <p:blipFill>
-          <a:blip r:embed="rId2">
-            <a:extLst>
-              <a:ext uri="{28A0092B-C50C-407E-A947-70E740481C1C}">
-                <a14:useLocalDpi xmlns:a14="http://schemas.microsoft.com/office/drawing/2010/main" val="0"/>
-              </a:ext>
-            </a:extLst>
-          </a:blip>
-          <a:stretch>
-            <a:fillRect/>
-          </a:stretch>
-        </p:blipFill>
-        <p:spPr>
-          <a:xfrm>
-            <a:off x="4038604" y="992458"/>
-            <a:ext cx="8153395" cy="4438185"/>
-          </a:xfrm>
-          <a:prstGeom prst="rect">
-            <a:avLst/>
-          </a:prstGeom>
-        </p:spPr>
-      </p:pic>
-    </p:spTree>
-    <p:extLst>
-      <p:ext uri="{BB962C8B-B14F-4D97-AF65-F5344CB8AC3E}">
-        <p14:creationId xmlns:p14="http://schemas.microsoft.com/office/powerpoint/2010/main" val="287310779"/>
-      </p:ext>
-    </p:extLst>
-  </p:cSld>
-  <p:clrMapOvr>
-    <a:masterClrMapping/>
-  </p:clrMapOvr>
-</p:sld>
-</file>
-
-<file path=ppt/slides/slide6.xml><?xml version="1.0" encoding="utf-8"?>
-<p:sld xmlns:a="http://schemas.openxmlformats.org/drawingml/2006/main" xmlns:r="http://schemas.openxmlformats.org/officeDocument/2006/relationships" xmlns:p="http://schemas.openxmlformats.org/presentationml/2006/main">
-  <p:cSld>
-    <p:bg>
-      <p:bgPr>
-        <a:solidFill>
-          <a:schemeClr val="bg2"/>
-        </a:solidFill>
-        <a:effectLst/>
-      </p:bgPr>
-    </p:bg>
     <p:spTree>
       <p:nvGrpSpPr>
         <p:cNvPr id="1" name=""/>
@@ -9345,70 +8676,13 @@
       </p:grpSpPr>
       <p:sp>
         <p:nvSpPr>
-          <p:cNvPr id="58" name="Rectangle 57">
+          <p:cNvPr id="2" name="Title 1">
             <a:extLst>
               <a:ext uri="{FF2B5EF4-FFF2-40B4-BE49-F238E27FC236}">
-                <a16:creationId xmlns:a16="http://schemas.microsoft.com/office/drawing/2014/main" id="{16C5FA50-8D52-4617-AF91-5C7B1C8352F1}"/>
-              </a:ext>
-              <a:ext uri="{C183D7F6-B498-43B3-948B-1728B52AA6E4}">
-                <adec:decorative xmlns:adec="http://schemas.microsoft.com/office/drawing/2017/decorative" val="1"/>
+                <a16:creationId xmlns:a16="http://schemas.microsoft.com/office/drawing/2014/main" id="{B2100E75-73D2-FB09-00FC-4D7E137028BA}"/>
               </a:ext>
             </a:extLst>
           </p:cNvPr>
-          <p:cNvSpPr>
-            <a:spLocks noGrp="1" noRot="1" noChangeAspect="1" noMove="1" noResize="1" noEditPoints="1" noAdjustHandles="1" noChangeArrowheads="1" noChangeShapeType="1" noTextEdit="1"/>
-          </p:cNvSpPr>
-          <p:nvPr>
-            <p:extLst>
-              <p:ext uri="{386F3935-93C4-4BCD-93E2-E3B085C9AB24}">
-                <p16:designElem xmlns:p16="http://schemas.microsoft.com/office/powerpoint/2015/main" val="1"/>
-              </p:ext>
-            </p:extLst>
-          </p:nvPr>
-        </p:nvSpPr>
-        <p:spPr>
-          <a:xfrm>
-            <a:off x="0" y="0"/>
-            <a:ext cx="12192000" cy="6858000"/>
-          </a:xfrm>
-          <a:prstGeom prst="rect">
-            <a:avLst/>
-          </a:prstGeom>
-          <a:solidFill>
-            <a:srgbClr val="767171"/>
-          </a:solidFill>
-          <a:ln>
-            <a:noFill/>
-          </a:ln>
-        </p:spPr>
-        <p:style>
-          <a:lnRef idx="2">
-            <a:schemeClr val="accent1">
-              <a:shade val="50000"/>
-            </a:schemeClr>
-          </a:lnRef>
-          <a:fillRef idx="1">
-            <a:schemeClr val="accent1"/>
-          </a:fillRef>
-          <a:effectRef idx="0">
-            <a:schemeClr val="accent1"/>
-          </a:effectRef>
-          <a:fontRef idx="minor">
-            <a:schemeClr val="lt1"/>
-          </a:fontRef>
-        </p:style>
-        <p:txBody>
-          <a:bodyPr rtlCol="0" anchor="ctr"/>
-          <a:lstStyle/>
-          <a:p>
-            <a:pPr algn="ctr"/>
-            <a:endParaRPr lang="en-US"/>
-          </a:p>
-        </p:txBody>
-      </p:sp>
-      <p:sp>
-        <p:nvSpPr>
-          <p:cNvPr id="6" name="Title 5"/>
           <p:cNvSpPr>
             <a:spLocks noGrp="1"/>
           </p:cNvSpPr>
@@ -9418,453 +8692,143 @@
         </p:nvSpPr>
         <p:spPr>
           <a:xfrm>
-            <a:off x="9093496" y="618681"/>
-            <a:ext cx="2613872" cy="4794567"/>
+            <a:off x="272143" y="190954"/>
+            <a:ext cx="10657114" cy="1213303"/>
           </a:xfrm>
         </p:spPr>
         <p:txBody>
-          <a:bodyPr vert="horz" lIns="91440" tIns="45720" rIns="91440" bIns="45720" rtlCol="0">
-            <a:normAutofit/>
+          <a:bodyPr>
+            <a:normAutofit fontScale="90000"/>
           </a:bodyPr>
           <a:lstStyle/>
           <a:p>
             <a:r>
-              <a:rPr lang="en-US" sz="900">
-                <a:solidFill>
-                  <a:srgbClr val="FFFFFF"/>
-                </a:solidFill>
+              <a:rPr lang="en-GB" sz="2800" b="1" dirty="0">
+                <a:latin typeface="Century Gothic" panose="020B0502020202020204" pitchFamily="34" charset="0"/>
               </a:rPr>
-              <a:t>The plot shows the total amount in USD by name.</a:t>
+              <a:t>Over the 3 years (2014-2016), monthly sales show steady growth, starting lower in the early months and increasing consistently towards the end of the year.</a:t>
             </a:r>
-            <a:br>
-              <a:rPr lang="en-US" sz="900">
-                <a:solidFill>
-                  <a:srgbClr val="FFFFFF"/>
-                </a:solidFill>
-              </a:rPr>
-            </a:br>
-            <a:r>
-              <a:rPr lang="en-US" sz="900" b="1">
-                <a:solidFill>
-                  <a:srgbClr val="FFFFFF"/>
-                </a:solidFill>
-              </a:rPr>
-              <a:t>Key Trends and Patterns</a:t>
-            </a:r>
-            <a:br>
-              <a:rPr lang="en-US" sz="900">
-                <a:solidFill>
-                  <a:srgbClr val="FFFFFF"/>
-                </a:solidFill>
-              </a:rPr>
-            </a:br>
-            <a:r>
-              <a:rPr lang="en-US" sz="900">
-                <a:solidFill>
-                  <a:srgbClr val="FFFFFF"/>
-                </a:solidFill>
-              </a:rPr>
-              <a:t>The total amount is generally low for most names, with a few exceptions.</a:t>
-            </a:r>
-            <a:br>
-              <a:rPr lang="en-US" sz="900">
-                <a:solidFill>
-                  <a:srgbClr val="FFFFFF"/>
-                </a:solidFill>
-              </a:rPr>
-            </a:br>
-            <a:r>
-              <a:rPr lang="en-US" sz="900">
-                <a:solidFill>
-                  <a:srgbClr val="FFFFFF"/>
-                </a:solidFill>
-              </a:rPr>
-              <a:t>There are a few names with significantly higher total amounts than others.</a:t>
-            </a:r>
-            <a:br>
-              <a:rPr lang="en-US" sz="900">
-                <a:solidFill>
-                  <a:srgbClr val="FFFFFF"/>
-                </a:solidFill>
-              </a:rPr>
-            </a:br>
-            <a:r>
-              <a:rPr lang="en-US" sz="900" b="1">
-                <a:solidFill>
-                  <a:srgbClr val="FFFFFF"/>
-                </a:solidFill>
-              </a:rPr>
-              <a:t>Notable Performance Differences</a:t>
-            </a:r>
-            <a:br>
-              <a:rPr lang="en-US" sz="900">
-                <a:solidFill>
-                  <a:srgbClr val="FFFFFF"/>
-                </a:solidFill>
-              </a:rPr>
-            </a:br>
-            <a:r>
-              <a:rPr lang="en-US" sz="900" b="1">
-                <a:solidFill>
-                  <a:srgbClr val="FFFFFF"/>
-                </a:solidFill>
-              </a:rPr>
-              <a:t>Health Net</a:t>
-            </a:r>
-            <a:r>
-              <a:rPr lang="en-US" sz="900">
-                <a:solidFill>
-                  <a:srgbClr val="FFFFFF"/>
-                </a:solidFill>
-              </a:rPr>
-              <a:t> has the highest total amount by a large margin.</a:t>
-            </a:r>
-            <a:br>
-              <a:rPr lang="en-US" sz="900">
-                <a:solidFill>
-                  <a:srgbClr val="FFFFFF"/>
-                </a:solidFill>
-              </a:rPr>
-            </a:br>
-            <a:r>
-              <a:rPr lang="en-US" sz="900">
-                <a:solidFill>
-                  <a:srgbClr val="FFFFFF"/>
-                </a:solidFill>
-              </a:rPr>
-              <a:t>Other names with notably high total amounts include </a:t>
-            </a:r>
-            <a:r>
-              <a:rPr lang="en-US" sz="900" b="1">
-                <a:solidFill>
-                  <a:srgbClr val="FFFFFF"/>
-                </a:solidFill>
-              </a:rPr>
-              <a:t>PBF Energy</a:t>
-            </a:r>
-            <a:r>
-              <a:rPr lang="en-US" sz="900">
-                <a:solidFill>
-                  <a:srgbClr val="FFFFFF"/>
-                </a:solidFill>
-              </a:rPr>
-              <a:t> and </a:t>
-            </a:r>
-            <a:r>
-              <a:rPr lang="en-US" sz="900" b="1">
-                <a:solidFill>
-                  <a:srgbClr val="FFFFFF"/>
-                </a:solidFill>
-              </a:rPr>
-              <a:t>NextEra Energy</a:t>
-            </a:r>
-            <a:r>
-              <a:rPr lang="en-US" sz="900">
-                <a:solidFill>
-                  <a:srgbClr val="FFFFFF"/>
-                </a:solidFill>
-              </a:rPr>
-              <a:t>.</a:t>
-            </a:r>
-            <a:br>
-              <a:rPr lang="en-US" sz="900">
-                <a:solidFill>
-                  <a:srgbClr val="FFFFFF"/>
-                </a:solidFill>
-              </a:rPr>
-            </a:br>
-            <a:r>
-              <a:rPr lang="en-US" sz="900">
-                <a:solidFill>
-                  <a:srgbClr val="FFFFFF"/>
-                </a:solidFill>
-              </a:rPr>
-              <a:t>Most other names have total amounts below 10k USD.</a:t>
-            </a:r>
-            <a:br>
-              <a:rPr lang="en-US" sz="900">
-                <a:solidFill>
-                  <a:srgbClr val="FFFFFF"/>
-                </a:solidFill>
-              </a:rPr>
-            </a:br>
-            <a:r>
-              <a:rPr lang="en-US" sz="900" b="1">
-                <a:solidFill>
-                  <a:srgbClr val="FFFFFF"/>
-                </a:solidFill>
-              </a:rPr>
-              <a:t>Actionable Insights</a:t>
-            </a:r>
-            <a:br>
-              <a:rPr lang="en-US" sz="900">
-                <a:solidFill>
-                  <a:srgbClr val="FFFFFF"/>
-                </a:solidFill>
-              </a:rPr>
-            </a:br>
-            <a:r>
-              <a:rPr lang="en-US" sz="900">
-                <a:solidFill>
-                  <a:srgbClr val="FFFFFF"/>
-                </a:solidFill>
-              </a:rPr>
-              <a:t>Focus on understanding why </a:t>
-            </a:r>
-            <a:r>
-              <a:rPr lang="en-US" sz="900" b="1">
-                <a:solidFill>
-                  <a:srgbClr val="FFFFFF"/>
-                </a:solidFill>
-              </a:rPr>
-              <a:t>Health Net</a:t>
-            </a:r>
-            <a:r>
-              <a:rPr lang="en-US" sz="900">
-                <a:solidFill>
-                  <a:srgbClr val="FFFFFF"/>
-                </a:solidFill>
-              </a:rPr>
-              <a:t> has such a high total amount. Is this due to a specific product or service, a strong customer base, or other factors?</a:t>
-            </a:r>
-            <a:br>
-              <a:rPr lang="en-US" sz="900">
-                <a:solidFill>
-                  <a:srgbClr val="FFFFFF"/>
-                </a:solidFill>
-              </a:rPr>
-            </a:br>
-            <a:r>
-              <a:rPr lang="en-US" sz="900">
-                <a:solidFill>
-                  <a:srgbClr val="FFFFFF"/>
-                </a:solidFill>
-              </a:rPr>
-              <a:t>Investigate the performance of </a:t>
-            </a:r>
-            <a:r>
-              <a:rPr lang="en-US" sz="900" b="1">
-                <a:solidFill>
-                  <a:srgbClr val="FFFFFF"/>
-                </a:solidFill>
-              </a:rPr>
-              <a:t>PBF Energy</a:t>
-            </a:r>
-            <a:r>
-              <a:rPr lang="en-US" sz="900">
-                <a:solidFill>
-                  <a:srgbClr val="FFFFFF"/>
-                </a:solidFill>
-              </a:rPr>
-              <a:t> and </a:t>
-            </a:r>
-            <a:r>
-              <a:rPr lang="en-US" sz="900" b="1">
-                <a:solidFill>
-                  <a:srgbClr val="FFFFFF"/>
-                </a:solidFill>
-              </a:rPr>
-              <a:t>NextEra Energy</a:t>
-            </a:r>
-            <a:r>
-              <a:rPr lang="en-US" sz="900">
-                <a:solidFill>
-                  <a:srgbClr val="FFFFFF"/>
-                </a:solidFill>
-              </a:rPr>
-              <a:t> to see if there are opportunities to replicate their success with other names.</a:t>
-            </a:r>
-            <a:br>
-              <a:rPr lang="en-US" sz="900">
-                <a:solidFill>
-                  <a:srgbClr val="FFFFFF"/>
-                </a:solidFill>
-              </a:rPr>
-            </a:br>
-            <a:r>
-              <a:rPr lang="en-US" sz="900">
-                <a:solidFill>
-                  <a:srgbClr val="FFFFFF"/>
-                </a:solidFill>
-              </a:rPr>
-              <a:t>Consider whether the low performance of most names is due to a lack of focus, limited resources, or other factors. Identify areas where resources could be reallocated to improve performance.</a:t>
-            </a:r>
-            <a:br>
-              <a:rPr lang="en-US" sz="900">
-                <a:solidFill>
-                  <a:srgbClr val="FFFFFF"/>
-                </a:solidFill>
-              </a:rPr>
-            </a:br>
-            <a:r>
-              <a:rPr lang="en-US" sz="900" b="1">
-                <a:solidFill>
-                  <a:srgbClr val="FFFFFF"/>
-                </a:solidFill>
-              </a:rPr>
-              <a:t>Overall, the data suggests that there are significant differences in performance between the names.</a:t>
-            </a:r>
-            <a:r>
-              <a:rPr lang="en-US" sz="900">
-                <a:solidFill>
-                  <a:srgbClr val="FFFFFF"/>
-                </a:solidFill>
-              </a:rPr>
-              <a:t> By understanding the reasons behind these differences, you can develop strategies to improve the performance of all names.</a:t>
-            </a:r>
-            <a:br>
-              <a:rPr lang="en-US" sz="900">
-                <a:solidFill>
-                  <a:srgbClr val="FFFFFF"/>
-                </a:solidFill>
-              </a:rPr>
-            </a:br>
-            <a:r>
-              <a:rPr lang="en-US" sz="900" b="1">
-                <a:solidFill>
-                  <a:srgbClr val="FFFFFF"/>
-                </a:solidFill>
-              </a:rPr>
-              <a:t>Image:</a:t>
-            </a:r>
-            <a:br>
-              <a:rPr lang="en-US" sz="900">
-                <a:solidFill>
-                  <a:srgbClr val="FFFFFF"/>
-                </a:solidFill>
-              </a:rPr>
-            </a:br>
-            <a:r>
-              <a:rPr lang="en-US" sz="900">
-                <a:solidFill>
-                  <a:srgbClr val="FFFFFF"/>
-                </a:solidFill>
-              </a:rPr>
-              <a:t>The image shows the plot of total amount in USD by name. It highlights the performance differences between names and identifies the names with the highest total amounts.</a:t>
-            </a:r>
-            <a:br>
-              <a:rPr lang="en-US" sz="900">
-                <a:solidFill>
-                  <a:srgbClr val="FFFFFF"/>
-                </a:solidFill>
-              </a:rPr>
-            </a:br>
-            <a:endParaRPr lang="en-US" sz="900">
-              <a:solidFill>
-                <a:srgbClr val="FFFFFF"/>
-              </a:solidFill>
+            <a:endParaRPr lang="en-NG" sz="2800" b="1" dirty="0">
+              <a:latin typeface="Century Gothic" panose="020B0502020202020204" pitchFamily="34" charset="0"/>
             </a:endParaRPr>
           </a:p>
         </p:txBody>
       </p:sp>
-      <p:sp>
-        <p:nvSpPr>
-          <p:cNvPr id="59" name="Rounded Rectangle 9">
+      <p:cxnSp>
+        <p:nvCxnSpPr>
+          <p:cNvPr id="5" name="Straight Connector 4">
             <a:extLst>
               <a:ext uri="{FF2B5EF4-FFF2-40B4-BE49-F238E27FC236}">
-                <a16:creationId xmlns:a16="http://schemas.microsoft.com/office/drawing/2014/main" id="{E223798C-12AD-4B0C-A50C-D676347D67CF}"/>
-              </a:ext>
-              <a:ext uri="{C183D7F6-B498-43B3-948B-1728B52AA6E4}">
-                <adec:decorative xmlns:adec="http://schemas.microsoft.com/office/drawing/2017/decorative" val="1"/>
+                <a16:creationId xmlns:a16="http://schemas.microsoft.com/office/drawing/2014/main" id="{DE812377-65EE-1BDA-BD4C-6BB5EEBE0F97}"/>
               </a:ext>
             </a:extLst>
           </p:cNvPr>
-          <p:cNvSpPr>
-            <a:spLocks noGrp="1" noRot="1" noChangeAspect="1" noMove="1" noResize="1" noEditPoints="1" noAdjustHandles="1" noChangeArrowheads="1" noChangeShapeType="1" noTextEdit="1"/>
-          </p:cNvSpPr>
-          <p:nvPr>
-            <p:extLst>
-              <p:ext uri="{386F3935-93C4-4BCD-93E2-E3B085C9AB24}">
-                <p16:designElem xmlns:p16="http://schemas.microsoft.com/office/powerpoint/2015/main" val="1"/>
-              </p:ext>
-            </p:extLst>
-          </p:nvPr>
+          <p:cNvCxnSpPr/>
+          <p:nvPr/>
+        </p:nvCxnSpPr>
+        <p:spPr>
+          <a:xfrm>
+            <a:off x="272143" y="1404257"/>
+            <a:ext cx="10472057" cy="0"/>
+          </a:xfrm>
+          <a:prstGeom prst="line">
+            <a:avLst/>
+          </a:prstGeom>
+        </p:spPr>
+        <p:style>
+          <a:lnRef idx="2">
+            <a:schemeClr val="dk1"/>
+          </a:lnRef>
+          <a:fillRef idx="0">
+            <a:schemeClr val="dk1"/>
+          </a:fillRef>
+          <a:effectRef idx="1">
+            <a:schemeClr val="dk1"/>
+          </a:effectRef>
+          <a:fontRef idx="minor">
+            <a:schemeClr val="tx1"/>
+          </a:fontRef>
+        </p:style>
+      </p:cxnSp>
+      <p:sp>
+        <p:nvSpPr>
+          <p:cNvPr id="7" name="TextBox 6">
+            <a:extLst>
+              <a:ext uri="{FF2B5EF4-FFF2-40B4-BE49-F238E27FC236}">
+                <a16:creationId xmlns:a16="http://schemas.microsoft.com/office/drawing/2014/main" id="{1A4B530D-8FD8-FED8-5ECF-A7201314B485}"/>
+              </a:ext>
+            </a:extLst>
+          </p:cNvPr>
+          <p:cNvSpPr txBox="1"/>
+          <p:nvPr/>
         </p:nvSpPr>
         <p:spPr>
           <a:xfrm>
-            <a:off x="493354" y="484632"/>
-            <a:ext cx="8129016" cy="5724144"/>
-          </a:xfrm>
-          <a:prstGeom prst="roundRect">
-            <a:avLst>
-              <a:gd name="adj" fmla="val 0"/>
-            </a:avLst>
-          </a:prstGeom>
-          <a:solidFill>
-            <a:srgbClr val="FFFFFF"/>
-          </a:solidFill>
-          <a:ln w="9525">
-            <a:solidFill>
-              <a:srgbClr val="C8CACA"/>
-            </a:solidFill>
-          </a:ln>
-          <a:effectLst>
-            <a:outerShdw blurRad="57150" dist="19050" dir="5400000" algn="t" rotWithShape="0">
-              <a:prstClr val="black">
-                <a:alpha val="63000"/>
-              </a:prstClr>
-            </a:outerShdw>
-          </a:effectLst>
-        </p:spPr>
-        <p:style>
-          <a:lnRef idx="2">
-            <a:schemeClr val="accent1">
-              <a:shade val="50000"/>
-            </a:schemeClr>
-          </a:lnRef>
-          <a:fillRef idx="1">
-            <a:schemeClr val="accent1"/>
-          </a:fillRef>
-          <a:effectRef idx="0">
-            <a:schemeClr val="accent1"/>
-          </a:effectRef>
-          <a:fontRef idx="minor">
-            <a:schemeClr val="lt1"/>
-          </a:fontRef>
-        </p:style>
-        <p:txBody>
-          <a:bodyPr rtlCol="0" anchor="ctr"/>
-          <a:lstStyle/>
-          <a:p>
-            <a:pPr algn="ctr"/>
-            <a:endParaRPr lang="en-US"/>
-          </a:p>
-        </p:txBody>
-      </p:sp>
-      <p:pic>
-        <p:nvPicPr>
-          <p:cNvPr id="3" name="Picture 2"/>
-          <p:cNvPicPr>
-            <a:picLocks noChangeAspect="1"/>
-          </p:cNvPicPr>
-          <p:nvPr/>
-        </p:nvPicPr>
-        <p:blipFill>
-          <a:blip r:embed="rId2">
-            <a:extLst>
-              <a:ext uri="{28A0092B-C50C-407E-A947-70E740481C1C}">
-                <a14:useLocalDpi xmlns:a14="http://schemas.microsoft.com/office/drawing/2010/main" val="0"/>
-              </a:ext>
-            </a:extLst>
-          </a:blip>
-          <a:srcRect r="18063"/>
-          <a:stretch/>
-        </p:blipFill>
-        <p:spPr>
-          <a:xfrm>
-            <a:off x="976251" y="942538"/>
-            <a:ext cx="7163222" cy="4808332"/>
+            <a:off x="8654143" y="1980745"/>
+            <a:ext cx="3408984" cy="1600438"/>
           </a:xfrm>
           <a:prstGeom prst="rect">
             <a:avLst/>
           </a:prstGeom>
-          <a:effectLst/>
+          <a:noFill/>
         </p:spPr>
-      </p:pic>
+        <p:txBody>
+          <a:bodyPr wrap="square" rtlCol="0">
+            <a:spAutoFit/>
+          </a:bodyPr>
+          <a:lstStyle/>
+          <a:p>
+            <a:r>
+              <a:rPr lang="en-NG" b="1" i="1" dirty="0">
+                <a:latin typeface="Century Gothic" panose="020B0502020202020204" pitchFamily="34" charset="0"/>
+              </a:rPr>
+              <a:t>Additional context</a:t>
+            </a:r>
+          </a:p>
+          <a:p>
+            <a:pPr algn="just"/>
+            <a:r>
+              <a:rPr lang="en-GB" sz="1600" i="1" dirty="0"/>
+              <a:t>This indicates a seasonal pattern where sales peak towards the end of the year, potentially due to increased consumer activity during the holiday season..</a:t>
+            </a:r>
+            <a:endParaRPr lang="en-NG" sz="1600" i="1" dirty="0"/>
+          </a:p>
+        </p:txBody>
+      </p:sp>
+      <p:graphicFrame>
+        <p:nvGraphicFramePr>
+          <p:cNvPr id="4" name="Chart 3">
+            <a:extLst>
+              <a:ext uri="{FF2B5EF4-FFF2-40B4-BE49-F238E27FC236}">
+                <a16:creationId xmlns:a16="http://schemas.microsoft.com/office/drawing/2014/main" id="{6BB6D966-FC9C-856E-4620-63CCB46405C8}"/>
+              </a:ext>
+            </a:extLst>
+          </p:cNvPr>
+          <p:cNvGraphicFramePr>
+            <a:graphicFrameLocks/>
+          </p:cNvGraphicFramePr>
+          <p:nvPr>
+            <p:extLst>
+              <p:ext uri="{D42A27DB-BD31-4B8C-83A1-F6EECF244321}">
+                <p14:modId xmlns:p14="http://schemas.microsoft.com/office/powerpoint/2010/main" val="3984498580"/>
+              </p:ext>
+            </p:extLst>
+          </p:nvPr>
+        </p:nvGraphicFramePr>
+        <p:xfrm>
+          <a:off x="272143" y="1643747"/>
+          <a:ext cx="7703268" cy="4521791"/>
+        </p:xfrm>
+        <a:graphic>
+          <a:graphicData uri="http://schemas.openxmlformats.org/drawingml/2006/chart">
+            <c:chart xmlns:c="http://schemas.openxmlformats.org/drawingml/2006/chart" xmlns:r="http://schemas.openxmlformats.org/officeDocument/2006/relationships" r:id="rId2"/>
+          </a:graphicData>
+        </a:graphic>
+      </p:graphicFrame>
     </p:spTree>
     <p:extLst>
       <p:ext uri="{BB962C8B-B14F-4D97-AF65-F5344CB8AC3E}">
-        <p14:creationId xmlns:p14="http://schemas.microsoft.com/office/powerpoint/2010/main" val="2416705211"/>
+        <p14:creationId xmlns:p14="http://schemas.microsoft.com/office/powerpoint/2010/main" val="1087829525"/>
       </p:ext>
     </p:extLst>
   </p:cSld>
@@ -9874,830 +8838,9 @@
 </p:sld>
 </file>
 
-<file path=ppt/slides/slide7.xml><?xml version="1.0" encoding="utf-8"?>
+<file path=ppt/slides/slide5.xml><?xml version="1.0" encoding="utf-8"?>
 <p:sld xmlns:a="http://schemas.openxmlformats.org/drawingml/2006/main" xmlns:r="http://schemas.openxmlformats.org/officeDocument/2006/relationships" xmlns:p="http://schemas.openxmlformats.org/presentationml/2006/main">
   <p:cSld>
-    <p:bg>
-      <p:bgPr>
-        <a:solidFill>
-          <a:schemeClr val="bg1"/>
-        </a:solidFill>
-        <a:effectLst/>
-      </p:bgPr>
-    </p:bg>
-    <p:spTree>
-      <p:nvGrpSpPr>
-        <p:cNvPr id="1" name=""/>
-        <p:cNvGrpSpPr/>
-        <p:nvPr/>
-      </p:nvGrpSpPr>
-      <p:grpSpPr>
-        <a:xfrm>
-          <a:off x="0" y="0"/>
-          <a:ext cx="0" cy="0"/>
-          <a:chOff x="0" y="0"/>
-          <a:chExt cx="0" cy="0"/>
-        </a:xfrm>
-      </p:grpSpPr>
-      <p:sp useBgFill="1">
-        <p:nvSpPr>
-          <p:cNvPr id="16" name="Rectangle 15">
-            <a:extLst>
-              <a:ext uri="{FF2B5EF4-FFF2-40B4-BE49-F238E27FC236}">
-                <a16:creationId xmlns:a16="http://schemas.microsoft.com/office/drawing/2014/main" id="{B1595A09-E336-4D1B-9B3A-06A2287A54E2}"/>
-              </a:ext>
-              <a:ext uri="{C183D7F6-B498-43B3-948B-1728B52AA6E4}">
-                <adec:decorative xmlns:adec="http://schemas.microsoft.com/office/drawing/2017/decorative" val="1"/>
-              </a:ext>
-            </a:extLst>
-          </p:cNvPr>
-          <p:cNvSpPr>
-            <a:spLocks noGrp="1" noRot="1" noChangeAspect="1" noMove="1" noResize="1" noEditPoints="1" noAdjustHandles="1" noChangeArrowheads="1" noChangeShapeType="1" noTextEdit="1"/>
-          </p:cNvSpPr>
-          <p:nvPr>
-            <p:extLst>
-              <p:ext uri="{386F3935-93C4-4BCD-93E2-E3B085C9AB24}">
-                <p16:designElem xmlns:p16="http://schemas.microsoft.com/office/powerpoint/2015/main" val="1"/>
-              </p:ext>
-            </p:extLst>
-          </p:nvPr>
-        </p:nvSpPr>
-        <p:spPr>
-          <a:xfrm>
-            <a:off x="0" y="0"/>
-            <a:ext cx="12188952" cy="6858000"/>
-          </a:xfrm>
-          <a:prstGeom prst="rect">
-            <a:avLst/>
-          </a:prstGeom>
-          <a:ln>
-            <a:noFill/>
-          </a:ln>
-        </p:spPr>
-        <p:style>
-          <a:lnRef idx="2">
-            <a:schemeClr val="accent1">
-              <a:shade val="50000"/>
-            </a:schemeClr>
-          </a:lnRef>
-          <a:fillRef idx="1">
-            <a:schemeClr val="accent1"/>
-          </a:fillRef>
-          <a:effectRef idx="0">
-            <a:schemeClr val="accent1"/>
-          </a:effectRef>
-          <a:fontRef idx="minor">
-            <a:schemeClr val="lt1"/>
-          </a:fontRef>
-        </p:style>
-        <p:txBody>
-          <a:bodyPr rtlCol="0" anchor="ctr"/>
-          <a:lstStyle/>
-          <a:p>
-            <a:pPr algn="ctr"/>
-            <a:endParaRPr lang="en-US"/>
-          </a:p>
-        </p:txBody>
-      </p:sp>
-      <p:pic>
-        <p:nvPicPr>
-          <p:cNvPr id="2" name="Picture 1"/>
-          <p:cNvPicPr>
-            <a:picLocks noChangeAspect="1"/>
-          </p:cNvPicPr>
-          <p:nvPr/>
-        </p:nvPicPr>
-        <p:blipFill>
-          <a:blip r:embed="rId2">
-            <a:extLst>
-              <a:ext uri="{28A0092B-C50C-407E-A947-70E740481C1C}">
-                <a14:useLocalDpi xmlns:a14="http://schemas.microsoft.com/office/drawing/2010/main" val="0"/>
-              </a:ext>
-            </a:extLst>
-          </a:blip>
-          <a:srcRect t="15509" b="16511"/>
-          <a:stretch/>
-        </p:blipFill>
-        <p:spPr>
-          <a:xfrm>
-            <a:off x="20" y="10"/>
-            <a:ext cx="12191980" cy="3667025"/>
-          </a:xfrm>
-          <a:custGeom>
-            <a:avLst/>
-            <a:gdLst/>
-            <a:ahLst/>
-            <a:cxnLst/>
-            <a:rect l="l" t="t" r="r" b="b"/>
-            <a:pathLst>
-              <a:path w="12188952" h="4558430">
-                <a:moveTo>
-                  <a:pt x="6789701" y="4490221"/>
-                </a:moveTo>
-                <a:lnTo>
-                  <a:pt x="6788702" y="4490299"/>
-                </a:lnTo>
-                <a:lnTo>
-                  <a:pt x="6788476" y="4490833"/>
-                </a:lnTo>
-                <a:close/>
-                <a:moveTo>
-                  <a:pt x="0" y="0"/>
-                </a:moveTo>
-                <a:lnTo>
-                  <a:pt x="12188952" y="0"/>
-                </a:lnTo>
-                <a:lnTo>
-                  <a:pt x="12188952" y="3596895"/>
-                </a:lnTo>
-                <a:lnTo>
-                  <a:pt x="12061096" y="3635026"/>
-                </a:lnTo>
-                <a:cubicBezTo>
-                  <a:pt x="11933500" y="3671240"/>
-                  <a:pt x="11805390" y="3705769"/>
-                  <a:pt x="11676800" y="3738601"/>
-                </a:cubicBezTo>
-                <a:cubicBezTo>
-                  <a:pt x="11262789" y="3846108"/>
-                  <a:pt x="10845343" y="3939710"/>
-                  <a:pt x="10425355" y="4022140"/>
-                </a:cubicBezTo>
-                <a:cubicBezTo>
-                  <a:pt x="10092810" y="4087351"/>
-                  <a:pt x="9759033" y="4145748"/>
-                  <a:pt x="9424022" y="4197302"/>
-                </a:cubicBezTo>
-                <a:cubicBezTo>
-                  <a:pt x="9102997" y="4246959"/>
-                  <a:pt x="8781133" y="4291526"/>
-                  <a:pt x="8458419" y="4331003"/>
-                </a:cubicBezTo>
-                <a:cubicBezTo>
-                  <a:pt x="8211360" y="4361169"/>
-                  <a:pt x="7963792" y="4386742"/>
-                  <a:pt x="7715970" y="4410950"/>
-                </a:cubicBezTo>
-                <a:lnTo>
-                  <a:pt x="6951716" y="4476730"/>
-                </a:lnTo>
-                <a:lnTo>
-                  <a:pt x="6936303" y="4478801"/>
-                </a:lnTo>
-                <a:lnTo>
-                  <a:pt x="6790448" y="4490162"/>
-                </a:lnTo>
-                <a:lnTo>
-                  <a:pt x="6799941" y="4491982"/>
-                </a:lnTo>
-                <a:cubicBezTo>
-                  <a:pt x="6811623" y="4492448"/>
-                  <a:pt x="6823734" y="4490275"/>
-                  <a:pt x="6835432" y="4490275"/>
-                </a:cubicBezTo>
-                <a:cubicBezTo>
-                  <a:pt x="6851580" y="4490275"/>
-                  <a:pt x="6867729" y="4487668"/>
-                  <a:pt x="6884003" y="4487297"/>
-                </a:cubicBezTo>
-                <a:cubicBezTo>
-                  <a:pt x="7115805" y="4481835"/>
-                  <a:pt x="7347351" y="4469668"/>
-                  <a:pt x="7578771" y="4454770"/>
-                </a:cubicBezTo>
-                <a:cubicBezTo>
-                  <a:pt x="7927552" y="4432302"/>
-                  <a:pt x="8276080" y="4404123"/>
-                  <a:pt x="8623845" y="4367873"/>
-                </a:cubicBezTo>
-                <a:cubicBezTo>
-                  <a:pt x="8909939" y="4338575"/>
-                  <a:pt x="9195310" y="4303940"/>
-                  <a:pt x="9479970" y="4263967"/>
-                </a:cubicBezTo>
-                <a:cubicBezTo>
-                  <a:pt x="9864901" y="4209593"/>
-                  <a:pt x="10248014" y="4144879"/>
-                  <a:pt x="10629308" y="4069810"/>
-                </a:cubicBezTo>
-                <a:cubicBezTo>
-                  <a:pt x="11090114" y="3978690"/>
-                  <a:pt x="11546975" y="3871184"/>
-                  <a:pt x="11998498" y="3743816"/>
-                </a:cubicBezTo>
-                <a:lnTo>
-                  <a:pt x="12188952" y="3687715"/>
-                </a:lnTo>
-                <a:lnTo>
-                  <a:pt x="12188952" y="3742439"/>
-                </a:lnTo>
-                <a:lnTo>
-                  <a:pt x="11829257" y="3846853"/>
-                </a:lnTo>
-                <a:cubicBezTo>
-                  <a:pt x="11534769" y="3926550"/>
-                  <a:pt x="11238120" y="3997436"/>
-                  <a:pt x="10939183" y="4061368"/>
-                </a:cubicBezTo>
-                <a:cubicBezTo>
-                  <a:pt x="10622824" y="4129150"/>
-                  <a:pt x="10304941" y="4189147"/>
-                  <a:pt x="9985530" y="4241373"/>
-                </a:cubicBezTo>
-                <a:cubicBezTo>
-                  <a:pt x="9720036" y="4284822"/>
-                  <a:pt x="9453814" y="4323467"/>
-                  <a:pt x="9186882" y="4357320"/>
-                </a:cubicBezTo>
-                <a:cubicBezTo>
-                  <a:pt x="8984197" y="4382894"/>
-                  <a:pt x="8781514" y="4406977"/>
-                  <a:pt x="8578198" y="4426839"/>
-                </a:cubicBezTo>
-                <a:cubicBezTo>
-                  <a:pt x="8340547" y="4449559"/>
-                  <a:pt x="8102644" y="4471034"/>
-                  <a:pt x="7864358" y="4488290"/>
-                </a:cubicBezTo>
-                <a:cubicBezTo>
-                  <a:pt x="7554994" y="4510634"/>
-                  <a:pt x="7245502" y="4528512"/>
-                  <a:pt x="6935502" y="4539684"/>
-                </a:cubicBezTo>
-                <a:cubicBezTo>
-                  <a:pt x="6782917" y="4545147"/>
-                  <a:pt x="6630334" y="4548995"/>
-                  <a:pt x="6477750" y="4553587"/>
-                </a:cubicBezTo>
-                <a:cubicBezTo>
-                  <a:pt x="6439195" y="4551503"/>
-                  <a:pt x="6400529" y="4553128"/>
-                  <a:pt x="6362294" y="4558430"/>
-                </a:cubicBezTo>
-                <a:lnTo>
-                  <a:pt x="6057129" y="4558430"/>
-                </a:lnTo>
-                <a:lnTo>
-                  <a:pt x="5977784" y="4553836"/>
-                </a:lnTo>
-                <a:cubicBezTo>
-                  <a:pt x="5740261" y="4541423"/>
-                  <a:pt x="5502739" y="4527644"/>
-                  <a:pt x="5265087" y="4517587"/>
-                </a:cubicBezTo>
-                <a:cubicBezTo>
-                  <a:pt x="4958267" y="4505171"/>
-                  <a:pt x="4651826" y="4484691"/>
-                  <a:pt x="4346277" y="4455517"/>
-                </a:cubicBezTo>
-                <a:cubicBezTo>
-                  <a:pt x="4021654" y="4424605"/>
-                  <a:pt x="3697795" y="4389970"/>
-                  <a:pt x="3373045" y="4356948"/>
-                </a:cubicBezTo>
-                <a:cubicBezTo>
-                  <a:pt x="3035412" y="4322686"/>
-                  <a:pt x="2698456" y="4283047"/>
-                  <a:pt x="2362173" y="4238021"/>
-                </a:cubicBezTo>
-                <a:cubicBezTo>
-                  <a:pt x="1984692" y="4187868"/>
-                  <a:pt x="1608364" y="4130142"/>
-                  <a:pt x="1233177" y="4064845"/>
-                </a:cubicBezTo>
-                <a:cubicBezTo>
-                  <a:pt x="842181" y="3996132"/>
-                  <a:pt x="453758" y="3917644"/>
-                  <a:pt x="68500" y="3825138"/>
-                </a:cubicBezTo>
-                <a:lnTo>
-                  <a:pt x="0" y="3807783"/>
-                </a:lnTo>
-                <a:lnTo>
-                  <a:pt x="0" y="3751294"/>
-                </a:lnTo>
-                <a:lnTo>
-                  <a:pt x="72441" y="3770071"/>
-                </a:lnTo>
-                <a:cubicBezTo>
-                  <a:pt x="247961" y="3812249"/>
-                  <a:pt x="424164" y="3851509"/>
-                  <a:pt x="600716" y="3888441"/>
-                </a:cubicBezTo>
-                <a:cubicBezTo>
-                  <a:pt x="988279" y="3969255"/>
-                  <a:pt x="1378133" y="4038153"/>
-                  <a:pt x="1769512" y="4098609"/>
-                </a:cubicBezTo>
-                <a:cubicBezTo>
-                  <a:pt x="2052426" y="4142185"/>
-                  <a:pt x="2335725" y="4182282"/>
-                  <a:pt x="2613554" y="4215551"/>
-                </a:cubicBezTo>
-                <a:cubicBezTo>
-                  <a:pt x="2605544" y="4218158"/>
-                  <a:pt x="2594611" y="4208102"/>
-                  <a:pt x="2581134" y="4205620"/>
-                </a:cubicBezTo>
-                <a:cubicBezTo>
-                  <a:pt x="2087178" y="4113668"/>
-                  <a:pt x="1597684" y="4002775"/>
-                  <a:pt x="1112635" y="3872923"/>
-                </a:cubicBezTo>
-                <a:cubicBezTo>
-                  <a:pt x="880453" y="3810852"/>
-                  <a:pt x="649713" y="3744374"/>
-                  <a:pt x="420412" y="3673490"/>
-                </a:cubicBezTo>
-                <a:lnTo>
-                  <a:pt x="0" y="3534573"/>
-                </a:lnTo>
-                <a:close/>
-              </a:path>
-            </a:pathLst>
-          </a:custGeom>
-        </p:spPr>
-      </p:pic>
-      <p:sp>
-        <p:nvSpPr>
-          <p:cNvPr id="17" name="sketch line">
-            <a:extLst>
-              <a:ext uri="{FF2B5EF4-FFF2-40B4-BE49-F238E27FC236}">
-                <a16:creationId xmlns:a16="http://schemas.microsoft.com/office/drawing/2014/main" id="{3540989C-C7B8-473B-BF87-6F2DA6A90006}"/>
-              </a:ext>
-              <a:ext uri="{C183D7F6-B498-43B3-948B-1728B52AA6E4}">
-                <adec:decorative xmlns:adec="http://schemas.microsoft.com/office/drawing/2017/decorative" val="1"/>
-              </a:ext>
-            </a:extLst>
-          </p:cNvPr>
-          <p:cNvSpPr>
-            <a:spLocks noGrp="1" noRot="1" noChangeAspect="1" noMove="1" noResize="1" noEditPoints="1" noAdjustHandles="1" noChangeArrowheads="1" noChangeShapeType="1" noTextEdit="1"/>
-          </p:cNvSpPr>
-          <p:nvPr>
-            <p:extLst>
-              <p:ext uri="{386F3935-93C4-4BCD-93E2-E3B085C9AB24}">
-                <p16:designElem xmlns:p16="http://schemas.microsoft.com/office/powerpoint/2015/main" val="1"/>
-              </p:ext>
-            </p:extLst>
-          </p:nvPr>
-        </p:nvSpPr>
-        <p:spPr>
-          <a:xfrm rot="5400000">
-            <a:off x="3661305" y="5468206"/>
-            <a:ext cx="1371600" cy="18288"/>
-          </a:xfrm>
-          <a:custGeom>
-            <a:avLst/>
-            <a:gdLst>
-              <a:gd name="connsiteX0" fmla="*/ 0 w 1371600"/>
-              <a:gd name="connsiteY0" fmla="*/ 0 h 18288"/>
-              <a:gd name="connsiteX1" fmla="*/ 685800 w 1371600"/>
-              <a:gd name="connsiteY1" fmla="*/ 0 h 18288"/>
-              <a:gd name="connsiteX2" fmla="*/ 1371600 w 1371600"/>
-              <a:gd name="connsiteY2" fmla="*/ 0 h 18288"/>
-              <a:gd name="connsiteX3" fmla="*/ 1371600 w 1371600"/>
-              <a:gd name="connsiteY3" fmla="*/ 18288 h 18288"/>
-              <a:gd name="connsiteX4" fmla="*/ 713232 w 1371600"/>
-              <a:gd name="connsiteY4" fmla="*/ 18288 h 18288"/>
-              <a:gd name="connsiteX5" fmla="*/ 0 w 1371600"/>
-              <a:gd name="connsiteY5" fmla="*/ 18288 h 18288"/>
-              <a:gd name="connsiteX6" fmla="*/ 0 w 1371600"/>
-              <a:gd name="connsiteY6" fmla="*/ 0 h 18288"/>
-            </a:gdLst>
-            <a:ahLst/>
-            <a:cxnLst>
-              <a:cxn ang="0">
-                <a:pos x="connsiteX0" y="connsiteY0"/>
-              </a:cxn>
-              <a:cxn ang="0">
-                <a:pos x="connsiteX1" y="connsiteY1"/>
-              </a:cxn>
-              <a:cxn ang="0">
-                <a:pos x="connsiteX2" y="connsiteY2"/>
-              </a:cxn>
-              <a:cxn ang="0">
-                <a:pos x="connsiteX3" y="connsiteY3"/>
-              </a:cxn>
-              <a:cxn ang="0">
-                <a:pos x="connsiteX4" y="connsiteY4"/>
-              </a:cxn>
-              <a:cxn ang="0">
-                <a:pos x="connsiteX5" y="connsiteY5"/>
-              </a:cxn>
-              <a:cxn ang="0">
-                <a:pos x="connsiteX6" y="connsiteY6"/>
-              </a:cxn>
-            </a:cxnLst>
-            <a:rect l="l" t="t" r="r" b="b"/>
-            <a:pathLst>
-              <a:path w="1371600" h="18288" fill="none" extrusionOk="0">
-                <a:moveTo>
-                  <a:pt x="0" y="0"/>
-                </a:moveTo>
-                <a:cubicBezTo>
-                  <a:pt x="247303" y="31625"/>
-                  <a:pt x="422310" y="-25629"/>
-                  <a:pt x="685800" y="0"/>
-                </a:cubicBezTo>
-                <a:cubicBezTo>
-                  <a:pt x="949290" y="25629"/>
-                  <a:pt x="1192357" y="6696"/>
-                  <a:pt x="1371600" y="0"/>
-                </a:cubicBezTo>
-                <a:cubicBezTo>
-                  <a:pt x="1371355" y="6649"/>
-                  <a:pt x="1371915" y="11310"/>
-                  <a:pt x="1371600" y="18288"/>
-                </a:cubicBezTo>
-                <a:cubicBezTo>
-                  <a:pt x="1107995" y="26464"/>
-                  <a:pt x="1033361" y="32942"/>
-                  <a:pt x="713232" y="18288"/>
-                </a:cubicBezTo>
-                <a:cubicBezTo>
-                  <a:pt x="393103" y="3634"/>
-                  <a:pt x="289343" y="43221"/>
-                  <a:pt x="0" y="18288"/>
-                </a:cubicBezTo>
-                <a:cubicBezTo>
-                  <a:pt x="-459" y="11562"/>
-                  <a:pt x="-31" y="5093"/>
-                  <a:pt x="0" y="0"/>
-                </a:cubicBezTo>
-                <a:close/>
-              </a:path>
-              <a:path w="1371600" h="18288" stroke="0" extrusionOk="0">
-                <a:moveTo>
-                  <a:pt x="0" y="0"/>
-                </a:moveTo>
-                <a:cubicBezTo>
-                  <a:pt x="170249" y="-24099"/>
-                  <a:pt x="504634" y="14338"/>
-                  <a:pt x="644652" y="0"/>
-                </a:cubicBezTo>
-                <a:cubicBezTo>
-                  <a:pt x="784670" y="-14338"/>
-                  <a:pt x="1087773" y="8679"/>
-                  <a:pt x="1371600" y="0"/>
-                </a:cubicBezTo>
-                <a:cubicBezTo>
-                  <a:pt x="1372456" y="3662"/>
-                  <a:pt x="1371030" y="13946"/>
-                  <a:pt x="1371600" y="18288"/>
-                </a:cubicBezTo>
-                <a:cubicBezTo>
-                  <a:pt x="1176823" y="-1409"/>
-                  <a:pt x="900830" y="9989"/>
-                  <a:pt x="713232" y="18288"/>
-                </a:cubicBezTo>
-                <a:cubicBezTo>
-                  <a:pt x="525634" y="26587"/>
-                  <a:pt x="282837" y="5724"/>
-                  <a:pt x="0" y="18288"/>
-                </a:cubicBezTo>
-                <a:cubicBezTo>
-                  <a:pt x="367" y="13143"/>
-                  <a:pt x="-823" y="5844"/>
-                  <a:pt x="0" y="0"/>
-                </a:cubicBezTo>
-                <a:close/>
-              </a:path>
-            </a:pathLst>
-          </a:custGeom>
-          <a:solidFill>
-            <a:schemeClr val="accent2"/>
-          </a:solidFill>
-          <a:ln w="44450" cap="rnd">
-            <a:solidFill>
-              <a:schemeClr val="accent2"/>
-            </a:solidFill>
-            <a:round/>
-            <a:extLst>
-              <a:ext uri="{C807C97D-BFC1-408E-A445-0C87EB9F89A2}">
-                <ask:lineSketchStyleProps xmlns:ask="http://schemas.microsoft.com/office/drawing/2018/sketchyshapes" sd="615697673">
-                  <a:prstGeom prst="rect">
-                    <a:avLst/>
-                  </a:prstGeom>
-                  <ask:type>
-                    <ask:lineSketchFreehand/>
-                  </ask:type>
-                </ask:lineSketchStyleProps>
-              </a:ext>
-            </a:extLst>
-          </a:ln>
-        </p:spPr>
-        <p:style>
-          <a:lnRef idx="2">
-            <a:schemeClr val="accent1">
-              <a:shade val="50000"/>
-            </a:schemeClr>
-          </a:lnRef>
-          <a:fillRef idx="1">
-            <a:schemeClr val="accent1"/>
-          </a:fillRef>
-          <a:effectRef idx="0">
-            <a:schemeClr val="accent1"/>
-          </a:effectRef>
-          <a:fontRef idx="minor">
-            <a:schemeClr val="lt1"/>
-          </a:fontRef>
-        </p:style>
-        <p:txBody>
-          <a:bodyPr rtlCol="0" anchor="ctr"/>
-          <a:lstStyle/>
-          <a:p>
-            <a:pPr algn="ctr"/>
-            <a:endParaRPr lang="en-US"/>
-          </a:p>
-        </p:txBody>
-      </p:sp>
-      <p:sp>
-        <p:nvSpPr>
-          <p:cNvPr id="3" name="Rectangle 2"/>
-          <p:cNvSpPr/>
-          <p:nvPr/>
-        </p:nvSpPr>
-        <p:spPr>
-          <a:xfrm>
-            <a:off x="4654294" y="4087626"/>
-            <a:ext cx="6897626" cy="2405637"/>
-          </a:xfrm>
-          <a:prstGeom prst="rect">
-            <a:avLst/>
-          </a:prstGeom>
-        </p:spPr>
-        <p:txBody>
-          <a:bodyPr vert="horz" lIns="91440" tIns="45720" rIns="91440" bIns="45720" rtlCol="0" anchor="ctr">
-            <a:noAutofit/>
-          </a:bodyPr>
-          <a:lstStyle/>
-          <a:p>
-            <a:pPr indent="-228600">
-              <a:lnSpc>
-                <a:spcPct val="90000"/>
-              </a:lnSpc>
-              <a:spcAft>
-                <a:spcPts val="600"/>
-              </a:spcAft>
-              <a:buFont typeface="Arial" panose="020B0604020202020204" pitchFamily="34" charset="0"/>
-              <a:buChar char="•"/>
-            </a:pPr>
-            <a:r>
-              <a:rPr lang="en-US" sz="900" dirty="0"/>
-              <a:t>The bar chart shows the total amount in USD by region.</a:t>
-            </a:r>
-            <a:endParaRPr lang="en-US" sz="900">
-              <a:ea typeface="Calibri"/>
-              <a:cs typeface="Calibri"/>
-            </a:endParaRPr>
-          </a:p>
-          <a:p>
-            <a:pPr indent="-228600">
-              <a:lnSpc>
-                <a:spcPct val="90000"/>
-              </a:lnSpc>
-              <a:spcAft>
-                <a:spcPts val="600"/>
-              </a:spcAft>
-              <a:buFont typeface="Arial" panose="020B0604020202020204" pitchFamily="34" charset="0"/>
-              <a:buChar char="•"/>
-            </a:pPr>
-            <a:r>
-              <a:rPr lang="en-US" sz="900" dirty="0"/>
-              <a:t>Key Trends and Patterns:</a:t>
-            </a:r>
-            <a:endParaRPr lang="en-US" sz="900">
-              <a:ea typeface="Calibri"/>
-              <a:cs typeface="Calibri"/>
-            </a:endParaRPr>
-          </a:p>
-          <a:p>
-            <a:pPr indent="-228600">
-              <a:lnSpc>
-                <a:spcPct val="90000"/>
-              </a:lnSpc>
-              <a:spcAft>
-                <a:spcPts val="600"/>
-              </a:spcAft>
-              <a:buFont typeface="Arial" panose="020B0604020202020204" pitchFamily="34" charset="0"/>
-              <a:buChar char="•"/>
-            </a:pPr>
-            <a:r>
-              <a:rPr lang="en-US" sz="900" dirty="0"/>
-              <a:t>Northeast region has the highest total amount in USD, followed by Southeast, West and Midwest.</a:t>
-            </a:r>
-            <a:endParaRPr lang="en-US" sz="900">
-              <a:ea typeface="Calibri"/>
-              <a:cs typeface="Calibri"/>
-            </a:endParaRPr>
-          </a:p>
-          <a:p>
-            <a:pPr indent="-228600">
-              <a:lnSpc>
-                <a:spcPct val="90000"/>
-              </a:lnSpc>
-              <a:spcAft>
-                <a:spcPts val="600"/>
-              </a:spcAft>
-              <a:buFont typeface="Arial" panose="020B0604020202020204" pitchFamily="34" charset="0"/>
-              <a:buChar char="•"/>
-            </a:pPr>
-            <a:r>
-              <a:rPr lang="en-US" sz="900" dirty="0"/>
-              <a:t>The total amount in USD for Northeast is significantly higher than the other regions.</a:t>
-            </a:r>
-            <a:endParaRPr lang="en-US" sz="900">
-              <a:ea typeface="Calibri"/>
-              <a:cs typeface="Calibri"/>
-            </a:endParaRPr>
-          </a:p>
-          <a:p>
-            <a:pPr indent="-228600">
-              <a:lnSpc>
-                <a:spcPct val="90000"/>
-              </a:lnSpc>
-              <a:spcAft>
-                <a:spcPts val="600"/>
-              </a:spcAft>
-              <a:buFont typeface="Arial" panose="020B0604020202020204" pitchFamily="34" charset="0"/>
-              <a:buChar char="•"/>
-            </a:pPr>
-            <a:r>
-              <a:rPr lang="en-US" sz="900" dirty="0"/>
-              <a:t>Performance Differences:</a:t>
-            </a:r>
-            <a:endParaRPr lang="en-US" sz="900">
-              <a:ea typeface="Calibri"/>
-              <a:cs typeface="Calibri"/>
-            </a:endParaRPr>
-          </a:p>
-          <a:p>
-            <a:pPr indent="-228600">
-              <a:lnSpc>
-                <a:spcPct val="90000"/>
-              </a:lnSpc>
-              <a:spcAft>
-                <a:spcPts val="600"/>
-              </a:spcAft>
-              <a:buFont typeface="Arial" panose="020B0604020202020204" pitchFamily="34" charset="0"/>
-              <a:buChar char="•"/>
-            </a:pPr>
-            <a:r>
-              <a:rPr lang="en-US" sz="900" dirty="0"/>
-              <a:t>Northeast region outperforms other regions significantly, while the Midwest region has the lowest total amount in USD.</a:t>
-            </a:r>
-            <a:endParaRPr lang="en-US" sz="900">
-              <a:ea typeface="Calibri"/>
-              <a:cs typeface="Calibri"/>
-            </a:endParaRPr>
-          </a:p>
-          <a:p>
-            <a:pPr indent="-228600">
-              <a:lnSpc>
-                <a:spcPct val="90000"/>
-              </a:lnSpc>
-              <a:spcAft>
-                <a:spcPts val="600"/>
-              </a:spcAft>
-              <a:buFont typeface="Arial" panose="020B0604020202020204" pitchFamily="34" charset="0"/>
-              <a:buChar char="•"/>
-            </a:pPr>
-            <a:r>
-              <a:rPr lang="en-US" sz="900" dirty="0"/>
-              <a:t>Southeast and West regions show similar performance levels, but lower than Northeast.</a:t>
-            </a:r>
-            <a:endParaRPr lang="en-US" sz="900">
-              <a:ea typeface="Calibri"/>
-              <a:cs typeface="Calibri"/>
-            </a:endParaRPr>
-          </a:p>
-          <a:p>
-            <a:pPr indent="-228600">
-              <a:lnSpc>
-                <a:spcPct val="90000"/>
-              </a:lnSpc>
-              <a:spcAft>
-                <a:spcPts val="600"/>
-              </a:spcAft>
-              <a:buFont typeface="Arial" panose="020B0604020202020204" pitchFamily="34" charset="0"/>
-              <a:buChar char="•"/>
-            </a:pPr>
-            <a:r>
-              <a:rPr lang="en-US" sz="900" dirty="0"/>
-              <a:t>Actionable Insights:</a:t>
-            </a:r>
-            <a:endParaRPr lang="en-US" sz="900">
-              <a:ea typeface="Calibri"/>
-              <a:cs typeface="Calibri"/>
-            </a:endParaRPr>
-          </a:p>
-          <a:p>
-            <a:pPr indent="-228600">
-              <a:lnSpc>
-                <a:spcPct val="90000"/>
-              </a:lnSpc>
-              <a:spcAft>
-                <a:spcPts val="600"/>
-              </a:spcAft>
-              <a:buFont typeface="Arial" panose="020B0604020202020204" pitchFamily="34" charset="0"/>
-              <a:buChar char="•"/>
-            </a:pPr>
-            <a:r>
-              <a:rPr lang="en-US" sz="900" dirty="0"/>
-              <a:t>Focus on the Northeast region for growth and expansion, as it shows the highest potential.</a:t>
-            </a:r>
-            <a:endParaRPr lang="en-US" sz="900">
-              <a:ea typeface="Calibri"/>
-              <a:cs typeface="Calibri"/>
-            </a:endParaRPr>
-          </a:p>
-          <a:p>
-            <a:pPr indent="-228600">
-              <a:lnSpc>
-                <a:spcPct val="90000"/>
-              </a:lnSpc>
-              <a:spcAft>
-                <a:spcPts val="600"/>
-              </a:spcAft>
-              <a:buFont typeface="Arial" panose="020B0604020202020204" pitchFamily="34" charset="0"/>
-              <a:buChar char="•"/>
-            </a:pPr>
-            <a:r>
-              <a:rPr lang="en-US" sz="900" dirty="0"/>
-              <a:t>Investigate the reasons for the lower performance in the Midwest region,   and consider strategies to improve its performance.</a:t>
-            </a:r>
-            <a:endParaRPr lang="en-US" sz="900">
-              <a:ea typeface="Calibri"/>
-              <a:cs typeface="Calibri"/>
-            </a:endParaRPr>
-          </a:p>
-          <a:p>
-            <a:pPr indent="-228600">
-              <a:lnSpc>
-                <a:spcPct val="90000"/>
-              </a:lnSpc>
-              <a:spcAft>
-                <a:spcPts val="600"/>
-              </a:spcAft>
-              <a:buFont typeface="Arial" panose="020B0604020202020204" pitchFamily="34" charset="0"/>
-              <a:buChar char="•"/>
-            </a:pPr>
-            <a:r>
-              <a:rPr lang="en-US" sz="900" dirty="0"/>
-              <a:t>Continue to maintain the performance levels in the Southeast and West regions, while exploring opportunities to increase their contribution.</a:t>
-            </a:r>
-            <a:endParaRPr lang="en-US" sz="900">
-              <a:ea typeface="Calibri"/>
-              <a:cs typeface="Calibri"/>
-            </a:endParaRPr>
-          </a:p>
-          <a:p>
-            <a:pPr indent="-228600">
-              <a:lnSpc>
-                <a:spcPct val="90000"/>
-              </a:lnSpc>
-              <a:spcAft>
-                <a:spcPts val="600"/>
-              </a:spcAft>
-              <a:buFont typeface="Arial" panose="020B0604020202020204" pitchFamily="34" charset="0"/>
-              <a:buChar char="•"/>
-            </a:pPr>
-            <a:r>
-              <a:rPr lang="en-US" sz="900" dirty="0"/>
-              <a:t>Overall, the Northeast region is the top performer, while the Midwest region needs improvement.</a:t>
-            </a:r>
-            <a:endParaRPr lang="en-US" sz="900" i="0" dirty="0">
-              <a:effectLst/>
-              <a:ea typeface="Calibri"/>
-              <a:cs typeface="Calibri"/>
-            </a:endParaRPr>
-          </a:p>
-        </p:txBody>
-      </p:sp>
-    </p:spTree>
-    <p:extLst>
-      <p:ext uri="{BB962C8B-B14F-4D97-AF65-F5344CB8AC3E}">
-        <p14:creationId xmlns:p14="http://schemas.microsoft.com/office/powerpoint/2010/main" val="1081721524"/>
-      </p:ext>
-    </p:extLst>
-  </p:cSld>
-  <p:clrMapOvr>
-    <a:masterClrMapping/>
-  </p:clrMapOvr>
-</p:sld>
-</file>
-
-<file path=ppt/slides/slide8.xml><?xml version="1.0" encoding="utf-8"?>
-<p:sld xmlns:a="http://schemas.openxmlformats.org/drawingml/2006/main" xmlns:r="http://schemas.openxmlformats.org/officeDocument/2006/relationships" xmlns:p="http://schemas.openxmlformats.org/presentationml/2006/main">
-  <p:cSld>
-    <p:bg>
-      <p:bgPr>
-        <a:solidFill>
-          <a:schemeClr val="bg1"/>
-        </a:solidFill>
-        <a:effectLst/>
-      </p:bgPr>
-    </p:bg>
     <p:spTree>
       <p:nvGrpSpPr>
         <p:cNvPr id="1" name=""/>
@@ -10714,1694 +8857,96 @@
       </p:grpSpPr>
       <p:sp>
         <p:nvSpPr>
-          <p:cNvPr id="9" name="Rectangle 8">
+          <p:cNvPr id="2" name="Title 1">
             <a:extLst>
               <a:ext uri="{FF2B5EF4-FFF2-40B4-BE49-F238E27FC236}">
-                <a16:creationId xmlns:a16="http://schemas.microsoft.com/office/drawing/2014/main" id="{D7A453D2-15D8-4403-815F-291FA16340D9}"/>
-              </a:ext>
-              <a:ext uri="{C183D7F6-B498-43B3-948B-1728B52AA6E4}">
-                <adec:decorative xmlns:adec="http://schemas.microsoft.com/office/drawing/2017/decorative" val="1"/>
+                <a16:creationId xmlns:a16="http://schemas.microsoft.com/office/drawing/2014/main" id="{B2100E75-73D2-FB09-00FC-4D7E137028BA}"/>
               </a:ext>
             </a:extLst>
           </p:cNvPr>
           <p:cNvSpPr>
-            <a:spLocks noGrp="1" noRot="1" noChangeAspect="1" noMove="1" noResize="1" noEditPoints="1" noAdjustHandles="1" noChangeArrowheads="1" noChangeShapeType="1" noTextEdit="1"/>
+            <a:spLocks noGrp="1"/>
           </p:cNvSpPr>
           <p:nvPr>
-            <p:extLst>
-              <p:ext uri="{386F3935-93C4-4BCD-93E2-E3B085C9AB24}">
-                <p16:designElem xmlns:p16="http://schemas.microsoft.com/office/powerpoint/2015/main" val="1"/>
-              </p:ext>
-            </p:extLst>
+            <p:ph type="title"/>
           </p:nvPr>
         </p:nvSpPr>
         <p:spPr>
           <a:xfrm>
-            <a:off x="3048" y="0"/>
-            <a:ext cx="12188952" cy="6858000"/>
+            <a:off x="272143" y="190954"/>
+            <a:ext cx="10657114" cy="1213303"/>
           </a:xfrm>
-          <a:prstGeom prst="rect">
+        </p:spPr>
+        <p:txBody>
+          <a:bodyPr>
+            <a:normAutofit/>
+          </a:bodyPr>
+          <a:lstStyle/>
+          <a:p>
+            <a:r>
+              <a:rPr lang="en-GB" sz="2800" b="1" dirty="0">
+                <a:latin typeface="Century Gothic" panose="020B0502020202020204" pitchFamily="34" charset="0"/>
+              </a:rPr>
+              <a:t>Recommendations</a:t>
+            </a:r>
+            <a:endParaRPr lang="en-NG" sz="2800" b="1" dirty="0">
+              <a:latin typeface="Century Gothic" panose="020B0502020202020204" pitchFamily="34" charset="0"/>
+            </a:endParaRPr>
+          </a:p>
+        </p:txBody>
+      </p:sp>
+      <p:cxnSp>
+        <p:nvCxnSpPr>
+          <p:cNvPr id="5" name="Straight Connector 4">
+            <a:extLst>
+              <a:ext uri="{FF2B5EF4-FFF2-40B4-BE49-F238E27FC236}">
+                <a16:creationId xmlns:a16="http://schemas.microsoft.com/office/drawing/2014/main" id="{DE812377-65EE-1BDA-BD4C-6BB5EEBE0F97}"/>
+              </a:ext>
+            </a:extLst>
+          </p:cNvPr>
+          <p:cNvCxnSpPr/>
+          <p:nvPr/>
+        </p:nvCxnSpPr>
+        <p:spPr>
+          <a:xfrm>
+            <a:off x="272143" y="1404257"/>
+            <a:ext cx="10472057" cy="0"/>
+          </a:xfrm>
+          <a:prstGeom prst="line">
             <a:avLst/>
           </a:prstGeom>
-          <a:solidFill>
-            <a:schemeClr val="tx2"/>
-          </a:solidFill>
-          <a:ln>
-            <a:noFill/>
-          </a:ln>
         </p:spPr>
         <p:style>
           <a:lnRef idx="2">
-            <a:schemeClr val="accent1">
-              <a:shade val="50000"/>
-            </a:schemeClr>
+            <a:schemeClr val="dk1"/>
           </a:lnRef>
-          <a:fillRef idx="1">
-            <a:schemeClr val="accent1"/>
+          <a:fillRef idx="0">
+            <a:schemeClr val="dk1"/>
           </a:fillRef>
-          <a:effectRef idx="0">
-            <a:schemeClr val="accent1"/>
+          <a:effectRef idx="1">
+            <a:schemeClr val="dk1"/>
           </a:effectRef>
           <a:fontRef idx="minor">
-            <a:schemeClr val="lt1"/>
+            <a:schemeClr val="tx1"/>
           </a:fontRef>
         </p:style>
-        <p:txBody>
-          <a:bodyPr rtlCol="0" anchor="ctr"/>
-          <a:lstStyle/>
-          <a:p>
-            <a:pPr algn="ctr"/>
-            <a:endParaRPr lang="en-US"/>
-          </a:p>
-        </p:txBody>
-      </p:sp>
+      </p:cxnSp>
       <p:sp>
         <p:nvSpPr>
-          <p:cNvPr id="11" name="Rectangle 10">
+          <p:cNvPr id="7" name="TextBox 6">
             <a:extLst>
               <a:ext uri="{FF2B5EF4-FFF2-40B4-BE49-F238E27FC236}">
-                <a16:creationId xmlns:a16="http://schemas.microsoft.com/office/drawing/2014/main" id="{8161EA6B-09CA-445B-AB0D-8DF76FA92DEF}"/>
-              </a:ext>
-              <a:ext uri="{C183D7F6-B498-43B3-948B-1728B52AA6E4}">
-                <adec:decorative xmlns:adec="http://schemas.microsoft.com/office/drawing/2017/decorative" val="1"/>
+                <a16:creationId xmlns:a16="http://schemas.microsoft.com/office/drawing/2014/main" id="{1A4B530D-8FD8-FED8-5ECF-A7201314B485}"/>
               </a:ext>
             </a:extLst>
           </p:cNvPr>
-          <p:cNvSpPr>
-            <a:spLocks noGrp="1" noRot="1" noChangeAspect="1" noMove="1" noResize="1" noEditPoints="1" noAdjustHandles="1" noChangeArrowheads="1" noChangeShapeType="1" noTextEdit="1"/>
-          </p:cNvSpPr>
-          <p:nvPr>
-            <p:extLst>
-              <p:ext uri="{386F3935-93C4-4BCD-93E2-E3B085C9AB24}">
-                <p16:designElem xmlns:p16="http://schemas.microsoft.com/office/powerpoint/2015/main" val="1"/>
-              </p:ext>
-            </p:extLst>
-          </p:nvPr>
-        </p:nvSpPr>
-        <p:spPr>
-          <a:xfrm>
-            <a:off x="0" y="0"/>
-            <a:ext cx="12188952" cy="6858000"/>
-          </a:xfrm>
-          <a:prstGeom prst="rect">
-            <a:avLst/>
-          </a:prstGeom>
-          <a:solidFill>
-            <a:schemeClr val="tx1">
-              <a:alpha val="53000"/>
-            </a:schemeClr>
-          </a:solidFill>
-          <a:ln>
-            <a:noFill/>
-          </a:ln>
-        </p:spPr>
-        <p:style>
-          <a:lnRef idx="2">
-            <a:schemeClr val="accent1">
-              <a:shade val="50000"/>
-            </a:schemeClr>
-          </a:lnRef>
-          <a:fillRef idx="1">
-            <a:schemeClr val="accent1"/>
-          </a:fillRef>
-          <a:effectRef idx="0">
-            <a:schemeClr val="accent1"/>
-          </a:effectRef>
-          <a:fontRef idx="minor">
-            <a:schemeClr val="lt1"/>
-          </a:fontRef>
-        </p:style>
-        <p:txBody>
-          <a:bodyPr rtlCol="0" anchor="ctr"/>
-          <a:lstStyle/>
-          <a:p>
-            <a:pPr algn="ctr"/>
-            <a:endParaRPr lang="en-US"/>
-          </a:p>
-        </p:txBody>
-      </p:sp>
-      <p:grpSp>
-        <p:nvGrpSpPr>
-          <p:cNvPr id="13" name="Group 12">
-            <a:extLst>
-              <a:ext uri="{FF2B5EF4-FFF2-40B4-BE49-F238E27FC236}">
-                <a16:creationId xmlns:a16="http://schemas.microsoft.com/office/drawing/2014/main" id="{1EA1DAFF-CECA-492F-BFA1-22C64956B8D9}"/>
-              </a:ext>
-              <a:ext uri="{C183D7F6-B498-43B3-948B-1728B52AA6E4}">
-                <adec:decorative xmlns:adec="http://schemas.microsoft.com/office/drawing/2017/decorative" val="1"/>
-              </a:ext>
-            </a:extLst>
-          </p:cNvPr>
-          <p:cNvGrpSpPr>
-            <a:grpSpLocks noGrp="1" noUngrp="1" noRot="1" noChangeAspect="1" noMove="1" noResize="1"/>
-          </p:cNvGrpSpPr>
-          <p:nvPr>
-            <p:extLst>
-              <p:ext uri="{386F3935-93C4-4BCD-93E2-E3B085C9AB24}">
-                <p16:designElem xmlns:p16="http://schemas.microsoft.com/office/powerpoint/2015/main" val="1"/>
-              </p:ext>
-            </p:extLst>
-          </p:nvPr>
-        </p:nvGrpSpPr>
-        <p:grpSpPr>
-          <a:xfrm>
-            <a:off x="1" y="2075420"/>
-            <a:ext cx="12048729" cy="4093306"/>
-            <a:chOff x="1" y="2075420"/>
-            <a:chExt cx="12048729" cy="4093306"/>
-          </a:xfrm>
-        </p:grpSpPr>
-        <p:sp>
-          <p:nvSpPr>
-            <p:cNvPr id="14" name="Oval 13">
-              <a:extLst>
-                <a:ext uri="{FF2B5EF4-FFF2-40B4-BE49-F238E27FC236}">
-                  <a16:creationId xmlns:a16="http://schemas.microsoft.com/office/drawing/2014/main" id="{5D3D3744-142C-4653-90AB-546FE6B849E3}"/>
-                </a:ext>
-                <a:ext uri="{C183D7F6-B498-43B3-948B-1728B52AA6E4}">
-                  <adec:decorative xmlns:adec="http://schemas.microsoft.com/office/drawing/2017/decorative" val="1"/>
-                </a:ext>
-              </a:extLst>
-            </p:cNvPr>
-            <p:cNvSpPr/>
-            <p:nvPr>
-              <p:extLst>
-                <p:ext uri="{386F3935-93C4-4BCD-93E2-E3B085C9AB24}">
-                  <p16:designElem xmlns:p16="http://schemas.microsoft.com/office/powerpoint/2015/main" val="1"/>
-                </p:ext>
-              </p:extLst>
-            </p:nvPr>
-          </p:nvSpPr>
-          <p:spPr>
-            <a:xfrm rot="4500000">
-              <a:off x="7942191" y="2507571"/>
-              <a:ext cx="3563871" cy="3563871"/>
-            </a:xfrm>
-            <a:prstGeom prst="ellipse">
-              <a:avLst/>
-            </a:prstGeom>
-            <a:noFill/>
-            <a:ln w="31750">
-              <a:gradFill>
-                <a:gsLst>
-                  <a:gs pos="0">
-                    <a:schemeClr val="tx2">
-                      <a:lumMod val="60000"/>
-                      <a:lumOff val="40000"/>
-                      <a:alpha val="10000"/>
-                    </a:schemeClr>
-                  </a:gs>
-                  <a:gs pos="100000">
-                    <a:schemeClr val="tx2">
-                      <a:lumMod val="50000"/>
-                      <a:alpha val="20000"/>
-                    </a:schemeClr>
-                  </a:gs>
-                </a:gsLst>
-                <a:lin ang="5400000" scaled="1"/>
-              </a:gradFill>
-              <a:prstDash val="sysDot"/>
-            </a:ln>
-          </p:spPr>
-          <p:style>
-            <a:lnRef idx="2">
-              <a:schemeClr val="accent1">
-                <a:shade val="50000"/>
-              </a:schemeClr>
-            </a:lnRef>
-            <a:fillRef idx="1">
-              <a:schemeClr val="accent1"/>
-            </a:fillRef>
-            <a:effectRef idx="0">
-              <a:schemeClr val="accent1"/>
-            </a:effectRef>
-            <a:fontRef idx="minor">
-              <a:schemeClr val="lt1"/>
-            </a:fontRef>
-          </p:style>
-          <p:txBody>
-            <a:bodyPr rtlCol="0" anchor="ctr"/>
-            <a:lstStyle/>
-            <a:p>
-              <a:pPr algn="ctr"/>
-              <a:endParaRPr lang="en-US"/>
-            </a:p>
-          </p:txBody>
-        </p:sp>
-        <p:sp>
-          <p:nvSpPr>
-            <p:cNvPr id="15" name="Oval 14">
-              <a:extLst>
-                <a:ext uri="{FF2B5EF4-FFF2-40B4-BE49-F238E27FC236}">
-                  <a16:creationId xmlns:a16="http://schemas.microsoft.com/office/drawing/2014/main" id="{0BC69CAC-820B-41BA-BFCA-79B455768377}"/>
-                </a:ext>
-                <a:ext uri="{C183D7F6-B498-43B3-948B-1728B52AA6E4}">
-                  <adec:decorative xmlns:adec="http://schemas.microsoft.com/office/drawing/2017/decorative" val="1"/>
-                </a:ext>
-              </a:extLst>
-            </p:cNvPr>
-            <p:cNvSpPr/>
-            <p:nvPr>
-              <p:extLst>
-                <p:ext uri="{386F3935-93C4-4BCD-93E2-E3B085C9AB24}">
-                  <p16:designElem xmlns:p16="http://schemas.microsoft.com/office/powerpoint/2015/main" val="1"/>
-                </p:ext>
-              </p:extLst>
-            </p:nvPr>
-          </p:nvSpPr>
-          <p:spPr>
-            <a:xfrm rot="16200000">
-              <a:off x="10435065" y="4048931"/>
-              <a:ext cx="1381607" cy="1381607"/>
-            </a:xfrm>
-            <a:prstGeom prst="ellipse">
-              <a:avLst/>
-            </a:prstGeom>
-            <a:noFill/>
-            <a:ln w="31750">
-              <a:gradFill>
-                <a:gsLst>
-                  <a:gs pos="0">
-                    <a:schemeClr val="tx2">
-                      <a:lumMod val="60000"/>
-                      <a:lumOff val="40000"/>
-                      <a:alpha val="20000"/>
-                    </a:schemeClr>
-                  </a:gs>
-                  <a:gs pos="100000">
-                    <a:schemeClr val="tx2">
-                      <a:lumMod val="50000"/>
-                      <a:alpha val="20000"/>
-                    </a:schemeClr>
-                  </a:gs>
-                </a:gsLst>
-                <a:lin ang="5400000" scaled="1"/>
-              </a:gradFill>
-              <a:prstDash val="sysDot"/>
-            </a:ln>
-          </p:spPr>
-          <p:style>
-            <a:lnRef idx="2">
-              <a:schemeClr val="accent1">
-                <a:shade val="50000"/>
-              </a:schemeClr>
-            </a:lnRef>
-            <a:fillRef idx="1">
-              <a:schemeClr val="accent1"/>
-            </a:fillRef>
-            <a:effectRef idx="0">
-              <a:schemeClr val="accent1"/>
-            </a:effectRef>
-            <a:fontRef idx="minor">
-              <a:schemeClr val="lt1"/>
-            </a:fontRef>
-          </p:style>
-          <p:txBody>
-            <a:bodyPr rtlCol="0" anchor="ctr"/>
-            <a:lstStyle/>
-            <a:p>
-              <a:pPr algn="ctr"/>
-              <a:endParaRPr lang="en-US"/>
-            </a:p>
-          </p:txBody>
-        </p:sp>
-        <p:sp>
-          <p:nvSpPr>
-            <p:cNvPr id="16" name="Oval 15">
-              <a:extLst>
-                <a:ext uri="{FF2B5EF4-FFF2-40B4-BE49-F238E27FC236}">
-                  <a16:creationId xmlns:a16="http://schemas.microsoft.com/office/drawing/2014/main" id="{3D205E7A-88AB-4C4B-B8D1-5A76AA878BF6}"/>
-                </a:ext>
-                <a:ext uri="{C183D7F6-B498-43B3-948B-1728B52AA6E4}">
-                  <adec:decorative xmlns:adec="http://schemas.microsoft.com/office/drawing/2017/decorative" val="1"/>
-                </a:ext>
-              </a:extLst>
-            </p:cNvPr>
-            <p:cNvSpPr/>
-            <p:nvPr>
-              <p:extLst>
-                <p:ext uri="{386F3935-93C4-4BCD-93E2-E3B085C9AB24}">
-                  <p16:designElem xmlns:p16="http://schemas.microsoft.com/office/powerpoint/2015/main" val="1"/>
-                </p:ext>
-              </p:extLst>
-            </p:nvPr>
-          </p:nvSpPr>
-          <p:spPr>
-            <a:xfrm rot="16200000">
-              <a:off x="1" y="2075420"/>
-              <a:ext cx="3144364" cy="3144364"/>
-            </a:xfrm>
-            <a:prstGeom prst="ellipse">
-              <a:avLst/>
-            </a:prstGeom>
-            <a:gradFill>
-              <a:gsLst>
-                <a:gs pos="0">
-                  <a:schemeClr val="tx2">
-                    <a:lumMod val="75000"/>
-                    <a:alpha val="20000"/>
-                  </a:schemeClr>
-                </a:gs>
-                <a:gs pos="100000">
-                  <a:schemeClr val="tx2">
-                    <a:lumMod val="50000"/>
-                    <a:alpha val="10000"/>
-                  </a:schemeClr>
-                </a:gs>
-              </a:gsLst>
-              <a:lin ang="5400000" scaled="1"/>
-            </a:gradFill>
-            <a:ln>
-              <a:noFill/>
-            </a:ln>
-          </p:spPr>
-          <p:style>
-            <a:lnRef idx="2">
-              <a:schemeClr val="accent1">
-                <a:shade val="50000"/>
-              </a:schemeClr>
-            </a:lnRef>
-            <a:fillRef idx="1">
-              <a:schemeClr val="accent1"/>
-            </a:fillRef>
-            <a:effectRef idx="0">
-              <a:schemeClr val="accent1"/>
-            </a:effectRef>
-            <a:fontRef idx="minor">
-              <a:schemeClr val="lt1"/>
-            </a:fontRef>
-          </p:style>
-          <p:txBody>
-            <a:bodyPr rtlCol="0" anchor="ctr"/>
-            <a:lstStyle/>
-            <a:p>
-              <a:pPr algn="ctr"/>
-              <a:endParaRPr lang="en-US"/>
-            </a:p>
-          </p:txBody>
-        </p:sp>
-        <p:sp>
-          <p:nvSpPr>
-            <p:cNvPr id="17" name="Oval 16">
-              <a:extLst>
-                <a:ext uri="{FF2B5EF4-FFF2-40B4-BE49-F238E27FC236}">
-                  <a16:creationId xmlns:a16="http://schemas.microsoft.com/office/drawing/2014/main" id="{0D4286E9-8501-4EBF-874C-74897B4B6F01}"/>
-                </a:ext>
-                <a:ext uri="{C183D7F6-B498-43B3-948B-1728B52AA6E4}">
-                  <adec:decorative xmlns:adec="http://schemas.microsoft.com/office/drawing/2017/decorative" val="1"/>
-                </a:ext>
-              </a:extLst>
-            </p:cNvPr>
-            <p:cNvSpPr/>
-            <p:nvPr>
-              <p:extLst>
-                <p:ext uri="{386F3935-93C4-4BCD-93E2-E3B085C9AB24}">
-                  <p16:designElem xmlns:p16="http://schemas.microsoft.com/office/powerpoint/2015/main" val="1"/>
-                </p:ext>
-              </p:extLst>
-            </p:nvPr>
-          </p:nvSpPr>
-          <p:spPr>
-            <a:xfrm rot="12600000">
-              <a:off x="10150845" y="4270841"/>
-              <a:ext cx="1897885" cy="1897885"/>
-            </a:xfrm>
-            <a:prstGeom prst="ellipse">
-              <a:avLst/>
-            </a:prstGeom>
-            <a:gradFill>
-              <a:gsLst>
-                <a:gs pos="0">
-                  <a:schemeClr val="tx2">
-                    <a:lumMod val="75000"/>
-                    <a:alpha val="10000"/>
-                  </a:schemeClr>
-                </a:gs>
-                <a:gs pos="100000">
-                  <a:schemeClr val="tx2">
-                    <a:lumMod val="75000"/>
-                    <a:alpha val="20000"/>
-                  </a:schemeClr>
-                </a:gs>
-              </a:gsLst>
-              <a:lin ang="5400000" scaled="1"/>
-            </a:gradFill>
-            <a:ln>
-              <a:noFill/>
-            </a:ln>
-          </p:spPr>
-          <p:style>
-            <a:lnRef idx="2">
-              <a:schemeClr val="accent1">
-                <a:shade val="50000"/>
-              </a:schemeClr>
-            </a:lnRef>
-            <a:fillRef idx="1">
-              <a:schemeClr val="accent1"/>
-            </a:fillRef>
-            <a:effectRef idx="0">
-              <a:schemeClr val="accent1"/>
-            </a:effectRef>
-            <a:fontRef idx="minor">
-              <a:schemeClr val="lt1"/>
-            </a:fontRef>
-          </p:style>
-          <p:txBody>
-            <a:bodyPr rtlCol="0" anchor="ctr"/>
-            <a:lstStyle/>
-            <a:p>
-              <a:pPr algn="ctr"/>
-              <a:endParaRPr lang="en-US" dirty="0"/>
-            </a:p>
-          </p:txBody>
-        </p:sp>
-        <p:sp>
-          <p:nvSpPr>
-            <p:cNvPr id="18" name="Oval 17">
-              <a:extLst>
-                <a:ext uri="{FF2B5EF4-FFF2-40B4-BE49-F238E27FC236}">
-                  <a16:creationId xmlns:a16="http://schemas.microsoft.com/office/drawing/2014/main" id="{45586ADC-910E-45C9-BAB4-CB0EFBEE5B17}"/>
-                </a:ext>
-                <a:ext uri="{C183D7F6-B498-43B3-948B-1728B52AA6E4}">
-                  <adec:decorative xmlns:adec="http://schemas.microsoft.com/office/drawing/2017/decorative" val="1"/>
-                </a:ext>
-              </a:extLst>
-            </p:cNvPr>
-            <p:cNvSpPr/>
-            <p:nvPr>
-              <p:extLst>
-                <p:ext uri="{386F3935-93C4-4BCD-93E2-E3B085C9AB24}">
-                  <p16:designElem xmlns:p16="http://schemas.microsoft.com/office/powerpoint/2015/main" val="1"/>
-                </p:ext>
-              </p:extLst>
-            </p:nvPr>
-          </p:nvSpPr>
-          <p:spPr>
-            <a:xfrm rot="4500000">
-              <a:off x="2046780" y="3040492"/>
-              <a:ext cx="2579322" cy="2579322"/>
-            </a:xfrm>
-            <a:prstGeom prst="ellipse">
-              <a:avLst/>
-            </a:prstGeom>
-            <a:noFill/>
-            <a:ln w="31750">
-              <a:gradFill>
-                <a:gsLst>
-                  <a:gs pos="0">
-                    <a:schemeClr val="tx2">
-                      <a:lumMod val="60000"/>
-                      <a:lumOff val="40000"/>
-                      <a:alpha val="20000"/>
-                    </a:schemeClr>
-                  </a:gs>
-                  <a:gs pos="100000">
-                    <a:schemeClr val="tx2">
-                      <a:lumMod val="50000"/>
-                      <a:alpha val="20000"/>
-                    </a:schemeClr>
-                  </a:gs>
-                </a:gsLst>
-                <a:lin ang="5400000" scaled="1"/>
-              </a:gradFill>
-              <a:prstDash val="sysDot"/>
-            </a:ln>
-          </p:spPr>
-          <p:style>
-            <a:lnRef idx="2">
-              <a:schemeClr val="accent1">
-                <a:shade val="50000"/>
-              </a:schemeClr>
-            </a:lnRef>
-            <a:fillRef idx="1">
-              <a:schemeClr val="accent1"/>
-            </a:fillRef>
-            <a:effectRef idx="0">
-              <a:schemeClr val="accent1"/>
-            </a:effectRef>
-            <a:fontRef idx="minor">
-              <a:schemeClr val="lt1"/>
-            </a:fontRef>
-          </p:style>
-          <p:txBody>
-            <a:bodyPr rtlCol="0" anchor="ctr"/>
-            <a:lstStyle/>
-            <a:p>
-              <a:pPr algn="ctr"/>
-              <a:endParaRPr lang="en-US"/>
-            </a:p>
-          </p:txBody>
-        </p:sp>
-        <p:sp>
-          <p:nvSpPr>
-            <p:cNvPr id="19" name="Oval 18">
-              <a:extLst>
-                <a:ext uri="{FF2B5EF4-FFF2-40B4-BE49-F238E27FC236}">
-                  <a16:creationId xmlns:a16="http://schemas.microsoft.com/office/drawing/2014/main" id="{DAB594C5-5BB0-49AE-8AAC-AE40A6F8A3F3}"/>
-                </a:ext>
-                <a:ext uri="{C183D7F6-B498-43B3-948B-1728B52AA6E4}">
-                  <adec:decorative xmlns:adec="http://schemas.microsoft.com/office/drawing/2017/decorative" val="1"/>
-                </a:ext>
-              </a:extLst>
-            </p:cNvPr>
-            <p:cNvSpPr/>
-            <p:nvPr>
-              <p:extLst>
-                <p:ext uri="{386F3935-93C4-4BCD-93E2-E3B085C9AB24}">
-                  <p16:designElem xmlns:p16="http://schemas.microsoft.com/office/powerpoint/2015/main" val="1"/>
-                </p:ext>
-              </p:extLst>
-            </p:nvPr>
-          </p:nvSpPr>
-          <p:spPr>
-            <a:xfrm rot="4500000">
-              <a:off x="2224640" y="3193975"/>
-              <a:ext cx="2243193" cy="2243193"/>
-            </a:xfrm>
-            <a:prstGeom prst="ellipse">
-              <a:avLst/>
-            </a:prstGeom>
-            <a:noFill/>
-            <a:ln w="31750">
-              <a:gradFill>
-                <a:gsLst>
-                  <a:gs pos="0">
-                    <a:schemeClr val="tx2">
-                      <a:lumMod val="60000"/>
-                      <a:lumOff val="40000"/>
-                      <a:alpha val="10000"/>
-                    </a:schemeClr>
-                  </a:gs>
-                  <a:gs pos="100000">
-                    <a:schemeClr val="tx2">
-                      <a:lumMod val="50000"/>
-                      <a:alpha val="10000"/>
-                    </a:schemeClr>
-                  </a:gs>
-                </a:gsLst>
-                <a:lin ang="5400000" scaled="1"/>
-              </a:gradFill>
-            </a:ln>
-          </p:spPr>
-          <p:style>
-            <a:lnRef idx="2">
-              <a:schemeClr val="accent1">
-                <a:shade val="50000"/>
-              </a:schemeClr>
-            </a:lnRef>
-            <a:fillRef idx="1">
-              <a:schemeClr val="accent1"/>
-            </a:fillRef>
-            <a:effectRef idx="0">
-              <a:schemeClr val="accent1"/>
-            </a:effectRef>
-            <a:fontRef idx="minor">
-              <a:schemeClr val="lt1"/>
-            </a:fontRef>
-          </p:style>
-          <p:txBody>
-            <a:bodyPr rtlCol="0" anchor="ctr"/>
-            <a:lstStyle/>
-            <a:p>
-              <a:pPr algn="ctr"/>
-              <a:endParaRPr lang="en-US"/>
-            </a:p>
-          </p:txBody>
-        </p:sp>
-      </p:grpSp>
-      <p:sp>
-        <p:nvSpPr>
-          <p:cNvPr id="21" name="Rectangle 20">
-            <a:extLst>
-              <a:ext uri="{FF2B5EF4-FFF2-40B4-BE49-F238E27FC236}">
-                <a16:creationId xmlns:a16="http://schemas.microsoft.com/office/drawing/2014/main" id="{B8114C98-A349-4111-A123-E8EAB86ABE30}"/>
-              </a:ext>
-              <a:ext uri="{C183D7F6-B498-43B3-948B-1728B52AA6E4}">
-                <adec:decorative xmlns:adec="http://schemas.microsoft.com/office/drawing/2017/decorative" val="1"/>
-              </a:ext>
-            </a:extLst>
-          </p:cNvPr>
-          <p:cNvSpPr>
-            <a:spLocks noGrp="1" noRot="1" noChangeAspect="1" noMove="1" noResize="1" noEditPoints="1" noAdjustHandles="1" noChangeArrowheads="1" noChangeShapeType="1" noTextEdit="1"/>
-          </p:cNvSpPr>
-          <p:nvPr>
-            <p:extLst>
-              <p:ext uri="{386F3935-93C4-4BCD-93E2-E3B085C9AB24}">
-                <p16:designElem xmlns:p16="http://schemas.microsoft.com/office/powerpoint/2015/main" val="1"/>
-              </p:ext>
-            </p:extLst>
-          </p:nvPr>
-        </p:nvSpPr>
-        <p:spPr>
-          <a:xfrm rot="16200000">
-            <a:off x="10438146" y="1042605"/>
-            <a:ext cx="2796461" cy="711252"/>
-          </a:xfrm>
-          <a:prstGeom prst="rect">
-            <a:avLst/>
-          </a:prstGeom>
-          <a:gradFill flip="none" rotWithShape="1">
-            <a:gsLst>
-              <a:gs pos="0">
-                <a:schemeClr val="tx2">
-                  <a:lumMod val="40000"/>
-                  <a:lumOff val="60000"/>
-                  <a:alpha val="0"/>
-                </a:schemeClr>
-              </a:gs>
-              <a:gs pos="100000">
-                <a:schemeClr val="tx2">
-                  <a:lumMod val="75000"/>
-                  <a:alpha val="10000"/>
-                </a:schemeClr>
-              </a:gs>
-            </a:gsLst>
-            <a:lin ang="8400000" scaled="0"/>
-            <a:tileRect/>
-          </a:gradFill>
-          <a:ln>
-            <a:noFill/>
-          </a:ln>
-        </p:spPr>
-        <p:style>
-          <a:lnRef idx="2">
-            <a:schemeClr val="accent1">
-              <a:shade val="50000"/>
-            </a:schemeClr>
-          </a:lnRef>
-          <a:fillRef idx="1">
-            <a:schemeClr val="accent1"/>
-          </a:fillRef>
-          <a:effectRef idx="0">
-            <a:schemeClr val="accent1"/>
-          </a:effectRef>
-          <a:fontRef idx="minor">
-            <a:schemeClr val="lt1"/>
-          </a:fontRef>
-        </p:style>
-        <p:txBody>
-          <a:bodyPr rtlCol="0" anchor="ctr"/>
-          <a:lstStyle/>
-          <a:p>
-            <a:pPr algn="ctr"/>
-            <a:endParaRPr lang="en-US"/>
-          </a:p>
-        </p:txBody>
-      </p:sp>
-      <p:grpSp>
-        <p:nvGrpSpPr>
-          <p:cNvPr id="23" name="Group 22">
-            <a:extLst>
-              <a:ext uri="{FF2B5EF4-FFF2-40B4-BE49-F238E27FC236}">
-                <a16:creationId xmlns:a16="http://schemas.microsoft.com/office/drawing/2014/main" id="{670FB431-AE18-414D-92F4-1D12D1991152}"/>
-              </a:ext>
-              <a:ext uri="{C183D7F6-B498-43B3-948B-1728B52AA6E4}">
-                <adec:decorative xmlns:adec="http://schemas.microsoft.com/office/drawing/2017/decorative" val="1"/>
-              </a:ext>
-            </a:extLst>
-          </p:cNvPr>
-          <p:cNvGrpSpPr>
-            <a:grpSpLocks noGrp="1" noUngrp="1" noRot="1" noChangeAspect="1" noMove="1" noResize="1"/>
-          </p:cNvGrpSpPr>
-          <p:nvPr>
-            <p:extLst>
-              <p:ext uri="{386F3935-93C4-4BCD-93E2-E3B085C9AB24}">
-                <p16:designElem xmlns:p16="http://schemas.microsoft.com/office/powerpoint/2015/main" val="1"/>
-              </p:ext>
-            </p:extLst>
-          </p:nvPr>
-        </p:nvGrpSpPr>
-        <p:grpSpPr>
-          <a:xfrm>
-            <a:off x="11259539" y="317578"/>
-            <a:ext cx="548640" cy="549007"/>
-            <a:chOff x="7029447" y="3514725"/>
-            <a:chExt cx="1285875" cy="549007"/>
-          </a:xfrm>
-        </p:grpSpPr>
-        <p:cxnSp>
-          <p:nvCxnSpPr>
-            <p:cNvPr id="24" name="Straight Connector 23">
-              <a:extLst>
-                <a:ext uri="{FF2B5EF4-FFF2-40B4-BE49-F238E27FC236}">
-                  <a16:creationId xmlns:a16="http://schemas.microsoft.com/office/drawing/2014/main" id="{24467063-D74E-4D42-8790-B9F6D69584BE}"/>
-                </a:ext>
-                <a:ext uri="{C183D7F6-B498-43B3-948B-1728B52AA6E4}">
-                  <adec:decorative xmlns:adec="http://schemas.microsoft.com/office/drawing/2017/decorative" val="1"/>
-                </a:ext>
-              </a:extLst>
-            </p:cNvPr>
-            <p:cNvCxnSpPr>
-              <a:cxnSpLocks/>
-            </p:cNvCxnSpPr>
-            <p:nvPr>
-              <p:extLst>
-                <p:ext uri="{386F3935-93C4-4BCD-93E2-E3B085C9AB24}">
-                  <p16:designElem xmlns:p16="http://schemas.microsoft.com/office/powerpoint/2015/main" val="1"/>
-                </p:ext>
-              </p:extLst>
-            </p:nvPr>
-          </p:nvCxnSpPr>
-          <p:spPr>
-            <a:xfrm>
-              <a:off x="7029447" y="3514725"/>
-              <a:ext cx="1285875" cy="0"/>
-            </a:xfrm>
-            <a:prstGeom prst="line">
-              <a:avLst/>
-            </a:prstGeom>
-            <a:ln w="31750" cap="rnd" cmpd="sng">
-              <a:gradFill>
-                <a:gsLst>
-                  <a:gs pos="0">
-                    <a:schemeClr val="tx2">
-                      <a:lumMod val="60000"/>
-                      <a:lumOff val="40000"/>
-                      <a:alpha val="40000"/>
-                    </a:schemeClr>
-                  </a:gs>
-                  <a:gs pos="100000">
-                    <a:schemeClr val="tx2">
-                      <a:lumMod val="75000"/>
-                      <a:alpha val="40000"/>
-                    </a:schemeClr>
-                  </a:gs>
-                </a:gsLst>
-                <a:lin ang="5400000" scaled="1"/>
-              </a:gradFill>
-              <a:prstDash val="sysDot"/>
-              <a:round/>
-            </a:ln>
-          </p:spPr>
-          <p:style>
-            <a:lnRef idx="1">
-              <a:schemeClr val="accent1"/>
-            </a:lnRef>
-            <a:fillRef idx="0">
-              <a:schemeClr val="accent1"/>
-            </a:fillRef>
-            <a:effectRef idx="0">
-              <a:schemeClr val="accent1"/>
-            </a:effectRef>
-            <a:fontRef idx="minor">
-              <a:schemeClr val="tx1"/>
-            </a:fontRef>
-          </p:style>
-        </p:cxnSp>
-        <p:cxnSp>
-          <p:nvCxnSpPr>
-            <p:cNvPr id="25" name="Straight Connector 24">
-              <a:extLst>
-                <a:ext uri="{FF2B5EF4-FFF2-40B4-BE49-F238E27FC236}">
-                  <a16:creationId xmlns:a16="http://schemas.microsoft.com/office/drawing/2014/main" id="{A1D19BAC-1681-47BC-AAF5-92FAFFF6F4CE}"/>
-                </a:ext>
-                <a:ext uri="{C183D7F6-B498-43B3-948B-1728B52AA6E4}">
-                  <adec:decorative xmlns:adec="http://schemas.microsoft.com/office/drawing/2017/decorative" val="1"/>
-                </a:ext>
-              </a:extLst>
-            </p:cNvPr>
-            <p:cNvCxnSpPr>
-              <a:cxnSpLocks/>
-            </p:cNvCxnSpPr>
-            <p:nvPr>
-              <p:extLst>
-                <p:ext uri="{386F3935-93C4-4BCD-93E2-E3B085C9AB24}">
-                  <p16:designElem xmlns:p16="http://schemas.microsoft.com/office/powerpoint/2015/main" val="1"/>
-                </p:ext>
-              </p:extLst>
-            </p:nvPr>
-          </p:nvCxnSpPr>
-          <p:spPr>
-            <a:xfrm>
-              <a:off x="7029447" y="3697727"/>
-              <a:ext cx="1285875" cy="0"/>
-            </a:xfrm>
-            <a:prstGeom prst="line">
-              <a:avLst/>
-            </a:prstGeom>
-            <a:ln w="31750" cap="rnd" cmpd="sng">
-              <a:gradFill>
-                <a:gsLst>
-                  <a:gs pos="0">
-                    <a:schemeClr val="tx2">
-                      <a:lumMod val="60000"/>
-                      <a:lumOff val="40000"/>
-                      <a:alpha val="40000"/>
-                    </a:schemeClr>
-                  </a:gs>
-                  <a:gs pos="100000">
-                    <a:schemeClr val="tx2">
-                      <a:lumMod val="75000"/>
-                      <a:alpha val="40000"/>
-                    </a:schemeClr>
-                  </a:gs>
-                </a:gsLst>
-                <a:lin ang="5400000" scaled="1"/>
-              </a:gradFill>
-              <a:prstDash val="sysDot"/>
-              <a:round/>
-            </a:ln>
-          </p:spPr>
-          <p:style>
-            <a:lnRef idx="1">
-              <a:schemeClr val="accent1"/>
-            </a:lnRef>
-            <a:fillRef idx="0">
-              <a:schemeClr val="accent1"/>
-            </a:fillRef>
-            <a:effectRef idx="0">
-              <a:schemeClr val="accent1"/>
-            </a:effectRef>
-            <a:fontRef idx="minor">
-              <a:schemeClr val="tx1"/>
-            </a:fontRef>
-          </p:style>
-        </p:cxnSp>
-        <p:cxnSp>
-          <p:nvCxnSpPr>
-            <p:cNvPr id="26" name="Straight Connector 25">
-              <a:extLst>
-                <a:ext uri="{FF2B5EF4-FFF2-40B4-BE49-F238E27FC236}">
-                  <a16:creationId xmlns:a16="http://schemas.microsoft.com/office/drawing/2014/main" id="{94347C2B-E846-452C-97AA-7E254FC1CE8F}"/>
-                </a:ext>
-                <a:ext uri="{C183D7F6-B498-43B3-948B-1728B52AA6E4}">
-                  <adec:decorative xmlns:adec="http://schemas.microsoft.com/office/drawing/2017/decorative" val="1"/>
-                </a:ext>
-              </a:extLst>
-            </p:cNvPr>
-            <p:cNvCxnSpPr>
-              <a:cxnSpLocks/>
-            </p:cNvCxnSpPr>
-            <p:nvPr>
-              <p:extLst>
-                <p:ext uri="{386F3935-93C4-4BCD-93E2-E3B085C9AB24}">
-                  <p16:designElem xmlns:p16="http://schemas.microsoft.com/office/powerpoint/2015/main" val="1"/>
-                </p:ext>
-              </p:extLst>
-            </p:nvPr>
-          </p:nvCxnSpPr>
-          <p:spPr>
-            <a:xfrm>
-              <a:off x="7029447" y="3880729"/>
-              <a:ext cx="1285875" cy="0"/>
-            </a:xfrm>
-            <a:prstGeom prst="line">
-              <a:avLst/>
-            </a:prstGeom>
-            <a:ln w="31750" cap="rnd" cmpd="sng">
-              <a:gradFill>
-                <a:gsLst>
-                  <a:gs pos="0">
-                    <a:schemeClr val="tx2">
-                      <a:lumMod val="60000"/>
-                      <a:lumOff val="40000"/>
-                      <a:alpha val="40000"/>
-                    </a:schemeClr>
-                  </a:gs>
-                  <a:gs pos="100000">
-                    <a:schemeClr val="tx2">
-                      <a:lumMod val="75000"/>
-                      <a:alpha val="40000"/>
-                    </a:schemeClr>
-                  </a:gs>
-                </a:gsLst>
-                <a:lin ang="5400000" scaled="1"/>
-              </a:gradFill>
-              <a:prstDash val="sysDot"/>
-              <a:round/>
-            </a:ln>
-          </p:spPr>
-          <p:style>
-            <a:lnRef idx="1">
-              <a:schemeClr val="accent1"/>
-            </a:lnRef>
-            <a:fillRef idx="0">
-              <a:schemeClr val="accent1"/>
-            </a:fillRef>
-            <a:effectRef idx="0">
-              <a:schemeClr val="accent1"/>
-            </a:effectRef>
-            <a:fontRef idx="minor">
-              <a:schemeClr val="tx1"/>
-            </a:fontRef>
-          </p:style>
-        </p:cxnSp>
-        <p:cxnSp>
-          <p:nvCxnSpPr>
-            <p:cNvPr id="27" name="Straight Connector 26">
-              <a:extLst>
-                <a:ext uri="{FF2B5EF4-FFF2-40B4-BE49-F238E27FC236}">
-                  <a16:creationId xmlns:a16="http://schemas.microsoft.com/office/drawing/2014/main" id="{10EA2B35-7959-4C2A-84AA-FF5D94FEDE90}"/>
-                </a:ext>
-                <a:ext uri="{C183D7F6-B498-43B3-948B-1728B52AA6E4}">
-                  <adec:decorative xmlns:adec="http://schemas.microsoft.com/office/drawing/2017/decorative" val="1"/>
-                </a:ext>
-              </a:extLst>
-            </p:cNvPr>
-            <p:cNvCxnSpPr>
-              <a:cxnSpLocks/>
-            </p:cNvCxnSpPr>
-            <p:nvPr>
-              <p:extLst>
-                <p:ext uri="{386F3935-93C4-4BCD-93E2-E3B085C9AB24}">
-                  <p16:designElem xmlns:p16="http://schemas.microsoft.com/office/powerpoint/2015/main" val="1"/>
-                </p:ext>
-              </p:extLst>
-            </p:nvPr>
-          </p:nvCxnSpPr>
-          <p:spPr>
-            <a:xfrm>
-              <a:off x="7029447" y="4063732"/>
-              <a:ext cx="1285875" cy="0"/>
-            </a:xfrm>
-            <a:prstGeom prst="line">
-              <a:avLst/>
-            </a:prstGeom>
-            <a:ln w="31750" cap="rnd" cmpd="sng">
-              <a:gradFill>
-                <a:gsLst>
-                  <a:gs pos="0">
-                    <a:schemeClr val="tx2">
-                      <a:lumMod val="60000"/>
-                      <a:lumOff val="40000"/>
-                      <a:alpha val="40000"/>
-                    </a:schemeClr>
-                  </a:gs>
-                  <a:gs pos="100000">
-                    <a:schemeClr val="tx2">
-                      <a:lumMod val="75000"/>
-                      <a:alpha val="40000"/>
-                    </a:schemeClr>
-                  </a:gs>
-                </a:gsLst>
-                <a:lin ang="5400000" scaled="1"/>
-              </a:gradFill>
-              <a:prstDash val="sysDot"/>
-              <a:round/>
-            </a:ln>
-          </p:spPr>
-          <p:style>
-            <a:lnRef idx="1">
-              <a:schemeClr val="accent1"/>
-            </a:lnRef>
-            <a:fillRef idx="0">
-              <a:schemeClr val="accent1"/>
-            </a:fillRef>
-            <a:effectRef idx="0">
-              <a:schemeClr val="accent1"/>
-            </a:effectRef>
-            <a:fontRef idx="minor">
-              <a:schemeClr val="tx1"/>
-            </a:fontRef>
-          </p:style>
-        </p:cxnSp>
-      </p:grpSp>
-      <p:pic>
-        <p:nvPicPr>
-          <p:cNvPr id="3" name="Picture 2"/>
-          <p:cNvPicPr>
-            <a:picLocks noChangeAspect="1"/>
-          </p:cNvPicPr>
-          <p:nvPr/>
-        </p:nvPicPr>
-        <p:blipFill>
-          <a:blip r:embed="rId2">
-            <a:extLst>
-              <a:ext uri="{28A0092B-C50C-407E-A947-70E740481C1C}">
-                <a14:useLocalDpi xmlns:a14="http://schemas.microsoft.com/office/drawing/2010/main" val="0"/>
-              </a:ext>
-            </a:extLst>
-          </a:blip>
-          <a:srcRect t="6200" r="1" b="35014"/>
-          <a:stretch/>
-        </p:blipFill>
-        <p:spPr>
-          <a:xfrm>
-            <a:off x="626590" y="317578"/>
-            <a:ext cx="10865488" cy="3105871"/>
-          </a:xfrm>
-          <a:prstGeom prst="rect">
-            <a:avLst/>
-          </a:prstGeom>
-        </p:spPr>
-      </p:pic>
-      <p:grpSp>
-        <p:nvGrpSpPr>
-          <p:cNvPr id="29" name="Group 28">
-            <a:extLst>
-              <a:ext uri="{FF2B5EF4-FFF2-40B4-BE49-F238E27FC236}">
-                <a16:creationId xmlns:a16="http://schemas.microsoft.com/office/drawing/2014/main" id="{AF19A774-30A5-488B-9BAF-629C6440294E}"/>
-              </a:ext>
-              <a:ext uri="{C183D7F6-B498-43B3-948B-1728B52AA6E4}">
-                <adec:decorative xmlns:adec="http://schemas.microsoft.com/office/drawing/2017/decorative" val="1"/>
-              </a:ext>
-            </a:extLst>
-          </p:cNvPr>
-          <p:cNvGrpSpPr>
-            <a:grpSpLocks noGrp="1" noUngrp="1" noRot="1" noChangeAspect="1" noMove="1" noResize="1"/>
-          </p:cNvGrpSpPr>
-          <p:nvPr>
-            <p:extLst>
-              <p:ext uri="{386F3935-93C4-4BCD-93E2-E3B085C9AB24}">
-                <p16:designElem xmlns:p16="http://schemas.microsoft.com/office/powerpoint/2015/main" val="1"/>
-              </p:ext>
-            </p:extLst>
-          </p:nvPr>
-        </p:nvGrpSpPr>
-        <p:grpSpPr>
-          <a:xfrm rot="16200000">
-            <a:off x="474192" y="482489"/>
-            <a:ext cx="304800" cy="429768"/>
-            <a:chOff x="215328" y="-46937"/>
-            <a:chExt cx="304800" cy="2773841"/>
-          </a:xfrm>
-        </p:grpSpPr>
-        <p:cxnSp>
-          <p:nvCxnSpPr>
-            <p:cNvPr id="30" name="Straight Connector 29">
-              <a:extLst>
-                <a:ext uri="{FF2B5EF4-FFF2-40B4-BE49-F238E27FC236}">
-                  <a16:creationId xmlns:a16="http://schemas.microsoft.com/office/drawing/2014/main" id="{291EBF88-5B98-4258-A542-14C3AF2E5225}"/>
-                </a:ext>
-                <a:ext uri="{C183D7F6-B498-43B3-948B-1728B52AA6E4}">
-                  <adec:decorative xmlns:adec="http://schemas.microsoft.com/office/drawing/2017/decorative" val="1"/>
-                </a:ext>
-              </a:extLst>
-            </p:cNvPr>
-            <p:cNvCxnSpPr>
-              <a:cxnSpLocks/>
-            </p:cNvCxnSpPr>
-            <p:nvPr>
-              <p:extLst>
-                <p:ext uri="{386F3935-93C4-4BCD-93E2-E3B085C9AB24}">
-                  <p16:designElem xmlns:p16="http://schemas.microsoft.com/office/powerpoint/2015/main" val="1"/>
-                </p:ext>
-              </p:extLst>
-            </p:nvPr>
-          </p:nvCxnSpPr>
-          <p:spPr>
-            <a:xfrm>
-              <a:off x="215328" y="-46937"/>
-              <a:ext cx="0" cy="2773841"/>
-            </a:xfrm>
-            <a:prstGeom prst="line">
-              <a:avLst/>
-            </a:prstGeom>
-            <a:ln w="25400" cmpd="sng">
-              <a:solidFill>
-                <a:schemeClr val="bg2">
-                  <a:lumMod val="60000"/>
-                  <a:lumOff val="40000"/>
-                  <a:alpha val="50000"/>
-                </a:schemeClr>
-              </a:solidFill>
-              <a:prstDash val="sysDot"/>
-            </a:ln>
-          </p:spPr>
-          <p:style>
-            <a:lnRef idx="1">
-              <a:schemeClr val="accent1"/>
-            </a:lnRef>
-            <a:fillRef idx="0">
-              <a:schemeClr val="accent1"/>
-            </a:fillRef>
-            <a:effectRef idx="0">
-              <a:schemeClr val="accent1"/>
-            </a:effectRef>
-            <a:fontRef idx="minor">
-              <a:schemeClr val="tx1"/>
-            </a:fontRef>
-          </p:style>
-        </p:cxnSp>
-        <p:cxnSp>
-          <p:nvCxnSpPr>
-            <p:cNvPr id="31" name="Straight Connector 30">
-              <a:extLst>
-                <a:ext uri="{FF2B5EF4-FFF2-40B4-BE49-F238E27FC236}">
-                  <a16:creationId xmlns:a16="http://schemas.microsoft.com/office/drawing/2014/main" id="{8FBC2D58-9E3C-490D-BD7A-61EF07EA79E4}"/>
-                </a:ext>
-                <a:ext uri="{C183D7F6-B498-43B3-948B-1728B52AA6E4}">
-                  <adec:decorative xmlns:adec="http://schemas.microsoft.com/office/drawing/2017/decorative" val="1"/>
-                </a:ext>
-              </a:extLst>
-            </p:cNvPr>
-            <p:cNvCxnSpPr>
-              <a:cxnSpLocks/>
-            </p:cNvCxnSpPr>
-            <p:nvPr>
-              <p:extLst>
-                <p:ext uri="{386F3935-93C4-4BCD-93E2-E3B085C9AB24}">
-                  <p16:designElem xmlns:p16="http://schemas.microsoft.com/office/powerpoint/2015/main" val="1"/>
-                </p:ext>
-              </p:extLst>
-            </p:nvPr>
-          </p:nvCxnSpPr>
-          <p:spPr>
-            <a:xfrm>
-              <a:off x="316928" y="-46937"/>
-              <a:ext cx="0" cy="2773841"/>
-            </a:xfrm>
-            <a:prstGeom prst="line">
-              <a:avLst/>
-            </a:prstGeom>
-            <a:ln w="25400" cmpd="sng">
-              <a:solidFill>
-                <a:schemeClr val="bg2">
-                  <a:lumMod val="60000"/>
-                  <a:lumOff val="40000"/>
-                  <a:alpha val="50000"/>
-                </a:schemeClr>
-              </a:solidFill>
-              <a:prstDash val="sysDot"/>
-            </a:ln>
-          </p:spPr>
-          <p:style>
-            <a:lnRef idx="1">
-              <a:schemeClr val="accent1"/>
-            </a:lnRef>
-            <a:fillRef idx="0">
-              <a:schemeClr val="accent1"/>
-            </a:fillRef>
-            <a:effectRef idx="0">
-              <a:schemeClr val="accent1"/>
-            </a:effectRef>
-            <a:fontRef idx="minor">
-              <a:schemeClr val="tx1"/>
-            </a:fontRef>
-          </p:style>
-        </p:cxnSp>
-        <p:cxnSp>
-          <p:nvCxnSpPr>
-            <p:cNvPr id="32" name="Straight Connector 31">
-              <a:extLst>
-                <a:ext uri="{FF2B5EF4-FFF2-40B4-BE49-F238E27FC236}">
-                  <a16:creationId xmlns:a16="http://schemas.microsoft.com/office/drawing/2014/main" id="{B6CF1BB4-1C1D-4EDE-BA26-0243FCF83BB9}"/>
-                </a:ext>
-                <a:ext uri="{C183D7F6-B498-43B3-948B-1728B52AA6E4}">
-                  <adec:decorative xmlns:adec="http://schemas.microsoft.com/office/drawing/2017/decorative" val="1"/>
-                </a:ext>
-              </a:extLst>
-            </p:cNvPr>
-            <p:cNvCxnSpPr>
-              <a:cxnSpLocks/>
-            </p:cNvCxnSpPr>
-            <p:nvPr>
-              <p:extLst>
-                <p:ext uri="{386F3935-93C4-4BCD-93E2-E3B085C9AB24}">
-                  <p16:designElem xmlns:p16="http://schemas.microsoft.com/office/powerpoint/2015/main" val="1"/>
-                </p:ext>
-              </p:extLst>
-            </p:nvPr>
-          </p:nvCxnSpPr>
-          <p:spPr>
-            <a:xfrm>
-              <a:off x="418528" y="-46937"/>
-              <a:ext cx="0" cy="2773841"/>
-            </a:xfrm>
-            <a:prstGeom prst="line">
-              <a:avLst/>
-            </a:prstGeom>
-            <a:ln w="25400" cmpd="sng">
-              <a:solidFill>
-                <a:schemeClr val="bg2">
-                  <a:lumMod val="60000"/>
-                  <a:lumOff val="40000"/>
-                  <a:alpha val="50000"/>
-                </a:schemeClr>
-              </a:solidFill>
-              <a:prstDash val="sysDot"/>
-            </a:ln>
-          </p:spPr>
-          <p:style>
-            <a:lnRef idx="1">
-              <a:schemeClr val="accent1"/>
-            </a:lnRef>
-            <a:fillRef idx="0">
-              <a:schemeClr val="accent1"/>
-            </a:fillRef>
-            <a:effectRef idx="0">
-              <a:schemeClr val="accent1"/>
-            </a:effectRef>
-            <a:fontRef idx="minor">
-              <a:schemeClr val="tx1"/>
-            </a:fontRef>
-          </p:style>
-        </p:cxnSp>
-        <p:cxnSp>
-          <p:nvCxnSpPr>
-            <p:cNvPr id="33" name="Straight Connector 32">
-              <a:extLst>
-                <a:ext uri="{FF2B5EF4-FFF2-40B4-BE49-F238E27FC236}">
-                  <a16:creationId xmlns:a16="http://schemas.microsoft.com/office/drawing/2014/main" id="{00C83729-E02F-4512-AFE7-F4792228BDA2}"/>
-                </a:ext>
-                <a:ext uri="{C183D7F6-B498-43B3-948B-1728B52AA6E4}">
-                  <adec:decorative xmlns:adec="http://schemas.microsoft.com/office/drawing/2017/decorative" val="1"/>
-                </a:ext>
-              </a:extLst>
-            </p:cNvPr>
-            <p:cNvCxnSpPr>
-              <a:cxnSpLocks/>
-            </p:cNvCxnSpPr>
-            <p:nvPr>
-              <p:extLst>
-                <p:ext uri="{386F3935-93C4-4BCD-93E2-E3B085C9AB24}">
-                  <p16:designElem xmlns:p16="http://schemas.microsoft.com/office/powerpoint/2015/main" val="1"/>
-                </p:ext>
-              </p:extLst>
-            </p:nvPr>
-          </p:nvCxnSpPr>
-          <p:spPr>
-            <a:xfrm>
-              <a:off x="520128" y="-46937"/>
-              <a:ext cx="0" cy="2773841"/>
-            </a:xfrm>
-            <a:prstGeom prst="line">
-              <a:avLst/>
-            </a:prstGeom>
-            <a:ln w="25400" cmpd="sng">
-              <a:solidFill>
-                <a:schemeClr val="bg2">
-                  <a:lumMod val="60000"/>
-                  <a:lumOff val="40000"/>
-                  <a:alpha val="50000"/>
-                </a:schemeClr>
-              </a:solidFill>
-              <a:prstDash val="sysDot"/>
-            </a:ln>
-          </p:spPr>
-          <p:style>
-            <a:lnRef idx="1">
-              <a:schemeClr val="accent1"/>
-            </a:lnRef>
-            <a:fillRef idx="0">
-              <a:schemeClr val="accent1"/>
-            </a:fillRef>
-            <a:effectRef idx="0">
-              <a:schemeClr val="accent1"/>
-            </a:effectRef>
-            <a:fontRef idx="minor">
-              <a:schemeClr val="tx1"/>
-            </a:fontRef>
-          </p:style>
-        </p:cxnSp>
-      </p:grpSp>
-      <p:sp>
-        <p:nvSpPr>
-          <p:cNvPr id="35" name="Rectangle 34">
-            <a:extLst>
-              <a:ext uri="{FF2B5EF4-FFF2-40B4-BE49-F238E27FC236}">
-                <a16:creationId xmlns:a16="http://schemas.microsoft.com/office/drawing/2014/main" id="{E2D3D3F2-ABBB-4453-B1C5-1BEBF7E4DD56}"/>
-              </a:ext>
-              <a:ext uri="{C183D7F6-B498-43B3-948B-1728B52AA6E4}">
-                <adec:decorative xmlns:adec="http://schemas.microsoft.com/office/drawing/2017/decorative" val="1"/>
-              </a:ext>
-            </a:extLst>
-          </p:cNvPr>
-          <p:cNvSpPr>
-            <a:spLocks noGrp="1" noRot="1" noChangeAspect="1" noMove="1" noResize="1" noEditPoints="1" noAdjustHandles="1" noChangeArrowheads="1" noChangeShapeType="1" noTextEdit="1"/>
-          </p:cNvSpPr>
-          <p:nvPr>
-            <p:extLst>
-              <p:ext uri="{386F3935-93C4-4BCD-93E2-E3B085C9AB24}">
-                <p16:designElem xmlns:p16="http://schemas.microsoft.com/office/powerpoint/2015/main" val="1"/>
-              </p:ext>
-            </p:extLst>
-          </p:nvPr>
-        </p:nvSpPr>
-        <p:spPr>
-          <a:xfrm rot="10800000">
-            <a:off x="-1" y="6140785"/>
-            <a:ext cx="6095997" cy="711252"/>
-          </a:xfrm>
-          <a:prstGeom prst="rect">
-            <a:avLst/>
-          </a:prstGeom>
-          <a:gradFill flip="none" rotWithShape="1">
-            <a:gsLst>
-              <a:gs pos="10000">
-                <a:schemeClr val="tx2">
-                  <a:lumMod val="50000"/>
-                  <a:alpha val="10000"/>
-                </a:schemeClr>
-              </a:gs>
-              <a:gs pos="100000">
-                <a:schemeClr val="tx2">
-                  <a:lumMod val="60000"/>
-                  <a:lumOff val="40000"/>
-                  <a:alpha val="0"/>
-                </a:schemeClr>
-              </a:gs>
-            </a:gsLst>
-            <a:lin ang="8400000" scaled="0"/>
-            <a:tileRect/>
-          </a:gradFill>
-          <a:ln>
-            <a:noFill/>
-          </a:ln>
-        </p:spPr>
-        <p:style>
-          <a:lnRef idx="2">
-            <a:schemeClr val="accent1">
-              <a:shade val="50000"/>
-            </a:schemeClr>
-          </a:lnRef>
-          <a:fillRef idx="1">
-            <a:schemeClr val="accent1"/>
-          </a:fillRef>
-          <a:effectRef idx="0">
-            <a:schemeClr val="accent1"/>
-          </a:effectRef>
-          <a:fontRef idx="minor">
-            <a:schemeClr val="lt1"/>
-          </a:fontRef>
-        </p:style>
-        <p:txBody>
-          <a:bodyPr rtlCol="0" anchor="ctr"/>
-          <a:lstStyle/>
-          <a:p>
-            <a:pPr algn="ctr"/>
-            <a:endParaRPr lang="en-US"/>
-          </a:p>
-        </p:txBody>
-      </p:sp>
-      <p:grpSp>
-        <p:nvGrpSpPr>
-          <p:cNvPr id="37" name="Group 36">
-            <a:extLst>
-              <a:ext uri="{FF2B5EF4-FFF2-40B4-BE49-F238E27FC236}">
-                <a16:creationId xmlns:a16="http://schemas.microsoft.com/office/drawing/2014/main" id="{8214E4A5-A0D2-42C4-8D14-D2A7E495F041}"/>
-              </a:ext>
-              <a:ext uri="{C183D7F6-B498-43B3-948B-1728B52AA6E4}">
-                <adec:decorative xmlns:adec="http://schemas.microsoft.com/office/drawing/2017/decorative" val="1"/>
-              </a:ext>
-            </a:extLst>
-          </p:cNvPr>
-          <p:cNvGrpSpPr>
-            <a:grpSpLocks noGrp="1" noUngrp="1" noRot="1" noChangeAspect="1" noMove="1" noResize="1"/>
-          </p:cNvGrpSpPr>
-          <p:nvPr>
-            <p:extLst>
-              <p:ext uri="{386F3935-93C4-4BCD-93E2-E3B085C9AB24}">
-                <p16:designElem xmlns:p16="http://schemas.microsoft.com/office/powerpoint/2015/main" val="1"/>
-              </p:ext>
-            </p:extLst>
-          </p:nvPr>
-        </p:nvGrpSpPr>
-        <p:grpSpPr>
-          <a:xfrm rot="5400000">
-            <a:off x="616345" y="5940560"/>
-            <a:ext cx="1285875" cy="549007"/>
-            <a:chOff x="7029447" y="3514725"/>
-            <a:chExt cx="1285875" cy="549007"/>
-          </a:xfrm>
-        </p:grpSpPr>
-        <p:cxnSp>
-          <p:nvCxnSpPr>
-            <p:cNvPr id="38" name="Straight Connector 37">
-              <a:extLst>
-                <a:ext uri="{FF2B5EF4-FFF2-40B4-BE49-F238E27FC236}">
-                  <a16:creationId xmlns:a16="http://schemas.microsoft.com/office/drawing/2014/main" id="{7494D7A0-6B21-41E8-A7D3-0033BBB79156}"/>
-                </a:ext>
-                <a:ext uri="{C183D7F6-B498-43B3-948B-1728B52AA6E4}">
-                  <adec:decorative xmlns:adec="http://schemas.microsoft.com/office/drawing/2017/decorative" val="1"/>
-                </a:ext>
-              </a:extLst>
-            </p:cNvPr>
-            <p:cNvCxnSpPr>
-              <a:cxnSpLocks/>
-            </p:cNvCxnSpPr>
-            <p:nvPr>
-              <p:extLst>
-                <p:ext uri="{386F3935-93C4-4BCD-93E2-E3B085C9AB24}">
-                  <p16:designElem xmlns:p16="http://schemas.microsoft.com/office/powerpoint/2015/main" val="1"/>
-                </p:ext>
-              </p:extLst>
-            </p:nvPr>
-          </p:nvCxnSpPr>
-          <p:spPr>
-            <a:xfrm>
-              <a:off x="7029447" y="3514725"/>
-              <a:ext cx="1285875" cy="0"/>
-            </a:xfrm>
-            <a:prstGeom prst="line">
-              <a:avLst/>
-            </a:prstGeom>
-            <a:ln w="31750" cap="rnd" cmpd="sng">
-              <a:gradFill>
-                <a:gsLst>
-                  <a:gs pos="0">
-                    <a:schemeClr val="tx2">
-                      <a:lumMod val="60000"/>
-                      <a:lumOff val="40000"/>
-                      <a:alpha val="40000"/>
-                    </a:schemeClr>
-                  </a:gs>
-                  <a:gs pos="100000">
-                    <a:schemeClr val="tx2">
-                      <a:lumMod val="50000"/>
-                      <a:alpha val="40000"/>
-                    </a:schemeClr>
-                  </a:gs>
-                </a:gsLst>
-                <a:lin ang="5400000" scaled="1"/>
-              </a:gradFill>
-              <a:prstDash val="sysDot"/>
-              <a:round/>
-            </a:ln>
-          </p:spPr>
-          <p:style>
-            <a:lnRef idx="1">
-              <a:schemeClr val="accent1"/>
-            </a:lnRef>
-            <a:fillRef idx="0">
-              <a:schemeClr val="accent1"/>
-            </a:fillRef>
-            <a:effectRef idx="0">
-              <a:schemeClr val="accent1"/>
-            </a:effectRef>
-            <a:fontRef idx="minor">
-              <a:schemeClr val="tx1"/>
-            </a:fontRef>
-          </p:style>
-        </p:cxnSp>
-        <p:cxnSp>
-          <p:nvCxnSpPr>
-            <p:cNvPr id="39" name="Straight Connector 38">
-              <a:extLst>
-                <a:ext uri="{FF2B5EF4-FFF2-40B4-BE49-F238E27FC236}">
-                  <a16:creationId xmlns:a16="http://schemas.microsoft.com/office/drawing/2014/main" id="{1E141D7D-32B0-448E-A666-EA8703AFCF2C}"/>
-                </a:ext>
-                <a:ext uri="{C183D7F6-B498-43B3-948B-1728B52AA6E4}">
-                  <adec:decorative xmlns:adec="http://schemas.microsoft.com/office/drawing/2017/decorative" val="1"/>
-                </a:ext>
-              </a:extLst>
-            </p:cNvPr>
-            <p:cNvCxnSpPr>
-              <a:cxnSpLocks/>
-            </p:cNvCxnSpPr>
-            <p:nvPr>
-              <p:extLst>
-                <p:ext uri="{386F3935-93C4-4BCD-93E2-E3B085C9AB24}">
-                  <p16:designElem xmlns:p16="http://schemas.microsoft.com/office/powerpoint/2015/main" val="1"/>
-                </p:ext>
-              </p:extLst>
-            </p:nvPr>
-          </p:nvCxnSpPr>
-          <p:spPr>
-            <a:xfrm>
-              <a:off x="7029447" y="3697727"/>
-              <a:ext cx="1285875" cy="0"/>
-            </a:xfrm>
-            <a:prstGeom prst="line">
-              <a:avLst/>
-            </a:prstGeom>
-            <a:ln w="31750" cap="rnd" cmpd="sng">
-              <a:gradFill>
-                <a:gsLst>
-                  <a:gs pos="0">
-                    <a:schemeClr val="tx2">
-                      <a:lumMod val="60000"/>
-                      <a:lumOff val="40000"/>
-                      <a:alpha val="40000"/>
-                    </a:schemeClr>
-                  </a:gs>
-                  <a:gs pos="100000">
-                    <a:schemeClr val="tx2">
-                      <a:lumMod val="50000"/>
-                      <a:alpha val="40000"/>
-                    </a:schemeClr>
-                  </a:gs>
-                </a:gsLst>
-                <a:lin ang="5400000" scaled="1"/>
-              </a:gradFill>
-              <a:prstDash val="sysDot"/>
-              <a:round/>
-            </a:ln>
-          </p:spPr>
-          <p:style>
-            <a:lnRef idx="1">
-              <a:schemeClr val="accent1"/>
-            </a:lnRef>
-            <a:fillRef idx="0">
-              <a:schemeClr val="accent1"/>
-            </a:fillRef>
-            <a:effectRef idx="0">
-              <a:schemeClr val="accent1"/>
-            </a:effectRef>
-            <a:fontRef idx="minor">
-              <a:schemeClr val="tx1"/>
-            </a:fontRef>
-          </p:style>
-        </p:cxnSp>
-        <p:cxnSp>
-          <p:nvCxnSpPr>
-            <p:cNvPr id="40" name="Straight Connector 39">
-              <a:extLst>
-                <a:ext uri="{FF2B5EF4-FFF2-40B4-BE49-F238E27FC236}">
-                  <a16:creationId xmlns:a16="http://schemas.microsoft.com/office/drawing/2014/main" id="{8D87E268-6345-420F-8B97-B37ED04100EC}"/>
-                </a:ext>
-                <a:ext uri="{C183D7F6-B498-43B3-948B-1728B52AA6E4}">
-                  <adec:decorative xmlns:adec="http://schemas.microsoft.com/office/drawing/2017/decorative" val="1"/>
-                </a:ext>
-              </a:extLst>
-            </p:cNvPr>
-            <p:cNvCxnSpPr>
-              <a:cxnSpLocks/>
-            </p:cNvCxnSpPr>
-            <p:nvPr>
-              <p:extLst>
-                <p:ext uri="{386F3935-93C4-4BCD-93E2-E3B085C9AB24}">
-                  <p16:designElem xmlns:p16="http://schemas.microsoft.com/office/powerpoint/2015/main" val="1"/>
-                </p:ext>
-              </p:extLst>
-            </p:nvPr>
-          </p:nvCxnSpPr>
-          <p:spPr>
-            <a:xfrm>
-              <a:off x="7029447" y="3880729"/>
-              <a:ext cx="1285875" cy="0"/>
-            </a:xfrm>
-            <a:prstGeom prst="line">
-              <a:avLst/>
-            </a:prstGeom>
-            <a:ln w="31750" cap="rnd" cmpd="sng">
-              <a:gradFill>
-                <a:gsLst>
-                  <a:gs pos="0">
-                    <a:schemeClr val="tx2">
-                      <a:lumMod val="60000"/>
-                      <a:lumOff val="40000"/>
-                      <a:alpha val="40000"/>
-                    </a:schemeClr>
-                  </a:gs>
-                  <a:gs pos="100000">
-                    <a:schemeClr val="tx2">
-                      <a:lumMod val="50000"/>
-                      <a:alpha val="40000"/>
-                    </a:schemeClr>
-                  </a:gs>
-                </a:gsLst>
-                <a:lin ang="5400000" scaled="1"/>
-              </a:gradFill>
-              <a:prstDash val="sysDot"/>
-              <a:round/>
-            </a:ln>
-          </p:spPr>
-          <p:style>
-            <a:lnRef idx="1">
-              <a:schemeClr val="accent1"/>
-            </a:lnRef>
-            <a:fillRef idx="0">
-              <a:schemeClr val="accent1"/>
-            </a:fillRef>
-            <a:effectRef idx="0">
-              <a:schemeClr val="accent1"/>
-            </a:effectRef>
-            <a:fontRef idx="minor">
-              <a:schemeClr val="tx1"/>
-            </a:fontRef>
-          </p:style>
-        </p:cxnSp>
-        <p:cxnSp>
-          <p:nvCxnSpPr>
-            <p:cNvPr id="41" name="Straight Connector 40">
-              <a:extLst>
-                <a:ext uri="{FF2B5EF4-FFF2-40B4-BE49-F238E27FC236}">
-                  <a16:creationId xmlns:a16="http://schemas.microsoft.com/office/drawing/2014/main" id="{35E1622E-7FA6-4760-A2BF-A8105EBF7BB9}"/>
-                </a:ext>
-                <a:ext uri="{C183D7F6-B498-43B3-948B-1728B52AA6E4}">
-                  <adec:decorative xmlns:adec="http://schemas.microsoft.com/office/drawing/2017/decorative" val="1"/>
-                </a:ext>
-              </a:extLst>
-            </p:cNvPr>
-            <p:cNvCxnSpPr>
-              <a:cxnSpLocks/>
-            </p:cNvCxnSpPr>
-            <p:nvPr>
-              <p:extLst>
-                <p:ext uri="{386F3935-93C4-4BCD-93E2-E3B085C9AB24}">
-                  <p16:designElem xmlns:p16="http://schemas.microsoft.com/office/powerpoint/2015/main" val="1"/>
-                </p:ext>
-              </p:extLst>
-            </p:nvPr>
-          </p:nvCxnSpPr>
-          <p:spPr>
-            <a:xfrm>
-              <a:off x="7029447" y="4063732"/>
-              <a:ext cx="1285875" cy="0"/>
-            </a:xfrm>
-            <a:prstGeom prst="line">
-              <a:avLst/>
-            </a:prstGeom>
-            <a:ln w="31750" cap="rnd" cmpd="sng">
-              <a:gradFill>
-                <a:gsLst>
-                  <a:gs pos="0">
-                    <a:schemeClr val="tx2">
-                      <a:lumMod val="60000"/>
-                      <a:lumOff val="40000"/>
-                      <a:alpha val="40000"/>
-                    </a:schemeClr>
-                  </a:gs>
-                  <a:gs pos="100000">
-                    <a:schemeClr val="tx2">
-                      <a:lumMod val="50000"/>
-                      <a:alpha val="40000"/>
-                    </a:schemeClr>
-                  </a:gs>
-                </a:gsLst>
-                <a:lin ang="5400000" scaled="1"/>
-              </a:gradFill>
-              <a:prstDash val="sysDot"/>
-              <a:round/>
-            </a:ln>
-          </p:spPr>
-          <p:style>
-            <a:lnRef idx="1">
-              <a:schemeClr val="accent1"/>
-            </a:lnRef>
-            <a:fillRef idx="0">
-              <a:schemeClr val="accent1"/>
-            </a:fillRef>
-            <a:effectRef idx="0">
-              <a:schemeClr val="accent1"/>
-            </a:effectRef>
-            <a:fontRef idx="minor">
-              <a:schemeClr val="tx1"/>
-            </a:fontRef>
-          </p:style>
-        </p:cxnSp>
-      </p:grpSp>
-      <p:sp>
-        <p:nvSpPr>
-          <p:cNvPr id="4" name="Rectangle 3"/>
-          <p:cNvSpPr/>
+          <p:cNvSpPr txBox="1"/>
           <p:nvPr/>
         </p:nvSpPr>
         <p:spPr>
           <a:xfrm>
-            <a:off x="2509967" y="3788105"/>
-            <a:ext cx="8765236" cy="2934731"/>
+            <a:off x="272143" y="1632402"/>
+            <a:ext cx="7826828" cy="1107996"/>
           </a:xfrm>
           <a:prstGeom prst="rect">
             <a:avLst/>
@@ -12409,654 +8954,76 @@
           <a:noFill/>
         </p:spPr>
         <p:txBody>
-          <a:bodyPr vert="horz" lIns="91440" tIns="45720" rIns="91440" bIns="45720" rtlCol="0" anchor="t">
-            <a:noAutofit/>
+          <a:bodyPr wrap="square" rtlCol="0">
+            <a:spAutoFit/>
           </a:bodyPr>
           <a:lstStyle/>
           <a:p>
-            <a:pPr indent="-228600">
-              <a:lnSpc>
-                <a:spcPct val="90000"/>
-              </a:lnSpc>
-              <a:spcAft>
-                <a:spcPts val="600"/>
-              </a:spcAft>
-              <a:buFont typeface="Arial" panose="020B0604020202020204" pitchFamily="34" charset="0"/>
-              <a:buChar char="•"/>
-            </a:pPr>
             <a:r>
-              <a:rPr lang="en-US" sz="800" b="1" dirty="0">
-                <a:solidFill>
-                  <a:schemeClr val="bg1"/>
-                </a:solidFill>
+              <a:rPr lang="en-NG" b="1" i="1" dirty="0">
+                <a:latin typeface="Century Gothic" panose="020B0502020202020204" pitchFamily="34" charset="0"/>
               </a:rPr>
-              <a:t>Sales Performance Analysis</a:t>
+              <a:t>Encourage web traffic</a:t>
             </a:r>
-            <a:endParaRPr lang="en-US" sz="800" b="1">
-              <a:solidFill>
-                <a:schemeClr val="bg1"/>
-              </a:solidFill>
-              <a:ea typeface="Calibri"/>
-              <a:cs typeface="Calibri"/>
-            </a:endParaRPr>
-          </a:p>
-          <a:p>
-            <a:pPr indent="-228600">
-              <a:lnSpc>
-                <a:spcPct val="90000"/>
-              </a:lnSpc>
-              <a:spcAft>
-                <a:spcPts val="600"/>
-              </a:spcAft>
-              <a:buFont typeface="Arial" panose="020B0604020202020204" pitchFamily="34" charset="0"/>
-              <a:buChar char="•"/>
-            </a:pPr>
+          </a:p>
+          <a:p>
+            <a:pPr algn="just"/>
             <a:r>
-              <a:rPr lang="en-US" sz="800" dirty="0">
-                <a:solidFill>
-                  <a:schemeClr val="bg1"/>
-                </a:solidFill>
+              <a:rPr lang="en-GB" sz="1600" i="1" dirty="0"/>
+              <a:t>Create engaging content like tutorials, product demos, and interactive experiences tailored to Parch and Posey's customers. Keeping users on the website long enough has shown to be a factor that would increase their likelihood to purchase.</a:t>
+            </a:r>
+          </a:p>
+        </p:txBody>
+      </p:sp>
+      <p:sp>
+        <p:nvSpPr>
+          <p:cNvPr id="3" name="TextBox 2">
+            <a:extLst>
+              <a:ext uri="{FF2B5EF4-FFF2-40B4-BE49-F238E27FC236}">
+                <a16:creationId xmlns:a16="http://schemas.microsoft.com/office/drawing/2014/main" id="{CC71DC0B-66F9-6BE9-E0FF-0AE303CE38EA}"/>
+              </a:ext>
+            </a:extLst>
+          </p:cNvPr>
+          <p:cNvSpPr txBox="1"/>
+          <p:nvPr/>
+        </p:nvSpPr>
+        <p:spPr>
+          <a:xfrm>
+            <a:off x="272143" y="3028575"/>
+            <a:ext cx="7826828" cy="1107996"/>
+          </a:xfrm>
+          <a:prstGeom prst="rect">
+            <a:avLst/>
+          </a:prstGeom>
+          <a:noFill/>
+        </p:spPr>
+        <p:txBody>
+          <a:bodyPr wrap="square" rtlCol="0">
+            <a:spAutoFit/>
+          </a:bodyPr>
+          <a:lstStyle/>
+          <a:p>
+            <a:r>
+              <a:rPr lang="en-GB" b="1" i="1" dirty="0">
+                <a:latin typeface="Century Gothic" panose="020B0502020202020204" pitchFamily="34" charset="0"/>
               </a:rPr>
-              <a:t>This chart shows the total amount in USD generated by each sales representative. Here's a breakdown of the key trends, differences, and actionable insights:</a:t>
+              <a:t>Early-year engagement strategies</a:t>
             </a:r>
-            <a:endParaRPr lang="en-US" sz="800">
-              <a:solidFill>
-                <a:schemeClr val="bg1"/>
-              </a:solidFill>
-              <a:ea typeface="Calibri"/>
-              <a:cs typeface="Calibri"/>
-            </a:endParaRPr>
-          </a:p>
-          <a:p>
-            <a:pPr indent="-228600">
-              <a:lnSpc>
-                <a:spcPct val="90000"/>
-              </a:lnSpc>
-              <a:spcAft>
-                <a:spcPts val="600"/>
-              </a:spcAft>
-              <a:buFont typeface="Arial" panose="020B0604020202020204" pitchFamily="34" charset="0"/>
-              <a:buChar char="•"/>
-            </a:pPr>
+            <a:endParaRPr lang="en-GB" sz="1600" i="1" dirty="0"/>
+          </a:p>
+          <a:p>
+            <a:pPr algn="just"/>
             <a:r>
-              <a:rPr lang="en-US" sz="800" b="1" dirty="0">
-                <a:solidFill>
-                  <a:schemeClr val="bg1"/>
-                </a:solidFill>
-              </a:rPr>
-              <a:t>Key Trends &amp; Patterns:</a:t>
+              <a:rPr lang="en-GB" sz="1600" i="1" dirty="0"/>
+              <a:t> Given the lower sales in the first few months, Parch and Posey needs to implement campaigns that encourage customer purchases during this period, such as limited-time offers, email reminders, or loyalty rewards, to smooth out the sales curve across the year.</a:t>
             </a:r>
-            <a:endParaRPr lang="en-US" sz="800">
-              <a:solidFill>
-                <a:schemeClr val="bg1"/>
-              </a:solidFill>
-              <a:ea typeface="Calibri"/>
-              <a:cs typeface="Calibri"/>
-            </a:endParaRPr>
-          </a:p>
-          <a:p>
-            <a:pPr indent="-228600">
-              <a:lnSpc>
-                <a:spcPct val="90000"/>
-              </a:lnSpc>
-              <a:spcAft>
-                <a:spcPts val="600"/>
-              </a:spcAft>
-              <a:buFont typeface="Arial" panose="020B0604020202020204" pitchFamily="34" charset="0"/>
-              <a:buChar char="•"/>
-            </a:pPr>
-            <a:r>
-              <a:rPr lang="en-US" sz="800" b="1" dirty="0">
-                <a:solidFill>
-                  <a:schemeClr val="bg1"/>
-                </a:solidFill>
-              </a:rPr>
-              <a:t>Overall Sales:</a:t>
-            </a:r>
-            <a:r>
-              <a:rPr lang="en-US" sz="800" dirty="0">
-                <a:solidFill>
-                  <a:schemeClr val="bg1"/>
-                </a:solidFill>
-              </a:rPr>
-              <a:t> The total sales volume varies significantly between sales representatives, with some generating significantly more revenue than others.</a:t>
-            </a:r>
-            <a:endParaRPr lang="en-US" sz="800">
-              <a:solidFill>
-                <a:schemeClr val="bg1"/>
-              </a:solidFill>
-              <a:ea typeface="Calibri"/>
-              <a:cs typeface="Calibri"/>
-            </a:endParaRPr>
-          </a:p>
-          <a:p>
-            <a:pPr indent="-228600">
-              <a:lnSpc>
-                <a:spcPct val="90000"/>
-              </a:lnSpc>
-              <a:spcAft>
-                <a:spcPts val="600"/>
-              </a:spcAft>
-              <a:buFont typeface="Arial" panose="020B0604020202020204" pitchFamily="34" charset="0"/>
-              <a:buChar char="•"/>
-            </a:pPr>
-            <a:r>
-              <a:rPr lang="en-US" sz="800" b="1" dirty="0">
-                <a:solidFill>
-                  <a:schemeClr val="bg1"/>
-                </a:solidFill>
-              </a:rPr>
-              <a:t>Top Performers:</a:t>
-            </a:r>
-            <a:r>
-              <a:rPr lang="en-US" sz="800" dirty="0">
-                <a:solidFill>
-                  <a:schemeClr val="bg1"/>
-                </a:solidFill>
-              </a:rPr>
-              <a:t> </a:t>
-            </a:r>
-            <a:r>
-              <a:rPr lang="en-US" sz="800" b="1" dirty="0">
-                <a:solidFill>
-                  <a:schemeClr val="bg1"/>
-                </a:solidFill>
-              </a:rPr>
-              <a:t>Tia Amato</a:t>
-            </a:r>
-            <a:r>
-              <a:rPr lang="en-US" sz="800" dirty="0">
-                <a:solidFill>
-                  <a:schemeClr val="bg1"/>
-                </a:solidFill>
-              </a:rPr>
-              <a:t> is the top performer with the highest total sales amount, followed by </a:t>
-            </a:r>
-            <a:r>
-              <a:rPr lang="en-US" sz="800" b="1" dirty="0">
-                <a:solidFill>
-                  <a:schemeClr val="bg1"/>
-                </a:solidFill>
-              </a:rPr>
-              <a:t>Elba Felder</a:t>
-            </a:r>
-            <a:r>
-              <a:rPr lang="en-US" sz="800" dirty="0">
-                <a:solidFill>
-                  <a:schemeClr val="bg1"/>
-                </a:solidFill>
-              </a:rPr>
-              <a:t> and </a:t>
-            </a:r>
-            <a:r>
-              <a:rPr lang="en-US" sz="800" b="1" dirty="0">
-                <a:solidFill>
-                  <a:schemeClr val="bg1"/>
-                </a:solidFill>
-              </a:rPr>
-              <a:t>Arica Stoltzfus</a:t>
-            </a:r>
-            <a:r>
-              <a:rPr lang="en-US" sz="800" dirty="0">
-                <a:solidFill>
-                  <a:schemeClr val="bg1"/>
-                </a:solidFill>
-              </a:rPr>
-              <a:t>.</a:t>
-            </a:r>
-            <a:endParaRPr lang="en-US" sz="800">
-              <a:solidFill>
-                <a:schemeClr val="bg1"/>
-              </a:solidFill>
-              <a:ea typeface="Calibri"/>
-              <a:cs typeface="Calibri"/>
-            </a:endParaRPr>
-          </a:p>
-          <a:p>
-            <a:pPr indent="-228600">
-              <a:lnSpc>
-                <a:spcPct val="90000"/>
-              </a:lnSpc>
-              <a:spcAft>
-                <a:spcPts val="600"/>
-              </a:spcAft>
-              <a:buFont typeface="Arial" panose="020B0604020202020204" pitchFamily="34" charset="0"/>
-              <a:buChar char="•"/>
-            </a:pPr>
-            <a:r>
-              <a:rPr lang="en-US" sz="800" b="1" dirty="0">
-                <a:solidFill>
-                  <a:schemeClr val="bg1"/>
-                </a:solidFill>
-              </a:rPr>
-              <a:t>Consistent Performance:</a:t>
-            </a:r>
-            <a:r>
-              <a:rPr lang="en-US" sz="800" dirty="0">
-                <a:solidFill>
-                  <a:schemeClr val="bg1"/>
-                </a:solidFill>
-              </a:rPr>
-              <a:t> A few representatives seem to have consistently above-average performance, while others are more inconsistent.</a:t>
-            </a:r>
-            <a:endParaRPr lang="en-US" sz="800">
-              <a:solidFill>
-                <a:schemeClr val="bg1"/>
-              </a:solidFill>
-              <a:ea typeface="Calibri"/>
-              <a:cs typeface="Calibri"/>
-            </a:endParaRPr>
-          </a:p>
-          <a:p>
-            <a:pPr indent="-228600">
-              <a:lnSpc>
-                <a:spcPct val="90000"/>
-              </a:lnSpc>
-              <a:spcAft>
-                <a:spcPts val="600"/>
-              </a:spcAft>
-              <a:buFont typeface="Arial" panose="020B0604020202020204" pitchFamily="34" charset="0"/>
-              <a:buChar char="•"/>
-            </a:pPr>
-            <a:r>
-              <a:rPr lang="en-US" sz="800" b="1" dirty="0">
-                <a:solidFill>
-                  <a:schemeClr val="bg1"/>
-                </a:solidFill>
-              </a:rPr>
-              <a:t>Notable Performance Differences:</a:t>
-            </a:r>
-            <a:endParaRPr lang="en-US" sz="800">
-              <a:solidFill>
-                <a:schemeClr val="bg1"/>
-              </a:solidFill>
-              <a:ea typeface="Calibri"/>
-              <a:cs typeface="Calibri"/>
-            </a:endParaRPr>
-          </a:p>
-          <a:p>
-            <a:pPr indent="-228600">
-              <a:lnSpc>
-                <a:spcPct val="90000"/>
-              </a:lnSpc>
-              <a:spcAft>
-                <a:spcPts val="600"/>
-              </a:spcAft>
-              <a:buFont typeface="Arial" panose="020B0604020202020204" pitchFamily="34" charset="0"/>
-              <a:buChar char="•"/>
-            </a:pPr>
-            <a:r>
-              <a:rPr lang="en-US" sz="800" b="1" dirty="0">
-                <a:solidFill>
-                  <a:schemeClr val="bg1"/>
-                </a:solidFill>
-              </a:rPr>
-              <a:t>Top Performers:</a:t>
-            </a:r>
-            <a:r>
-              <a:rPr lang="en-US" sz="800" dirty="0">
-                <a:solidFill>
-                  <a:schemeClr val="bg1"/>
-                </a:solidFill>
-              </a:rPr>
-              <a:t> As mentioned before, </a:t>
-            </a:r>
-            <a:r>
-              <a:rPr lang="en-US" sz="800" b="1" dirty="0">
-                <a:solidFill>
-                  <a:schemeClr val="bg1"/>
-                </a:solidFill>
-              </a:rPr>
-              <a:t>Tia Amato</a:t>
-            </a:r>
-            <a:r>
-              <a:rPr lang="en-US" sz="800" dirty="0">
-                <a:solidFill>
-                  <a:schemeClr val="bg1"/>
-                </a:solidFill>
-              </a:rPr>
-              <a:t>, </a:t>
-            </a:r>
-            <a:r>
-              <a:rPr lang="en-US" sz="800" b="1" dirty="0">
-                <a:solidFill>
-                  <a:schemeClr val="bg1"/>
-                </a:solidFill>
-              </a:rPr>
-              <a:t>Elba Felder</a:t>
-            </a:r>
-            <a:r>
-              <a:rPr lang="en-US" sz="800" dirty="0">
-                <a:solidFill>
-                  <a:schemeClr val="bg1"/>
-                </a:solidFill>
-              </a:rPr>
-              <a:t>, and </a:t>
-            </a:r>
-            <a:r>
-              <a:rPr lang="en-US" sz="800" b="1" dirty="0">
-                <a:solidFill>
-                  <a:schemeClr val="bg1"/>
-                </a:solidFill>
-              </a:rPr>
-              <a:t>Arica Stoltzfus</a:t>
-            </a:r>
-            <a:r>
-              <a:rPr lang="en-US" sz="800" dirty="0">
-                <a:solidFill>
-                  <a:schemeClr val="bg1"/>
-                </a:solidFill>
-              </a:rPr>
-              <a:t> are the top performers, generating significantly higher revenue compared to others.</a:t>
-            </a:r>
-            <a:endParaRPr lang="en-US" sz="800">
-              <a:solidFill>
-                <a:schemeClr val="bg1"/>
-              </a:solidFill>
-              <a:ea typeface="Calibri"/>
-              <a:cs typeface="Calibri"/>
-            </a:endParaRPr>
-          </a:p>
-          <a:p>
-            <a:pPr indent="-228600">
-              <a:lnSpc>
-                <a:spcPct val="90000"/>
-              </a:lnSpc>
-              <a:spcAft>
-                <a:spcPts val="600"/>
-              </a:spcAft>
-              <a:buFont typeface="Arial" panose="020B0604020202020204" pitchFamily="34" charset="0"/>
-              <a:buChar char="•"/>
-            </a:pPr>
-            <a:r>
-              <a:rPr lang="en-US" sz="800" b="1" dirty="0">
-                <a:solidFill>
-                  <a:schemeClr val="bg1"/>
-                </a:solidFill>
-              </a:rPr>
-              <a:t>Underperformers:</a:t>
-            </a:r>
-            <a:r>
-              <a:rPr lang="en-US" sz="800" dirty="0">
-                <a:solidFill>
-                  <a:schemeClr val="bg1"/>
-                </a:solidFill>
-              </a:rPr>
-              <a:t> Some representatives like </a:t>
-            </a:r>
-            <a:r>
-              <a:rPr lang="en-US" sz="800" b="1" dirty="0">
-                <a:solidFill>
-                  <a:schemeClr val="bg1"/>
-                </a:solidFill>
-              </a:rPr>
-              <a:t>Akilah Drinkard</a:t>
-            </a:r>
-            <a:r>
-              <a:rPr lang="en-US" sz="800" dirty="0">
-                <a:solidFill>
-                  <a:schemeClr val="bg1"/>
-                </a:solidFill>
-              </a:rPr>
-              <a:t>, </a:t>
-            </a:r>
-            <a:r>
-              <a:rPr lang="en-US" sz="800" b="1" dirty="0">
-                <a:solidFill>
-                  <a:schemeClr val="bg1"/>
-                </a:solidFill>
-              </a:rPr>
-              <a:t>Caralee Bidwell</a:t>
-            </a:r>
-            <a:r>
-              <a:rPr lang="en-US" sz="800" dirty="0">
-                <a:solidFill>
-                  <a:schemeClr val="bg1"/>
-                </a:solidFill>
-              </a:rPr>
-              <a:t>, and </a:t>
-            </a:r>
-            <a:r>
-              <a:rPr lang="en-US" sz="800" b="1" dirty="0">
-                <a:solidFill>
-                  <a:schemeClr val="bg1"/>
-                </a:solidFill>
-              </a:rPr>
-              <a:t>Cliff Meints</a:t>
-            </a:r>
-            <a:r>
-              <a:rPr lang="en-US" sz="800" dirty="0">
-                <a:solidFill>
-                  <a:schemeClr val="bg1"/>
-                </a:solidFill>
-              </a:rPr>
-              <a:t> have significantly lower sales compared to the top performers.</a:t>
-            </a:r>
-            <a:endParaRPr lang="en-US" sz="800">
-              <a:solidFill>
-                <a:schemeClr val="bg1"/>
-              </a:solidFill>
-              <a:ea typeface="Calibri"/>
-              <a:cs typeface="Calibri"/>
-            </a:endParaRPr>
-          </a:p>
-          <a:p>
-            <a:pPr indent="-228600">
-              <a:lnSpc>
-                <a:spcPct val="90000"/>
-              </a:lnSpc>
-              <a:spcAft>
-                <a:spcPts val="600"/>
-              </a:spcAft>
-              <a:buFont typeface="Arial" panose="020B0604020202020204" pitchFamily="34" charset="0"/>
-              <a:buChar char="•"/>
-            </a:pPr>
-            <a:r>
-              <a:rPr lang="en-US" sz="800" b="1" dirty="0">
-                <a:solidFill>
-                  <a:schemeClr val="bg1"/>
-                </a:solidFill>
-              </a:rPr>
-              <a:t>Actionable Insights:</a:t>
-            </a:r>
-            <a:endParaRPr lang="en-US" sz="800">
-              <a:solidFill>
-                <a:schemeClr val="bg1"/>
-              </a:solidFill>
-              <a:ea typeface="Calibri"/>
-              <a:cs typeface="Calibri"/>
-            </a:endParaRPr>
-          </a:p>
-          <a:p>
-            <a:pPr indent="-228600">
-              <a:lnSpc>
-                <a:spcPct val="90000"/>
-              </a:lnSpc>
-              <a:spcAft>
-                <a:spcPts val="600"/>
-              </a:spcAft>
-              <a:buFont typeface="Arial" panose="020B0604020202020204" pitchFamily="34" charset="0"/>
-              <a:buChar char="•"/>
-            </a:pPr>
-            <a:r>
-              <a:rPr lang="en-US" sz="800" b="1" dirty="0">
-                <a:solidFill>
-                  <a:schemeClr val="bg1"/>
-                </a:solidFill>
-              </a:rPr>
-              <a:t>Focus on Top Performers:</a:t>
-            </a:r>
-            <a:r>
-              <a:rPr lang="en-US" sz="800" dirty="0">
-                <a:solidFill>
-                  <a:schemeClr val="bg1"/>
-                </a:solidFill>
-              </a:rPr>
-              <a:t> Identify the strategies and best practices of top performers (like Tia Amato, Elba Felder, and Arica Stoltzfus) and share those with the rest of the sales team.</a:t>
-            </a:r>
-            <a:endParaRPr lang="en-US" sz="800">
-              <a:solidFill>
-                <a:schemeClr val="bg1"/>
-              </a:solidFill>
-              <a:ea typeface="Calibri"/>
-              <a:cs typeface="Calibri"/>
-            </a:endParaRPr>
-          </a:p>
-          <a:p>
-            <a:pPr indent="-228600">
-              <a:lnSpc>
-                <a:spcPct val="90000"/>
-              </a:lnSpc>
-              <a:spcAft>
-                <a:spcPts val="600"/>
-              </a:spcAft>
-              <a:buFont typeface="Arial" panose="020B0604020202020204" pitchFamily="34" charset="0"/>
-              <a:buChar char="•"/>
-            </a:pPr>
-            <a:r>
-              <a:rPr lang="en-US" sz="800" b="1" dirty="0">
-                <a:solidFill>
-                  <a:schemeClr val="bg1"/>
-                </a:solidFill>
-              </a:rPr>
-              <a:t>Training &amp; Development:</a:t>
-            </a:r>
-            <a:r>
-              <a:rPr lang="en-US" sz="800" dirty="0">
-                <a:solidFill>
-                  <a:schemeClr val="bg1"/>
-                </a:solidFill>
-              </a:rPr>
-              <a:t> Provide targeted training and development programs to underperforming sales representatives to help them improve their skills and knowledge.</a:t>
-            </a:r>
-            <a:endParaRPr lang="en-US" sz="800">
-              <a:solidFill>
-                <a:schemeClr val="bg1"/>
-              </a:solidFill>
-              <a:ea typeface="Calibri"/>
-              <a:cs typeface="Calibri"/>
-            </a:endParaRPr>
-          </a:p>
-          <a:p>
-            <a:pPr indent="-228600">
-              <a:lnSpc>
-                <a:spcPct val="90000"/>
-              </a:lnSpc>
-              <a:spcAft>
-                <a:spcPts val="600"/>
-              </a:spcAft>
-              <a:buFont typeface="Arial" panose="020B0604020202020204" pitchFamily="34" charset="0"/>
-              <a:buChar char="•"/>
-            </a:pPr>
-            <a:r>
-              <a:rPr lang="en-US" sz="800" b="1" dirty="0">
-                <a:solidFill>
-                  <a:schemeClr val="bg1"/>
-                </a:solidFill>
-              </a:rPr>
-              <a:t>Performance Coaching:</a:t>
-            </a:r>
-            <a:r>
-              <a:rPr lang="en-US" sz="800" dirty="0">
-                <a:solidFill>
-                  <a:schemeClr val="bg1"/>
-                </a:solidFill>
-              </a:rPr>
-              <a:t> Implement a coaching program for all sales representatives to provide personalized guidance and support, helping them improve their performance and achieve their targets.</a:t>
-            </a:r>
-            <a:endParaRPr lang="en-US" sz="800">
-              <a:solidFill>
-                <a:schemeClr val="bg1"/>
-              </a:solidFill>
-              <a:ea typeface="Calibri"/>
-              <a:cs typeface="Calibri"/>
-            </a:endParaRPr>
-          </a:p>
-          <a:p>
-            <a:pPr indent="-228600">
-              <a:lnSpc>
-                <a:spcPct val="90000"/>
-              </a:lnSpc>
-              <a:spcAft>
-                <a:spcPts val="600"/>
-              </a:spcAft>
-              <a:buFont typeface="Arial" panose="020B0604020202020204" pitchFamily="34" charset="0"/>
-              <a:buChar char="•"/>
-            </a:pPr>
-            <a:r>
-              <a:rPr lang="en-US" sz="800" b="1" dirty="0">
-                <a:solidFill>
-                  <a:schemeClr val="bg1"/>
-                </a:solidFill>
-              </a:rPr>
-              <a:t>Incentives &amp; Recognition:</a:t>
-            </a:r>
-            <a:r>
-              <a:rPr lang="en-US" sz="800" dirty="0">
-                <a:solidFill>
-                  <a:schemeClr val="bg1"/>
-                </a:solidFill>
-              </a:rPr>
-              <a:t> Reward top performers and acknowledge their contributions to motivate the entire team and encourage healthy competition.</a:t>
-            </a:r>
-            <a:endParaRPr lang="en-US" sz="800">
-              <a:solidFill>
-                <a:schemeClr val="bg1"/>
-              </a:solidFill>
-              <a:ea typeface="Calibri"/>
-              <a:cs typeface="Calibri"/>
-            </a:endParaRPr>
-          </a:p>
-          <a:p>
-            <a:pPr indent="-228600">
-              <a:lnSpc>
-                <a:spcPct val="90000"/>
-              </a:lnSpc>
-              <a:spcAft>
-                <a:spcPts val="600"/>
-              </a:spcAft>
-              <a:buFont typeface="Arial" panose="020B0604020202020204" pitchFamily="34" charset="0"/>
-              <a:buChar char="•"/>
-            </a:pPr>
-            <a:r>
-              <a:rPr lang="en-US" sz="800" b="1" dirty="0">
-                <a:solidFill>
-                  <a:schemeClr val="bg1"/>
-                </a:solidFill>
-              </a:rPr>
-              <a:t>Important Note:</a:t>
-            </a:r>
-            <a:r>
-              <a:rPr lang="en-US" sz="800" dirty="0">
-                <a:solidFill>
-                  <a:schemeClr val="bg1"/>
-                </a:solidFill>
-              </a:rPr>
-              <a:t> It's crucial to rememb</a:t>
-            </a:r>
-            <a:r>
-              <a:rPr lang="en-US" sz="700" dirty="0">
-                <a:solidFill>
-                  <a:schemeClr val="bg1"/>
-                </a:solidFill>
-              </a:rPr>
-              <a:t>er that this analysis is based solely on the total amount in USD. Additional factors like the number of deals closed, average deal size, and customer satisfaction should also be considered for a comprehensive evaluation of sales performance.</a:t>
-            </a:r>
-            <a:endParaRPr lang="en-US" sz="700" b="0" i="0" dirty="0">
-              <a:solidFill>
-                <a:schemeClr val="bg1"/>
-              </a:solidFill>
-              <a:effectLst/>
-              <a:ea typeface="Calibri"/>
-              <a:cs typeface="Calibri"/>
-            </a:endParaRPr>
           </a:p>
         </p:txBody>
       </p:sp>
     </p:spTree>
     <p:extLst>
       <p:ext uri="{BB962C8B-B14F-4D97-AF65-F5344CB8AC3E}">
-        <p14:creationId xmlns:p14="http://schemas.microsoft.com/office/powerpoint/2010/main" val="268839094"/>
+        <p14:creationId xmlns:p14="http://schemas.microsoft.com/office/powerpoint/2010/main" val="2992208308"/>
       </p:ext>
     </p:extLst>
   </p:cSld>
